--- a/docs/Block diagram.pptx
+++ b/docs/Block diagram.pptx
@@ -6,6 +6,7 @@
   </p:sldMasterIdLst>
   <p:sldIdLst>
     <p:sldId id="256" r:id="rId2"/>
+    <p:sldId id="257" r:id="rId3"/>
   </p:sldIdLst>
   <p:sldSz cx="12192000" cy="6858000"/>
   <p:notesSz cx="6858000" cy="9144000"/>
@@ -104,6 +105,11 @@
       </a:defRPr>
     </a:lvl9pPr>
   </p:defaultTextStyle>
+  <p:extLst>
+    <p:ext uri="{EFAFB233-063F-42B5-8137-9DF3F51BA10A}">
+      <p15:sldGuideLst xmlns:p15="http://schemas.microsoft.com/office/powerpoint/2012/main"/>
+    </p:ext>
+  </p:extLst>
 </p:presentation>
 </file>
 
@@ -256,7 +262,7 @@
           <a:p>
             <a:fld id="{72BCE49A-90C4-4870-BF27-6EF0BB66320F}" type="datetimeFigureOut">
               <a:rPr lang="en-GB" smtClean="0"/>
-              <a:t>23/02/2022</a:t>
+              <a:t>12/03/2022</a:t>
             </a:fld>
             <a:endParaRPr lang="en-GB"/>
           </a:p>
@@ -456,7 +462,7 @@
           <a:p>
             <a:fld id="{72BCE49A-90C4-4870-BF27-6EF0BB66320F}" type="datetimeFigureOut">
               <a:rPr lang="en-GB" smtClean="0"/>
-              <a:t>23/02/2022</a:t>
+              <a:t>12/03/2022</a:t>
             </a:fld>
             <a:endParaRPr lang="en-GB"/>
           </a:p>
@@ -666,7 +672,7 @@
           <a:p>
             <a:fld id="{72BCE49A-90C4-4870-BF27-6EF0BB66320F}" type="datetimeFigureOut">
               <a:rPr lang="en-GB" smtClean="0"/>
-              <a:t>23/02/2022</a:t>
+              <a:t>12/03/2022</a:t>
             </a:fld>
             <a:endParaRPr lang="en-GB"/>
           </a:p>
@@ -866,7 +872,7 @@
           <a:p>
             <a:fld id="{72BCE49A-90C4-4870-BF27-6EF0BB66320F}" type="datetimeFigureOut">
               <a:rPr lang="en-GB" smtClean="0"/>
-              <a:t>23/02/2022</a:t>
+              <a:t>12/03/2022</a:t>
             </a:fld>
             <a:endParaRPr lang="en-GB"/>
           </a:p>
@@ -1142,7 +1148,7 @@
           <a:p>
             <a:fld id="{72BCE49A-90C4-4870-BF27-6EF0BB66320F}" type="datetimeFigureOut">
               <a:rPr lang="en-GB" smtClean="0"/>
-              <a:t>23/02/2022</a:t>
+              <a:t>12/03/2022</a:t>
             </a:fld>
             <a:endParaRPr lang="en-GB"/>
           </a:p>
@@ -1410,7 +1416,7 @@
           <a:p>
             <a:fld id="{72BCE49A-90C4-4870-BF27-6EF0BB66320F}" type="datetimeFigureOut">
               <a:rPr lang="en-GB" smtClean="0"/>
-              <a:t>23/02/2022</a:t>
+              <a:t>12/03/2022</a:t>
             </a:fld>
             <a:endParaRPr lang="en-GB"/>
           </a:p>
@@ -1825,7 +1831,7 @@
           <a:p>
             <a:fld id="{72BCE49A-90C4-4870-BF27-6EF0BB66320F}" type="datetimeFigureOut">
               <a:rPr lang="en-GB" smtClean="0"/>
-              <a:t>23/02/2022</a:t>
+              <a:t>12/03/2022</a:t>
             </a:fld>
             <a:endParaRPr lang="en-GB"/>
           </a:p>
@@ -1967,7 +1973,7 @@
           <a:p>
             <a:fld id="{72BCE49A-90C4-4870-BF27-6EF0BB66320F}" type="datetimeFigureOut">
               <a:rPr lang="en-GB" smtClean="0"/>
-              <a:t>23/02/2022</a:t>
+              <a:t>12/03/2022</a:t>
             </a:fld>
             <a:endParaRPr lang="en-GB"/>
           </a:p>
@@ -2080,7 +2086,7 @@
           <a:p>
             <a:fld id="{72BCE49A-90C4-4870-BF27-6EF0BB66320F}" type="datetimeFigureOut">
               <a:rPr lang="en-GB" smtClean="0"/>
-              <a:t>23/02/2022</a:t>
+              <a:t>12/03/2022</a:t>
             </a:fld>
             <a:endParaRPr lang="en-GB"/>
           </a:p>
@@ -2393,7 +2399,7 @@
           <a:p>
             <a:fld id="{72BCE49A-90C4-4870-BF27-6EF0BB66320F}" type="datetimeFigureOut">
               <a:rPr lang="en-GB" smtClean="0"/>
-              <a:t>23/02/2022</a:t>
+              <a:t>12/03/2022</a:t>
             </a:fld>
             <a:endParaRPr lang="en-GB"/>
           </a:p>
@@ -2682,7 +2688,7 @@
           <a:p>
             <a:fld id="{72BCE49A-90C4-4870-BF27-6EF0BB66320F}" type="datetimeFigureOut">
               <a:rPr lang="en-GB" smtClean="0"/>
-              <a:t>23/02/2022</a:t>
+              <a:t>12/03/2022</a:t>
             </a:fld>
             <a:endParaRPr lang="en-GB"/>
           </a:p>
@@ -2925,7 +2931,7 @@
           <a:p>
             <a:fld id="{72BCE49A-90C4-4870-BF27-6EF0BB66320F}" type="datetimeFigureOut">
               <a:rPr lang="en-GB" smtClean="0"/>
-              <a:t>23/02/2022</a:t>
+              <a:t>12/03/2022</a:t>
             </a:fld>
             <a:endParaRPr lang="en-GB"/>
           </a:p>
@@ -6520,6 +6526,4343 @@
 </p:sld>
 </file>
 
+<file path=ppt/slides/slide2.xml><?xml version="1.0" encoding="utf-8"?>
+<p:sld xmlns:a="http://schemas.openxmlformats.org/drawingml/2006/main" xmlns:r="http://schemas.openxmlformats.org/officeDocument/2006/relationships" xmlns:p="http://schemas.openxmlformats.org/presentationml/2006/main">
+  <p:cSld>
+    <p:spTree>
+      <p:nvGrpSpPr>
+        <p:cNvPr id="1" name=""/>
+        <p:cNvGrpSpPr/>
+        <p:nvPr/>
+      </p:nvGrpSpPr>
+      <p:grpSpPr>
+        <a:xfrm>
+          <a:off x="0" y="0"/>
+          <a:ext cx="0" cy="0"/>
+          <a:chOff x="0" y="0"/>
+          <a:chExt cx="0" cy="0"/>
+        </a:xfrm>
+      </p:grpSpPr>
+      <p:sp>
+        <p:nvSpPr>
+          <p:cNvPr id="4" name="Rectangle 3">
+            <a:extLst>
+              <a:ext uri="{FF2B5EF4-FFF2-40B4-BE49-F238E27FC236}">
+                <a16:creationId xmlns:a16="http://schemas.microsoft.com/office/drawing/2014/main" id="{0A143192-B78B-4A90-A6C9-F0CAE49C0ACE}"/>
+              </a:ext>
+            </a:extLst>
+          </p:cNvPr>
+          <p:cNvSpPr/>
+          <p:nvPr/>
+        </p:nvSpPr>
+        <p:spPr>
+          <a:xfrm>
+            <a:off x="6275102" y="141747"/>
+            <a:ext cx="710553" cy="646487"/>
+          </a:xfrm>
+          <a:prstGeom prst="rect">
+            <a:avLst/>
+          </a:prstGeom>
+          <a:solidFill>
+            <a:srgbClr val="92D050"/>
+          </a:solidFill>
+        </p:spPr>
+        <p:style>
+          <a:lnRef idx="2">
+            <a:schemeClr val="accent1">
+              <a:shade val="50000"/>
+            </a:schemeClr>
+          </a:lnRef>
+          <a:fillRef idx="1">
+            <a:schemeClr val="accent1"/>
+          </a:fillRef>
+          <a:effectRef idx="0">
+            <a:schemeClr val="accent1"/>
+          </a:effectRef>
+          <a:fontRef idx="minor">
+            <a:schemeClr val="lt1"/>
+          </a:fontRef>
+        </p:style>
+        <p:txBody>
+          <a:bodyPr rtlCol="0" anchor="ctr"/>
+          <a:lstStyle/>
+          <a:p>
+            <a:pPr algn="ctr"/>
+            <a:r>
+              <a:rPr lang="en-GB" sz="1100" dirty="0"/>
+              <a:t>Steering Wheel</a:t>
+            </a:r>
+          </a:p>
+        </p:txBody>
+      </p:sp>
+      <p:cxnSp>
+        <p:nvCxnSpPr>
+          <p:cNvPr id="5" name="Straight Arrow Connector 17">
+            <a:extLst>
+              <a:ext uri="{FF2B5EF4-FFF2-40B4-BE49-F238E27FC236}">
+                <a16:creationId xmlns:a16="http://schemas.microsoft.com/office/drawing/2014/main" id="{2D587430-025D-4F58-882E-63AAF0652667}"/>
+              </a:ext>
+            </a:extLst>
+          </p:cNvPr>
+          <p:cNvCxnSpPr>
+            <a:cxnSpLocks/>
+            <a:stCxn id="4" idx="2"/>
+          </p:cNvCxnSpPr>
+          <p:nvPr/>
+        </p:nvCxnSpPr>
+        <p:spPr>
+          <a:xfrm>
+            <a:off x="6630379" y="788234"/>
+            <a:ext cx="0" cy="1302680"/>
+          </a:xfrm>
+          <a:prstGeom prst="straightConnector1">
+            <a:avLst/>
+          </a:prstGeom>
+          <a:ln w="19050">
+            <a:solidFill>
+              <a:srgbClr val="FFC000"/>
+            </a:solidFill>
+            <a:tailEnd type="triangle"/>
+          </a:ln>
+        </p:spPr>
+        <p:style>
+          <a:lnRef idx="1">
+            <a:schemeClr val="accent1"/>
+          </a:lnRef>
+          <a:fillRef idx="0">
+            <a:schemeClr val="accent1"/>
+          </a:fillRef>
+          <a:effectRef idx="0">
+            <a:schemeClr val="accent1"/>
+          </a:effectRef>
+          <a:fontRef idx="minor">
+            <a:schemeClr val="tx1"/>
+          </a:fontRef>
+        </p:style>
+      </p:cxnSp>
+      <p:sp>
+        <p:nvSpPr>
+          <p:cNvPr id="6" name="Rectangle 5">
+            <a:extLst>
+              <a:ext uri="{FF2B5EF4-FFF2-40B4-BE49-F238E27FC236}">
+                <a16:creationId xmlns:a16="http://schemas.microsoft.com/office/drawing/2014/main" id="{39371FBC-425F-4970-ABF6-7D86316566F7}"/>
+              </a:ext>
+            </a:extLst>
+          </p:cNvPr>
+          <p:cNvSpPr/>
+          <p:nvPr/>
+        </p:nvSpPr>
+        <p:spPr>
+          <a:xfrm>
+            <a:off x="4804487" y="2090914"/>
+            <a:ext cx="2082538" cy="2380366"/>
+          </a:xfrm>
+          <a:prstGeom prst="rect">
+            <a:avLst/>
+          </a:prstGeom>
+        </p:spPr>
+        <p:style>
+          <a:lnRef idx="2">
+            <a:schemeClr val="accent1">
+              <a:shade val="50000"/>
+            </a:schemeClr>
+          </a:lnRef>
+          <a:fillRef idx="1">
+            <a:schemeClr val="accent1"/>
+          </a:fillRef>
+          <a:effectRef idx="0">
+            <a:schemeClr val="accent1"/>
+          </a:effectRef>
+          <a:fontRef idx="minor">
+            <a:schemeClr val="lt1"/>
+          </a:fontRef>
+        </p:style>
+        <p:txBody>
+          <a:bodyPr rtlCol="0" anchor="ctr"/>
+          <a:lstStyle/>
+          <a:p>
+            <a:pPr algn="ctr"/>
+            <a:r>
+              <a:rPr lang="en-GB" sz="1100" dirty="0"/>
+              <a:t>Steering Control</a:t>
+            </a:r>
+          </a:p>
+          <a:p>
+            <a:pPr algn="ctr"/>
+            <a:r>
+              <a:rPr lang="en-GB" sz="1100" dirty="0"/>
+              <a:t>MCU</a:t>
+            </a:r>
+          </a:p>
+        </p:txBody>
+      </p:sp>
+      <p:sp>
+        <p:nvSpPr>
+          <p:cNvPr id="7" name="Rectangle 6">
+            <a:extLst>
+              <a:ext uri="{FF2B5EF4-FFF2-40B4-BE49-F238E27FC236}">
+                <a16:creationId xmlns:a16="http://schemas.microsoft.com/office/drawing/2014/main" id="{D5712841-CF10-4E5D-984D-A4C739F3B37A}"/>
+              </a:ext>
+            </a:extLst>
+          </p:cNvPr>
+          <p:cNvSpPr/>
+          <p:nvPr/>
+        </p:nvSpPr>
+        <p:spPr>
+          <a:xfrm>
+            <a:off x="1233796" y="1766348"/>
+            <a:ext cx="1070562" cy="1662651"/>
+          </a:xfrm>
+          <a:prstGeom prst="rect">
+            <a:avLst/>
+          </a:prstGeom>
+          <a:solidFill>
+            <a:srgbClr val="92D050"/>
+          </a:solidFill>
+        </p:spPr>
+        <p:style>
+          <a:lnRef idx="2">
+            <a:schemeClr val="accent1">
+              <a:shade val="50000"/>
+            </a:schemeClr>
+          </a:lnRef>
+          <a:fillRef idx="1">
+            <a:schemeClr val="accent1"/>
+          </a:fillRef>
+          <a:effectRef idx="0">
+            <a:schemeClr val="accent1"/>
+          </a:effectRef>
+          <a:fontRef idx="minor">
+            <a:schemeClr val="lt1"/>
+          </a:fontRef>
+        </p:style>
+        <p:txBody>
+          <a:bodyPr rtlCol="0" anchor="ctr"/>
+          <a:lstStyle/>
+          <a:p>
+            <a:pPr algn="ctr"/>
+            <a:r>
+              <a:rPr lang="en-GB" sz="1100" dirty="0"/>
+              <a:t>Steering</a:t>
+            </a:r>
+          </a:p>
+          <a:p>
+            <a:pPr algn="ctr"/>
+            <a:r>
+              <a:rPr lang="en-GB" sz="1100" dirty="0"/>
+              <a:t>Driver</a:t>
+            </a:r>
+          </a:p>
+        </p:txBody>
+      </p:sp>
+      <p:sp>
+        <p:nvSpPr>
+          <p:cNvPr id="8" name="Rectangle 7">
+            <a:extLst>
+              <a:ext uri="{FF2B5EF4-FFF2-40B4-BE49-F238E27FC236}">
+                <a16:creationId xmlns:a16="http://schemas.microsoft.com/office/drawing/2014/main" id="{8081DF61-1763-4C79-AFD8-8B78C8F5382D}"/>
+              </a:ext>
+            </a:extLst>
+          </p:cNvPr>
+          <p:cNvSpPr/>
+          <p:nvPr/>
+        </p:nvSpPr>
+        <p:spPr>
+          <a:xfrm>
+            <a:off x="1596109" y="3663171"/>
+            <a:ext cx="710553" cy="323245"/>
+          </a:xfrm>
+          <a:prstGeom prst="rect">
+            <a:avLst/>
+          </a:prstGeom>
+        </p:spPr>
+        <p:style>
+          <a:lnRef idx="2">
+            <a:schemeClr val="accent1">
+              <a:shade val="50000"/>
+            </a:schemeClr>
+          </a:lnRef>
+          <a:fillRef idx="1">
+            <a:schemeClr val="accent1"/>
+          </a:fillRef>
+          <a:effectRef idx="0">
+            <a:schemeClr val="accent1"/>
+          </a:effectRef>
+          <a:fontRef idx="minor">
+            <a:schemeClr val="lt1"/>
+          </a:fontRef>
+        </p:style>
+        <p:txBody>
+          <a:bodyPr rtlCol="0" anchor="ctr"/>
+          <a:lstStyle/>
+          <a:p>
+            <a:pPr algn="ctr"/>
+            <a:r>
+              <a:rPr lang="en-GB" sz="1100" dirty="0"/>
+              <a:t>Steering Motor</a:t>
+            </a:r>
+          </a:p>
+        </p:txBody>
+      </p:sp>
+      <p:cxnSp>
+        <p:nvCxnSpPr>
+          <p:cNvPr id="9" name="Straight Arrow Connector 17">
+            <a:extLst>
+              <a:ext uri="{FF2B5EF4-FFF2-40B4-BE49-F238E27FC236}">
+                <a16:creationId xmlns:a16="http://schemas.microsoft.com/office/drawing/2014/main" id="{F3E6F4B1-06EA-4A8E-BF52-B9A90534F9B5}"/>
+              </a:ext>
+            </a:extLst>
+          </p:cNvPr>
+          <p:cNvCxnSpPr>
+            <a:cxnSpLocks/>
+          </p:cNvCxnSpPr>
+          <p:nvPr/>
+        </p:nvCxnSpPr>
+        <p:spPr>
+          <a:xfrm flipH="1">
+            <a:off x="2304357" y="2853813"/>
+            <a:ext cx="224991" cy="0"/>
+          </a:xfrm>
+          <a:prstGeom prst="straightConnector1">
+            <a:avLst/>
+          </a:prstGeom>
+          <a:ln w="19050">
+            <a:solidFill>
+              <a:srgbClr val="7030A0"/>
+            </a:solidFill>
+            <a:headEnd type="triangle" w="med" len="med"/>
+            <a:tailEnd type="none" w="med" len="med"/>
+          </a:ln>
+        </p:spPr>
+        <p:style>
+          <a:lnRef idx="1">
+            <a:schemeClr val="accent1"/>
+          </a:lnRef>
+          <a:fillRef idx="0">
+            <a:schemeClr val="accent1"/>
+          </a:fillRef>
+          <a:effectRef idx="0">
+            <a:schemeClr val="accent1"/>
+          </a:effectRef>
+          <a:fontRef idx="minor">
+            <a:schemeClr val="tx1"/>
+          </a:fontRef>
+        </p:style>
+      </p:cxnSp>
+      <p:sp>
+        <p:nvSpPr>
+          <p:cNvPr id="11" name="Rectangle 10">
+            <a:extLst>
+              <a:ext uri="{FF2B5EF4-FFF2-40B4-BE49-F238E27FC236}">
+                <a16:creationId xmlns:a16="http://schemas.microsoft.com/office/drawing/2014/main" id="{A46CFACE-E955-47AD-837D-33F19A0C6FDA}"/>
+              </a:ext>
+            </a:extLst>
+          </p:cNvPr>
+          <p:cNvSpPr/>
+          <p:nvPr/>
+        </p:nvSpPr>
+        <p:spPr>
+          <a:xfrm>
+            <a:off x="1593804" y="3986413"/>
+            <a:ext cx="710553" cy="497097"/>
+          </a:xfrm>
+          <a:prstGeom prst="rect">
+            <a:avLst/>
+          </a:prstGeom>
+          <a:solidFill>
+            <a:srgbClr val="92D050"/>
+          </a:solidFill>
+        </p:spPr>
+        <p:style>
+          <a:lnRef idx="2">
+            <a:schemeClr val="accent1">
+              <a:shade val="50000"/>
+            </a:schemeClr>
+          </a:lnRef>
+          <a:fillRef idx="1">
+            <a:schemeClr val="accent1"/>
+          </a:fillRef>
+          <a:effectRef idx="0">
+            <a:schemeClr val="accent1"/>
+          </a:effectRef>
+          <a:fontRef idx="minor">
+            <a:schemeClr val="lt1"/>
+          </a:fontRef>
+        </p:style>
+        <p:txBody>
+          <a:bodyPr rtlCol="0" anchor="ctr"/>
+          <a:lstStyle/>
+          <a:p>
+            <a:pPr algn="ctr"/>
+            <a:r>
+              <a:rPr lang="en-GB" sz="1000" dirty="0"/>
+              <a:t>Steering Feedback</a:t>
+            </a:r>
+          </a:p>
+        </p:txBody>
+      </p:sp>
+      <p:cxnSp>
+        <p:nvCxnSpPr>
+          <p:cNvPr id="12" name="Straight Connector 11">
+            <a:extLst>
+              <a:ext uri="{FF2B5EF4-FFF2-40B4-BE49-F238E27FC236}">
+                <a16:creationId xmlns:a16="http://schemas.microsoft.com/office/drawing/2014/main" id="{0C0B37DC-65BF-4BB9-B33C-EB780D9B5912}"/>
+              </a:ext>
+            </a:extLst>
+          </p:cNvPr>
+          <p:cNvCxnSpPr>
+            <a:cxnSpLocks/>
+            <a:endCxn id="8" idx="0"/>
+          </p:cNvCxnSpPr>
+          <p:nvPr/>
+        </p:nvCxnSpPr>
+        <p:spPr>
+          <a:xfrm>
+            <a:off x="1949081" y="3428999"/>
+            <a:ext cx="2305" cy="234172"/>
+          </a:xfrm>
+          <a:prstGeom prst="line">
+            <a:avLst/>
+          </a:prstGeom>
+          <a:ln w="19050" cap="flat" cmpd="sng" algn="ctr">
+            <a:solidFill>
+              <a:srgbClr val="FF0000"/>
+            </a:solidFill>
+            <a:prstDash val="solid"/>
+            <a:round/>
+            <a:headEnd type="none" w="med" len="med"/>
+            <a:tailEnd type="triangle" w="med" len="med"/>
+          </a:ln>
+        </p:spPr>
+        <p:style>
+          <a:lnRef idx="0">
+            <a:scrgbClr r="0" g="0" b="0"/>
+          </a:lnRef>
+          <a:fillRef idx="0">
+            <a:scrgbClr r="0" g="0" b="0"/>
+          </a:fillRef>
+          <a:effectRef idx="0">
+            <a:scrgbClr r="0" g="0" b="0"/>
+          </a:effectRef>
+          <a:fontRef idx="minor">
+            <a:schemeClr val="tx1"/>
+          </a:fontRef>
+        </p:style>
+      </p:cxnSp>
+      <p:sp>
+        <p:nvSpPr>
+          <p:cNvPr id="14" name="TextBox 13">
+            <a:extLst>
+              <a:ext uri="{FF2B5EF4-FFF2-40B4-BE49-F238E27FC236}">
+                <a16:creationId xmlns:a16="http://schemas.microsoft.com/office/drawing/2014/main" id="{DC318895-1459-45DC-AC93-356A57C60EBD}"/>
+              </a:ext>
+            </a:extLst>
+          </p:cNvPr>
+          <p:cNvSpPr txBox="1"/>
+          <p:nvPr/>
+        </p:nvSpPr>
+        <p:spPr>
+          <a:xfrm>
+            <a:off x="139362" y="101758"/>
+            <a:ext cx="2862179" cy="261610"/>
+          </a:xfrm>
+          <a:prstGeom prst="rect">
+            <a:avLst/>
+          </a:prstGeom>
+          <a:noFill/>
+        </p:spPr>
+        <p:txBody>
+          <a:bodyPr wrap="square" rtlCol="0">
+            <a:spAutoFit/>
+          </a:bodyPr>
+          <a:lstStyle/>
+          <a:p>
+            <a:pPr algn="ctr"/>
+            <a:r>
+              <a:rPr lang="en-GB" sz="1100" dirty="0"/>
+              <a:t>Steering Subsystem (front)</a:t>
+            </a:r>
+          </a:p>
+        </p:txBody>
+      </p:sp>
+      <p:pic>
+        <p:nvPicPr>
+          <p:cNvPr id="15" name="Picture 14">
+            <a:extLst>
+              <a:ext uri="{FF2B5EF4-FFF2-40B4-BE49-F238E27FC236}">
+                <a16:creationId xmlns:a16="http://schemas.microsoft.com/office/drawing/2014/main" id="{2B7CE32F-1453-4FA4-957D-4B5900A1AA57}"/>
+              </a:ext>
+            </a:extLst>
+          </p:cNvPr>
+          <p:cNvPicPr>
+            <a:picLocks noChangeAspect="1"/>
+          </p:cNvPicPr>
+          <p:nvPr/>
+        </p:nvPicPr>
+        <p:blipFill>
+          <a:blip r:embed="rId2"/>
+          <a:stretch>
+            <a:fillRect/>
+          </a:stretch>
+        </p:blipFill>
+        <p:spPr>
+          <a:xfrm>
+            <a:off x="209172" y="5190314"/>
+            <a:ext cx="1917325" cy="1555925"/>
+          </a:xfrm>
+          <a:prstGeom prst="rect">
+            <a:avLst/>
+          </a:prstGeom>
+        </p:spPr>
+      </p:pic>
+      <p:sp>
+        <p:nvSpPr>
+          <p:cNvPr id="23" name="Rectangle 22">
+            <a:extLst>
+              <a:ext uri="{FF2B5EF4-FFF2-40B4-BE49-F238E27FC236}">
+                <a16:creationId xmlns:a16="http://schemas.microsoft.com/office/drawing/2014/main" id="{26ED66C2-2B4B-4DF5-8931-41EC6E3A6E78}"/>
+              </a:ext>
+            </a:extLst>
+          </p:cNvPr>
+          <p:cNvSpPr/>
+          <p:nvPr/>
+        </p:nvSpPr>
+        <p:spPr>
+          <a:xfrm>
+            <a:off x="5469601" y="141747"/>
+            <a:ext cx="710553" cy="646487"/>
+          </a:xfrm>
+          <a:prstGeom prst="rect">
+            <a:avLst/>
+          </a:prstGeom>
+          <a:solidFill>
+            <a:srgbClr val="92D050"/>
+          </a:solidFill>
+        </p:spPr>
+        <p:style>
+          <a:lnRef idx="2">
+            <a:schemeClr val="accent1">
+              <a:shade val="50000"/>
+            </a:schemeClr>
+          </a:lnRef>
+          <a:fillRef idx="1">
+            <a:schemeClr val="accent1"/>
+          </a:fillRef>
+          <a:effectRef idx="0">
+            <a:schemeClr val="accent1"/>
+          </a:effectRef>
+          <a:fontRef idx="minor">
+            <a:schemeClr val="lt1"/>
+          </a:fontRef>
+        </p:style>
+        <p:txBody>
+          <a:bodyPr rtlCol="0" anchor="ctr"/>
+          <a:lstStyle/>
+          <a:p>
+            <a:pPr algn="ctr"/>
+            <a:r>
+              <a:rPr lang="en-GB" sz="1100" dirty="0"/>
+              <a:t>Pedals</a:t>
+            </a:r>
+          </a:p>
+        </p:txBody>
+      </p:sp>
+      <p:sp>
+        <p:nvSpPr>
+          <p:cNvPr id="26" name="Rectangle 25">
+            <a:extLst>
+              <a:ext uri="{FF2B5EF4-FFF2-40B4-BE49-F238E27FC236}">
+                <a16:creationId xmlns:a16="http://schemas.microsoft.com/office/drawing/2014/main" id="{74953C88-A923-4816-A7B7-67177B2A6CBB}"/>
+              </a:ext>
+            </a:extLst>
+          </p:cNvPr>
+          <p:cNvSpPr/>
+          <p:nvPr/>
+        </p:nvSpPr>
+        <p:spPr>
+          <a:xfrm>
+            <a:off x="4301073" y="1621929"/>
+            <a:ext cx="4252990" cy="3362211"/>
+          </a:xfrm>
+          <a:prstGeom prst="rect">
+            <a:avLst/>
+          </a:prstGeom>
+          <a:noFill/>
+          <a:ln w="28575">
+            <a:solidFill>
+              <a:srgbClr val="FFC000"/>
+            </a:solidFill>
+            <a:prstDash val="dash"/>
+          </a:ln>
+        </p:spPr>
+        <p:style>
+          <a:lnRef idx="2">
+            <a:schemeClr val="accent1">
+              <a:shade val="50000"/>
+            </a:schemeClr>
+          </a:lnRef>
+          <a:fillRef idx="1">
+            <a:schemeClr val="accent1"/>
+          </a:fillRef>
+          <a:effectRef idx="0">
+            <a:schemeClr val="accent1"/>
+          </a:effectRef>
+          <a:fontRef idx="minor">
+            <a:schemeClr val="lt1"/>
+          </a:fontRef>
+        </p:style>
+        <p:txBody>
+          <a:bodyPr rtlCol="0" anchor="ctr"/>
+          <a:lstStyle/>
+          <a:p>
+            <a:pPr algn="ctr"/>
+            <a:endParaRPr lang="en-GB"/>
+          </a:p>
+        </p:txBody>
+      </p:sp>
+      <p:sp>
+        <p:nvSpPr>
+          <p:cNvPr id="27" name="TextBox 26">
+            <a:extLst>
+              <a:ext uri="{FF2B5EF4-FFF2-40B4-BE49-F238E27FC236}">
+                <a16:creationId xmlns:a16="http://schemas.microsoft.com/office/drawing/2014/main" id="{42E0C32D-CA1C-428F-9AB9-CC1FF2E8863C}"/>
+              </a:ext>
+            </a:extLst>
+          </p:cNvPr>
+          <p:cNvSpPr txBox="1"/>
+          <p:nvPr/>
+        </p:nvSpPr>
+        <p:spPr>
+          <a:xfrm>
+            <a:off x="6712857" y="4600670"/>
+            <a:ext cx="1677882" cy="261610"/>
+          </a:xfrm>
+          <a:prstGeom prst="rect">
+            <a:avLst/>
+          </a:prstGeom>
+          <a:noFill/>
+        </p:spPr>
+        <p:txBody>
+          <a:bodyPr wrap="square" rtlCol="0">
+            <a:spAutoFit/>
+          </a:bodyPr>
+          <a:lstStyle/>
+          <a:p>
+            <a:pPr algn="ctr"/>
+            <a:r>
+              <a:rPr lang="en-GB" sz="1100" dirty="0"/>
+              <a:t>Steering Subsystem board</a:t>
+            </a:r>
+          </a:p>
+        </p:txBody>
+      </p:sp>
+      <p:cxnSp>
+        <p:nvCxnSpPr>
+          <p:cNvPr id="29" name="Straight Arrow Connector 17">
+            <a:extLst>
+              <a:ext uri="{FF2B5EF4-FFF2-40B4-BE49-F238E27FC236}">
+                <a16:creationId xmlns:a16="http://schemas.microsoft.com/office/drawing/2014/main" id="{55F702DA-DEE8-4E01-B720-5BD7F03382ED}"/>
+              </a:ext>
+            </a:extLst>
+          </p:cNvPr>
+          <p:cNvCxnSpPr>
+            <a:cxnSpLocks/>
+          </p:cNvCxnSpPr>
+          <p:nvPr/>
+        </p:nvCxnSpPr>
+        <p:spPr>
+          <a:xfrm>
+            <a:off x="6490269" y="788234"/>
+            <a:ext cx="0" cy="833695"/>
+          </a:xfrm>
+          <a:prstGeom prst="straightConnector1">
+            <a:avLst/>
+          </a:prstGeom>
+          <a:ln w="19050">
+            <a:solidFill>
+              <a:schemeClr val="tx1">
+                <a:lumMod val="95000"/>
+                <a:lumOff val="5000"/>
+              </a:schemeClr>
+            </a:solidFill>
+            <a:headEnd type="triangle" w="med" len="med"/>
+            <a:tailEnd type="none" w="med" len="med"/>
+          </a:ln>
+        </p:spPr>
+        <p:style>
+          <a:lnRef idx="1">
+            <a:schemeClr val="accent1"/>
+          </a:lnRef>
+          <a:fillRef idx="0">
+            <a:schemeClr val="accent1"/>
+          </a:fillRef>
+          <a:effectRef idx="0">
+            <a:schemeClr val="accent1"/>
+          </a:effectRef>
+          <a:fontRef idx="minor">
+            <a:schemeClr val="tx1"/>
+          </a:fontRef>
+        </p:style>
+      </p:cxnSp>
+      <p:cxnSp>
+        <p:nvCxnSpPr>
+          <p:cNvPr id="30" name="Straight Arrow Connector 17">
+            <a:extLst>
+              <a:ext uri="{FF2B5EF4-FFF2-40B4-BE49-F238E27FC236}">
+                <a16:creationId xmlns:a16="http://schemas.microsoft.com/office/drawing/2014/main" id="{0744FB00-DFF0-40DD-BE34-86F0F359F403}"/>
+              </a:ext>
+            </a:extLst>
+          </p:cNvPr>
+          <p:cNvCxnSpPr>
+            <a:cxnSpLocks/>
+          </p:cNvCxnSpPr>
+          <p:nvPr/>
+        </p:nvCxnSpPr>
+        <p:spPr>
+          <a:xfrm>
+            <a:off x="6770489" y="788234"/>
+            <a:ext cx="0" cy="833695"/>
+          </a:xfrm>
+          <a:prstGeom prst="straightConnector1">
+            <a:avLst/>
+          </a:prstGeom>
+          <a:ln w="19050">
+            <a:solidFill>
+              <a:srgbClr val="FF0000"/>
+            </a:solidFill>
+            <a:headEnd type="triangle" w="med" len="med"/>
+            <a:tailEnd type="none" w="med" len="med"/>
+          </a:ln>
+        </p:spPr>
+        <p:style>
+          <a:lnRef idx="1">
+            <a:schemeClr val="accent1"/>
+          </a:lnRef>
+          <a:fillRef idx="0">
+            <a:schemeClr val="accent1"/>
+          </a:fillRef>
+          <a:effectRef idx="0">
+            <a:schemeClr val="accent1"/>
+          </a:effectRef>
+          <a:fontRef idx="minor">
+            <a:schemeClr val="tx1"/>
+          </a:fontRef>
+        </p:style>
+      </p:cxnSp>
+      <p:cxnSp>
+        <p:nvCxnSpPr>
+          <p:cNvPr id="31" name="Straight Arrow Connector 17">
+            <a:extLst>
+              <a:ext uri="{FF2B5EF4-FFF2-40B4-BE49-F238E27FC236}">
+                <a16:creationId xmlns:a16="http://schemas.microsoft.com/office/drawing/2014/main" id="{A26004E9-2FB3-41E6-B308-77A4C0B4EB06}"/>
+              </a:ext>
+            </a:extLst>
+          </p:cNvPr>
+          <p:cNvCxnSpPr>
+            <a:cxnSpLocks/>
+          </p:cNvCxnSpPr>
+          <p:nvPr/>
+        </p:nvCxnSpPr>
+        <p:spPr>
+          <a:xfrm>
+            <a:off x="5745476" y="788234"/>
+            <a:ext cx="0" cy="1302680"/>
+          </a:xfrm>
+          <a:prstGeom prst="straightConnector1">
+            <a:avLst/>
+          </a:prstGeom>
+          <a:ln w="19050">
+            <a:solidFill>
+              <a:srgbClr val="FFC000"/>
+            </a:solidFill>
+            <a:tailEnd type="triangle"/>
+          </a:ln>
+        </p:spPr>
+        <p:style>
+          <a:lnRef idx="1">
+            <a:schemeClr val="accent1"/>
+          </a:lnRef>
+          <a:fillRef idx="0">
+            <a:schemeClr val="accent1"/>
+          </a:fillRef>
+          <a:effectRef idx="0">
+            <a:schemeClr val="accent1"/>
+          </a:effectRef>
+          <a:fontRef idx="minor">
+            <a:schemeClr val="tx1"/>
+          </a:fontRef>
+        </p:style>
+      </p:cxnSp>
+      <p:cxnSp>
+        <p:nvCxnSpPr>
+          <p:cNvPr id="32" name="Straight Arrow Connector 17">
+            <a:extLst>
+              <a:ext uri="{FF2B5EF4-FFF2-40B4-BE49-F238E27FC236}">
+                <a16:creationId xmlns:a16="http://schemas.microsoft.com/office/drawing/2014/main" id="{EBC3DD72-9595-4D2E-B75E-AD6630799BEA}"/>
+              </a:ext>
+            </a:extLst>
+          </p:cNvPr>
+          <p:cNvCxnSpPr>
+            <a:cxnSpLocks/>
+          </p:cNvCxnSpPr>
+          <p:nvPr/>
+        </p:nvCxnSpPr>
+        <p:spPr>
+          <a:xfrm>
+            <a:off x="5605366" y="788234"/>
+            <a:ext cx="0" cy="833695"/>
+          </a:xfrm>
+          <a:prstGeom prst="straightConnector1">
+            <a:avLst/>
+          </a:prstGeom>
+          <a:ln w="19050">
+            <a:solidFill>
+              <a:schemeClr val="tx1">
+                <a:lumMod val="95000"/>
+                <a:lumOff val="5000"/>
+              </a:schemeClr>
+            </a:solidFill>
+            <a:headEnd type="triangle" w="med" len="med"/>
+            <a:tailEnd type="none" w="med" len="med"/>
+          </a:ln>
+        </p:spPr>
+        <p:style>
+          <a:lnRef idx="1">
+            <a:schemeClr val="accent1"/>
+          </a:lnRef>
+          <a:fillRef idx="0">
+            <a:schemeClr val="accent1"/>
+          </a:fillRef>
+          <a:effectRef idx="0">
+            <a:schemeClr val="accent1"/>
+          </a:effectRef>
+          <a:fontRef idx="minor">
+            <a:schemeClr val="tx1"/>
+          </a:fontRef>
+        </p:style>
+      </p:cxnSp>
+      <p:cxnSp>
+        <p:nvCxnSpPr>
+          <p:cNvPr id="33" name="Straight Arrow Connector 17">
+            <a:extLst>
+              <a:ext uri="{FF2B5EF4-FFF2-40B4-BE49-F238E27FC236}">
+                <a16:creationId xmlns:a16="http://schemas.microsoft.com/office/drawing/2014/main" id="{BD08A12B-B598-4BE5-96FA-EEC1611D4C8A}"/>
+              </a:ext>
+            </a:extLst>
+          </p:cNvPr>
+          <p:cNvCxnSpPr>
+            <a:cxnSpLocks/>
+          </p:cNvCxnSpPr>
+          <p:nvPr/>
+        </p:nvCxnSpPr>
+        <p:spPr>
+          <a:xfrm>
+            <a:off x="5885586" y="788234"/>
+            <a:ext cx="0" cy="1302680"/>
+          </a:xfrm>
+          <a:prstGeom prst="straightConnector1">
+            <a:avLst/>
+          </a:prstGeom>
+          <a:ln w="19050">
+            <a:solidFill>
+              <a:srgbClr val="FFC000"/>
+            </a:solidFill>
+            <a:tailEnd type="triangle"/>
+          </a:ln>
+        </p:spPr>
+        <p:style>
+          <a:lnRef idx="1">
+            <a:schemeClr val="accent1"/>
+          </a:lnRef>
+          <a:fillRef idx="0">
+            <a:schemeClr val="accent1"/>
+          </a:fillRef>
+          <a:effectRef idx="0">
+            <a:schemeClr val="accent1"/>
+          </a:effectRef>
+          <a:fontRef idx="minor">
+            <a:schemeClr val="tx1"/>
+          </a:fontRef>
+        </p:style>
+      </p:cxnSp>
+      <p:cxnSp>
+        <p:nvCxnSpPr>
+          <p:cNvPr id="35" name="Straight Arrow Connector 17">
+            <a:extLst>
+              <a:ext uri="{FF2B5EF4-FFF2-40B4-BE49-F238E27FC236}">
+                <a16:creationId xmlns:a16="http://schemas.microsoft.com/office/drawing/2014/main" id="{636F4420-D5A5-4CC9-8C6D-BB86B73FB7C7}"/>
+              </a:ext>
+            </a:extLst>
+          </p:cNvPr>
+          <p:cNvCxnSpPr>
+            <a:cxnSpLocks/>
+          </p:cNvCxnSpPr>
+          <p:nvPr/>
+        </p:nvCxnSpPr>
+        <p:spPr>
+          <a:xfrm>
+            <a:off x="6040444" y="788234"/>
+            <a:ext cx="0" cy="833695"/>
+          </a:xfrm>
+          <a:prstGeom prst="straightConnector1">
+            <a:avLst/>
+          </a:prstGeom>
+          <a:ln w="19050">
+            <a:solidFill>
+              <a:srgbClr val="FF0000"/>
+            </a:solidFill>
+            <a:headEnd type="triangle" w="med" len="med"/>
+            <a:tailEnd type="none" w="med" len="med"/>
+          </a:ln>
+        </p:spPr>
+        <p:style>
+          <a:lnRef idx="1">
+            <a:schemeClr val="accent1"/>
+          </a:lnRef>
+          <a:fillRef idx="0">
+            <a:schemeClr val="accent1"/>
+          </a:fillRef>
+          <a:effectRef idx="0">
+            <a:schemeClr val="accent1"/>
+          </a:effectRef>
+          <a:fontRef idx="minor">
+            <a:schemeClr val="tx1"/>
+          </a:fontRef>
+        </p:style>
+      </p:cxnSp>
+      <p:cxnSp>
+        <p:nvCxnSpPr>
+          <p:cNvPr id="39" name="Straight Connector 38">
+            <a:extLst>
+              <a:ext uri="{FF2B5EF4-FFF2-40B4-BE49-F238E27FC236}">
+                <a16:creationId xmlns:a16="http://schemas.microsoft.com/office/drawing/2014/main" id="{AF00BA48-06A7-453E-83BB-EFA1EB934875}"/>
+              </a:ext>
+            </a:extLst>
+          </p:cNvPr>
+          <p:cNvCxnSpPr>
+            <a:cxnSpLocks/>
+          </p:cNvCxnSpPr>
+          <p:nvPr/>
+        </p:nvCxnSpPr>
+        <p:spPr>
+          <a:xfrm>
+            <a:off x="1785026" y="3435471"/>
+            <a:ext cx="2305" cy="234172"/>
+          </a:xfrm>
+          <a:prstGeom prst="line">
+            <a:avLst/>
+          </a:prstGeom>
+          <a:ln w="19050" cap="flat" cmpd="sng" algn="ctr">
+            <a:solidFill>
+              <a:schemeClr val="tx1"/>
+            </a:solidFill>
+            <a:prstDash val="solid"/>
+            <a:round/>
+            <a:headEnd type="none" w="med" len="med"/>
+            <a:tailEnd type="triangle" w="med" len="med"/>
+          </a:ln>
+        </p:spPr>
+        <p:style>
+          <a:lnRef idx="0">
+            <a:scrgbClr r="0" g="0" b="0"/>
+          </a:lnRef>
+          <a:fillRef idx="0">
+            <a:scrgbClr r="0" g="0" b="0"/>
+          </a:fillRef>
+          <a:effectRef idx="0">
+            <a:scrgbClr r="0" g="0" b="0"/>
+          </a:effectRef>
+          <a:fontRef idx="minor">
+            <a:schemeClr val="tx1"/>
+          </a:fontRef>
+        </p:style>
+      </p:cxnSp>
+      <p:cxnSp>
+        <p:nvCxnSpPr>
+          <p:cNvPr id="40" name="Straight Arrow Connector 17">
+            <a:extLst>
+              <a:ext uri="{FF2B5EF4-FFF2-40B4-BE49-F238E27FC236}">
+                <a16:creationId xmlns:a16="http://schemas.microsoft.com/office/drawing/2014/main" id="{BD20A3D9-3351-4422-B612-1C188AF95D8B}"/>
+              </a:ext>
+            </a:extLst>
+          </p:cNvPr>
+          <p:cNvCxnSpPr>
+            <a:cxnSpLocks/>
+          </p:cNvCxnSpPr>
+          <p:nvPr/>
+        </p:nvCxnSpPr>
+        <p:spPr>
+          <a:xfrm>
+            <a:off x="2304357" y="4096552"/>
+            <a:ext cx="1996716" cy="0"/>
+          </a:xfrm>
+          <a:prstGeom prst="straightConnector1">
+            <a:avLst/>
+          </a:prstGeom>
+          <a:ln w="19050">
+            <a:solidFill>
+              <a:schemeClr val="tx1"/>
+            </a:solidFill>
+            <a:headEnd type="triangle" w="med" len="med"/>
+            <a:tailEnd type="none" w="med" len="med"/>
+          </a:ln>
+        </p:spPr>
+        <p:style>
+          <a:lnRef idx="1">
+            <a:schemeClr val="accent1"/>
+          </a:lnRef>
+          <a:fillRef idx="0">
+            <a:schemeClr val="accent1"/>
+          </a:fillRef>
+          <a:effectRef idx="0">
+            <a:schemeClr val="accent1"/>
+          </a:effectRef>
+          <a:fontRef idx="minor">
+            <a:schemeClr val="tx1"/>
+          </a:fontRef>
+        </p:style>
+      </p:cxnSp>
+      <p:cxnSp>
+        <p:nvCxnSpPr>
+          <p:cNvPr id="44" name="Straight Arrow Connector 17">
+            <a:extLst>
+              <a:ext uri="{FF2B5EF4-FFF2-40B4-BE49-F238E27FC236}">
+                <a16:creationId xmlns:a16="http://schemas.microsoft.com/office/drawing/2014/main" id="{4DA1CDC4-D81F-4866-8C77-5B3D8AB2B8AB}"/>
+              </a:ext>
+            </a:extLst>
+          </p:cNvPr>
+          <p:cNvCxnSpPr>
+            <a:cxnSpLocks/>
+          </p:cNvCxnSpPr>
+          <p:nvPr/>
+        </p:nvCxnSpPr>
+        <p:spPr>
+          <a:xfrm>
+            <a:off x="2304357" y="4229287"/>
+            <a:ext cx="2437256" cy="0"/>
+          </a:xfrm>
+          <a:prstGeom prst="straightConnector1">
+            <a:avLst/>
+          </a:prstGeom>
+          <a:ln w="19050">
+            <a:solidFill>
+              <a:srgbClr val="FFC000"/>
+            </a:solidFill>
+            <a:tailEnd type="triangle"/>
+          </a:ln>
+        </p:spPr>
+        <p:style>
+          <a:lnRef idx="1">
+            <a:schemeClr val="accent1"/>
+          </a:lnRef>
+          <a:fillRef idx="0">
+            <a:schemeClr val="accent1"/>
+          </a:fillRef>
+          <a:effectRef idx="0">
+            <a:schemeClr val="accent1"/>
+          </a:effectRef>
+          <a:fontRef idx="minor">
+            <a:schemeClr val="tx1"/>
+          </a:fontRef>
+        </p:style>
+      </p:cxnSp>
+      <p:cxnSp>
+        <p:nvCxnSpPr>
+          <p:cNvPr id="45" name="Straight Arrow Connector 17">
+            <a:extLst>
+              <a:ext uri="{FF2B5EF4-FFF2-40B4-BE49-F238E27FC236}">
+                <a16:creationId xmlns:a16="http://schemas.microsoft.com/office/drawing/2014/main" id="{A9593066-2513-43B3-B9D7-76DA3E63B300}"/>
+              </a:ext>
+            </a:extLst>
+          </p:cNvPr>
+          <p:cNvCxnSpPr>
+            <a:cxnSpLocks/>
+          </p:cNvCxnSpPr>
+          <p:nvPr/>
+        </p:nvCxnSpPr>
+        <p:spPr>
+          <a:xfrm>
+            <a:off x="2304357" y="4354649"/>
+            <a:ext cx="1996716" cy="0"/>
+          </a:xfrm>
+          <a:prstGeom prst="straightConnector1">
+            <a:avLst/>
+          </a:prstGeom>
+          <a:ln w="19050">
+            <a:solidFill>
+              <a:srgbClr val="FF0000"/>
+            </a:solidFill>
+            <a:headEnd type="triangle" w="med" len="med"/>
+            <a:tailEnd type="none" w="med" len="med"/>
+          </a:ln>
+        </p:spPr>
+        <p:style>
+          <a:lnRef idx="1">
+            <a:schemeClr val="accent1"/>
+          </a:lnRef>
+          <a:fillRef idx="0">
+            <a:schemeClr val="accent1"/>
+          </a:fillRef>
+          <a:effectRef idx="0">
+            <a:schemeClr val="accent1"/>
+          </a:effectRef>
+          <a:fontRef idx="minor">
+            <a:schemeClr val="tx1"/>
+          </a:fontRef>
+        </p:style>
+      </p:cxnSp>
+      <p:cxnSp>
+        <p:nvCxnSpPr>
+          <p:cNvPr id="50" name="Straight Arrow Connector 17">
+            <a:extLst>
+              <a:ext uri="{FF2B5EF4-FFF2-40B4-BE49-F238E27FC236}">
+                <a16:creationId xmlns:a16="http://schemas.microsoft.com/office/drawing/2014/main" id="{2B99C6E6-6E3C-4F9A-BC66-9E04EE5DCD73}"/>
+              </a:ext>
+            </a:extLst>
+          </p:cNvPr>
+          <p:cNvCxnSpPr>
+            <a:cxnSpLocks/>
+            <a:stCxn id="26" idx="1"/>
+          </p:cNvCxnSpPr>
+          <p:nvPr/>
+        </p:nvCxnSpPr>
+        <p:spPr>
+          <a:xfrm flipH="1">
+            <a:off x="2304357" y="3303035"/>
+            <a:ext cx="1996716" cy="7978"/>
+          </a:xfrm>
+          <a:prstGeom prst="straightConnector1">
+            <a:avLst/>
+          </a:prstGeom>
+          <a:ln w="19050">
+            <a:solidFill>
+              <a:schemeClr val="tx1"/>
+            </a:solidFill>
+            <a:tailEnd type="triangle"/>
+          </a:ln>
+        </p:spPr>
+        <p:style>
+          <a:lnRef idx="1">
+            <a:schemeClr val="accent1"/>
+          </a:lnRef>
+          <a:fillRef idx="0">
+            <a:schemeClr val="accent1"/>
+          </a:fillRef>
+          <a:effectRef idx="0">
+            <a:schemeClr val="accent1"/>
+          </a:effectRef>
+          <a:fontRef idx="minor">
+            <a:schemeClr val="tx1"/>
+          </a:fontRef>
+        </p:style>
+      </p:cxnSp>
+      <p:cxnSp>
+        <p:nvCxnSpPr>
+          <p:cNvPr id="51" name="Straight Arrow Connector 17">
+            <a:extLst>
+              <a:ext uri="{FF2B5EF4-FFF2-40B4-BE49-F238E27FC236}">
+                <a16:creationId xmlns:a16="http://schemas.microsoft.com/office/drawing/2014/main" id="{E312621A-2C88-4348-B513-256DCF244E29}"/>
+              </a:ext>
+            </a:extLst>
+          </p:cNvPr>
+          <p:cNvCxnSpPr>
+            <a:cxnSpLocks/>
+          </p:cNvCxnSpPr>
+          <p:nvPr/>
+        </p:nvCxnSpPr>
+        <p:spPr>
+          <a:xfrm flipH="1">
+            <a:off x="2304357" y="3178278"/>
+            <a:ext cx="1996716" cy="0"/>
+          </a:xfrm>
+          <a:prstGeom prst="straightConnector1">
+            <a:avLst/>
+          </a:prstGeom>
+          <a:ln w="19050">
+            <a:solidFill>
+              <a:srgbClr val="FF0000"/>
+            </a:solidFill>
+            <a:tailEnd type="triangle"/>
+          </a:ln>
+        </p:spPr>
+        <p:style>
+          <a:lnRef idx="1">
+            <a:schemeClr val="accent1"/>
+          </a:lnRef>
+          <a:fillRef idx="0">
+            <a:schemeClr val="accent1"/>
+          </a:fillRef>
+          <a:effectRef idx="0">
+            <a:schemeClr val="accent1"/>
+          </a:effectRef>
+          <a:fontRef idx="minor">
+            <a:schemeClr val="tx1"/>
+          </a:fontRef>
+        </p:style>
+      </p:cxnSp>
+      <p:cxnSp>
+        <p:nvCxnSpPr>
+          <p:cNvPr id="52" name="Straight Arrow Connector 17">
+            <a:extLst>
+              <a:ext uri="{FF2B5EF4-FFF2-40B4-BE49-F238E27FC236}">
+                <a16:creationId xmlns:a16="http://schemas.microsoft.com/office/drawing/2014/main" id="{AC518402-DAFA-4CBB-B341-4FCA661637AE}"/>
+              </a:ext>
+            </a:extLst>
+          </p:cNvPr>
+          <p:cNvCxnSpPr>
+            <a:cxnSpLocks/>
+          </p:cNvCxnSpPr>
+          <p:nvPr/>
+        </p:nvCxnSpPr>
+        <p:spPr>
+          <a:xfrm flipH="1">
+            <a:off x="2304357" y="3023420"/>
+            <a:ext cx="2500130" cy="0"/>
+          </a:xfrm>
+          <a:prstGeom prst="straightConnector1">
+            <a:avLst/>
+          </a:prstGeom>
+          <a:ln w="19050">
+            <a:solidFill>
+              <a:srgbClr val="7030A0"/>
+            </a:solidFill>
+            <a:headEnd type="triangle" w="med" len="med"/>
+            <a:tailEnd type="none" w="med" len="med"/>
+          </a:ln>
+        </p:spPr>
+        <p:style>
+          <a:lnRef idx="1">
+            <a:schemeClr val="accent1"/>
+          </a:lnRef>
+          <a:fillRef idx="0">
+            <a:schemeClr val="accent1"/>
+          </a:fillRef>
+          <a:effectRef idx="0">
+            <a:schemeClr val="accent1"/>
+          </a:effectRef>
+          <a:fontRef idx="minor">
+            <a:schemeClr val="tx1"/>
+          </a:fontRef>
+        </p:style>
+      </p:cxnSp>
+      <p:cxnSp>
+        <p:nvCxnSpPr>
+          <p:cNvPr id="59" name="Straight Arrow Connector 17">
+            <a:extLst>
+              <a:ext uri="{FF2B5EF4-FFF2-40B4-BE49-F238E27FC236}">
+                <a16:creationId xmlns:a16="http://schemas.microsoft.com/office/drawing/2014/main" id="{4459A4FB-6FC8-4E58-B52A-2A8CA7D69DA1}"/>
+              </a:ext>
+            </a:extLst>
+          </p:cNvPr>
+          <p:cNvCxnSpPr>
+            <a:cxnSpLocks/>
+          </p:cNvCxnSpPr>
+          <p:nvPr/>
+        </p:nvCxnSpPr>
+        <p:spPr>
+          <a:xfrm flipV="1">
+            <a:off x="2529347" y="2853814"/>
+            <a:ext cx="1" cy="169606"/>
+          </a:xfrm>
+          <a:prstGeom prst="straightConnector1">
+            <a:avLst/>
+          </a:prstGeom>
+          <a:ln w="19050">
+            <a:solidFill>
+              <a:srgbClr val="7030A0"/>
+            </a:solidFill>
+            <a:headEnd type="triangle" w="med" len="med"/>
+            <a:tailEnd type="none" w="med" len="med"/>
+          </a:ln>
+        </p:spPr>
+        <p:style>
+          <a:lnRef idx="1">
+            <a:schemeClr val="accent1"/>
+          </a:lnRef>
+          <a:fillRef idx="0">
+            <a:schemeClr val="accent1"/>
+          </a:fillRef>
+          <a:effectRef idx="0">
+            <a:schemeClr val="accent1"/>
+          </a:effectRef>
+          <a:fontRef idx="minor">
+            <a:schemeClr val="tx1"/>
+          </a:fontRef>
+        </p:style>
+      </p:cxnSp>
+      <p:cxnSp>
+        <p:nvCxnSpPr>
+          <p:cNvPr id="61" name="Straight Arrow Connector 17">
+            <a:extLst>
+              <a:ext uri="{FF2B5EF4-FFF2-40B4-BE49-F238E27FC236}">
+                <a16:creationId xmlns:a16="http://schemas.microsoft.com/office/drawing/2014/main" id="{2E7858C4-6FC0-4A6F-B76B-ACBBD734B218}"/>
+              </a:ext>
+            </a:extLst>
+          </p:cNvPr>
+          <p:cNvCxnSpPr>
+            <a:cxnSpLocks/>
+          </p:cNvCxnSpPr>
+          <p:nvPr/>
+        </p:nvCxnSpPr>
+        <p:spPr>
+          <a:xfrm flipH="1">
+            <a:off x="2304357" y="2706328"/>
+            <a:ext cx="2500130" cy="0"/>
+          </a:xfrm>
+          <a:prstGeom prst="straightConnector1">
+            <a:avLst/>
+          </a:prstGeom>
+          <a:ln w="19050">
+            <a:solidFill>
+              <a:srgbClr val="92D050"/>
+            </a:solidFill>
+            <a:tailEnd type="triangle"/>
+          </a:ln>
+        </p:spPr>
+        <p:style>
+          <a:lnRef idx="1">
+            <a:schemeClr val="accent1"/>
+          </a:lnRef>
+          <a:fillRef idx="0">
+            <a:schemeClr val="accent1"/>
+          </a:fillRef>
+          <a:effectRef idx="0">
+            <a:schemeClr val="accent1"/>
+          </a:effectRef>
+          <a:fontRef idx="minor">
+            <a:schemeClr val="tx1"/>
+          </a:fontRef>
+        </p:style>
+      </p:cxnSp>
+      <p:cxnSp>
+        <p:nvCxnSpPr>
+          <p:cNvPr id="62" name="Straight Arrow Connector 17">
+            <a:extLst>
+              <a:ext uri="{FF2B5EF4-FFF2-40B4-BE49-F238E27FC236}">
+                <a16:creationId xmlns:a16="http://schemas.microsoft.com/office/drawing/2014/main" id="{5F0275D2-DA95-4FA6-AB4C-4EE7DF8C3C40}"/>
+              </a:ext>
+            </a:extLst>
+          </p:cNvPr>
+          <p:cNvCxnSpPr>
+            <a:cxnSpLocks/>
+          </p:cNvCxnSpPr>
+          <p:nvPr/>
+        </p:nvCxnSpPr>
+        <p:spPr>
+          <a:xfrm>
+            <a:off x="2529347" y="2521974"/>
+            <a:ext cx="0" cy="184354"/>
+          </a:xfrm>
+          <a:prstGeom prst="straightConnector1">
+            <a:avLst/>
+          </a:prstGeom>
+          <a:ln w="19050">
+            <a:solidFill>
+              <a:srgbClr val="92D050"/>
+            </a:solidFill>
+            <a:headEnd type="triangle" w="med" len="med"/>
+            <a:tailEnd type="none" w="med" len="med"/>
+          </a:ln>
+        </p:spPr>
+        <p:style>
+          <a:lnRef idx="1">
+            <a:schemeClr val="accent1"/>
+          </a:lnRef>
+          <a:fillRef idx="0">
+            <a:schemeClr val="accent1"/>
+          </a:fillRef>
+          <a:effectRef idx="0">
+            <a:schemeClr val="accent1"/>
+          </a:effectRef>
+          <a:fontRef idx="minor">
+            <a:schemeClr val="tx1"/>
+          </a:fontRef>
+        </p:style>
+      </p:cxnSp>
+      <p:cxnSp>
+        <p:nvCxnSpPr>
+          <p:cNvPr id="65" name="Straight Arrow Connector 17">
+            <a:extLst>
+              <a:ext uri="{FF2B5EF4-FFF2-40B4-BE49-F238E27FC236}">
+                <a16:creationId xmlns:a16="http://schemas.microsoft.com/office/drawing/2014/main" id="{C235499F-5E4C-4C89-9B91-3BB5F475DD90}"/>
+              </a:ext>
+            </a:extLst>
+          </p:cNvPr>
+          <p:cNvCxnSpPr>
+            <a:cxnSpLocks/>
+          </p:cNvCxnSpPr>
+          <p:nvPr/>
+        </p:nvCxnSpPr>
+        <p:spPr>
+          <a:xfrm flipH="1">
+            <a:off x="2304356" y="2521974"/>
+            <a:ext cx="224991" cy="0"/>
+          </a:xfrm>
+          <a:prstGeom prst="straightConnector1">
+            <a:avLst/>
+          </a:prstGeom>
+          <a:ln w="19050">
+            <a:solidFill>
+              <a:srgbClr val="92D050"/>
+            </a:solidFill>
+            <a:headEnd type="none" w="med" len="med"/>
+            <a:tailEnd type="triangle" w="med" len="med"/>
+          </a:ln>
+        </p:spPr>
+        <p:style>
+          <a:lnRef idx="1">
+            <a:schemeClr val="accent1"/>
+          </a:lnRef>
+          <a:fillRef idx="0">
+            <a:schemeClr val="accent1"/>
+          </a:fillRef>
+          <a:effectRef idx="0">
+            <a:schemeClr val="accent1"/>
+          </a:effectRef>
+          <a:fontRef idx="minor">
+            <a:schemeClr val="tx1"/>
+          </a:fontRef>
+        </p:style>
+      </p:cxnSp>
+      <p:cxnSp>
+        <p:nvCxnSpPr>
+          <p:cNvPr id="66" name="Straight Arrow Connector 17">
+            <a:extLst>
+              <a:ext uri="{FF2B5EF4-FFF2-40B4-BE49-F238E27FC236}">
+                <a16:creationId xmlns:a16="http://schemas.microsoft.com/office/drawing/2014/main" id="{A64B8AE9-F737-4539-B829-DD0B9A45A19F}"/>
+              </a:ext>
+            </a:extLst>
+          </p:cNvPr>
+          <p:cNvCxnSpPr>
+            <a:cxnSpLocks/>
+          </p:cNvCxnSpPr>
+          <p:nvPr/>
+        </p:nvCxnSpPr>
+        <p:spPr>
+          <a:xfrm flipH="1">
+            <a:off x="2304357" y="2337620"/>
+            <a:ext cx="2500130" cy="0"/>
+          </a:xfrm>
+          <a:prstGeom prst="straightConnector1">
+            <a:avLst/>
+          </a:prstGeom>
+          <a:ln w="19050">
+            <a:solidFill>
+              <a:srgbClr val="FFC000"/>
+            </a:solidFill>
+            <a:tailEnd type="triangle"/>
+          </a:ln>
+        </p:spPr>
+        <p:style>
+          <a:lnRef idx="1">
+            <a:schemeClr val="accent1"/>
+          </a:lnRef>
+          <a:fillRef idx="0">
+            <a:schemeClr val="accent1"/>
+          </a:fillRef>
+          <a:effectRef idx="0">
+            <a:schemeClr val="accent1"/>
+          </a:effectRef>
+          <a:fontRef idx="minor">
+            <a:schemeClr val="tx1"/>
+          </a:fontRef>
+        </p:style>
+      </p:cxnSp>
+      <p:cxnSp>
+        <p:nvCxnSpPr>
+          <p:cNvPr id="67" name="Straight Arrow Connector 17">
+            <a:extLst>
+              <a:ext uri="{FF2B5EF4-FFF2-40B4-BE49-F238E27FC236}">
+                <a16:creationId xmlns:a16="http://schemas.microsoft.com/office/drawing/2014/main" id="{8699536D-7A14-4022-A63A-441E8A51946D}"/>
+              </a:ext>
+            </a:extLst>
+          </p:cNvPr>
+          <p:cNvCxnSpPr>
+            <a:cxnSpLocks/>
+          </p:cNvCxnSpPr>
+          <p:nvPr/>
+        </p:nvCxnSpPr>
+        <p:spPr>
+          <a:xfrm flipH="1">
+            <a:off x="2304357" y="2212258"/>
+            <a:ext cx="2500130" cy="0"/>
+          </a:xfrm>
+          <a:prstGeom prst="straightConnector1">
+            <a:avLst/>
+          </a:prstGeom>
+          <a:ln w="19050">
+            <a:solidFill>
+              <a:srgbClr val="FFC000"/>
+            </a:solidFill>
+            <a:tailEnd type="triangle"/>
+          </a:ln>
+        </p:spPr>
+        <p:style>
+          <a:lnRef idx="1">
+            <a:schemeClr val="accent1"/>
+          </a:lnRef>
+          <a:fillRef idx="0">
+            <a:schemeClr val="accent1"/>
+          </a:fillRef>
+          <a:effectRef idx="0">
+            <a:schemeClr val="accent1"/>
+          </a:effectRef>
+          <a:fontRef idx="minor">
+            <a:schemeClr val="tx1"/>
+          </a:fontRef>
+        </p:style>
+      </p:cxnSp>
+      <p:sp>
+        <p:nvSpPr>
+          <p:cNvPr id="68" name="TextBox 67">
+            <a:extLst>
+              <a:ext uri="{FF2B5EF4-FFF2-40B4-BE49-F238E27FC236}">
+                <a16:creationId xmlns:a16="http://schemas.microsoft.com/office/drawing/2014/main" id="{AF53DEA6-5ED4-4C38-9994-C64CA069FA2E}"/>
+              </a:ext>
+            </a:extLst>
+          </p:cNvPr>
+          <p:cNvSpPr txBox="1"/>
+          <p:nvPr/>
+        </p:nvSpPr>
+        <p:spPr>
+          <a:xfrm>
+            <a:off x="2304356" y="2090914"/>
+            <a:ext cx="582134" cy="169277"/>
+          </a:xfrm>
+          <a:prstGeom prst="rect">
+            <a:avLst/>
+          </a:prstGeom>
+          <a:noFill/>
+        </p:spPr>
+        <p:txBody>
+          <a:bodyPr wrap="square" rtlCol="0">
+            <a:spAutoFit/>
+          </a:bodyPr>
+          <a:lstStyle/>
+          <a:p>
+            <a:r>
+              <a:rPr lang="en-GB" sz="500" dirty="0"/>
+              <a:t>RPWM</a:t>
+            </a:r>
+          </a:p>
+        </p:txBody>
+      </p:sp>
+      <p:sp>
+        <p:nvSpPr>
+          <p:cNvPr id="69" name="TextBox 68">
+            <a:extLst>
+              <a:ext uri="{FF2B5EF4-FFF2-40B4-BE49-F238E27FC236}">
+                <a16:creationId xmlns:a16="http://schemas.microsoft.com/office/drawing/2014/main" id="{94E5A9B2-8EE6-4C69-AA0E-3AF6341FE7BF}"/>
+              </a:ext>
+            </a:extLst>
+          </p:cNvPr>
+          <p:cNvSpPr txBox="1"/>
+          <p:nvPr/>
+        </p:nvSpPr>
+        <p:spPr>
+          <a:xfrm>
+            <a:off x="2304356" y="2208735"/>
+            <a:ext cx="582134" cy="169277"/>
+          </a:xfrm>
+          <a:prstGeom prst="rect">
+            <a:avLst/>
+          </a:prstGeom>
+          <a:noFill/>
+        </p:spPr>
+        <p:txBody>
+          <a:bodyPr wrap="square" rtlCol="0">
+            <a:spAutoFit/>
+          </a:bodyPr>
+          <a:lstStyle/>
+          <a:p>
+            <a:r>
+              <a:rPr lang="en-GB" sz="500" dirty="0"/>
+              <a:t>LPWM</a:t>
+            </a:r>
+          </a:p>
+        </p:txBody>
+      </p:sp>
+      <p:sp>
+        <p:nvSpPr>
+          <p:cNvPr id="70" name="TextBox 69">
+            <a:extLst>
+              <a:ext uri="{FF2B5EF4-FFF2-40B4-BE49-F238E27FC236}">
+                <a16:creationId xmlns:a16="http://schemas.microsoft.com/office/drawing/2014/main" id="{7AAFE5F6-9DDA-48B0-8924-3F7AC3A39340}"/>
+              </a:ext>
+            </a:extLst>
+          </p:cNvPr>
+          <p:cNvSpPr txBox="1"/>
+          <p:nvPr/>
+        </p:nvSpPr>
+        <p:spPr>
+          <a:xfrm>
+            <a:off x="2500380" y="2570805"/>
+            <a:ext cx="582134" cy="169277"/>
+          </a:xfrm>
+          <a:prstGeom prst="rect">
+            <a:avLst/>
+          </a:prstGeom>
+          <a:noFill/>
+        </p:spPr>
+        <p:txBody>
+          <a:bodyPr wrap="square" rtlCol="0">
+            <a:spAutoFit/>
+          </a:bodyPr>
+          <a:lstStyle/>
+          <a:p>
+            <a:r>
+              <a:rPr lang="en-GB" sz="500" dirty="0"/>
+              <a:t>R_EN/L_EN</a:t>
+            </a:r>
+          </a:p>
+        </p:txBody>
+      </p:sp>
+      <p:sp>
+        <p:nvSpPr>
+          <p:cNvPr id="71" name="TextBox 70">
+            <a:extLst>
+              <a:ext uri="{FF2B5EF4-FFF2-40B4-BE49-F238E27FC236}">
+                <a16:creationId xmlns:a16="http://schemas.microsoft.com/office/drawing/2014/main" id="{6EC2F611-660F-41D9-BCBE-74D6E42CC5B4}"/>
+              </a:ext>
+            </a:extLst>
+          </p:cNvPr>
+          <p:cNvSpPr txBox="1"/>
+          <p:nvPr/>
+        </p:nvSpPr>
+        <p:spPr>
+          <a:xfrm>
+            <a:off x="2500380" y="2869293"/>
+            <a:ext cx="582134" cy="169277"/>
+          </a:xfrm>
+          <a:prstGeom prst="rect">
+            <a:avLst/>
+          </a:prstGeom>
+          <a:noFill/>
+        </p:spPr>
+        <p:txBody>
+          <a:bodyPr wrap="square" rtlCol="0">
+            <a:spAutoFit/>
+          </a:bodyPr>
+          <a:lstStyle/>
+          <a:p>
+            <a:r>
+              <a:rPr lang="en-GB" sz="500" dirty="0"/>
+              <a:t>R_IS/L_IS</a:t>
+            </a:r>
+          </a:p>
+        </p:txBody>
+      </p:sp>
+      <p:sp>
+        <p:nvSpPr>
+          <p:cNvPr id="72" name="TextBox 71">
+            <a:extLst>
+              <a:ext uri="{FF2B5EF4-FFF2-40B4-BE49-F238E27FC236}">
+                <a16:creationId xmlns:a16="http://schemas.microsoft.com/office/drawing/2014/main" id="{8C00F419-C6AE-4CD7-A7DF-DDEEAA4D0BFD}"/>
+              </a:ext>
+            </a:extLst>
+          </p:cNvPr>
+          <p:cNvSpPr txBox="1"/>
+          <p:nvPr/>
+        </p:nvSpPr>
+        <p:spPr>
+          <a:xfrm>
+            <a:off x="2304356" y="3045371"/>
+            <a:ext cx="582134" cy="169277"/>
+          </a:xfrm>
+          <a:prstGeom prst="rect">
+            <a:avLst/>
+          </a:prstGeom>
+          <a:noFill/>
+        </p:spPr>
+        <p:txBody>
+          <a:bodyPr wrap="square" rtlCol="0">
+            <a:spAutoFit/>
+          </a:bodyPr>
+          <a:lstStyle/>
+          <a:p>
+            <a:r>
+              <a:rPr lang="en-GB" sz="500" dirty="0"/>
+              <a:t>VCC</a:t>
+            </a:r>
+          </a:p>
+        </p:txBody>
+      </p:sp>
+      <p:sp>
+        <p:nvSpPr>
+          <p:cNvPr id="73" name="TextBox 72">
+            <a:extLst>
+              <a:ext uri="{FF2B5EF4-FFF2-40B4-BE49-F238E27FC236}">
+                <a16:creationId xmlns:a16="http://schemas.microsoft.com/office/drawing/2014/main" id="{8E9DA70E-9F9D-4EEF-9471-9FA660596C06}"/>
+              </a:ext>
+            </a:extLst>
+          </p:cNvPr>
+          <p:cNvSpPr txBox="1"/>
+          <p:nvPr/>
+        </p:nvSpPr>
+        <p:spPr>
+          <a:xfrm>
+            <a:off x="2304356" y="3185610"/>
+            <a:ext cx="582134" cy="169277"/>
+          </a:xfrm>
+          <a:prstGeom prst="rect">
+            <a:avLst/>
+          </a:prstGeom>
+          <a:noFill/>
+        </p:spPr>
+        <p:txBody>
+          <a:bodyPr wrap="square" rtlCol="0">
+            <a:spAutoFit/>
+          </a:bodyPr>
+          <a:lstStyle/>
+          <a:p>
+            <a:r>
+              <a:rPr lang="en-GB" sz="500" dirty="0"/>
+              <a:t>GND</a:t>
+            </a:r>
+          </a:p>
+        </p:txBody>
+      </p:sp>
+      <p:cxnSp>
+        <p:nvCxnSpPr>
+          <p:cNvPr id="74" name="Straight Arrow Connector 17">
+            <a:extLst>
+              <a:ext uri="{FF2B5EF4-FFF2-40B4-BE49-F238E27FC236}">
+                <a16:creationId xmlns:a16="http://schemas.microsoft.com/office/drawing/2014/main" id="{6DBD9F24-9D58-443D-87D8-B88E0C9AA33B}"/>
+              </a:ext>
+            </a:extLst>
+          </p:cNvPr>
+          <p:cNvCxnSpPr>
+            <a:cxnSpLocks/>
+          </p:cNvCxnSpPr>
+          <p:nvPr/>
+        </p:nvCxnSpPr>
+        <p:spPr>
+          <a:xfrm flipH="1">
+            <a:off x="2304357" y="1971940"/>
+            <a:ext cx="1996716" cy="0"/>
+          </a:xfrm>
+          <a:prstGeom prst="straightConnector1">
+            <a:avLst/>
+          </a:prstGeom>
+          <a:ln w="19050">
+            <a:solidFill>
+              <a:schemeClr val="tx1"/>
+            </a:solidFill>
+            <a:tailEnd type="triangle"/>
+          </a:ln>
+        </p:spPr>
+        <p:style>
+          <a:lnRef idx="1">
+            <a:schemeClr val="accent1"/>
+          </a:lnRef>
+          <a:fillRef idx="0">
+            <a:schemeClr val="accent1"/>
+          </a:fillRef>
+          <a:effectRef idx="0">
+            <a:schemeClr val="accent1"/>
+          </a:effectRef>
+          <a:fontRef idx="minor">
+            <a:schemeClr val="tx1"/>
+          </a:fontRef>
+        </p:style>
+      </p:cxnSp>
+      <p:cxnSp>
+        <p:nvCxnSpPr>
+          <p:cNvPr id="75" name="Straight Arrow Connector 17">
+            <a:extLst>
+              <a:ext uri="{FF2B5EF4-FFF2-40B4-BE49-F238E27FC236}">
+                <a16:creationId xmlns:a16="http://schemas.microsoft.com/office/drawing/2014/main" id="{BB595184-781C-4CCE-8B8E-EB03C0B81102}"/>
+              </a:ext>
+            </a:extLst>
+          </p:cNvPr>
+          <p:cNvCxnSpPr>
+            <a:cxnSpLocks/>
+          </p:cNvCxnSpPr>
+          <p:nvPr/>
+        </p:nvCxnSpPr>
+        <p:spPr>
+          <a:xfrm flipH="1">
+            <a:off x="2304357" y="1839205"/>
+            <a:ext cx="1996716" cy="0"/>
+          </a:xfrm>
+          <a:prstGeom prst="straightConnector1">
+            <a:avLst/>
+          </a:prstGeom>
+          <a:ln w="19050">
+            <a:solidFill>
+              <a:srgbClr val="FF0000"/>
+            </a:solidFill>
+            <a:tailEnd type="triangle"/>
+          </a:ln>
+        </p:spPr>
+        <p:style>
+          <a:lnRef idx="1">
+            <a:schemeClr val="accent1"/>
+          </a:lnRef>
+          <a:fillRef idx="0">
+            <a:schemeClr val="accent1"/>
+          </a:fillRef>
+          <a:effectRef idx="0">
+            <a:schemeClr val="accent1"/>
+          </a:effectRef>
+          <a:fontRef idx="minor">
+            <a:schemeClr val="tx1"/>
+          </a:fontRef>
+        </p:style>
+      </p:cxnSp>
+      <p:sp>
+        <p:nvSpPr>
+          <p:cNvPr id="76" name="TextBox 75">
+            <a:extLst>
+              <a:ext uri="{FF2B5EF4-FFF2-40B4-BE49-F238E27FC236}">
+                <a16:creationId xmlns:a16="http://schemas.microsoft.com/office/drawing/2014/main" id="{D85D0096-D3AE-4C55-9E14-7FDA44CEE3C0}"/>
+              </a:ext>
+            </a:extLst>
+          </p:cNvPr>
+          <p:cNvSpPr txBox="1"/>
+          <p:nvPr/>
+        </p:nvSpPr>
+        <p:spPr>
+          <a:xfrm>
+            <a:off x="2304356" y="1706298"/>
+            <a:ext cx="582134" cy="169277"/>
+          </a:xfrm>
+          <a:prstGeom prst="rect">
+            <a:avLst/>
+          </a:prstGeom>
+          <a:noFill/>
+        </p:spPr>
+        <p:txBody>
+          <a:bodyPr wrap="square" rtlCol="0">
+            <a:spAutoFit/>
+          </a:bodyPr>
+          <a:lstStyle/>
+          <a:p>
+            <a:r>
+              <a:rPr lang="en-GB" sz="500" dirty="0"/>
+              <a:t>+12V</a:t>
+            </a:r>
+          </a:p>
+        </p:txBody>
+      </p:sp>
+      <p:sp>
+        <p:nvSpPr>
+          <p:cNvPr id="77" name="TextBox 76">
+            <a:extLst>
+              <a:ext uri="{FF2B5EF4-FFF2-40B4-BE49-F238E27FC236}">
+                <a16:creationId xmlns:a16="http://schemas.microsoft.com/office/drawing/2014/main" id="{0EE2678F-FF7A-4E3B-8B8D-2B36C15E990E}"/>
+              </a:ext>
+            </a:extLst>
+          </p:cNvPr>
+          <p:cNvSpPr txBox="1"/>
+          <p:nvPr/>
+        </p:nvSpPr>
+        <p:spPr>
+          <a:xfrm>
+            <a:off x="2304356" y="1846537"/>
+            <a:ext cx="582134" cy="169277"/>
+          </a:xfrm>
+          <a:prstGeom prst="rect">
+            <a:avLst/>
+          </a:prstGeom>
+          <a:noFill/>
+        </p:spPr>
+        <p:txBody>
+          <a:bodyPr wrap="square" rtlCol="0">
+            <a:spAutoFit/>
+          </a:bodyPr>
+          <a:lstStyle/>
+          <a:p>
+            <a:r>
+              <a:rPr lang="en-GB" sz="500" dirty="0"/>
+              <a:t>0V</a:t>
+            </a:r>
+          </a:p>
+        </p:txBody>
+      </p:sp>
+      <p:cxnSp>
+        <p:nvCxnSpPr>
+          <p:cNvPr id="82" name="Straight Arrow Connector 17">
+            <a:extLst>
+              <a:ext uri="{FF2B5EF4-FFF2-40B4-BE49-F238E27FC236}">
+                <a16:creationId xmlns:a16="http://schemas.microsoft.com/office/drawing/2014/main" id="{02AFB4B9-ED0B-4015-9728-B7BD84141DE1}"/>
+              </a:ext>
+            </a:extLst>
+          </p:cNvPr>
+          <p:cNvCxnSpPr>
+            <a:cxnSpLocks/>
+          </p:cNvCxnSpPr>
+          <p:nvPr/>
+        </p:nvCxnSpPr>
+        <p:spPr>
+          <a:xfrm flipH="1">
+            <a:off x="8554064" y="1971940"/>
+            <a:ext cx="1996716" cy="0"/>
+          </a:xfrm>
+          <a:prstGeom prst="straightConnector1">
+            <a:avLst/>
+          </a:prstGeom>
+          <a:ln w="19050">
+            <a:solidFill>
+              <a:schemeClr val="tx1"/>
+            </a:solidFill>
+            <a:tailEnd type="triangle"/>
+          </a:ln>
+        </p:spPr>
+        <p:style>
+          <a:lnRef idx="1">
+            <a:schemeClr val="accent1"/>
+          </a:lnRef>
+          <a:fillRef idx="0">
+            <a:schemeClr val="accent1"/>
+          </a:fillRef>
+          <a:effectRef idx="0">
+            <a:schemeClr val="accent1"/>
+          </a:effectRef>
+          <a:fontRef idx="minor">
+            <a:schemeClr val="tx1"/>
+          </a:fontRef>
+        </p:style>
+      </p:cxnSp>
+      <p:cxnSp>
+        <p:nvCxnSpPr>
+          <p:cNvPr id="83" name="Straight Arrow Connector 17">
+            <a:extLst>
+              <a:ext uri="{FF2B5EF4-FFF2-40B4-BE49-F238E27FC236}">
+                <a16:creationId xmlns:a16="http://schemas.microsoft.com/office/drawing/2014/main" id="{393E4B93-996F-4F63-8BC4-CEE91C7AFB88}"/>
+              </a:ext>
+            </a:extLst>
+          </p:cNvPr>
+          <p:cNvCxnSpPr>
+            <a:cxnSpLocks/>
+          </p:cNvCxnSpPr>
+          <p:nvPr/>
+        </p:nvCxnSpPr>
+        <p:spPr>
+          <a:xfrm flipH="1">
+            <a:off x="8554064" y="1839205"/>
+            <a:ext cx="1996716" cy="0"/>
+          </a:xfrm>
+          <a:prstGeom prst="straightConnector1">
+            <a:avLst/>
+          </a:prstGeom>
+          <a:ln w="19050">
+            <a:solidFill>
+              <a:srgbClr val="FF0000"/>
+            </a:solidFill>
+            <a:tailEnd type="triangle"/>
+          </a:ln>
+        </p:spPr>
+        <p:style>
+          <a:lnRef idx="1">
+            <a:schemeClr val="accent1"/>
+          </a:lnRef>
+          <a:fillRef idx="0">
+            <a:schemeClr val="accent1"/>
+          </a:fillRef>
+          <a:effectRef idx="0">
+            <a:schemeClr val="accent1"/>
+          </a:effectRef>
+          <a:fontRef idx="minor">
+            <a:schemeClr val="tx1"/>
+          </a:fontRef>
+        </p:style>
+      </p:cxnSp>
+      <p:sp>
+        <p:nvSpPr>
+          <p:cNvPr id="84" name="TextBox 83">
+            <a:extLst>
+              <a:ext uri="{FF2B5EF4-FFF2-40B4-BE49-F238E27FC236}">
+                <a16:creationId xmlns:a16="http://schemas.microsoft.com/office/drawing/2014/main" id="{FC2B915C-0F06-461E-A7A7-1FDD28027B15}"/>
+              </a:ext>
+            </a:extLst>
+          </p:cNvPr>
+          <p:cNvSpPr txBox="1"/>
+          <p:nvPr/>
+        </p:nvSpPr>
+        <p:spPr>
+          <a:xfrm>
+            <a:off x="8554063" y="1706298"/>
+            <a:ext cx="582134" cy="169277"/>
+          </a:xfrm>
+          <a:prstGeom prst="rect">
+            <a:avLst/>
+          </a:prstGeom>
+          <a:noFill/>
+        </p:spPr>
+        <p:txBody>
+          <a:bodyPr wrap="square" rtlCol="0">
+            <a:spAutoFit/>
+          </a:bodyPr>
+          <a:lstStyle/>
+          <a:p>
+            <a:r>
+              <a:rPr lang="en-GB" sz="500" dirty="0"/>
+              <a:t>+12V</a:t>
+            </a:r>
+          </a:p>
+        </p:txBody>
+      </p:sp>
+      <p:sp>
+        <p:nvSpPr>
+          <p:cNvPr id="85" name="TextBox 84">
+            <a:extLst>
+              <a:ext uri="{FF2B5EF4-FFF2-40B4-BE49-F238E27FC236}">
+                <a16:creationId xmlns:a16="http://schemas.microsoft.com/office/drawing/2014/main" id="{3AA3F126-6FFC-4FA2-80E4-AB94812214B0}"/>
+              </a:ext>
+            </a:extLst>
+          </p:cNvPr>
+          <p:cNvSpPr txBox="1"/>
+          <p:nvPr/>
+        </p:nvSpPr>
+        <p:spPr>
+          <a:xfrm>
+            <a:off x="8554063" y="1846537"/>
+            <a:ext cx="582134" cy="169277"/>
+          </a:xfrm>
+          <a:prstGeom prst="rect">
+            <a:avLst/>
+          </a:prstGeom>
+          <a:noFill/>
+        </p:spPr>
+        <p:txBody>
+          <a:bodyPr wrap="square" rtlCol="0">
+            <a:spAutoFit/>
+          </a:bodyPr>
+          <a:lstStyle/>
+          <a:p>
+            <a:r>
+              <a:rPr lang="en-GB" sz="500" dirty="0"/>
+              <a:t>0V</a:t>
+            </a:r>
+          </a:p>
+        </p:txBody>
+      </p:sp>
+      <p:cxnSp>
+        <p:nvCxnSpPr>
+          <p:cNvPr id="86" name="Straight Arrow Connector 17">
+            <a:extLst>
+              <a:ext uri="{FF2B5EF4-FFF2-40B4-BE49-F238E27FC236}">
+                <a16:creationId xmlns:a16="http://schemas.microsoft.com/office/drawing/2014/main" id="{CABC914D-43B3-436A-A2FE-C2E80EA5E21B}"/>
+              </a:ext>
+            </a:extLst>
+          </p:cNvPr>
+          <p:cNvCxnSpPr>
+            <a:cxnSpLocks/>
+          </p:cNvCxnSpPr>
+          <p:nvPr/>
+        </p:nvCxnSpPr>
+        <p:spPr>
+          <a:xfrm flipH="1">
+            <a:off x="8554064" y="2570805"/>
+            <a:ext cx="1996716" cy="0"/>
+          </a:xfrm>
+          <a:prstGeom prst="straightConnector1">
+            <a:avLst/>
+          </a:prstGeom>
+          <a:ln w="19050">
+            <a:solidFill>
+              <a:srgbClr val="00B0F0"/>
+            </a:solidFill>
+            <a:tailEnd type="triangle"/>
+          </a:ln>
+        </p:spPr>
+        <p:style>
+          <a:lnRef idx="1">
+            <a:schemeClr val="accent1"/>
+          </a:lnRef>
+          <a:fillRef idx="0">
+            <a:schemeClr val="accent1"/>
+          </a:fillRef>
+          <a:effectRef idx="0">
+            <a:schemeClr val="accent1"/>
+          </a:effectRef>
+          <a:fontRef idx="minor">
+            <a:schemeClr val="tx1"/>
+          </a:fontRef>
+        </p:style>
+      </p:cxnSp>
+      <p:sp>
+        <p:nvSpPr>
+          <p:cNvPr id="87" name="TextBox 86">
+            <a:extLst>
+              <a:ext uri="{FF2B5EF4-FFF2-40B4-BE49-F238E27FC236}">
+                <a16:creationId xmlns:a16="http://schemas.microsoft.com/office/drawing/2014/main" id="{9CBA9968-B22C-43A0-A843-24372A2426B4}"/>
+              </a:ext>
+            </a:extLst>
+          </p:cNvPr>
+          <p:cNvSpPr txBox="1"/>
+          <p:nvPr/>
+        </p:nvSpPr>
+        <p:spPr>
+          <a:xfrm>
+            <a:off x="8554063" y="2445402"/>
+            <a:ext cx="582134" cy="169277"/>
+          </a:xfrm>
+          <a:prstGeom prst="rect">
+            <a:avLst/>
+          </a:prstGeom>
+          <a:noFill/>
+        </p:spPr>
+        <p:txBody>
+          <a:bodyPr wrap="square" rtlCol="0">
+            <a:spAutoFit/>
+          </a:bodyPr>
+          <a:lstStyle/>
+          <a:p>
+            <a:r>
+              <a:rPr lang="en-GB" sz="500" dirty="0"/>
+              <a:t>USB</a:t>
+            </a:r>
+          </a:p>
+        </p:txBody>
+      </p:sp>
+      <p:sp>
+        <p:nvSpPr>
+          <p:cNvPr id="88" name="Rectangle 87">
+            <a:extLst>
+              <a:ext uri="{FF2B5EF4-FFF2-40B4-BE49-F238E27FC236}">
+                <a16:creationId xmlns:a16="http://schemas.microsoft.com/office/drawing/2014/main" id="{94E68F74-67BB-4545-B028-E24215317238}"/>
+              </a:ext>
+            </a:extLst>
+          </p:cNvPr>
+          <p:cNvSpPr/>
+          <p:nvPr/>
+        </p:nvSpPr>
+        <p:spPr>
+          <a:xfrm>
+            <a:off x="7139480" y="2145064"/>
+            <a:ext cx="421403" cy="359389"/>
+          </a:xfrm>
+          <a:prstGeom prst="rect">
+            <a:avLst/>
+          </a:prstGeom>
+          <a:solidFill>
+            <a:srgbClr val="92D050"/>
+          </a:solidFill>
+        </p:spPr>
+        <p:style>
+          <a:lnRef idx="2">
+            <a:schemeClr val="accent1">
+              <a:shade val="50000"/>
+            </a:schemeClr>
+          </a:lnRef>
+          <a:fillRef idx="1">
+            <a:schemeClr val="accent1"/>
+          </a:fillRef>
+          <a:effectRef idx="0">
+            <a:schemeClr val="accent1"/>
+          </a:effectRef>
+          <a:fontRef idx="minor">
+            <a:schemeClr val="lt1"/>
+          </a:fontRef>
+        </p:style>
+        <p:txBody>
+          <a:bodyPr rtlCol="0" anchor="ctr"/>
+          <a:lstStyle/>
+          <a:p>
+            <a:pPr algn="ctr"/>
+            <a:r>
+              <a:rPr lang="en-GB" sz="1100" dirty="0"/>
+              <a:t>5V REG</a:t>
+            </a:r>
+          </a:p>
+        </p:txBody>
+      </p:sp>
+      <p:sp>
+        <p:nvSpPr>
+          <p:cNvPr id="89" name="Rectangle 88">
+            <a:extLst>
+              <a:ext uri="{FF2B5EF4-FFF2-40B4-BE49-F238E27FC236}">
+                <a16:creationId xmlns:a16="http://schemas.microsoft.com/office/drawing/2014/main" id="{A19EDB3F-B0E0-4920-9DCF-042D082E23A1}"/>
+              </a:ext>
+            </a:extLst>
+          </p:cNvPr>
+          <p:cNvSpPr/>
+          <p:nvPr/>
+        </p:nvSpPr>
+        <p:spPr>
+          <a:xfrm>
+            <a:off x="4947126" y="5393814"/>
+            <a:ext cx="710553" cy="646487"/>
+          </a:xfrm>
+          <a:prstGeom prst="rect">
+            <a:avLst/>
+          </a:prstGeom>
+          <a:solidFill>
+            <a:srgbClr val="92D050"/>
+          </a:solidFill>
+        </p:spPr>
+        <p:style>
+          <a:lnRef idx="2">
+            <a:schemeClr val="accent1">
+              <a:shade val="50000"/>
+            </a:schemeClr>
+          </a:lnRef>
+          <a:fillRef idx="1">
+            <a:schemeClr val="accent1"/>
+          </a:fillRef>
+          <a:effectRef idx="0">
+            <a:schemeClr val="accent1"/>
+          </a:effectRef>
+          <a:fontRef idx="minor">
+            <a:schemeClr val="lt1"/>
+          </a:fontRef>
+        </p:style>
+        <p:txBody>
+          <a:bodyPr rtlCol="0" anchor="ctr"/>
+          <a:lstStyle/>
+          <a:p>
+            <a:pPr algn="ctr"/>
+            <a:r>
+              <a:rPr lang="en-GB" sz="1100" dirty="0"/>
+              <a:t>Local / Remote Mode</a:t>
+            </a:r>
+          </a:p>
+        </p:txBody>
+      </p:sp>
+      <p:sp>
+        <p:nvSpPr>
+          <p:cNvPr id="90" name="Rectangle 89">
+            <a:extLst>
+              <a:ext uri="{FF2B5EF4-FFF2-40B4-BE49-F238E27FC236}">
+                <a16:creationId xmlns:a16="http://schemas.microsoft.com/office/drawing/2014/main" id="{ECBE2207-12A9-478F-91D6-C2012042FCFA}"/>
+              </a:ext>
+            </a:extLst>
+          </p:cNvPr>
+          <p:cNvSpPr/>
+          <p:nvPr/>
+        </p:nvSpPr>
+        <p:spPr>
+          <a:xfrm>
+            <a:off x="5890680" y="5387463"/>
+            <a:ext cx="710553" cy="646487"/>
+          </a:xfrm>
+          <a:prstGeom prst="rect">
+            <a:avLst/>
+          </a:prstGeom>
+          <a:solidFill>
+            <a:srgbClr val="92D050"/>
+          </a:solidFill>
+        </p:spPr>
+        <p:style>
+          <a:lnRef idx="2">
+            <a:schemeClr val="accent1">
+              <a:shade val="50000"/>
+            </a:schemeClr>
+          </a:lnRef>
+          <a:fillRef idx="1">
+            <a:schemeClr val="accent1"/>
+          </a:fillRef>
+          <a:effectRef idx="0">
+            <a:schemeClr val="accent1"/>
+          </a:effectRef>
+          <a:fontRef idx="minor">
+            <a:schemeClr val="lt1"/>
+          </a:fontRef>
+        </p:style>
+        <p:txBody>
+          <a:bodyPr rtlCol="0" anchor="ctr"/>
+          <a:lstStyle/>
+          <a:p>
+            <a:pPr algn="ctr"/>
+            <a:r>
+              <a:rPr lang="en-GB" sz="1100" dirty="0"/>
+              <a:t>D / N / R Switch?</a:t>
+            </a:r>
+          </a:p>
+        </p:txBody>
+      </p:sp>
+      <p:cxnSp>
+        <p:nvCxnSpPr>
+          <p:cNvPr id="91" name="Straight Arrow Connector 17">
+            <a:extLst>
+              <a:ext uri="{FF2B5EF4-FFF2-40B4-BE49-F238E27FC236}">
+                <a16:creationId xmlns:a16="http://schemas.microsoft.com/office/drawing/2014/main" id="{B5A0C2AF-8B55-480B-9677-FD877514EE97}"/>
+              </a:ext>
+            </a:extLst>
+          </p:cNvPr>
+          <p:cNvCxnSpPr>
+            <a:cxnSpLocks/>
+            <a:stCxn id="89" idx="0"/>
+          </p:cNvCxnSpPr>
+          <p:nvPr/>
+        </p:nvCxnSpPr>
+        <p:spPr>
+          <a:xfrm flipV="1">
+            <a:off x="5302403" y="4990490"/>
+            <a:ext cx="0" cy="403324"/>
+          </a:xfrm>
+          <a:prstGeom prst="straightConnector1">
+            <a:avLst/>
+          </a:prstGeom>
+          <a:ln w="19050">
+            <a:solidFill>
+              <a:srgbClr val="FF0000"/>
+            </a:solidFill>
+            <a:headEnd type="triangle" w="med" len="med"/>
+            <a:tailEnd type="none" w="med" len="med"/>
+          </a:ln>
+        </p:spPr>
+        <p:style>
+          <a:lnRef idx="1">
+            <a:schemeClr val="accent1"/>
+          </a:lnRef>
+          <a:fillRef idx="0">
+            <a:schemeClr val="accent1"/>
+          </a:fillRef>
+          <a:effectRef idx="0">
+            <a:schemeClr val="accent1"/>
+          </a:effectRef>
+          <a:fontRef idx="minor">
+            <a:schemeClr val="tx1"/>
+          </a:fontRef>
+        </p:style>
+      </p:cxnSp>
+      <p:cxnSp>
+        <p:nvCxnSpPr>
+          <p:cNvPr id="96" name="Straight Arrow Connector 17">
+            <a:extLst>
+              <a:ext uri="{FF2B5EF4-FFF2-40B4-BE49-F238E27FC236}">
+                <a16:creationId xmlns:a16="http://schemas.microsoft.com/office/drawing/2014/main" id="{3B5D8160-8D7F-4D3C-8896-D38793E13006}"/>
+              </a:ext>
+            </a:extLst>
+          </p:cNvPr>
+          <p:cNvCxnSpPr>
+            <a:cxnSpLocks/>
+          </p:cNvCxnSpPr>
+          <p:nvPr/>
+        </p:nvCxnSpPr>
+        <p:spPr>
+          <a:xfrm flipV="1">
+            <a:off x="5188103" y="4483510"/>
+            <a:ext cx="0" cy="903954"/>
+          </a:xfrm>
+          <a:prstGeom prst="straightConnector1">
+            <a:avLst/>
+          </a:prstGeom>
+          <a:ln w="19050">
+            <a:solidFill>
+              <a:srgbClr val="FFC000"/>
+            </a:solidFill>
+            <a:tailEnd type="triangle"/>
+          </a:ln>
+        </p:spPr>
+        <p:style>
+          <a:lnRef idx="1">
+            <a:schemeClr val="accent1"/>
+          </a:lnRef>
+          <a:fillRef idx="0">
+            <a:schemeClr val="accent1"/>
+          </a:fillRef>
+          <a:effectRef idx="0">
+            <a:schemeClr val="accent1"/>
+          </a:effectRef>
+          <a:fontRef idx="minor">
+            <a:schemeClr val="tx1"/>
+          </a:fontRef>
+        </p:style>
+      </p:cxnSp>
+      <p:cxnSp>
+        <p:nvCxnSpPr>
+          <p:cNvPr id="98" name="Straight Arrow Connector 17">
+            <a:extLst>
+              <a:ext uri="{FF2B5EF4-FFF2-40B4-BE49-F238E27FC236}">
+                <a16:creationId xmlns:a16="http://schemas.microsoft.com/office/drawing/2014/main" id="{3DD644C7-A35C-4295-81F4-8932E514A7BC}"/>
+              </a:ext>
+            </a:extLst>
+          </p:cNvPr>
+          <p:cNvCxnSpPr>
+            <a:cxnSpLocks/>
+          </p:cNvCxnSpPr>
+          <p:nvPr/>
+        </p:nvCxnSpPr>
+        <p:spPr>
+          <a:xfrm flipV="1">
+            <a:off x="6310779" y="4977790"/>
+            <a:ext cx="0" cy="403324"/>
+          </a:xfrm>
+          <a:prstGeom prst="straightConnector1">
+            <a:avLst/>
+          </a:prstGeom>
+          <a:ln w="19050">
+            <a:solidFill>
+              <a:srgbClr val="FF0000"/>
+            </a:solidFill>
+            <a:headEnd type="triangle" w="med" len="med"/>
+            <a:tailEnd type="none" w="med" len="med"/>
+          </a:ln>
+        </p:spPr>
+        <p:style>
+          <a:lnRef idx="1">
+            <a:schemeClr val="accent1"/>
+          </a:lnRef>
+          <a:fillRef idx="0">
+            <a:schemeClr val="accent1"/>
+          </a:fillRef>
+          <a:effectRef idx="0">
+            <a:schemeClr val="accent1"/>
+          </a:effectRef>
+          <a:fontRef idx="minor">
+            <a:schemeClr val="tx1"/>
+          </a:fontRef>
+        </p:style>
+      </p:cxnSp>
+      <p:cxnSp>
+        <p:nvCxnSpPr>
+          <p:cNvPr id="99" name="Straight Arrow Connector 17">
+            <a:extLst>
+              <a:ext uri="{FF2B5EF4-FFF2-40B4-BE49-F238E27FC236}">
+                <a16:creationId xmlns:a16="http://schemas.microsoft.com/office/drawing/2014/main" id="{24BD8FAB-B08A-41C6-99A0-7C3F5DCB8581}"/>
+              </a:ext>
+            </a:extLst>
+          </p:cNvPr>
+          <p:cNvCxnSpPr>
+            <a:cxnSpLocks/>
+          </p:cNvCxnSpPr>
+          <p:nvPr/>
+        </p:nvCxnSpPr>
+        <p:spPr>
+          <a:xfrm flipV="1">
+            <a:off x="6196479" y="4483510"/>
+            <a:ext cx="0" cy="891254"/>
+          </a:xfrm>
+          <a:prstGeom prst="straightConnector1">
+            <a:avLst/>
+          </a:prstGeom>
+          <a:ln w="19050">
+            <a:solidFill>
+              <a:srgbClr val="FFC000"/>
+            </a:solidFill>
+            <a:tailEnd type="triangle"/>
+          </a:ln>
+        </p:spPr>
+        <p:style>
+          <a:lnRef idx="1">
+            <a:schemeClr val="accent1"/>
+          </a:lnRef>
+          <a:fillRef idx="0">
+            <a:schemeClr val="accent1"/>
+          </a:fillRef>
+          <a:effectRef idx="0">
+            <a:schemeClr val="accent1"/>
+          </a:effectRef>
+          <a:fontRef idx="minor">
+            <a:schemeClr val="tx1"/>
+          </a:fontRef>
+        </p:style>
+      </p:cxnSp>
+      <p:cxnSp>
+        <p:nvCxnSpPr>
+          <p:cNvPr id="100" name="Straight Arrow Connector 17">
+            <a:extLst>
+              <a:ext uri="{FF2B5EF4-FFF2-40B4-BE49-F238E27FC236}">
+                <a16:creationId xmlns:a16="http://schemas.microsoft.com/office/drawing/2014/main" id="{594FB1A5-F688-48CD-9D39-9F84A3061398}"/>
+              </a:ext>
+            </a:extLst>
+          </p:cNvPr>
+          <p:cNvCxnSpPr>
+            <a:cxnSpLocks/>
+          </p:cNvCxnSpPr>
+          <p:nvPr/>
+        </p:nvCxnSpPr>
+        <p:spPr>
+          <a:xfrm flipV="1">
+            <a:off x="6075829" y="4483510"/>
+            <a:ext cx="0" cy="891253"/>
+          </a:xfrm>
+          <a:prstGeom prst="straightConnector1">
+            <a:avLst/>
+          </a:prstGeom>
+          <a:ln w="19050">
+            <a:solidFill>
+              <a:srgbClr val="FFC000"/>
+            </a:solidFill>
+            <a:tailEnd type="triangle"/>
+          </a:ln>
+        </p:spPr>
+        <p:style>
+          <a:lnRef idx="1">
+            <a:schemeClr val="accent1"/>
+          </a:lnRef>
+          <a:fillRef idx="0">
+            <a:schemeClr val="accent1"/>
+          </a:fillRef>
+          <a:effectRef idx="0">
+            <a:schemeClr val="accent1"/>
+          </a:effectRef>
+          <a:fontRef idx="minor">
+            <a:schemeClr val="tx1"/>
+          </a:fontRef>
+        </p:style>
+      </p:cxnSp>
+      <p:sp>
+        <p:nvSpPr>
+          <p:cNvPr id="101" name="Rectangle 100">
+            <a:extLst>
+              <a:ext uri="{FF2B5EF4-FFF2-40B4-BE49-F238E27FC236}">
+                <a16:creationId xmlns:a16="http://schemas.microsoft.com/office/drawing/2014/main" id="{98439D05-A1EE-499B-8E20-5BFEAA14EC1C}"/>
+              </a:ext>
+            </a:extLst>
+          </p:cNvPr>
+          <p:cNvSpPr/>
+          <p:nvPr/>
+        </p:nvSpPr>
+        <p:spPr>
+          <a:xfrm>
+            <a:off x="7531099" y="3818818"/>
+            <a:ext cx="710553" cy="646487"/>
+          </a:xfrm>
+          <a:prstGeom prst="rect">
+            <a:avLst/>
+          </a:prstGeom>
+          <a:solidFill>
+            <a:srgbClr val="92D050"/>
+          </a:solidFill>
+        </p:spPr>
+        <p:style>
+          <a:lnRef idx="2">
+            <a:schemeClr val="accent1">
+              <a:shade val="50000"/>
+            </a:schemeClr>
+          </a:lnRef>
+          <a:fillRef idx="1">
+            <a:schemeClr val="accent1"/>
+          </a:fillRef>
+          <a:effectRef idx="0">
+            <a:schemeClr val="accent1"/>
+          </a:effectRef>
+          <a:fontRef idx="minor">
+            <a:schemeClr val="lt1"/>
+          </a:fontRef>
+        </p:style>
+        <p:txBody>
+          <a:bodyPr rtlCol="0" anchor="ctr"/>
+          <a:lstStyle/>
+          <a:p>
+            <a:pPr algn="ctr"/>
+            <a:r>
+              <a:rPr lang="en-GB" sz="1100" dirty="0"/>
+              <a:t>Estop</a:t>
+            </a:r>
+          </a:p>
+          <a:p>
+            <a:pPr algn="ctr"/>
+            <a:r>
+              <a:rPr lang="en-GB" sz="1100" dirty="0"/>
+              <a:t>Relay</a:t>
+            </a:r>
+          </a:p>
+        </p:txBody>
+      </p:sp>
+      <p:sp>
+        <p:nvSpPr>
+          <p:cNvPr id="102" name="Rectangle 101">
+            <a:extLst>
+              <a:ext uri="{FF2B5EF4-FFF2-40B4-BE49-F238E27FC236}">
+                <a16:creationId xmlns:a16="http://schemas.microsoft.com/office/drawing/2014/main" id="{391C0F65-047A-46ED-A0EE-43FDD365052A}"/>
+              </a:ext>
+            </a:extLst>
+          </p:cNvPr>
+          <p:cNvSpPr/>
+          <p:nvPr/>
+        </p:nvSpPr>
+        <p:spPr>
+          <a:xfrm>
+            <a:off x="7708701" y="2145063"/>
+            <a:ext cx="592907" cy="359389"/>
+          </a:xfrm>
+          <a:prstGeom prst="rect">
+            <a:avLst/>
+          </a:prstGeom>
+          <a:solidFill>
+            <a:srgbClr val="92D050"/>
+          </a:solidFill>
+        </p:spPr>
+        <p:style>
+          <a:lnRef idx="2">
+            <a:schemeClr val="accent1">
+              <a:shade val="50000"/>
+            </a:schemeClr>
+          </a:lnRef>
+          <a:fillRef idx="1">
+            <a:schemeClr val="accent1"/>
+          </a:fillRef>
+          <a:effectRef idx="0">
+            <a:schemeClr val="accent1"/>
+          </a:effectRef>
+          <a:fontRef idx="minor">
+            <a:schemeClr val="lt1"/>
+          </a:fontRef>
+        </p:style>
+        <p:txBody>
+          <a:bodyPr rtlCol="0" anchor="ctr"/>
+          <a:lstStyle/>
+          <a:p>
+            <a:pPr algn="ctr"/>
+            <a:r>
+              <a:rPr lang="en-GB" sz="1100" dirty="0"/>
+              <a:t>Divider</a:t>
+            </a:r>
+          </a:p>
+        </p:txBody>
+      </p:sp>
+      <p:sp>
+        <p:nvSpPr>
+          <p:cNvPr id="103" name="Rectangle 102">
+            <a:extLst>
+              <a:ext uri="{FF2B5EF4-FFF2-40B4-BE49-F238E27FC236}">
+                <a16:creationId xmlns:a16="http://schemas.microsoft.com/office/drawing/2014/main" id="{4B7C2780-9854-4E75-88EC-0C22835481B6}"/>
+              </a:ext>
+            </a:extLst>
+          </p:cNvPr>
+          <p:cNvSpPr/>
+          <p:nvPr/>
+        </p:nvSpPr>
+        <p:spPr>
+          <a:xfrm>
+            <a:off x="4534136" y="141746"/>
+            <a:ext cx="710553" cy="646487"/>
+          </a:xfrm>
+          <a:prstGeom prst="rect">
+            <a:avLst/>
+          </a:prstGeom>
+          <a:solidFill>
+            <a:srgbClr val="92D050"/>
+          </a:solidFill>
+        </p:spPr>
+        <p:style>
+          <a:lnRef idx="2">
+            <a:schemeClr val="accent1">
+              <a:shade val="50000"/>
+            </a:schemeClr>
+          </a:lnRef>
+          <a:fillRef idx="1">
+            <a:schemeClr val="accent1"/>
+          </a:fillRef>
+          <a:effectRef idx="0">
+            <a:schemeClr val="accent1"/>
+          </a:effectRef>
+          <a:fontRef idx="minor">
+            <a:schemeClr val="lt1"/>
+          </a:fontRef>
+        </p:style>
+        <p:txBody>
+          <a:bodyPr rtlCol="0" anchor="ctr"/>
+          <a:lstStyle/>
+          <a:p>
+            <a:pPr algn="ctr"/>
+            <a:r>
+              <a:rPr lang="en-GB" sz="1100" dirty="0"/>
+              <a:t>Brake Switch</a:t>
+            </a:r>
+          </a:p>
+        </p:txBody>
+      </p:sp>
+      <p:cxnSp>
+        <p:nvCxnSpPr>
+          <p:cNvPr id="104" name="Straight Arrow Connector 17">
+            <a:extLst>
+              <a:ext uri="{FF2B5EF4-FFF2-40B4-BE49-F238E27FC236}">
+                <a16:creationId xmlns:a16="http://schemas.microsoft.com/office/drawing/2014/main" id="{B3F9E9B3-947F-4CB5-B795-A1E765E467BB}"/>
+              </a:ext>
+            </a:extLst>
+          </p:cNvPr>
+          <p:cNvCxnSpPr>
+            <a:cxnSpLocks/>
+          </p:cNvCxnSpPr>
+          <p:nvPr/>
+        </p:nvCxnSpPr>
+        <p:spPr>
+          <a:xfrm>
+            <a:off x="4825775" y="788233"/>
+            <a:ext cx="0" cy="833695"/>
+          </a:xfrm>
+          <a:prstGeom prst="straightConnector1">
+            <a:avLst/>
+          </a:prstGeom>
+          <a:ln w="19050">
+            <a:solidFill>
+              <a:srgbClr val="FF0000"/>
+            </a:solidFill>
+            <a:headEnd type="triangle" w="med" len="med"/>
+            <a:tailEnd type="none" w="med" len="med"/>
+          </a:ln>
+        </p:spPr>
+        <p:style>
+          <a:lnRef idx="1">
+            <a:schemeClr val="accent1"/>
+          </a:lnRef>
+          <a:fillRef idx="0">
+            <a:schemeClr val="accent1"/>
+          </a:fillRef>
+          <a:effectRef idx="0">
+            <a:schemeClr val="accent1"/>
+          </a:effectRef>
+          <a:fontRef idx="minor">
+            <a:schemeClr val="tx1"/>
+          </a:fontRef>
+        </p:style>
+      </p:cxnSp>
+      <p:cxnSp>
+        <p:nvCxnSpPr>
+          <p:cNvPr id="105" name="Straight Arrow Connector 17">
+            <a:extLst>
+              <a:ext uri="{FF2B5EF4-FFF2-40B4-BE49-F238E27FC236}">
+                <a16:creationId xmlns:a16="http://schemas.microsoft.com/office/drawing/2014/main" id="{FAED60BD-65F6-4351-845F-C2B2C126FB43}"/>
+              </a:ext>
+            </a:extLst>
+          </p:cNvPr>
+          <p:cNvCxnSpPr>
+            <a:cxnSpLocks/>
+          </p:cNvCxnSpPr>
+          <p:nvPr/>
+        </p:nvCxnSpPr>
+        <p:spPr>
+          <a:xfrm>
+            <a:off x="4973837" y="788233"/>
+            <a:ext cx="0" cy="1291828"/>
+          </a:xfrm>
+          <a:prstGeom prst="straightConnector1">
+            <a:avLst/>
+          </a:prstGeom>
+          <a:ln w="19050">
+            <a:solidFill>
+              <a:srgbClr val="FFC000"/>
+            </a:solidFill>
+            <a:tailEnd type="triangle"/>
+          </a:ln>
+        </p:spPr>
+        <p:style>
+          <a:lnRef idx="1">
+            <a:schemeClr val="accent1"/>
+          </a:lnRef>
+          <a:fillRef idx="0">
+            <a:schemeClr val="accent1"/>
+          </a:fillRef>
+          <a:effectRef idx="0">
+            <a:schemeClr val="accent1"/>
+          </a:effectRef>
+          <a:fontRef idx="minor">
+            <a:schemeClr val="tx1"/>
+          </a:fontRef>
+        </p:style>
+      </p:cxnSp>
+      <p:cxnSp>
+        <p:nvCxnSpPr>
+          <p:cNvPr id="106" name="Straight Arrow Connector 17">
+            <a:extLst>
+              <a:ext uri="{FF2B5EF4-FFF2-40B4-BE49-F238E27FC236}">
+                <a16:creationId xmlns:a16="http://schemas.microsoft.com/office/drawing/2014/main" id="{6FA1430A-DCA0-4CA9-BE8E-38BA77DBC846}"/>
+              </a:ext>
+            </a:extLst>
+          </p:cNvPr>
+          <p:cNvCxnSpPr>
+            <a:cxnSpLocks/>
+          </p:cNvCxnSpPr>
+          <p:nvPr/>
+        </p:nvCxnSpPr>
+        <p:spPr>
+          <a:xfrm flipH="1">
+            <a:off x="4301073" y="1839205"/>
+            <a:ext cx="4252990" cy="0"/>
+          </a:xfrm>
+          <a:prstGeom prst="straightConnector1">
+            <a:avLst/>
+          </a:prstGeom>
+          <a:ln w="19050">
+            <a:solidFill>
+              <a:srgbClr val="FF0000"/>
+            </a:solidFill>
+            <a:tailEnd type="triangle"/>
+          </a:ln>
+        </p:spPr>
+        <p:style>
+          <a:lnRef idx="1">
+            <a:schemeClr val="accent1"/>
+          </a:lnRef>
+          <a:fillRef idx="0">
+            <a:schemeClr val="accent1"/>
+          </a:fillRef>
+          <a:effectRef idx="0">
+            <a:schemeClr val="accent1"/>
+          </a:effectRef>
+          <a:fontRef idx="minor">
+            <a:schemeClr val="tx1"/>
+          </a:fontRef>
+        </p:style>
+      </p:cxnSp>
+      <p:cxnSp>
+        <p:nvCxnSpPr>
+          <p:cNvPr id="108" name="Straight Arrow Connector 17">
+            <a:extLst>
+              <a:ext uri="{FF2B5EF4-FFF2-40B4-BE49-F238E27FC236}">
+                <a16:creationId xmlns:a16="http://schemas.microsoft.com/office/drawing/2014/main" id="{E0A2D260-B42F-4BE2-BF77-4FE086B7EC3F}"/>
+              </a:ext>
+            </a:extLst>
+          </p:cNvPr>
+          <p:cNvCxnSpPr>
+            <a:cxnSpLocks/>
+          </p:cNvCxnSpPr>
+          <p:nvPr/>
+        </p:nvCxnSpPr>
+        <p:spPr>
+          <a:xfrm flipH="1">
+            <a:off x="4301073" y="1971940"/>
+            <a:ext cx="4252990" cy="0"/>
+          </a:xfrm>
+          <a:prstGeom prst="straightConnector1">
+            <a:avLst/>
+          </a:prstGeom>
+          <a:ln w="19050">
+            <a:solidFill>
+              <a:schemeClr val="tx1"/>
+            </a:solidFill>
+            <a:tailEnd type="triangle"/>
+          </a:ln>
+        </p:spPr>
+        <p:style>
+          <a:lnRef idx="1">
+            <a:schemeClr val="accent1"/>
+          </a:lnRef>
+          <a:fillRef idx="0">
+            <a:schemeClr val="accent1"/>
+          </a:fillRef>
+          <a:effectRef idx="0">
+            <a:schemeClr val="accent1"/>
+          </a:effectRef>
+          <a:fontRef idx="minor">
+            <a:schemeClr val="tx1"/>
+          </a:fontRef>
+        </p:style>
+      </p:cxnSp>
+      <p:cxnSp>
+        <p:nvCxnSpPr>
+          <p:cNvPr id="110" name="Straight Arrow Connector 17">
+            <a:extLst>
+              <a:ext uri="{FF2B5EF4-FFF2-40B4-BE49-F238E27FC236}">
+                <a16:creationId xmlns:a16="http://schemas.microsoft.com/office/drawing/2014/main" id="{0B36D62C-E3A0-41EF-B824-D491625B7F59}"/>
+              </a:ext>
+            </a:extLst>
+          </p:cNvPr>
+          <p:cNvCxnSpPr>
+            <a:cxnSpLocks/>
+          </p:cNvCxnSpPr>
+          <p:nvPr/>
+        </p:nvCxnSpPr>
+        <p:spPr>
+          <a:xfrm>
+            <a:off x="8241652" y="1826825"/>
+            <a:ext cx="0" cy="325495"/>
+          </a:xfrm>
+          <a:prstGeom prst="straightConnector1">
+            <a:avLst/>
+          </a:prstGeom>
+          <a:ln w="19050">
+            <a:solidFill>
+              <a:srgbClr val="FF0000"/>
+            </a:solidFill>
+            <a:tailEnd type="triangle"/>
+          </a:ln>
+        </p:spPr>
+        <p:style>
+          <a:lnRef idx="1">
+            <a:schemeClr val="accent1"/>
+          </a:lnRef>
+          <a:fillRef idx="0">
+            <a:schemeClr val="accent1"/>
+          </a:fillRef>
+          <a:effectRef idx="0">
+            <a:schemeClr val="accent1"/>
+          </a:effectRef>
+          <a:fontRef idx="minor">
+            <a:schemeClr val="tx1"/>
+          </a:fontRef>
+        </p:style>
+      </p:cxnSp>
+      <p:cxnSp>
+        <p:nvCxnSpPr>
+          <p:cNvPr id="113" name="Straight Arrow Connector 17">
+            <a:extLst>
+              <a:ext uri="{FF2B5EF4-FFF2-40B4-BE49-F238E27FC236}">
+                <a16:creationId xmlns:a16="http://schemas.microsoft.com/office/drawing/2014/main" id="{F5234EA9-665E-4AEC-94AC-BADC341C5341}"/>
+              </a:ext>
+            </a:extLst>
+          </p:cNvPr>
+          <p:cNvCxnSpPr>
+            <a:cxnSpLocks/>
+          </p:cNvCxnSpPr>
+          <p:nvPr/>
+        </p:nvCxnSpPr>
+        <p:spPr>
+          <a:xfrm>
+            <a:off x="8005154" y="1982315"/>
+            <a:ext cx="0" cy="182385"/>
+          </a:xfrm>
+          <a:prstGeom prst="straightConnector1">
+            <a:avLst/>
+          </a:prstGeom>
+          <a:ln w="19050">
+            <a:solidFill>
+              <a:schemeClr val="tx1"/>
+            </a:solidFill>
+            <a:tailEnd type="triangle"/>
+          </a:ln>
+        </p:spPr>
+        <p:style>
+          <a:lnRef idx="1">
+            <a:schemeClr val="accent1"/>
+          </a:lnRef>
+          <a:fillRef idx="0">
+            <a:schemeClr val="accent1"/>
+          </a:fillRef>
+          <a:effectRef idx="0">
+            <a:schemeClr val="accent1"/>
+          </a:effectRef>
+          <a:fontRef idx="minor">
+            <a:schemeClr val="tx1"/>
+          </a:fontRef>
+        </p:style>
+      </p:cxnSp>
+      <p:cxnSp>
+        <p:nvCxnSpPr>
+          <p:cNvPr id="115" name="Straight Arrow Connector 17">
+            <a:extLst>
+              <a:ext uri="{FF2B5EF4-FFF2-40B4-BE49-F238E27FC236}">
+                <a16:creationId xmlns:a16="http://schemas.microsoft.com/office/drawing/2014/main" id="{60751AEB-74EF-4155-A301-CD3812140EBD}"/>
+              </a:ext>
+            </a:extLst>
+          </p:cNvPr>
+          <p:cNvCxnSpPr>
+            <a:cxnSpLocks/>
+          </p:cNvCxnSpPr>
+          <p:nvPr/>
+        </p:nvCxnSpPr>
+        <p:spPr>
+          <a:xfrm>
+            <a:off x="7494166" y="1829717"/>
+            <a:ext cx="0" cy="325495"/>
+          </a:xfrm>
+          <a:prstGeom prst="straightConnector1">
+            <a:avLst/>
+          </a:prstGeom>
+          <a:ln w="19050">
+            <a:solidFill>
+              <a:srgbClr val="FF0000"/>
+            </a:solidFill>
+            <a:tailEnd type="triangle"/>
+          </a:ln>
+        </p:spPr>
+        <p:style>
+          <a:lnRef idx="1">
+            <a:schemeClr val="accent1"/>
+          </a:lnRef>
+          <a:fillRef idx="0">
+            <a:schemeClr val="accent1"/>
+          </a:fillRef>
+          <a:effectRef idx="0">
+            <a:schemeClr val="accent1"/>
+          </a:effectRef>
+          <a:fontRef idx="minor">
+            <a:schemeClr val="tx1"/>
+          </a:fontRef>
+        </p:style>
+      </p:cxnSp>
+      <p:cxnSp>
+        <p:nvCxnSpPr>
+          <p:cNvPr id="116" name="Straight Arrow Connector 17">
+            <a:extLst>
+              <a:ext uri="{FF2B5EF4-FFF2-40B4-BE49-F238E27FC236}">
+                <a16:creationId xmlns:a16="http://schemas.microsoft.com/office/drawing/2014/main" id="{11E60EEF-B3B9-474B-9EF1-454A53C4F74A}"/>
+              </a:ext>
+            </a:extLst>
+          </p:cNvPr>
+          <p:cNvCxnSpPr>
+            <a:cxnSpLocks/>
+          </p:cNvCxnSpPr>
+          <p:nvPr/>
+        </p:nvCxnSpPr>
+        <p:spPr>
+          <a:xfrm>
+            <a:off x="7257668" y="1985207"/>
+            <a:ext cx="0" cy="182385"/>
+          </a:xfrm>
+          <a:prstGeom prst="straightConnector1">
+            <a:avLst/>
+          </a:prstGeom>
+          <a:ln w="19050">
+            <a:solidFill>
+              <a:schemeClr val="tx1"/>
+            </a:solidFill>
+            <a:tailEnd type="triangle"/>
+          </a:ln>
+        </p:spPr>
+        <p:style>
+          <a:lnRef idx="1">
+            <a:schemeClr val="accent1"/>
+          </a:lnRef>
+          <a:fillRef idx="0">
+            <a:schemeClr val="accent1"/>
+          </a:fillRef>
+          <a:effectRef idx="0">
+            <a:schemeClr val="accent1"/>
+          </a:effectRef>
+          <a:fontRef idx="minor">
+            <a:schemeClr val="tx1"/>
+          </a:fontRef>
+        </p:style>
+      </p:cxnSp>
+      <p:cxnSp>
+        <p:nvCxnSpPr>
+          <p:cNvPr id="117" name="Straight Arrow Connector 17">
+            <a:extLst>
+              <a:ext uri="{FF2B5EF4-FFF2-40B4-BE49-F238E27FC236}">
+                <a16:creationId xmlns:a16="http://schemas.microsoft.com/office/drawing/2014/main" id="{5DA36DC5-A04E-40FF-9F9A-D83481382D2F}"/>
+              </a:ext>
+            </a:extLst>
+          </p:cNvPr>
+          <p:cNvCxnSpPr>
+            <a:cxnSpLocks/>
+          </p:cNvCxnSpPr>
+          <p:nvPr/>
+        </p:nvCxnSpPr>
+        <p:spPr>
+          <a:xfrm flipH="1">
+            <a:off x="6887025" y="2219907"/>
+            <a:ext cx="231209" cy="0"/>
+          </a:xfrm>
+          <a:prstGeom prst="straightConnector1">
+            <a:avLst/>
+          </a:prstGeom>
+          <a:ln w="19050">
+            <a:solidFill>
+              <a:schemeClr val="tx1"/>
+            </a:solidFill>
+            <a:tailEnd type="triangle"/>
+          </a:ln>
+        </p:spPr>
+        <p:style>
+          <a:lnRef idx="1">
+            <a:schemeClr val="accent1"/>
+          </a:lnRef>
+          <a:fillRef idx="0">
+            <a:schemeClr val="accent1"/>
+          </a:fillRef>
+          <a:effectRef idx="0">
+            <a:schemeClr val="accent1"/>
+          </a:effectRef>
+          <a:fontRef idx="minor">
+            <a:schemeClr val="tx1"/>
+          </a:fontRef>
+        </p:style>
+      </p:cxnSp>
+      <p:cxnSp>
+        <p:nvCxnSpPr>
+          <p:cNvPr id="119" name="Straight Arrow Connector 17">
+            <a:extLst>
+              <a:ext uri="{FF2B5EF4-FFF2-40B4-BE49-F238E27FC236}">
+                <a16:creationId xmlns:a16="http://schemas.microsoft.com/office/drawing/2014/main" id="{6901903D-7A37-46D3-B8A2-BAA70DBF330D}"/>
+              </a:ext>
+            </a:extLst>
+          </p:cNvPr>
+          <p:cNvCxnSpPr>
+            <a:cxnSpLocks/>
+          </p:cNvCxnSpPr>
+          <p:nvPr/>
+        </p:nvCxnSpPr>
+        <p:spPr>
+          <a:xfrm flipH="1">
+            <a:off x="6887025" y="2380876"/>
+            <a:ext cx="252455" cy="0"/>
+          </a:xfrm>
+          <a:prstGeom prst="straightConnector1">
+            <a:avLst/>
+          </a:prstGeom>
+          <a:ln w="19050">
+            <a:solidFill>
+              <a:srgbClr val="FF0000"/>
+            </a:solidFill>
+            <a:tailEnd type="triangle"/>
+          </a:ln>
+        </p:spPr>
+        <p:style>
+          <a:lnRef idx="1">
+            <a:schemeClr val="accent1"/>
+          </a:lnRef>
+          <a:fillRef idx="0">
+            <a:schemeClr val="accent1"/>
+          </a:fillRef>
+          <a:effectRef idx="0">
+            <a:schemeClr val="accent1"/>
+          </a:effectRef>
+          <a:fontRef idx="minor">
+            <a:schemeClr val="tx1"/>
+          </a:fontRef>
+        </p:style>
+      </p:cxnSp>
+      <p:cxnSp>
+        <p:nvCxnSpPr>
+          <p:cNvPr id="121" name="Straight Arrow Connector 17">
+            <a:extLst>
+              <a:ext uri="{FF2B5EF4-FFF2-40B4-BE49-F238E27FC236}">
+                <a16:creationId xmlns:a16="http://schemas.microsoft.com/office/drawing/2014/main" id="{B36077C4-81B3-46EC-97D4-296B8193B833}"/>
+              </a:ext>
+            </a:extLst>
+          </p:cNvPr>
+          <p:cNvCxnSpPr>
+            <a:cxnSpLocks/>
+          </p:cNvCxnSpPr>
+          <p:nvPr/>
+        </p:nvCxnSpPr>
+        <p:spPr>
+          <a:xfrm flipH="1">
+            <a:off x="6884720" y="2810741"/>
+            <a:ext cx="1120434" cy="0"/>
+          </a:xfrm>
+          <a:prstGeom prst="straightConnector1">
+            <a:avLst/>
+          </a:prstGeom>
+          <a:ln w="19050">
+            <a:solidFill>
+              <a:srgbClr val="FFC000"/>
+            </a:solidFill>
+            <a:tailEnd type="triangle"/>
+          </a:ln>
+        </p:spPr>
+        <p:style>
+          <a:lnRef idx="1">
+            <a:schemeClr val="accent1"/>
+          </a:lnRef>
+          <a:fillRef idx="0">
+            <a:schemeClr val="accent1"/>
+          </a:fillRef>
+          <a:effectRef idx="0">
+            <a:schemeClr val="accent1"/>
+          </a:effectRef>
+          <a:fontRef idx="minor">
+            <a:schemeClr val="tx1"/>
+          </a:fontRef>
+        </p:style>
+      </p:cxnSp>
+      <p:sp>
+        <p:nvSpPr>
+          <p:cNvPr id="122" name="TextBox 121">
+            <a:extLst>
+              <a:ext uri="{FF2B5EF4-FFF2-40B4-BE49-F238E27FC236}">
+                <a16:creationId xmlns:a16="http://schemas.microsoft.com/office/drawing/2014/main" id="{784A7402-54F7-4219-A1AC-1CE0507DA2A7}"/>
+              </a:ext>
+            </a:extLst>
+          </p:cNvPr>
+          <p:cNvSpPr txBox="1"/>
+          <p:nvPr/>
+        </p:nvSpPr>
+        <p:spPr>
+          <a:xfrm>
+            <a:off x="6884719" y="2689397"/>
+            <a:ext cx="582134" cy="169277"/>
+          </a:xfrm>
+          <a:prstGeom prst="rect">
+            <a:avLst/>
+          </a:prstGeom>
+          <a:noFill/>
+        </p:spPr>
+        <p:txBody>
+          <a:bodyPr wrap="square" rtlCol="0">
+            <a:spAutoFit/>
+          </a:bodyPr>
+          <a:lstStyle/>
+          <a:p>
+            <a:r>
+              <a:rPr lang="en-GB" sz="500" dirty="0"/>
+              <a:t>A4</a:t>
+            </a:r>
+          </a:p>
+        </p:txBody>
+      </p:sp>
+      <p:cxnSp>
+        <p:nvCxnSpPr>
+          <p:cNvPr id="124" name="Straight Arrow Connector 17">
+            <a:extLst>
+              <a:ext uri="{FF2B5EF4-FFF2-40B4-BE49-F238E27FC236}">
+                <a16:creationId xmlns:a16="http://schemas.microsoft.com/office/drawing/2014/main" id="{D852574E-4633-47F5-9AF8-9CEDAD53D28C}"/>
+              </a:ext>
+            </a:extLst>
+          </p:cNvPr>
+          <p:cNvCxnSpPr>
+            <a:cxnSpLocks/>
+            <a:stCxn id="102" idx="2"/>
+          </p:cNvCxnSpPr>
+          <p:nvPr/>
+        </p:nvCxnSpPr>
+        <p:spPr>
+          <a:xfrm>
+            <a:off x="8005155" y="2504452"/>
+            <a:ext cx="0" cy="306289"/>
+          </a:xfrm>
+          <a:prstGeom prst="straightConnector1">
+            <a:avLst/>
+          </a:prstGeom>
+          <a:ln w="19050">
+            <a:solidFill>
+              <a:srgbClr val="FFC000"/>
+            </a:solidFill>
+            <a:tailEnd type="triangle"/>
+          </a:ln>
+        </p:spPr>
+        <p:style>
+          <a:lnRef idx="1">
+            <a:schemeClr val="accent1"/>
+          </a:lnRef>
+          <a:fillRef idx="0">
+            <a:schemeClr val="accent1"/>
+          </a:fillRef>
+          <a:effectRef idx="0">
+            <a:schemeClr val="accent1"/>
+          </a:effectRef>
+          <a:fontRef idx="minor">
+            <a:schemeClr val="tx1"/>
+          </a:fontRef>
+        </p:style>
+      </p:cxnSp>
+      <p:sp>
+        <p:nvSpPr>
+          <p:cNvPr id="135" name="TextBox 134">
+            <a:extLst>
+              <a:ext uri="{FF2B5EF4-FFF2-40B4-BE49-F238E27FC236}">
+                <a16:creationId xmlns:a16="http://schemas.microsoft.com/office/drawing/2014/main" id="{D3E23519-3A77-4F2D-B71F-5675D00D2676}"/>
+              </a:ext>
+            </a:extLst>
+          </p:cNvPr>
+          <p:cNvSpPr txBox="1"/>
+          <p:nvPr/>
+        </p:nvSpPr>
+        <p:spPr>
+          <a:xfrm>
+            <a:off x="4488535" y="2090914"/>
+            <a:ext cx="582134" cy="169277"/>
+          </a:xfrm>
+          <a:prstGeom prst="rect">
+            <a:avLst/>
+          </a:prstGeom>
+          <a:noFill/>
+        </p:spPr>
+        <p:txBody>
+          <a:bodyPr wrap="square" rtlCol="0">
+            <a:spAutoFit/>
+          </a:bodyPr>
+          <a:lstStyle/>
+          <a:p>
+            <a:r>
+              <a:rPr lang="en-GB" sz="500" dirty="0"/>
+              <a:t>D9</a:t>
+            </a:r>
+          </a:p>
+        </p:txBody>
+      </p:sp>
+      <p:sp>
+        <p:nvSpPr>
+          <p:cNvPr id="136" name="TextBox 135">
+            <a:extLst>
+              <a:ext uri="{FF2B5EF4-FFF2-40B4-BE49-F238E27FC236}">
+                <a16:creationId xmlns:a16="http://schemas.microsoft.com/office/drawing/2014/main" id="{4F92089E-E4AD-415D-AFEE-A9E5FEAD1473}"/>
+              </a:ext>
+            </a:extLst>
+          </p:cNvPr>
+          <p:cNvSpPr txBox="1"/>
+          <p:nvPr/>
+        </p:nvSpPr>
+        <p:spPr>
+          <a:xfrm>
+            <a:off x="4488535" y="2208735"/>
+            <a:ext cx="582134" cy="169277"/>
+          </a:xfrm>
+          <a:prstGeom prst="rect">
+            <a:avLst/>
+          </a:prstGeom>
+          <a:noFill/>
+        </p:spPr>
+        <p:txBody>
+          <a:bodyPr wrap="square" rtlCol="0">
+            <a:spAutoFit/>
+          </a:bodyPr>
+          <a:lstStyle/>
+          <a:p>
+            <a:r>
+              <a:rPr lang="en-GB" sz="500" dirty="0"/>
+              <a:t>D10</a:t>
+            </a:r>
+          </a:p>
+        </p:txBody>
+      </p:sp>
+      <p:sp>
+        <p:nvSpPr>
+          <p:cNvPr id="137" name="TextBox 136">
+            <a:extLst>
+              <a:ext uri="{FF2B5EF4-FFF2-40B4-BE49-F238E27FC236}">
+                <a16:creationId xmlns:a16="http://schemas.microsoft.com/office/drawing/2014/main" id="{46193251-CEC3-4645-A3BB-DD933F55C26F}"/>
+              </a:ext>
+            </a:extLst>
+          </p:cNvPr>
+          <p:cNvSpPr txBox="1"/>
+          <p:nvPr/>
+        </p:nvSpPr>
+        <p:spPr>
+          <a:xfrm>
+            <a:off x="4495871" y="2570805"/>
+            <a:ext cx="582134" cy="169277"/>
+          </a:xfrm>
+          <a:prstGeom prst="rect">
+            <a:avLst/>
+          </a:prstGeom>
+          <a:noFill/>
+        </p:spPr>
+        <p:txBody>
+          <a:bodyPr wrap="square" rtlCol="0">
+            <a:spAutoFit/>
+          </a:bodyPr>
+          <a:lstStyle/>
+          <a:p>
+            <a:r>
+              <a:rPr lang="en-GB" sz="500" dirty="0"/>
+              <a:t>D11</a:t>
+            </a:r>
+          </a:p>
+        </p:txBody>
+      </p:sp>
+      <p:sp>
+        <p:nvSpPr>
+          <p:cNvPr id="138" name="TextBox 137">
+            <a:extLst>
+              <a:ext uri="{FF2B5EF4-FFF2-40B4-BE49-F238E27FC236}">
+                <a16:creationId xmlns:a16="http://schemas.microsoft.com/office/drawing/2014/main" id="{22504FD6-AA02-46E8-9F8B-1CD96F51DEC1}"/>
+              </a:ext>
+            </a:extLst>
+          </p:cNvPr>
+          <p:cNvSpPr txBox="1"/>
+          <p:nvPr/>
+        </p:nvSpPr>
+        <p:spPr>
+          <a:xfrm>
+            <a:off x="4495871" y="2869293"/>
+            <a:ext cx="582134" cy="169277"/>
+          </a:xfrm>
+          <a:prstGeom prst="rect">
+            <a:avLst/>
+          </a:prstGeom>
+          <a:noFill/>
+        </p:spPr>
+        <p:txBody>
+          <a:bodyPr wrap="square" rtlCol="0">
+            <a:spAutoFit/>
+          </a:bodyPr>
+          <a:lstStyle/>
+          <a:p>
+            <a:r>
+              <a:rPr lang="en-GB" sz="500" dirty="0"/>
+              <a:t>A5</a:t>
+            </a:r>
+          </a:p>
+        </p:txBody>
+      </p:sp>
+      <p:sp>
+        <p:nvSpPr>
+          <p:cNvPr id="140" name="TextBox 139">
+            <a:extLst>
+              <a:ext uri="{FF2B5EF4-FFF2-40B4-BE49-F238E27FC236}">
+                <a16:creationId xmlns:a16="http://schemas.microsoft.com/office/drawing/2014/main" id="{ABE200EC-D164-4A42-A7A9-360F051A73D3}"/>
+              </a:ext>
+            </a:extLst>
+          </p:cNvPr>
+          <p:cNvSpPr txBox="1"/>
+          <p:nvPr/>
+        </p:nvSpPr>
+        <p:spPr>
+          <a:xfrm>
+            <a:off x="4495871" y="4081380"/>
+            <a:ext cx="582134" cy="169277"/>
+          </a:xfrm>
+          <a:prstGeom prst="rect">
+            <a:avLst/>
+          </a:prstGeom>
+          <a:noFill/>
+        </p:spPr>
+        <p:txBody>
+          <a:bodyPr wrap="square" rtlCol="0">
+            <a:spAutoFit/>
+          </a:bodyPr>
+          <a:lstStyle/>
+          <a:p>
+            <a:r>
+              <a:rPr lang="en-GB" sz="500" dirty="0"/>
+              <a:t>A1</a:t>
+            </a:r>
+          </a:p>
+        </p:txBody>
+      </p:sp>
+      <p:sp>
+        <p:nvSpPr>
+          <p:cNvPr id="141" name="TextBox 140">
+            <a:extLst>
+              <a:ext uri="{FF2B5EF4-FFF2-40B4-BE49-F238E27FC236}">
+                <a16:creationId xmlns:a16="http://schemas.microsoft.com/office/drawing/2014/main" id="{12F6599F-2BCF-4F1E-9CC7-CE6ECCC99CF4}"/>
+              </a:ext>
+            </a:extLst>
+          </p:cNvPr>
+          <p:cNvSpPr txBox="1"/>
+          <p:nvPr/>
+        </p:nvSpPr>
+        <p:spPr>
+          <a:xfrm>
+            <a:off x="4243069" y="3176313"/>
+            <a:ext cx="582134" cy="169277"/>
+          </a:xfrm>
+          <a:prstGeom prst="rect">
+            <a:avLst/>
+          </a:prstGeom>
+          <a:noFill/>
+        </p:spPr>
+        <p:txBody>
+          <a:bodyPr wrap="square" rtlCol="0">
+            <a:spAutoFit/>
+          </a:bodyPr>
+          <a:lstStyle/>
+          <a:p>
+            <a:r>
+              <a:rPr lang="en-GB" sz="500" dirty="0"/>
+              <a:t>5V</a:t>
+            </a:r>
+          </a:p>
+        </p:txBody>
+      </p:sp>
+      <p:sp>
+        <p:nvSpPr>
+          <p:cNvPr id="142" name="TextBox 141">
+            <a:extLst>
+              <a:ext uri="{FF2B5EF4-FFF2-40B4-BE49-F238E27FC236}">
+                <a16:creationId xmlns:a16="http://schemas.microsoft.com/office/drawing/2014/main" id="{99AB9CC5-B477-4F32-82FB-5432082FA52D}"/>
+              </a:ext>
+            </a:extLst>
+          </p:cNvPr>
+          <p:cNvSpPr txBox="1"/>
+          <p:nvPr/>
+        </p:nvSpPr>
+        <p:spPr>
+          <a:xfrm>
+            <a:off x="4243069" y="4019287"/>
+            <a:ext cx="582134" cy="169277"/>
+          </a:xfrm>
+          <a:prstGeom prst="rect">
+            <a:avLst/>
+          </a:prstGeom>
+          <a:noFill/>
+        </p:spPr>
+        <p:txBody>
+          <a:bodyPr wrap="square" rtlCol="0">
+            <a:spAutoFit/>
+          </a:bodyPr>
+          <a:lstStyle/>
+          <a:p>
+            <a:r>
+              <a:rPr lang="en-GB" sz="500" dirty="0"/>
+              <a:t>GND</a:t>
+            </a:r>
+          </a:p>
+        </p:txBody>
+      </p:sp>
+      <p:sp>
+        <p:nvSpPr>
+          <p:cNvPr id="143" name="TextBox 142">
+            <a:extLst>
+              <a:ext uri="{FF2B5EF4-FFF2-40B4-BE49-F238E27FC236}">
+                <a16:creationId xmlns:a16="http://schemas.microsoft.com/office/drawing/2014/main" id="{31588653-B832-491F-9DAA-E7A7E5694052}"/>
+              </a:ext>
+            </a:extLst>
+          </p:cNvPr>
+          <p:cNvSpPr txBox="1"/>
+          <p:nvPr/>
+        </p:nvSpPr>
+        <p:spPr>
+          <a:xfrm>
+            <a:off x="4243069" y="4273321"/>
+            <a:ext cx="582134" cy="169277"/>
+          </a:xfrm>
+          <a:prstGeom prst="rect">
+            <a:avLst/>
+          </a:prstGeom>
+          <a:noFill/>
+        </p:spPr>
+        <p:txBody>
+          <a:bodyPr wrap="square" rtlCol="0">
+            <a:spAutoFit/>
+          </a:bodyPr>
+          <a:lstStyle/>
+          <a:p>
+            <a:r>
+              <a:rPr lang="en-GB" sz="500" dirty="0"/>
+              <a:t>5V</a:t>
+            </a:r>
+          </a:p>
+        </p:txBody>
+      </p:sp>
+      <p:cxnSp>
+        <p:nvCxnSpPr>
+          <p:cNvPr id="144" name="Straight Arrow Connector 17">
+            <a:extLst>
+              <a:ext uri="{FF2B5EF4-FFF2-40B4-BE49-F238E27FC236}">
+                <a16:creationId xmlns:a16="http://schemas.microsoft.com/office/drawing/2014/main" id="{FAA735AE-0D5C-4800-8737-4BA48EB57FAB}"/>
+              </a:ext>
+            </a:extLst>
+          </p:cNvPr>
+          <p:cNvCxnSpPr>
+            <a:cxnSpLocks/>
+            <a:stCxn id="101" idx="1"/>
+          </p:cNvCxnSpPr>
+          <p:nvPr/>
+        </p:nvCxnSpPr>
+        <p:spPr>
+          <a:xfrm flipH="1" flipV="1">
+            <a:off x="6884721" y="4137754"/>
+            <a:ext cx="646378" cy="4308"/>
+          </a:xfrm>
+          <a:prstGeom prst="straightConnector1">
+            <a:avLst/>
+          </a:prstGeom>
+          <a:ln w="19050">
+            <a:solidFill>
+              <a:srgbClr val="FFC000"/>
+            </a:solidFill>
+            <a:headEnd type="triangle" w="med" len="med"/>
+            <a:tailEnd type="none" w="med" len="med"/>
+          </a:ln>
+        </p:spPr>
+        <p:style>
+          <a:lnRef idx="1">
+            <a:schemeClr val="accent1"/>
+          </a:lnRef>
+          <a:fillRef idx="0">
+            <a:schemeClr val="accent1"/>
+          </a:fillRef>
+          <a:effectRef idx="0">
+            <a:schemeClr val="accent1"/>
+          </a:effectRef>
+          <a:fontRef idx="minor">
+            <a:schemeClr val="tx1"/>
+          </a:fontRef>
+        </p:style>
+      </p:cxnSp>
+      <p:sp>
+        <p:nvSpPr>
+          <p:cNvPr id="145" name="TextBox 144">
+            <a:extLst>
+              <a:ext uri="{FF2B5EF4-FFF2-40B4-BE49-F238E27FC236}">
+                <a16:creationId xmlns:a16="http://schemas.microsoft.com/office/drawing/2014/main" id="{A77DE7CA-A7D5-4093-9FE1-9DF44D93132D}"/>
+              </a:ext>
+            </a:extLst>
+          </p:cNvPr>
+          <p:cNvSpPr txBox="1"/>
+          <p:nvPr/>
+        </p:nvSpPr>
+        <p:spPr>
+          <a:xfrm>
+            <a:off x="6884719" y="4016409"/>
+            <a:ext cx="582134" cy="169277"/>
+          </a:xfrm>
+          <a:prstGeom prst="rect">
+            <a:avLst/>
+          </a:prstGeom>
+          <a:noFill/>
+        </p:spPr>
+        <p:txBody>
+          <a:bodyPr wrap="square" rtlCol="0">
+            <a:spAutoFit/>
+          </a:bodyPr>
+          <a:lstStyle/>
+          <a:p>
+            <a:r>
+              <a:rPr lang="en-GB" sz="500" dirty="0"/>
+              <a:t>D8</a:t>
+            </a:r>
+          </a:p>
+        </p:txBody>
+      </p:sp>
+      <p:sp>
+        <p:nvSpPr>
+          <p:cNvPr id="151" name="TextBox 150">
+            <a:extLst>
+              <a:ext uri="{FF2B5EF4-FFF2-40B4-BE49-F238E27FC236}">
+                <a16:creationId xmlns:a16="http://schemas.microsoft.com/office/drawing/2014/main" id="{64164577-BE03-4143-BBD4-9F7E68FB1265}"/>
+              </a:ext>
+            </a:extLst>
+          </p:cNvPr>
+          <p:cNvSpPr txBox="1"/>
+          <p:nvPr/>
+        </p:nvSpPr>
+        <p:spPr>
+          <a:xfrm>
+            <a:off x="6511971" y="2080061"/>
+            <a:ext cx="582134" cy="169277"/>
+          </a:xfrm>
+          <a:prstGeom prst="rect">
+            <a:avLst/>
+          </a:prstGeom>
+          <a:noFill/>
+        </p:spPr>
+        <p:txBody>
+          <a:bodyPr wrap="square" rtlCol="0">
+            <a:spAutoFit/>
+          </a:bodyPr>
+          <a:lstStyle/>
+          <a:p>
+            <a:r>
+              <a:rPr lang="en-GB" sz="500" dirty="0"/>
+              <a:t>A0</a:t>
+            </a:r>
+          </a:p>
+        </p:txBody>
+      </p:sp>
+      <p:sp>
+        <p:nvSpPr>
+          <p:cNvPr id="152" name="TextBox 151">
+            <a:extLst>
+              <a:ext uri="{FF2B5EF4-FFF2-40B4-BE49-F238E27FC236}">
+                <a16:creationId xmlns:a16="http://schemas.microsoft.com/office/drawing/2014/main" id="{A26D2E2E-B426-4318-B50D-C755BBDFE73D}"/>
+              </a:ext>
+            </a:extLst>
+          </p:cNvPr>
+          <p:cNvSpPr txBox="1"/>
+          <p:nvPr/>
+        </p:nvSpPr>
+        <p:spPr>
+          <a:xfrm>
+            <a:off x="5628576" y="2080061"/>
+            <a:ext cx="582134" cy="169277"/>
+          </a:xfrm>
+          <a:prstGeom prst="rect">
+            <a:avLst/>
+          </a:prstGeom>
+          <a:noFill/>
+        </p:spPr>
+        <p:txBody>
+          <a:bodyPr wrap="square" rtlCol="0">
+            <a:spAutoFit/>
+          </a:bodyPr>
+          <a:lstStyle/>
+          <a:p>
+            <a:r>
+              <a:rPr lang="en-GB" sz="500" dirty="0"/>
+              <a:t>A2    A3</a:t>
+            </a:r>
+          </a:p>
+        </p:txBody>
+      </p:sp>
+      <p:sp>
+        <p:nvSpPr>
+          <p:cNvPr id="154" name="TextBox 153">
+            <a:extLst>
+              <a:ext uri="{FF2B5EF4-FFF2-40B4-BE49-F238E27FC236}">
+                <a16:creationId xmlns:a16="http://schemas.microsoft.com/office/drawing/2014/main" id="{16DCB602-7C81-42A7-A353-D04246548DCC}"/>
+              </a:ext>
+            </a:extLst>
+          </p:cNvPr>
+          <p:cNvSpPr txBox="1"/>
+          <p:nvPr/>
+        </p:nvSpPr>
+        <p:spPr>
+          <a:xfrm>
+            <a:off x="5628576" y="635913"/>
+            <a:ext cx="582134" cy="169277"/>
+          </a:xfrm>
+          <a:prstGeom prst="rect">
+            <a:avLst/>
+          </a:prstGeom>
+          <a:noFill/>
+        </p:spPr>
+        <p:txBody>
+          <a:bodyPr wrap="square" rtlCol="0">
+            <a:spAutoFit/>
+          </a:bodyPr>
+          <a:lstStyle/>
+          <a:p>
+            <a:r>
+              <a:rPr lang="en-GB" sz="500" dirty="0"/>
+              <a:t>L       R</a:t>
+            </a:r>
+          </a:p>
+        </p:txBody>
+      </p:sp>
+      <p:sp>
+        <p:nvSpPr>
+          <p:cNvPr id="156" name="TextBox 155">
+            <a:extLst>
+              <a:ext uri="{FF2B5EF4-FFF2-40B4-BE49-F238E27FC236}">
+                <a16:creationId xmlns:a16="http://schemas.microsoft.com/office/drawing/2014/main" id="{38CBF478-0FD6-400F-8696-1935A963B1AA}"/>
+              </a:ext>
+            </a:extLst>
+          </p:cNvPr>
+          <p:cNvSpPr txBox="1"/>
+          <p:nvPr/>
+        </p:nvSpPr>
+        <p:spPr>
+          <a:xfrm>
+            <a:off x="4876708" y="2080061"/>
+            <a:ext cx="582134" cy="169277"/>
+          </a:xfrm>
+          <a:prstGeom prst="rect">
+            <a:avLst/>
+          </a:prstGeom>
+          <a:noFill/>
+        </p:spPr>
+        <p:txBody>
+          <a:bodyPr wrap="square" rtlCol="0">
+            <a:spAutoFit/>
+          </a:bodyPr>
+          <a:lstStyle/>
+          <a:p>
+            <a:r>
+              <a:rPr lang="en-GB" sz="500" dirty="0"/>
+              <a:t>D13</a:t>
+            </a:r>
+          </a:p>
+        </p:txBody>
+      </p:sp>
+      <p:sp>
+        <p:nvSpPr>
+          <p:cNvPr id="157" name="TextBox 156">
+            <a:extLst>
+              <a:ext uri="{FF2B5EF4-FFF2-40B4-BE49-F238E27FC236}">
+                <a16:creationId xmlns:a16="http://schemas.microsoft.com/office/drawing/2014/main" id="{0A10F0AB-8693-4BBD-B577-873D9E80DADC}"/>
+              </a:ext>
+            </a:extLst>
+          </p:cNvPr>
+          <p:cNvSpPr txBox="1"/>
+          <p:nvPr/>
+        </p:nvSpPr>
+        <p:spPr>
+          <a:xfrm>
+            <a:off x="4706696" y="1624005"/>
+            <a:ext cx="582134" cy="169277"/>
+          </a:xfrm>
+          <a:prstGeom prst="rect">
+            <a:avLst/>
+          </a:prstGeom>
+          <a:noFill/>
+        </p:spPr>
+        <p:txBody>
+          <a:bodyPr wrap="square" rtlCol="0">
+            <a:spAutoFit/>
+          </a:bodyPr>
+          <a:lstStyle/>
+          <a:p>
+            <a:r>
+              <a:rPr lang="en-GB" sz="500" dirty="0"/>
+              <a:t>5V</a:t>
+            </a:r>
+          </a:p>
+        </p:txBody>
+      </p:sp>
+      <p:sp>
+        <p:nvSpPr>
+          <p:cNvPr id="158" name="TextBox 157">
+            <a:extLst>
+              <a:ext uri="{FF2B5EF4-FFF2-40B4-BE49-F238E27FC236}">
+                <a16:creationId xmlns:a16="http://schemas.microsoft.com/office/drawing/2014/main" id="{36A152D9-DFF3-4134-B044-82BB20E78768}"/>
+              </a:ext>
+            </a:extLst>
+          </p:cNvPr>
+          <p:cNvSpPr txBox="1"/>
+          <p:nvPr/>
+        </p:nvSpPr>
+        <p:spPr>
+          <a:xfrm>
+            <a:off x="4947126" y="1949879"/>
+            <a:ext cx="582134" cy="169277"/>
+          </a:xfrm>
+          <a:prstGeom prst="rect">
+            <a:avLst/>
+          </a:prstGeom>
+          <a:noFill/>
+        </p:spPr>
+        <p:txBody>
+          <a:bodyPr wrap="square" rtlCol="0">
+            <a:spAutoFit/>
+          </a:bodyPr>
+          <a:lstStyle/>
+          <a:p>
+            <a:r>
+              <a:rPr lang="en-GB" sz="500" dirty="0"/>
+              <a:t>10K PD</a:t>
+            </a:r>
+          </a:p>
+        </p:txBody>
+      </p:sp>
+      <p:sp>
+        <p:nvSpPr>
+          <p:cNvPr id="163" name="TextBox 162">
+            <a:extLst>
+              <a:ext uri="{FF2B5EF4-FFF2-40B4-BE49-F238E27FC236}">
+                <a16:creationId xmlns:a16="http://schemas.microsoft.com/office/drawing/2014/main" id="{EC290229-7B93-41F3-B8E7-3D2508EDCC80}"/>
+              </a:ext>
+            </a:extLst>
+          </p:cNvPr>
+          <p:cNvSpPr txBox="1"/>
+          <p:nvPr/>
+        </p:nvSpPr>
+        <p:spPr>
+          <a:xfrm>
+            <a:off x="5857908" y="4451978"/>
+            <a:ext cx="582134" cy="323165"/>
+          </a:xfrm>
+          <a:prstGeom prst="rect">
+            <a:avLst/>
+          </a:prstGeom>
+          <a:noFill/>
+        </p:spPr>
+        <p:txBody>
+          <a:bodyPr wrap="square" rtlCol="0">
+            <a:spAutoFit/>
+          </a:bodyPr>
+          <a:lstStyle/>
+          <a:p>
+            <a:r>
+              <a:rPr lang="en-GB" sz="500" dirty="0"/>
+              <a:t>D6</a:t>
+            </a:r>
+            <a:br>
+              <a:rPr lang="en-GB" sz="500" dirty="0"/>
+            </a:br>
+            <a:r>
+              <a:rPr lang="en-GB" sz="500" dirty="0"/>
+              <a:t>10K</a:t>
+            </a:r>
+            <a:br>
+              <a:rPr lang="en-GB" sz="500" dirty="0"/>
+            </a:br>
+            <a:r>
+              <a:rPr lang="en-GB" sz="500" dirty="0"/>
+              <a:t>PD</a:t>
+            </a:r>
+          </a:p>
+        </p:txBody>
+      </p:sp>
+      <p:sp>
+        <p:nvSpPr>
+          <p:cNvPr id="164" name="TextBox 163">
+            <a:extLst>
+              <a:ext uri="{FF2B5EF4-FFF2-40B4-BE49-F238E27FC236}">
+                <a16:creationId xmlns:a16="http://schemas.microsoft.com/office/drawing/2014/main" id="{4128E944-3BC9-44D7-9C65-DB9A4227344F}"/>
+              </a:ext>
+            </a:extLst>
+          </p:cNvPr>
+          <p:cNvSpPr txBox="1"/>
+          <p:nvPr/>
+        </p:nvSpPr>
+        <p:spPr>
+          <a:xfrm>
+            <a:off x="6194336" y="4446026"/>
+            <a:ext cx="582134" cy="246221"/>
+          </a:xfrm>
+          <a:prstGeom prst="rect">
+            <a:avLst/>
+          </a:prstGeom>
+          <a:noFill/>
+        </p:spPr>
+        <p:txBody>
+          <a:bodyPr wrap="square" rtlCol="0">
+            <a:spAutoFit/>
+          </a:bodyPr>
+          <a:lstStyle/>
+          <a:p>
+            <a:r>
+              <a:rPr lang="en-GB" sz="500" dirty="0"/>
+              <a:t>D7</a:t>
+            </a:r>
+          </a:p>
+          <a:p>
+            <a:r>
+              <a:rPr lang="en-GB" sz="500" dirty="0"/>
+              <a:t>10K PD</a:t>
+            </a:r>
+          </a:p>
+        </p:txBody>
+      </p:sp>
+      <p:sp>
+        <p:nvSpPr>
+          <p:cNvPr id="165" name="TextBox 164">
+            <a:extLst>
+              <a:ext uri="{FF2B5EF4-FFF2-40B4-BE49-F238E27FC236}">
+                <a16:creationId xmlns:a16="http://schemas.microsoft.com/office/drawing/2014/main" id="{5BD11EE8-2E25-4CC4-B821-B2FD1AA41EF9}"/>
+              </a:ext>
+            </a:extLst>
+          </p:cNvPr>
+          <p:cNvSpPr txBox="1"/>
+          <p:nvPr/>
+        </p:nvSpPr>
+        <p:spPr>
+          <a:xfrm>
+            <a:off x="5171658" y="4458653"/>
+            <a:ext cx="582134" cy="246221"/>
+          </a:xfrm>
+          <a:prstGeom prst="rect">
+            <a:avLst/>
+          </a:prstGeom>
+          <a:noFill/>
+        </p:spPr>
+        <p:txBody>
+          <a:bodyPr wrap="square" rtlCol="0">
+            <a:spAutoFit/>
+          </a:bodyPr>
+          <a:lstStyle/>
+          <a:p>
+            <a:r>
+              <a:rPr lang="en-GB" sz="500" dirty="0"/>
+              <a:t>D5</a:t>
+            </a:r>
+          </a:p>
+          <a:p>
+            <a:r>
+              <a:rPr lang="en-GB" sz="500" dirty="0"/>
+              <a:t>10K PD</a:t>
+            </a:r>
+          </a:p>
+        </p:txBody>
+      </p:sp>
+      <p:sp>
+        <p:nvSpPr>
+          <p:cNvPr id="166" name="TextBox 165">
+            <a:extLst>
+              <a:ext uri="{FF2B5EF4-FFF2-40B4-BE49-F238E27FC236}">
+                <a16:creationId xmlns:a16="http://schemas.microsoft.com/office/drawing/2014/main" id="{1E15ABB9-D66B-4287-B5DD-EA51F7982282}"/>
+              </a:ext>
+            </a:extLst>
+          </p:cNvPr>
+          <p:cNvSpPr txBox="1"/>
+          <p:nvPr/>
+        </p:nvSpPr>
+        <p:spPr>
+          <a:xfrm>
+            <a:off x="5188173" y="4833047"/>
+            <a:ext cx="582134" cy="169277"/>
+          </a:xfrm>
+          <a:prstGeom prst="rect">
+            <a:avLst/>
+          </a:prstGeom>
+          <a:noFill/>
+        </p:spPr>
+        <p:txBody>
+          <a:bodyPr wrap="square" rtlCol="0">
+            <a:spAutoFit/>
+          </a:bodyPr>
+          <a:lstStyle/>
+          <a:p>
+            <a:r>
+              <a:rPr lang="en-GB" sz="500" dirty="0"/>
+              <a:t>5V</a:t>
+            </a:r>
+          </a:p>
+        </p:txBody>
+      </p:sp>
+      <p:sp>
+        <p:nvSpPr>
+          <p:cNvPr id="167" name="TextBox 166">
+            <a:extLst>
+              <a:ext uri="{FF2B5EF4-FFF2-40B4-BE49-F238E27FC236}">
+                <a16:creationId xmlns:a16="http://schemas.microsoft.com/office/drawing/2014/main" id="{4B037EC3-B3E4-40DC-AA91-11B6B1E209D6}"/>
+              </a:ext>
+            </a:extLst>
+          </p:cNvPr>
+          <p:cNvSpPr txBox="1"/>
+          <p:nvPr/>
+        </p:nvSpPr>
+        <p:spPr>
+          <a:xfrm>
+            <a:off x="6190129" y="4833047"/>
+            <a:ext cx="582134" cy="169277"/>
+          </a:xfrm>
+          <a:prstGeom prst="rect">
+            <a:avLst/>
+          </a:prstGeom>
+          <a:noFill/>
+        </p:spPr>
+        <p:txBody>
+          <a:bodyPr wrap="square" rtlCol="0">
+            <a:spAutoFit/>
+          </a:bodyPr>
+          <a:lstStyle/>
+          <a:p>
+            <a:r>
+              <a:rPr lang="en-GB" sz="500" dirty="0"/>
+              <a:t>5V</a:t>
+            </a:r>
+          </a:p>
+        </p:txBody>
+      </p:sp>
+      <p:sp>
+        <p:nvSpPr>
+          <p:cNvPr id="168" name="TextBox 167">
+            <a:extLst>
+              <a:ext uri="{FF2B5EF4-FFF2-40B4-BE49-F238E27FC236}">
+                <a16:creationId xmlns:a16="http://schemas.microsoft.com/office/drawing/2014/main" id="{32EFA54F-2ADA-419D-AFB2-12928D6A8C1E}"/>
+              </a:ext>
+            </a:extLst>
+          </p:cNvPr>
+          <p:cNvSpPr txBox="1"/>
+          <p:nvPr/>
+        </p:nvSpPr>
+        <p:spPr>
+          <a:xfrm>
+            <a:off x="5925255" y="1624005"/>
+            <a:ext cx="582134" cy="169277"/>
+          </a:xfrm>
+          <a:prstGeom prst="rect">
+            <a:avLst/>
+          </a:prstGeom>
+          <a:noFill/>
+        </p:spPr>
+        <p:txBody>
+          <a:bodyPr wrap="square" rtlCol="0">
+            <a:spAutoFit/>
+          </a:bodyPr>
+          <a:lstStyle/>
+          <a:p>
+            <a:r>
+              <a:rPr lang="en-GB" sz="500" dirty="0"/>
+              <a:t>5V</a:t>
+            </a:r>
+          </a:p>
+        </p:txBody>
+      </p:sp>
+      <p:sp>
+        <p:nvSpPr>
+          <p:cNvPr id="169" name="TextBox 168">
+            <a:extLst>
+              <a:ext uri="{FF2B5EF4-FFF2-40B4-BE49-F238E27FC236}">
+                <a16:creationId xmlns:a16="http://schemas.microsoft.com/office/drawing/2014/main" id="{3DE23A88-B246-407A-9FCA-ED3DB89FE4CB}"/>
+              </a:ext>
+            </a:extLst>
+          </p:cNvPr>
+          <p:cNvSpPr txBox="1"/>
+          <p:nvPr/>
+        </p:nvSpPr>
+        <p:spPr>
+          <a:xfrm>
+            <a:off x="6649027" y="1624005"/>
+            <a:ext cx="582134" cy="169277"/>
+          </a:xfrm>
+          <a:prstGeom prst="rect">
+            <a:avLst/>
+          </a:prstGeom>
+          <a:noFill/>
+        </p:spPr>
+        <p:txBody>
+          <a:bodyPr wrap="square" rtlCol="0">
+            <a:spAutoFit/>
+          </a:bodyPr>
+          <a:lstStyle/>
+          <a:p>
+            <a:r>
+              <a:rPr lang="en-GB" sz="500" dirty="0"/>
+              <a:t>5V</a:t>
+            </a:r>
+          </a:p>
+        </p:txBody>
+      </p:sp>
+      <p:sp>
+        <p:nvSpPr>
+          <p:cNvPr id="170" name="TextBox 169">
+            <a:extLst>
+              <a:ext uri="{FF2B5EF4-FFF2-40B4-BE49-F238E27FC236}">
+                <a16:creationId xmlns:a16="http://schemas.microsoft.com/office/drawing/2014/main" id="{233EE05E-BC76-45A0-AA7F-CE76E14A263C}"/>
+              </a:ext>
+            </a:extLst>
+          </p:cNvPr>
+          <p:cNvSpPr txBox="1"/>
+          <p:nvPr/>
+        </p:nvSpPr>
+        <p:spPr>
+          <a:xfrm>
+            <a:off x="6334894" y="1624005"/>
+            <a:ext cx="582134" cy="169277"/>
+          </a:xfrm>
+          <a:prstGeom prst="rect">
+            <a:avLst/>
+          </a:prstGeom>
+          <a:noFill/>
+        </p:spPr>
+        <p:txBody>
+          <a:bodyPr wrap="square" rtlCol="0">
+            <a:spAutoFit/>
+          </a:bodyPr>
+          <a:lstStyle/>
+          <a:p>
+            <a:r>
+              <a:rPr lang="en-GB" sz="500" dirty="0"/>
+              <a:t>GND</a:t>
+            </a:r>
+          </a:p>
+        </p:txBody>
+      </p:sp>
+      <p:sp>
+        <p:nvSpPr>
+          <p:cNvPr id="171" name="TextBox 170">
+            <a:extLst>
+              <a:ext uri="{FF2B5EF4-FFF2-40B4-BE49-F238E27FC236}">
+                <a16:creationId xmlns:a16="http://schemas.microsoft.com/office/drawing/2014/main" id="{D7E7E1BE-5D83-4BCF-9768-8E108058FC68}"/>
+              </a:ext>
+            </a:extLst>
+          </p:cNvPr>
+          <p:cNvSpPr txBox="1"/>
+          <p:nvPr/>
+        </p:nvSpPr>
+        <p:spPr>
+          <a:xfrm>
+            <a:off x="5448474" y="1624005"/>
+            <a:ext cx="582134" cy="169277"/>
+          </a:xfrm>
+          <a:prstGeom prst="rect">
+            <a:avLst/>
+          </a:prstGeom>
+          <a:noFill/>
+        </p:spPr>
+        <p:txBody>
+          <a:bodyPr wrap="square" rtlCol="0">
+            <a:spAutoFit/>
+          </a:bodyPr>
+          <a:lstStyle/>
+          <a:p>
+            <a:r>
+              <a:rPr lang="en-GB" sz="500" dirty="0"/>
+              <a:t>GND</a:t>
+            </a:r>
+          </a:p>
+        </p:txBody>
+      </p:sp>
+      <p:cxnSp>
+        <p:nvCxnSpPr>
+          <p:cNvPr id="172" name="Straight Arrow Connector 17">
+            <a:extLst>
+              <a:ext uri="{FF2B5EF4-FFF2-40B4-BE49-F238E27FC236}">
+                <a16:creationId xmlns:a16="http://schemas.microsoft.com/office/drawing/2014/main" id="{2E4AE8AB-B0BC-4F85-B663-5EB00701DDC5}"/>
+              </a:ext>
+            </a:extLst>
+          </p:cNvPr>
+          <p:cNvCxnSpPr>
+            <a:cxnSpLocks/>
+          </p:cNvCxnSpPr>
+          <p:nvPr/>
+        </p:nvCxnSpPr>
+        <p:spPr>
+          <a:xfrm flipH="1">
+            <a:off x="8241652" y="3986413"/>
+            <a:ext cx="2309128" cy="0"/>
+          </a:xfrm>
+          <a:prstGeom prst="straightConnector1">
+            <a:avLst/>
+          </a:prstGeom>
+          <a:ln w="19050">
+            <a:solidFill>
+              <a:srgbClr val="FFC000"/>
+            </a:solidFill>
+            <a:tailEnd type="triangle"/>
+          </a:ln>
+        </p:spPr>
+        <p:style>
+          <a:lnRef idx="1">
+            <a:schemeClr val="accent1"/>
+          </a:lnRef>
+          <a:fillRef idx="0">
+            <a:schemeClr val="accent1"/>
+          </a:fillRef>
+          <a:effectRef idx="0">
+            <a:schemeClr val="accent1"/>
+          </a:effectRef>
+          <a:fontRef idx="minor">
+            <a:schemeClr val="tx1"/>
+          </a:fontRef>
+        </p:style>
+      </p:cxnSp>
+      <p:sp>
+        <p:nvSpPr>
+          <p:cNvPr id="173" name="TextBox 172">
+            <a:extLst>
+              <a:ext uri="{FF2B5EF4-FFF2-40B4-BE49-F238E27FC236}">
+                <a16:creationId xmlns:a16="http://schemas.microsoft.com/office/drawing/2014/main" id="{E41EA173-14BC-4F00-A2CB-95880E08480A}"/>
+              </a:ext>
+            </a:extLst>
+          </p:cNvPr>
+          <p:cNvSpPr txBox="1"/>
+          <p:nvPr/>
+        </p:nvSpPr>
+        <p:spPr>
+          <a:xfrm>
+            <a:off x="8554063" y="3861010"/>
+            <a:ext cx="582134" cy="169277"/>
+          </a:xfrm>
+          <a:prstGeom prst="rect">
+            <a:avLst/>
+          </a:prstGeom>
+          <a:noFill/>
+        </p:spPr>
+        <p:txBody>
+          <a:bodyPr wrap="square" rtlCol="0">
+            <a:spAutoFit/>
+          </a:bodyPr>
+          <a:lstStyle/>
+          <a:p>
+            <a:r>
+              <a:rPr lang="en-GB" sz="500" dirty="0"/>
+              <a:t>ESTOP loop</a:t>
+            </a:r>
+          </a:p>
+        </p:txBody>
+      </p:sp>
+      <p:cxnSp>
+        <p:nvCxnSpPr>
+          <p:cNvPr id="174" name="Straight Arrow Connector 17">
+            <a:extLst>
+              <a:ext uri="{FF2B5EF4-FFF2-40B4-BE49-F238E27FC236}">
+                <a16:creationId xmlns:a16="http://schemas.microsoft.com/office/drawing/2014/main" id="{0ABF369C-E5B6-4EC8-AF2C-7CFC63B43CA1}"/>
+              </a:ext>
+            </a:extLst>
+          </p:cNvPr>
+          <p:cNvCxnSpPr>
+            <a:cxnSpLocks/>
+          </p:cNvCxnSpPr>
+          <p:nvPr/>
+        </p:nvCxnSpPr>
+        <p:spPr>
+          <a:xfrm flipH="1">
+            <a:off x="8241652" y="4250657"/>
+            <a:ext cx="2309128" cy="0"/>
+          </a:xfrm>
+          <a:prstGeom prst="straightConnector1">
+            <a:avLst/>
+          </a:prstGeom>
+          <a:ln w="19050">
+            <a:solidFill>
+              <a:srgbClr val="FFC000"/>
+            </a:solidFill>
+            <a:tailEnd type="triangle"/>
+          </a:ln>
+        </p:spPr>
+        <p:style>
+          <a:lnRef idx="1">
+            <a:schemeClr val="accent1"/>
+          </a:lnRef>
+          <a:fillRef idx="0">
+            <a:schemeClr val="accent1"/>
+          </a:fillRef>
+          <a:effectRef idx="0">
+            <a:schemeClr val="accent1"/>
+          </a:effectRef>
+          <a:fontRef idx="minor">
+            <a:schemeClr val="tx1"/>
+          </a:fontRef>
+        </p:style>
+      </p:cxnSp>
+      <p:sp>
+        <p:nvSpPr>
+          <p:cNvPr id="175" name="TextBox 174">
+            <a:extLst>
+              <a:ext uri="{FF2B5EF4-FFF2-40B4-BE49-F238E27FC236}">
+                <a16:creationId xmlns:a16="http://schemas.microsoft.com/office/drawing/2014/main" id="{B4637C85-3A91-48D5-9C65-563C604315CF}"/>
+              </a:ext>
+            </a:extLst>
+          </p:cNvPr>
+          <p:cNvSpPr txBox="1"/>
+          <p:nvPr/>
+        </p:nvSpPr>
+        <p:spPr>
+          <a:xfrm>
+            <a:off x="8554063" y="4125254"/>
+            <a:ext cx="582134" cy="169277"/>
+          </a:xfrm>
+          <a:prstGeom prst="rect">
+            <a:avLst/>
+          </a:prstGeom>
+          <a:noFill/>
+        </p:spPr>
+        <p:txBody>
+          <a:bodyPr wrap="square" rtlCol="0">
+            <a:spAutoFit/>
+          </a:bodyPr>
+          <a:lstStyle/>
+          <a:p>
+            <a:r>
+              <a:rPr lang="en-GB" sz="500" dirty="0"/>
+              <a:t>ESTOP loop</a:t>
+            </a:r>
+          </a:p>
+        </p:txBody>
+      </p:sp>
+      <p:sp>
+        <p:nvSpPr>
+          <p:cNvPr id="178" name="Rectangle 177">
+            <a:extLst>
+              <a:ext uri="{FF2B5EF4-FFF2-40B4-BE49-F238E27FC236}">
+                <a16:creationId xmlns:a16="http://schemas.microsoft.com/office/drawing/2014/main" id="{BD6B79A5-62E1-4616-80DD-EDDA622CC2DA}"/>
+              </a:ext>
+            </a:extLst>
+          </p:cNvPr>
+          <p:cNvSpPr/>
+          <p:nvPr/>
+        </p:nvSpPr>
+        <p:spPr>
+          <a:xfrm>
+            <a:off x="7946331" y="725609"/>
+            <a:ext cx="710553" cy="760015"/>
+          </a:xfrm>
+          <a:prstGeom prst="rect">
+            <a:avLst/>
+          </a:prstGeom>
+        </p:spPr>
+        <p:style>
+          <a:lnRef idx="2">
+            <a:schemeClr val="accent1">
+              <a:shade val="50000"/>
+            </a:schemeClr>
+          </a:lnRef>
+          <a:fillRef idx="1">
+            <a:schemeClr val="accent1"/>
+          </a:fillRef>
+          <a:effectRef idx="0">
+            <a:schemeClr val="accent1"/>
+          </a:effectRef>
+          <a:fontRef idx="minor">
+            <a:schemeClr val="lt1"/>
+          </a:fontRef>
+        </p:style>
+        <p:txBody>
+          <a:bodyPr rtlCol="0" anchor="ctr"/>
+          <a:lstStyle/>
+          <a:p>
+            <a:pPr algn="ctr"/>
+            <a:r>
+              <a:rPr lang="en-GB" sz="1400" dirty="0"/>
+              <a:t>Front</a:t>
+            </a:r>
+          </a:p>
+          <a:p>
+            <a:pPr algn="ctr"/>
+            <a:r>
+              <a:rPr lang="en-GB" sz="1400" dirty="0"/>
+              <a:t>Motor board</a:t>
+            </a:r>
+          </a:p>
+        </p:txBody>
+      </p:sp>
+    </p:spTree>
+    <p:extLst>
+      <p:ext uri="{BB962C8B-B14F-4D97-AF65-F5344CB8AC3E}">
+        <p14:creationId xmlns:p14="http://schemas.microsoft.com/office/powerpoint/2010/main" val="3403039730"/>
+      </p:ext>
+    </p:extLst>
+  </p:cSld>
+  <p:clrMapOvr>
+    <a:masterClrMapping/>
+  </p:clrMapOvr>
+</p:sld>
+</file>
+
 <file path=ppt/theme/theme1.xml><?xml version="1.0" encoding="utf-8"?>
 <a:theme xmlns:a="http://schemas.openxmlformats.org/drawingml/2006/main" name="Office Theme">
   <a:themeElements>

--- a/docs/Block diagram.pptx
+++ b/docs/Block diagram.pptx
@@ -9183,7 +9183,7 @@
           </a:prstGeom>
           <a:ln w="19050">
             <a:solidFill>
-              <a:srgbClr val="FF0000"/>
+              <a:schemeClr val="tx1"/>
             </a:solidFill>
             <a:headEnd type="triangle" w="med" len="med"/>
             <a:tailEnd type="none" w="med" len="med"/>
@@ -9228,7 +9228,7 @@
           </a:prstGeom>
           <a:ln w="19050">
             <a:solidFill>
-              <a:srgbClr val="FFC000"/>
+              <a:srgbClr val="92D050"/>
             </a:solidFill>
             <a:tailEnd type="triangle"/>
           </a:ln>
@@ -10220,7 +10220,7 @@
           <a:p>
             <a:r>
               <a:rPr lang="en-GB" sz="500" dirty="0"/>
-              <a:t>D13</a:t>
+              <a:t>A6</a:t>
             </a:r>
           </a:p>
         </p:txBody>
@@ -10256,41 +10256,6 @@
             <a:r>
               <a:rPr lang="en-GB" sz="500" dirty="0"/>
               <a:t>5V</a:t>
-            </a:r>
-          </a:p>
-        </p:txBody>
-      </p:sp>
-      <p:sp>
-        <p:nvSpPr>
-          <p:cNvPr id="158" name="TextBox 157">
-            <a:extLst>
-              <a:ext uri="{FF2B5EF4-FFF2-40B4-BE49-F238E27FC236}">
-                <a16:creationId xmlns:a16="http://schemas.microsoft.com/office/drawing/2014/main" id="{36A152D9-DFF3-4134-B044-82BB20E78768}"/>
-              </a:ext>
-            </a:extLst>
-          </p:cNvPr>
-          <p:cNvSpPr txBox="1"/>
-          <p:nvPr/>
-        </p:nvSpPr>
-        <p:spPr>
-          <a:xfrm>
-            <a:off x="4947126" y="1949879"/>
-            <a:ext cx="582134" cy="169277"/>
-          </a:xfrm>
-          <a:prstGeom prst="rect">
-            <a:avLst/>
-          </a:prstGeom>
-          <a:noFill/>
-        </p:spPr>
-        <p:txBody>
-          <a:bodyPr wrap="square" rtlCol="0">
-            <a:spAutoFit/>
-          </a:bodyPr>
-          <a:lstStyle/>
-          <a:p>
-            <a:r>
-              <a:rPr lang="en-GB" sz="500" dirty="0"/>
-              <a:t>10K PD</a:t>
             </a:r>
           </a:p>
         </p:txBody>
@@ -10850,6 +10815,51 @@
           </a:p>
         </p:txBody>
       </p:sp>
+      <p:cxnSp>
+        <p:nvCxnSpPr>
+          <p:cNvPr id="107" name="Straight Arrow Connector 17">
+            <a:extLst>
+              <a:ext uri="{FF2B5EF4-FFF2-40B4-BE49-F238E27FC236}">
+                <a16:creationId xmlns:a16="http://schemas.microsoft.com/office/drawing/2014/main" id="{DEF1E49D-ABA3-42E7-B9B8-2EEA5D656C5D}"/>
+              </a:ext>
+            </a:extLst>
+          </p:cNvPr>
+          <p:cNvCxnSpPr>
+            <a:cxnSpLocks/>
+          </p:cNvCxnSpPr>
+          <p:nvPr/>
+        </p:nvCxnSpPr>
+        <p:spPr>
+          <a:xfrm>
+            <a:off x="4706696" y="788233"/>
+            <a:ext cx="0" cy="833695"/>
+          </a:xfrm>
+          <a:prstGeom prst="straightConnector1">
+            <a:avLst/>
+          </a:prstGeom>
+          <a:ln w="19050">
+            <a:solidFill>
+              <a:srgbClr val="FF0000"/>
+            </a:solidFill>
+            <a:headEnd type="triangle" w="med" len="med"/>
+            <a:tailEnd type="none" w="med" len="med"/>
+          </a:ln>
+        </p:spPr>
+        <p:style>
+          <a:lnRef idx="1">
+            <a:schemeClr val="accent1"/>
+          </a:lnRef>
+          <a:fillRef idx="0">
+            <a:schemeClr val="accent1"/>
+          </a:fillRef>
+          <a:effectRef idx="0">
+            <a:schemeClr val="accent1"/>
+          </a:effectRef>
+          <a:fontRef idx="minor">
+            <a:schemeClr val="tx1"/>
+          </a:fontRef>
+        </p:style>
+      </p:cxnSp>
     </p:spTree>
     <p:extLst>
       <p:ext uri="{BB962C8B-B14F-4D97-AF65-F5344CB8AC3E}">

--- a/docs/Block diagram.pptx
+++ b/docs/Block diagram.pptx
@@ -7,6 +7,7 @@
   <p:sldIdLst>
     <p:sldId id="256" r:id="rId2"/>
     <p:sldId id="257" r:id="rId3"/>
+    <p:sldId id="258" r:id="rId4"/>
   </p:sldIdLst>
   <p:sldSz cx="12192000" cy="6858000"/>
   <p:notesSz cx="6858000" cy="9144000"/>
@@ -262,7 +263,7 @@
           <a:p>
             <a:fld id="{72BCE49A-90C4-4870-BF27-6EF0BB66320F}" type="datetimeFigureOut">
               <a:rPr lang="en-GB" smtClean="0"/>
-              <a:t>12/03/2022</a:t>
+              <a:t>18/04/2022</a:t>
             </a:fld>
             <a:endParaRPr lang="en-GB"/>
           </a:p>
@@ -462,7 +463,7 @@
           <a:p>
             <a:fld id="{72BCE49A-90C4-4870-BF27-6EF0BB66320F}" type="datetimeFigureOut">
               <a:rPr lang="en-GB" smtClean="0"/>
-              <a:t>12/03/2022</a:t>
+              <a:t>18/04/2022</a:t>
             </a:fld>
             <a:endParaRPr lang="en-GB"/>
           </a:p>
@@ -672,7 +673,7 @@
           <a:p>
             <a:fld id="{72BCE49A-90C4-4870-BF27-6EF0BB66320F}" type="datetimeFigureOut">
               <a:rPr lang="en-GB" smtClean="0"/>
-              <a:t>12/03/2022</a:t>
+              <a:t>18/04/2022</a:t>
             </a:fld>
             <a:endParaRPr lang="en-GB"/>
           </a:p>
@@ -872,7 +873,7 @@
           <a:p>
             <a:fld id="{72BCE49A-90C4-4870-BF27-6EF0BB66320F}" type="datetimeFigureOut">
               <a:rPr lang="en-GB" smtClean="0"/>
-              <a:t>12/03/2022</a:t>
+              <a:t>18/04/2022</a:t>
             </a:fld>
             <a:endParaRPr lang="en-GB"/>
           </a:p>
@@ -1148,7 +1149,7 @@
           <a:p>
             <a:fld id="{72BCE49A-90C4-4870-BF27-6EF0BB66320F}" type="datetimeFigureOut">
               <a:rPr lang="en-GB" smtClean="0"/>
-              <a:t>12/03/2022</a:t>
+              <a:t>18/04/2022</a:t>
             </a:fld>
             <a:endParaRPr lang="en-GB"/>
           </a:p>
@@ -1416,7 +1417,7 @@
           <a:p>
             <a:fld id="{72BCE49A-90C4-4870-BF27-6EF0BB66320F}" type="datetimeFigureOut">
               <a:rPr lang="en-GB" smtClean="0"/>
-              <a:t>12/03/2022</a:t>
+              <a:t>18/04/2022</a:t>
             </a:fld>
             <a:endParaRPr lang="en-GB"/>
           </a:p>
@@ -1831,7 +1832,7 @@
           <a:p>
             <a:fld id="{72BCE49A-90C4-4870-BF27-6EF0BB66320F}" type="datetimeFigureOut">
               <a:rPr lang="en-GB" smtClean="0"/>
-              <a:t>12/03/2022</a:t>
+              <a:t>18/04/2022</a:t>
             </a:fld>
             <a:endParaRPr lang="en-GB"/>
           </a:p>
@@ -1973,7 +1974,7 @@
           <a:p>
             <a:fld id="{72BCE49A-90C4-4870-BF27-6EF0BB66320F}" type="datetimeFigureOut">
               <a:rPr lang="en-GB" smtClean="0"/>
-              <a:t>12/03/2022</a:t>
+              <a:t>18/04/2022</a:t>
             </a:fld>
             <a:endParaRPr lang="en-GB"/>
           </a:p>
@@ -2086,7 +2087,7 @@
           <a:p>
             <a:fld id="{72BCE49A-90C4-4870-BF27-6EF0BB66320F}" type="datetimeFigureOut">
               <a:rPr lang="en-GB" smtClean="0"/>
-              <a:t>12/03/2022</a:t>
+              <a:t>18/04/2022</a:t>
             </a:fld>
             <a:endParaRPr lang="en-GB"/>
           </a:p>
@@ -2399,7 +2400,7 @@
           <a:p>
             <a:fld id="{72BCE49A-90C4-4870-BF27-6EF0BB66320F}" type="datetimeFigureOut">
               <a:rPr lang="en-GB" smtClean="0"/>
-              <a:t>12/03/2022</a:t>
+              <a:t>18/04/2022</a:t>
             </a:fld>
             <a:endParaRPr lang="en-GB"/>
           </a:p>
@@ -2688,7 +2689,7 @@
           <a:p>
             <a:fld id="{72BCE49A-90C4-4870-BF27-6EF0BB66320F}" type="datetimeFigureOut">
               <a:rPr lang="en-GB" smtClean="0"/>
-              <a:t>12/03/2022</a:t>
+              <a:t>18/04/2022</a:t>
             </a:fld>
             <a:endParaRPr lang="en-GB"/>
           </a:p>
@@ -2931,7 +2932,7 @@
           <a:p>
             <a:fld id="{72BCE49A-90C4-4870-BF27-6EF0BB66320F}" type="datetimeFigureOut">
               <a:rPr lang="en-GB" smtClean="0"/>
-              <a:t>12/03/2022</a:t>
+              <a:t>18/04/2022</a:t>
             </a:fld>
             <a:endParaRPr lang="en-GB"/>
           </a:p>
@@ -10860,10 +10861,3956 @@
           </a:fontRef>
         </p:style>
       </p:cxnSp>
+      <p:cxnSp>
+        <p:nvCxnSpPr>
+          <p:cNvPr id="3" name="Straight Connector 2">
+            <a:extLst>
+              <a:ext uri="{FF2B5EF4-FFF2-40B4-BE49-F238E27FC236}">
+                <a16:creationId xmlns:a16="http://schemas.microsoft.com/office/drawing/2014/main" id="{9F69DF97-39F2-4BC2-A2DC-349D7B191F5D}"/>
+              </a:ext>
+            </a:extLst>
+          </p:cNvPr>
+          <p:cNvCxnSpPr>
+            <a:cxnSpLocks/>
+          </p:cNvCxnSpPr>
+          <p:nvPr/>
+        </p:nvCxnSpPr>
+        <p:spPr>
+          <a:xfrm flipV="1">
+            <a:off x="5829333" y="1327918"/>
+            <a:ext cx="117725" cy="104837"/>
+          </a:xfrm>
+          <a:prstGeom prst="line">
+            <a:avLst/>
+          </a:prstGeom>
+        </p:spPr>
+        <p:style>
+          <a:lnRef idx="1">
+            <a:schemeClr val="accent1"/>
+          </a:lnRef>
+          <a:fillRef idx="0">
+            <a:schemeClr val="accent1"/>
+          </a:fillRef>
+          <a:effectRef idx="0">
+            <a:schemeClr val="accent1"/>
+          </a:effectRef>
+          <a:fontRef idx="minor">
+            <a:schemeClr val="tx1"/>
+          </a:fontRef>
+        </p:style>
+      </p:cxnSp>
+      <p:cxnSp>
+        <p:nvCxnSpPr>
+          <p:cNvPr id="13" name="Straight Connector 12">
+            <a:extLst>
+              <a:ext uri="{FF2B5EF4-FFF2-40B4-BE49-F238E27FC236}">
+                <a16:creationId xmlns:a16="http://schemas.microsoft.com/office/drawing/2014/main" id="{42FA01AE-7237-4D37-B280-B1269F87955F}"/>
+              </a:ext>
+            </a:extLst>
+          </p:cNvPr>
+          <p:cNvCxnSpPr/>
+          <p:nvPr/>
+        </p:nvCxnSpPr>
+        <p:spPr>
+          <a:xfrm>
+            <a:off x="5829333" y="1327918"/>
+            <a:ext cx="117725" cy="116485"/>
+          </a:xfrm>
+          <a:prstGeom prst="line">
+            <a:avLst/>
+          </a:prstGeom>
+        </p:spPr>
+        <p:style>
+          <a:lnRef idx="1">
+            <a:schemeClr val="accent1"/>
+          </a:lnRef>
+          <a:fillRef idx="0">
+            <a:schemeClr val="accent1"/>
+          </a:fillRef>
+          <a:effectRef idx="0">
+            <a:schemeClr val="accent1"/>
+          </a:effectRef>
+          <a:fontRef idx="minor">
+            <a:schemeClr val="tx1"/>
+          </a:fontRef>
+        </p:style>
+      </p:cxnSp>
     </p:spTree>
     <p:extLst>
       <p:ext uri="{BB962C8B-B14F-4D97-AF65-F5344CB8AC3E}">
         <p14:creationId xmlns:p14="http://schemas.microsoft.com/office/powerpoint/2010/main" val="3403039730"/>
+      </p:ext>
+    </p:extLst>
+  </p:cSld>
+  <p:clrMapOvr>
+    <a:masterClrMapping/>
+  </p:clrMapOvr>
+</p:sld>
+</file>
+
+<file path=ppt/slides/slide3.xml><?xml version="1.0" encoding="utf-8"?>
+<p:sld xmlns:a="http://schemas.openxmlformats.org/drawingml/2006/main" xmlns:r="http://schemas.openxmlformats.org/officeDocument/2006/relationships" xmlns:p="http://schemas.openxmlformats.org/presentationml/2006/main">
+  <p:cSld>
+    <p:spTree>
+      <p:nvGrpSpPr>
+        <p:cNvPr id="1" name=""/>
+        <p:cNvGrpSpPr/>
+        <p:nvPr/>
+      </p:nvGrpSpPr>
+      <p:grpSpPr>
+        <a:xfrm>
+          <a:off x="0" y="0"/>
+          <a:ext cx="0" cy="0"/>
+          <a:chOff x="0" y="0"/>
+          <a:chExt cx="0" cy="0"/>
+        </a:xfrm>
+      </p:grpSpPr>
+      <p:sp>
+        <p:nvSpPr>
+          <p:cNvPr id="6" name="Rectangle 5">
+            <a:extLst>
+              <a:ext uri="{FF2B5EF4-FFF2-40B4-BE49-F238E27FC236}">
+                <a16:creationId xmlns:a16="http://schemas.microsoft.com/office/drawing/2014/main" id="{39371FBC-425F-4970-ABF6-7D86316566F7}"/>
+              </a:ext>
+            </a:extLst>
+          </p:cNvPr>
+          <p:cNvSpPr/>
+          <p:nvPr/>
+        </p:nvSpPr>
+        <p:spPr>
+          <a:xfrm>
+            <a:off x="7107397" y="2090914"/>
+            <a:ext cx="2082538" cy="2380366"/>
+          </a:xfrm>
+          <a:prstGeom prst="rect">
+            <a:avLst/>
+          </a:prstGeom>
+        </p:spPr>
+        <p:style>
+          <a:lnRef idx="2">
+            <a:schemeClr val="accent1">
+              <a:shade val="50000"/>
+            </a:schemeClr>
+          </a:lnRef>
+          <a:fillRef idx="1">
+            <a:schemeClr val="accent1"/>
+          </a:fillRef>
+          <a:effectRef idx="0">
+            <a:schemeClr val="accent1"/>
+          </a:effectRef>
+          <a:fontRef idx="minor">
+            <a:schemeClr val="lt1"/>
+          </a:fontRef>
+        </p:style>
+        <p:txBody>
+          <a:bodyPr rtlCol="0" anchor="ctr"/>
+          <a:lstStyle/>
+          <a:p>
+            <a:pPr algn="ctr"/>
+            <a:r>
+              <a:rPr lang="en-GB" sz="1100" dirty="0"/>
+              <a:t>Sonar MCU</a:t>
+            </a:r>
+          </a:p>
+          <a:p>
+            <a:pPr algn="ctr"/>
+            <a:r>
+              <a:rPr lang="en-GB" sz="1100" dirty="0" err="1"/>
+              <a:t>NavSPARK</a:t>
+            </a:r>
+            <a:endParaRPr lang="en-GB" sz="1100" dirty="0"/>
+          </a:p>
+          <a:p>
+            <a:pPr algn="ctr"/>
+            <a:endParaRPr lang="en-GB" sz="1100" dirty="0"/>
+          </a:p>
+          <a:p>
+            <a:pPr algn="ctr"/>
+            <a:endParaRPr lang="en-GB" sz="1100" dirty="0"/>
+          </a:p>
+          <a:p>
+            <a:pPr algn="ctr"/>
+            <a:endParaRPr lang="en-GB" sz="1100" dirty="0"/>
+          </a:p>
+          <a:p>
+            <a:pPr algn="ctr"/>
+            <a:endParaRPr lang="en-GB" sz="1100" dirty="0"/>
+          </a:p>
+          <a:p>
+            <a:pPr algn="ctr"/>
+            <a:endParaRPr lang="en-GB" sz="1100" dirty="0"/>
+          </a:p>
+          <a:p>
+            <a:pPr algn="ctr"/>
+            <a:endParaRPr lang="en-GB" sz="1100" dirty="0"/>
+          </a:p>
+          <a:p>
+            <a:pPr algn="ctr"/>
+            <a:endParaRPr lang="en-GB" sz="1100" dirty="0"/>
+          </a:p>
+          <a:p>
+            <a:pPr algn="ctr"/>
+            <a:endParaRPr lang="en-GB" sz="1100" dirty="0"/>
+          </a:p>
+          <a:p>
+            <a:pPr algn="ctr"/>
+            <a:endParaRPr lang="en-GB" sz="1100" dirty="0"/>
+          </a:p>
+          <a:p>
+            <a:pPr algn="ctr"/>
+            <a:endParaRPr lang="en-GB" sz="1100" dirty="0"/>
+          </a:p>
+          <a:p>
+            <a:pPr algn="ctr"/>
+            <a:endParaRPr lang="en-GB" sz="1100" dirty="0"/>
+          </a:p>
+          <a:p>
+            <a:pPr algn="ctr"/>
+            <a:endParaRPr lang="en-GB" sz="1100" dirty="0"/>
+          </a:p>
+        </p:txBody>
+      </p:sp>
+      <p:sp>
+        <p:nvSpPr>
+          <p:cNvPr id="7" name="Rectangle 6">
+            <a:extLst>
+              <a:ext uri="{FF2B5EF4-FFF2-40B4-BE49-F238E27FC236}">
+                <a16:creationId xmlns:a16="http://schemas.microsoft.com/office/drawing/2014/main" id="{D5712841-CF10-4E5D-984D-A4C739F3B37A}"/>
+              </a:ext>
+            </a:extLst>
+          </p:cNvPr>
+          <p:cNvSpPr/>
+          <p:nvPr/>
+        </p:nvSpPr>
+        <p:spPr>
+          <a:xfrm>
+            <a:off x="5371856" y="1766348"/>
+            <a:ext cx="1070562" cy="1855678"/>
+          </a:xfrm>
+          <a:prstGeom prst="rect">
+            <a:avLst/>
+          </a:prstGeom>
+          <a:solidFill>
+            <a:srgbClr val="92D050"/>
+          </a:solidFill>
+        </p:spPr>
+        <p:style>
+          <a:lnRef idx="2">
+            <a:schemeClr val="accent1">
+              <a:shade val="50000"/>
+            </a:schemeClr>
+          </a:lnRef>
+          <a:fillRef idx="1">
+            <a:schemeClr val="accent1"/>
+          </a:fillRef>
+          <a:effectRef idx="0">
+            <a:schemeClr val="accent1"/>
+          </a:effectRef>
+          <a:fontRef idx="minor">
+            <a:schemeClr val="lt1"/>
+          </a:fontRef>
+        </p:style>
+        <p:txBody>
+          <a:bodyPr rtlCol="0" anchor="ctr"/>
+          <a:lstStyle/>
+          <a:p>
+            <a:pPr algn="ctr"/>
+            <a:r>
+              <a:rPr lang="en-GB" sz="1100" dirty="0"/>
+              <a:t>TCA9548A</a:t>
+            </a:r>
+          </a:p>
+        </p:txBody>
+      </p:sp>
+      <p:sp>
+        <p:nvSpPr>
+          <p:cNvPr id="14" name="TextBox 13">
+            <a:extLst>
+              <a:ext uri="{FF2B5EF4-FFF2-40B4-BE49-F238E27FC236}">
+                <a16:creationId xmlns:a16="http://schemas.microsoft.com/office/drawing/2014/main" id="{DC318895-1459-45DC-AC93-356A57C60EBD}"/>
+              </a:ext>
+            </a:extLst>
+          </p:cNvPr>
+          <p:cNvSpPr txBox="1"/>
+          <p:nvPr/>
+        </p:nvSpPr>
+        <p:spPr>
+          <a:xfrm>
+            <a:off x="139362" y="101758"/>
+            <a:ext cx="2862179" cy="261610"/>
+          </a:xfrm>
+          <a:prstGeom prst="rect">
+            <a:avLst/>
+          </a:prstGeom>
+          <a:noFill/>
+        </p:spPr>
+        <p:txBody>
+          <a:bodyPr wrap="square" rtlCol="0">
+            <a:spAutoFit/>
+          </a:bodyPr>
+          <a:lstStyle/>
+          <a:p>
+            <a:pPr algn="ctr"/>
+            <a:r>
+              <a:rPr lang="en-GB" sz="1100" dirty="0"/>
+              <a:t>Steering Subsystem (front)</a:t>
+            </a:r>
+          </a:p>
+        </p:txBody>
+      </p:sp>
+      <p:pic>
+        <p:nvPicPr>
+          <p:cNvPr id="15" name="Picture 14">
+            <a:extLst>
+              <a:ext uri="{FF2B5EF4-FFF2-40B4-BE49-F238E27FC236}">
+                <a16:creationId xmlns:a16="http://schemas.microsoft.com/office/drawing/2014/main" id="{2B7CE32F-1453-4FA4-957D-4B5900A1AA57}"/>
+              </a:ext>
+            </a:extLst>
+          </p:cNvPr>
+          <p:cNvPicPr>
+            <a:picLocks noChangeAspect="1"/>
+          </p:cNvPicPr>
+          <p:nvPr/>
+        </p:nvPicPr>
+        <p:blipFill>
+          <a:blip r:embed="rId2"/>
+          <a:stretch>
+            <a:fillRect/>
+          </a:stretch>
+        </p:blipFill>
+        <p:spPr>
+          <a:xfrm>
+            <a:off x="209172" y="5190314"/>
+            <a:ext cx="1917325" cy="1555925"/>
+          </a:xfrm>
+          <a:prstGeom prst="rect">
+            <a:avLst/>
+          </a:prstGeom>
+        </p:spPr>
+      </p:pic>
+      <p:sp>
+        <p:nvSpPr>
+          <p:cNvPr id="26" name="Rectangle 25">
+            <a:extLst>
+              <a:ext uri="{FF2B5EF4-FFF2-40B4-BE49-F238E27FC236}">
+                <a16:creationId xmlns:a16="http://schemas.microsoft.com/office/drawing/2014/main" id="{74953C88-A923-4816-A7B7-67177B2A6CBB}"/>
+              </a:ext>
+            </a:extLst>
+          </p:cNvPr>
+          <p:cNvSpPr/>
+          <p:nvPr/>
+        </p:nvSpPr>
+        <p:spPr>
+          <a:xfrm>
+            <a:off x="4826000" y="1621929"/>
+            <a:ext cx="5163163" cy="3362211"/>
+          </a:xfrm>
+          <a:prstGeom prst="rect">
+            <a:avLst/>
+          </a:prstGeom>
+          <a:noFill/>
+          <a:ln w="28575">
+            <a:solidFill>
+              <a:srgbClr val="FFC000"/>
+            </a:solidFill>
+            <a:prstDash val="dash"/>
+          </a:ln>
+        </p:spPr>
+        <p:style>
+          <a:lnRef idx="2">
+            <a:schemeClr val="accent1">
+              <a:shade val="50000"/>
+            </a:schemeClr>
+          </a:lnRef>
+          <a:fillRef idx="1">
+            <a:schemeClr val="accent1"/>
+          </a:fillRef>
+          <a:effectRef idx="0">
+            <a:schemeClr val="accent1"/>
+          </a:effectRef>
+          <a:fontRef idx="minor">
+            <a:schemeClr val="lt1"/>
+          </a:fontRef>
+        </p:style>
+        <p:txBody>
+          <a:bodyPr rtlCol="0" anchor="ctr"/>
+          <a:lstStyle/>
+          <a:p>
+            <a:pPr algn="ctr"/>
+            <a:endParaRPr lang="en-GB"/>
+          </a:p>
+        </p:txBody>
+      </p:sp>
+      <p:sp>
+        <p:nvSpPr>
+          <p:cNvPr id="27" name="TextBox 26">
+            <a:extLst>
+              <a:ext uri="{FF2B5EF4-FFF2-40B4-BE49-F238E27FC236}">
+                <a16:creationId xmlns:a16="http://schemas.microsoft.com/office/drawing/2014/main" id="{42E0C32D-CA1C-428F-9AB9-CC1FF2E8863C}"/>
+              </a:ext>
+            </a:extLst>
+          </p:cNvPr>
+          <p:cNvSpPr txBox="1"/>
+          <p:nvPr/>
+        </p:nvSpPr>
+        <p:spPr>
+          <a:xfrm>
+            <a:off x="8178109" y="1621300"/>
+            <a:ext cx="1677882" cy="261610"/>
+          </a:xfrm>
+          <a:prstGeom prst="rect">
+            <a:avLst/>
+          </a:prstGeom>
+          <a:noFill/>
+        </p:spPr>
+        <p:txBody>
+          <a:bodyPr wrap="square" rtlCol="0">
+            <a:spAutoFit/>
+          </a:bodyPr>
+          <a:lstStyle/>
+          <a:p>
+            <a:pPr algn="ctr"/>
+            <a:r>
+              <a:rPr lang="en-GB" sz="1100" dirty="0"/>
+              <a:t>Sonar Subsystem board</a:t>
+            </a:r>
+          </a:p>
+        </p:txBody>
+      </p:sp>
+      <p:cxnSp>
+        <p:nvCxnSpPr>
+          <p:cNvPr id="50" name="Straight Arrow Connector 17">
+            <a:extLst>
+              <a:ext uri="{FF2B5EF4-FFF2-40B4-BE49-F238E27FC236}">
+                <a16:creationId xmlns:a16="http://schemas.microsoft.com/office/drawing/2014/main" id="{2B99C6E6-6E3C-4F9A-BC66-9E04EE5DCD73}"/>
+              </a:ext>
+            </a:extLst>
+          </p:cNvPr>
+          <p:cNvCxnSpPr>
+            <a:cxnSpLocks/>
+          </p:cNvCxnSpPr>
+          <p:nvPr/>
+        </p:nvCxnSpPr>
+        <p:spPr>
+          <a:xfrm flipH="1">
+            <a:off x="6442416" y="3303035"/>
+            <a:ext cx="664981" cy="0"/>
+          </a:xfrm>
+          <a:prstGeom prst="straightConnector1">
+            <a:avLst/>
+          </a:prstGeom>
+          <a:ln w="19050">
+            <a:solidFill>
+              <a:schemeClr val="tx1"/>
+            </a:solidFill>
+            <a:tailEnd type="triangle"/>
+          </a:ln>
+        </p:spPr>
+        <p:style>
+          <a:lnRef idx="1">
+            <a:schemeClr val="accent1"/>
+          </a:lnRef>
+          <a:fillRef idx="0">
+            <a:schemeClr val="accent1"/>
+          </a:fillRef>
+          <a:effectRef idx="0">
+            <a:schemeClr val="accent1"/>
+          </a:effectRef>
+          <a:fontRef idx="minor">
+            <a:schemeClr val="tx1"/>
+          </a:fontRef>
+        </p:style>
+      </p:cxnSp>
+      <p:cxnSp>
+        <p:nvCxnSpPr>
+          <p:cNvPr id="51" name="Straight Arrow Connector 17">
+            <a:extLst>
+              <a:ext uri="{FF2B5EF4-FFF2-40B4-BE49-F238E27FC236}">
+                <a16:creationId xmlns:a16="http://schemas.microsoft.com/office/drawing/2014/main" id="{E312621A-2C88-4348-B513-256DCF244E29}"/>
+              </a:ext>
+            </a:extLst>
+          </p:cNvPr>
+          <p:cNvCxnSpPr>
+            <a:cxnSpLocks/>
+          </p:cNvCxnSpPr>
+          <p:nvPr/>
+        </p:nvCxnSpPr>
+        <p:spPr>
+          <a:xfrm flipH="1">
+            <a:off x="6442416" y="3176313"/>
+            <a:ext cx="664981" cy="0"/>
+          </a:xfrm>
+          <a:prstGeom prst="straightConnector1">
+            <a:avLst/>
+          </a:prstGeom>
+          <a:ln w="19050">
+            <a:solidFill>
+              <a:srgbClr val="FF0000"/>
+            </a:solidFill>
+            <a:tailEnd type="triangle"/>
+          </a:ln>
+        </p:spPr>
+        <p:style>
+          <a:lnRef idx="1">
+            <a:schemeClr val="accent1"/>
+          </a:lnRef>
+          <a:fillRef idx="0">
+            <a:schemeClr val="accent1"/>
+          </a:fillRef>
+          <a:effectRef idx="0">
+            <a:schemeClr val="accent1"/>
+          </a:effectRef>
+          <a:fontRef idx="minor">
+            <a:schemeClr val="tx1"/>
+          </a:fontRef>
+        </p:style>
+      </p:cxnSp>
+      <p:cxnSp>
+        <p:nvCxnSpPr>
+          <p:cNvPr id="66" name="Straight Arrow Connector 17">
+            <a:extLst>
+              <a:ext uri="{FF2B5EF4-FFF2-40B4-BE49-F238E27FC236}">
+                <a16:creationId xmlns:a16="http://schemas.microsoft.com/office/drawing/2014/main" id="{A64B8AE9-F737-4539-B829-DD0B9A45A19F}"/>
+              </a:ext>
+            </a:extLst>
+          </p:cNvPr>
+          <p:cNvCxnSpPr>
+            <a:cxnSpLocks/>
+          </p:cNvCxnSpPr>
+          <p:nvPr/>
+        </p:nvCxnSpPr>
+        <p:spPr>
+          <a:xfrm flipH="1">
+            <a:off x="6442416" y="2337620"/>
+            <a:ext cx="664981" cy="0"/>
+          </a:xfrm>
+          <a:prstGeom prst="straightConnector1">
+            <a:avLst/>
+          </a:prstGeom>
+          <a:ln w="19050">
+            <a:solidFill>
+              <a:srgbClr val="FFC000"/>
+            </a:solidFill>
+            <a:tailEnd type="triangle"/>
+          </a:ln>
+        </p:spPr>
+        <p:style>
+          <a:lnRef idx="1">
+            <a:schemeClr val="accent1"/>
+          </a:lnRef>
+          <a:fillRef idx="0">
+            <a:schemeClr val="accent1"/>
+          </a:fillRef>
+          <a:effectRef idx="0">
+            <a:schemeClr val="accent1"/>
+          </a:effectRef>
+          <a:fontRef idx="minor">
+            <a:schemeClr val="tx1"/>
+          </a:fontRef>
+        </p:style>
+      </p:cxnSp>
+      <p:cxnSp>
+        <p:nvCxnSpPr>
+          <p:cNvPr id="67" name="Straight Arrow Connector 17">
+            <a:extLst>
+              <a:ext uri="{FF2B5EF4-FFF2-40B4-BE49-F238E27FC236}">
+                <a16:creationId xmlns:a16="http://schemas.microsoft.com/office/drawing/2014/main" id="{8699536D-7A14-4022-A63A-441E8A51946D}"/>
+              </a:ext>
+            </a:extLst>
+          </p:cNvPr>
+          <p:cNvCxnSpPr>
+            <a:cxnSpLocks/>
+          </p:cNvCxnSpPr>
+          <p:nvPr/>
+        </p:nvCxnSpPr>
+        <p:spPr>
+          <a:xfrm flipH="1">
+            <a:off x="6442416" y="2212258"/>
+            <a:ext cx="664981" cy="0"/>
+          </a:xfrm>
+          <a:prstGeom prst="straightConnector1">
+            <a:avLst/>
+          </a:prstGeom>
+          <a:ln w="19050">
+            <a:solidFill>
+              <a:srgbClr val="FFC000"/>
+            </a:solidFill>
+            <a:tailEnd type="triangle"/>
+          </a:ln>
+        </p:spPr>
+        <p:style>
+          <a:lnRef idx="1">
+            <a:schemeClr val="accent1"/>
+          </a:lnRef>
+          <a:fillRef idx="0">
+            <a:schemeClr val="accent1"/>
+          </a:fillRef>
+          <a:effectRef idx="0">
+            <a:schemeClr val="accent1"/>
+          </a:effectRef>
+          <a:fontRef idx="minor">
+            <a:schemeClr val="tx1"/>
+          </a:fontRef>
+        </p:style>
+      </p:cxnSp>
+      <p:sp>
+        <p:nvSpPr>
+          <p:cNvPr id="68" name="TextBox 67">
+            <a:extLst>
+              <a:ext uri="{FF2B5EF4-FFF2-40B4-BE49-F238E27FC236}">
+                <a16:creationId xmlns:a16="http://schemas.microsoft.com/office/drawing/2014/main" id="{AF53DEA6-5ED4-4C38-9994-C64CA069FA2E}"/>
+              </a:ext>
+            </a:extLst>
+          </p:cNvPr>
+          <p:cNvSpPr txBox="1"/>
+          <p:nvPr/>
+        </p:nvSpPr>
+        <p:spPr>
+          <a:xfrm>
+            <a:off x="6442416" y="2090914"/>
+            <a:ext cx="582134" cy="169277"/>
+          </a:xfrm>
+          <a:prstGeom prst="rect">
+            <a:avLst/>
+          </a:prstGeom>
+          <a:noFill/>
+        </p:spPr>
+        <p:txBody>
+          <a:bodyPr wrap="square" rtlCol="0">
+            <a:spAutoFit/>
+          </a:bodyPr>
+          <a:lstStyle/>
+          <a:p>
+            <a:r>
+              <a:rPr lang="en-GB" sz="500" dirty="0"/>
+              <a:t>SCL</a:t>
+            </a:r>
+          </a:p>
+        </p:txBody>
+      </p:sp>
+      <p:sp>
+        <p:nvSpPr>
+          <p:cNvPr id="69" name="TextBox 68">
+            <a:extLst>
+              <a:ext uri="{FF2B5EF4-FFF2-40B4-BE49-F238E27FC236}">
+                <a16:creationId xmlns:a16="http://schemas.microsoft.com/office/drawing/2014/main" id="{94E5A9B2-8EE6-4C69-AA0E-3AF6341FE7BF}"/>
+              </a:ext>
+            </a:extLst>
+          </p:cNvPr>
+          <p:cNvSpPr txBox="1"/>
+          <p:nvPr/>
+        </p:nvSpPr>
+        <p:spPr>
+          <a:xfrm>
+            <a:off x="6442416" y="2208735"/>
+            <a:ext cx="582134" cy="169277"/>
+          </a:xfrm>
+          <a:prstGeom prst="rect">
+            <a:avLst/>
+          </a:prstGeom>
+          <a:noFill/>
+        </p:spPr>
+        <p:txBody>
+          <a:bodyPr wrap="square" rtlCol="0">
+            <a:spAutoFit/>
+          </a:bodyPr>
+          <a:lstStyle/>
+          <a:p>
+            <a:r>
+              <a:rPr lang="en-GB" sz="500" dirty="0"/>
+              <a:t>SDA</a:t>
+            </a:r>
+          </a:p>
+        </p:txBody>
+      </p:sp>
+      <p:sp>
+        <p:nvSpPr>
+          <p:cNvPr id="72" name="TextBox 71">
+            <a:extLst>
+              <a:ext uri="{FF2B5EF4-FFF2-40B4-BE49-F238E27FC236}">
+                <a16:creationId xmlns:a16="http://schemas.microsoft.com/office/drawing/2014/main" id="{8C00F419-C6AE-4CD7-A7DF-DDEEAA4D0BFD}"/>
+              </a:ext>
+            </a:extLst>
+          </p:cNvPr>
+          <p:cNvSpPr txBox="1"/>
+          <p:nvPr/>
+        </p:nvSpPr>
+        <p:spPr>
+          <a:xfrm>
+            <a:off x="6442416" y="3045371"/>
+            <a:ext cx="582134" cy="169277"/>
+          </a:xfrm>
+          <a:prstGeom prst="rect">
+            <a:avLst/>
+          </a:prstGeom>
+          <a:noFill/>
+        </p:spPr>
+        <p:txBody>
+          <a:bodyPr wrap="square" rtlCol="0">
+            <a:spAutoFit/>
+          </a:bodyPr>
+          <a:lstStyle/>
+          <a:p>
+            <a:r>
+              <a:rPr lang="en-GB" sz="500" dirty="0"/>
+              <a:t>VCC</a:t>
+            </a:r>
+          </a:p>
+        </p:txBody>
+      </p:sp>
+      <p:sp>
+        <p:nvSpPr>
+          <p:cNvPr id="73" name="TextBox 72">
+            <a:extLst>
+              <a:ext uri="{FF2B5EF4-FFF2-40B4-BE49-F238E27FC236}">
+                <a16:creationId xmlns:a16="http://schemas.microsoft.com/office/drawing/2014/main" id="{8E9DA70E-9F9D-4EEF-9471-9FA660596C06}"/>
+              </a:ext>
+            </a:extLst>
+          </p:cNvPr>
+          <p:cNvSpPr txBox="1"/>
+          <p:nvPr/>
+        </p:nvSpPr>
+        <p:spPr>
+          <a:xfrm>
+            <a:off x="6442416" y="3185610"/>
+            <a:ext cx="582134" cy="169277"/>
+          </a:xfrm>
+          <a:prstGeom prst="rect">
+            <a:avLst/>
+          </a:prstGeom>
+          <a:noFill/>
+        </p:spPr>
+        <p:txBody>
+          <a:bodyPr wrap="square" rtlCol="0">
+            <a:spAutoFit/>
+          </a:bodyPr>
+          <a:lstStyle/>
+          <a:p>
+            <a:r>
+              <a:rPr lang="en-GB" sz="500" dirty="0"/>
+              <a:t>GND</a:t>
+            </a:r>
+          </a:p>
+        </p:txBody>
+      </p:sp>
+      <p:cxnSp>
+        <p:nvCxnSpPr>
+          <p:cNvPr id="82" name="Straight Arrow Connector 17">
+            <a:extLst>
+              <a:ext uri="{FF2B5EF4-FFF2-40B4-BE49-F238E27FC236}">
+                <a16:creationId xmlns:a16="http://schemas.microsoft.com/office/drawing/2014/main" id="{02AFB4B9-ED0B-4015-9728-B7BD84141DE1}"/>
+              </a:ext>
+            </a:extLst>
+          </p:cNvPr>
+          <p:cNvCxnSpPr>
+            <a:cxnSpLocks/>
+          </p:cNvCxnSpPr>
+          <p:nvPr/>
+        </p:nvCxnSpPr>
+        <p:spPr>
+          <a:xfrm flipH="1">
+            <a:off x="9989164" y="1971940"/>
+            <a:ext cx="1996716" cy="0"/>
+          </a:xfrm>
+          <a:prstGeom prst="straightConnector1">
+            <a:avLst/>
+          </a:prstGeom>
+          <a:ln w="19050">
+            <a:solidFill>
+              <a:schemeClr val="tx1"/>
+            </a:solidFill>
+            <a:tailEnd type="triangle"/>
+          </a:ln>
+        </p:spPr>
+        <p:style>
+          <a:lnRef idx="1">
+            <a:schemeClr val="accent1"/>
+          </a:lnRef>
+          <a:fillRef idx="0">
+            <a:schemeClr val="accent1"/>
+          </a:fillRef>
+          <a:effectRef idx="0">
+            <a:schemeClr val="accent1"/>
+          </a:effectRef>
+          <a:fontRef idx="minor">
+            <a:schemeClr val="tx1"/>
+          </a:fontRef>
+        </p:style>
+      </p:cxnSp>
+      <p:cxnSp>
+        <p:nvCxnSpPr>
+          <p:cNvPr id="83" name="Straight Arrow Connector 17">
+            <a:extLst>
+              <a:ext uri="{FF2B5EF4-FFF2-40B4-BE49-F238E27FC236}">
+                <a16:creationId xmlns:a16="http://schemas.microsoft.com/office/drawing/2014/main" id="{393E4B93-996F-4F63-8BC4-CEE91C7AFB88}"/>
+              </a:ext>
+            </a:extLst>
+          </p:cNvPr>
+          <p:cNvCxnSpPr>
+            <a:cxnSpLocks/>
+          </p:cNvCxnSpPr>
+          <p:nvPr/>
+        </p:nvCxnSpPr>
+        <p:spPr>
+          <a:xfrm flipH="1">
+            <a:off x="9989164" y="1839205"/>
+            <a:ext cx="1996716" cy="0"/>
+          </a:xfrm>
+          <a:prstGeom prst="straightConnector1">
+            <a:avLst/>
+          </a:prstGeom>
+          <a:ln w="19050">
+            <a:solidFill>
+              <a:srgbClr val="FF0000"/>
+            </a:solidFill>
+            <a:tailEnd type="triangle"/>
+          </a:ln>
+        </p:spPr>
+        <p:style>
+          <a:lnRef idx="1">
+            <a:schemeClr val="accent1"/>
+          </a:lnRef>
+          <a:fillRef idx="0">
+            <a:schemeClr val="accent1"/>
+          </a:fillRef>
+          <a:effectRef idx="0">
+            <a:schemeClr val="accent1"/>
+          </a:effectRef>
+          <a:fontRef idx="minor">
+            <a:schemeClr val="tx1"/>
+          </a:fontRef>
+        </p:style>
+      </p:cxnSp>
+      <p:sp>
+        <p:nvSpPr>
+          <p:cNvPr id="84" name="TextBox 83">
+            <a:extLst>
+              <a:ext uri="{FF2B5EF4-FFF2-40B4-BE49-F238E27FC236}">
+                <a16:creationId xmlns:a16="http://schemas.microsoft.com/office/drawing/2014/main" id="{FC2B915C-0F06-461E-A7A7-1FDD28027B15}"/>
+              </a:ext>
+            </a:extLst>
+          </p:cNvPr>
+          <p:cNvSpPr txBox="1"/>
+          <p:nvPr/>
+        </p:nvSpPr>
+        <p:spPr>
+          <a:xfrm>
+            <a:off x="9989163" y="1706298"/>
+            <a:ext cx="582134" cy="169277"/>
+          </a:xfrm>
+          <a:prstGeom prst="rect">
+            <a:avLst/>
+          </a:prstGeom>
+          <a:noFill/>
+        </p:spPr>
+        <p:txBody>
+          <a:bodyPr wrap="square" rtlCol="0">
+            <a:spAutoFit/>
+          </a:bodyPr>
+          <a:lstStyle/>
+          <a:p>
+            <a:r>
+              <a:rPr lang="en-GB" sz="500" dirty="0"/>
+              <a:t>+12V</a:t>
+            </a:r>
+          </a:p>
+        </p:txBody>
+      </p:sp>
+      <p:sp>
+        <p:nvSpPr>
+          <p:cNvPr id="85" name="TextBox 84">
+            <a:extLst>
+              <a:ext uri="{FF2B5EF4-FFF2-40B4-BE49-F238E27FC236}">
+                <a16:creationId xmlns:a16="http://schemas.microsoft.com/office/drawing/2014/main" id="{3AA3F126-6FFC-4FA2-80E4-AB94812214B0}"/>
+              </a:ext>
+            </a:extLst>
+          </p:cNvPr>
+          <p:cNvSpPr txBox="1"/>
+          <p:nvPr/>
+        </p:nvSpPr>
+        <p:spPr>
+          <a:xfrm>
+            <a:off x="9989163" y="1846537"/>
+            <a:ext cx="582134" cy="169277"/>
+          </a:xfrm>
+          <a:prstGeom prst="rect">
+            <a:avLst/>
+          </a:prstGeom>
+          <a:noFill/>
+        </p:spPr>
+        <p:txBody>
+          <a:bodyPr wrap="square" rtlCol="0">
+            <a:spAutoFit/>
+          </a:bodyPr>
+          <a:lstStyle/>
+          <a:p>
+            <a:r>
+              <a:rPr lang="en-GB" sz="500" dirty="0"/>
+              <a:t>0V</a:t>
+            </a:r>
+          </a:p>
+        </p:txBody>
+      </p:sp>
+      <p:cxnSp>
+        <p:nvCxnSpPr>
+          <p:cNvPr id="86" name="Straight Arrow Connector 17">
+            <a:extLst>
+              <a:ext uri="{FF2B5EF4-FFF2-40B4-BE49-F238E27FC236}">
+                <a16:creationId xmlns:a16="http://schemas.microsoft.com/office/drawing/2014/main" id="{CABC914D-43B3-436A-A2FE-C2E80EA5E21B}"/>
+              </a:ext>
+            </a:extLst>
+          </p:cNvPr>
+          <p:cNvCxnSpPr>
+            <a:cxnSpLocks/>
+          </p:cNvCxnSpPr>
+          <p:nvPr/>
+        </p:nvCxnSpPr>
+        <p:spPr>
+          <a:xfrm flipH="1">
+            <a:off x="9989164" y="2570805"/>
+            <a:ext cx="1996716" cy="0"/>
+          </a:xfrm>
+          <a:prstGeom prst="straightConnector1">
+            <a:avLst/>
+          </a:prstGeom>
+          <a:ln w="19050">
+            <a:solidFill>
+              <a:srgbClr val="00B0F0"/>
+            </a:solidFill>
+            <a:tailEnd type="triangle"/>
+          </a:ln>
+        </p:spPr>
+        <p:style>
+          <a:lnRef idx="1">
+            <a:schemeClr val="accent1"/>
+          </a:lnRef>
+          <a:fillRef idx="0">
+            <a:schemeClr val="accent1"/>
+          </a:fillRef>
+          <a:effectRef idx="0">
+            <a:schemeClr val="accent1"/>
+          </a:effectRef>
+          <a:fontRef idx="minor">
+            <a:schemeClr val="tx1"/>
+          </a:fontRef>
+        </p:style>
+      </p:cxnSp>
+      <p:sp>
+        <p:nvSpPr>
+          <p:cNvPr id="87" name="TextBox 86">
+            <a:extLst>
+              <a:ext uri="{FF2B5EF4-FFF2-40B4-BE49-F238E27FC236}">
+                <a16:creationId xmlns:a16="http://schemas.microsoft.com/office/drawing/2014/main" id="{9CBA9968-B22C-43A0-A843-24372A2426B4}"/>
+              </a:ext>
+            </a:extLst>
+          </p:cNvPr>
+          <p:cNvSpPr txBox="1"/>
+          <p:nvPr/>
+        </p:nvSpPr>
+        <p:spPr>
+          <a:xfrm>
+            <a:off x="9989163" y="2445402"/>
+            <a:ext cx="582134" cy="169277"/>
+          </a:xfrm>
+          <a:prstGeom prst="rect">
+            <a:avLst/>
+          </a:prstGeom>
+          <a:noFill/>
+        </p:spPr>
+        <p:txBody>
+          <a:bodyPr wrap="square" rtlCol="0">
+            <a:spAutoFit/>
+          </a:bodyPr>
+          <a:lstStyle/>
+          <a:p>
+            <a:r>
+              <a:rPr lang="en-GB" sz="500" dirty="0"/>
+              <a:t>USB</a:t>
+            </a:r>
+          </a:p>
+        </p:txBody>
+      </p:sp>
+      <p:sp>
+        <p:nvSpPr>
+          <p:cNvPr id="136" name="TextBox 135">
+            <a:extLst>
+              <a:ext uri="{FF2B5EF4-FFF2-40B4-BE49-F238E27FC236}">
+                <a16:creationId xmlns:a16="http://schemas.microsoft.com/office/drawing/2014/main" id="{4F92089E-E4AD-415D-AFEE-A9E5FEAD1473}"/>
+              </a:ext>
+            </a:extLst>
+          </p:cNvPr>
+          <p:cNvSpPr txBox="1"/>
+          <p:nvPr/>
+        </p:nvSpPr>
+        <p:spPr>
+          <a:xfrm>
+            <a:off x="6791445" y="2208735"/>
+            <a:ext cx="582134" cy="169277"/>
+          </a:xfrm>
+          <a:prstGeom prst="rect">
+            <a:avLst/>
+          </a:prstGeom>
+          <a:noFill/>
+        </p:spPr>
+        <p:txBody>
+          <a:bodyPr wrap="square" rtlCol="0">
+            <a:spAutoFit/>
+          </a:bodyPr>
+          <a:lstStyle/>
+          <a:p>
+            <a:r>
+              <a:rPr lang="en-GB" sz="500" dirty="0"/>
+              <a:t>GPIO5</a:t>
+            </a:r>
+          </a:p>
+        </p:txBody>
+      </p:sp>
+      <p:sp>
+        <p:nvSpPr>
+          <p:cNvPr id="137" name="TextBox 136">
+            <a:extLst>
+              <a:ext uri="{FF2B5EF4-FFF2-40B4-BE49-F238E27FC236}">
+                <a16:creationId xmlns:a16="http://schemas.microsoft.com/office/drawing/2014/main" id="{46193251-CEC3-4645-A3BB-DD933F55C26F}"/>
+              </a:ext>
+            </a:extLst>
+          </p:cNvPr>
+          <p:cNvSpPr txBox="1"/>
+          <p:nvPr/>
+        </p:nvSpPr>
+        <p:spPr>
+          <a:xfrm>
+            <a:off x="6798781" y="2071900"/>
+            <a:ext cx="582134" cy="169277"/>
+          </a:xfrm>
+          <a:prstGeom prst="rect">
+            <a:avLst/>
+          </a:prstGeom>
+          <a:noFill/>
+        </p:spPr>
+        <p:txBody>
+          <a:bodyPr wrap="square" rtlCol="0">
+            <a:spAutoFit/>
+          </a:bodyPr>
+          <a:lstStyle/>
+          <a:p>
+            <a:r>
+              <a:rPr lang="en-GB" sz="500" dirty="0"/>
+              <a:t>GPIO4</a:t>
+            </a:r>
+          </a:p>
+        </p:txBody>
+      </p:sp>
+      <p:sp>
+        <p:nvSpPr>
+          <p:cNvPr id="141" name="TextBox 140">
+            <a:extLst>
+              <a:ext uri="{FF2B5EF4-FFF2-40B4-BE49-F238E27FC236}">
+                <a16:creationId xmlns:a16="http://schemas.microsoft.com/office/drawing/2014/main" id="{12F6599F-2BCF-4F1E-9CC7-CE6ECCC99CF4}"/>
+              </a:ext>
+            </a:extLst>
+          </p:cNvPr>
+          <p:cNvSpPr txBox="1"/>
+          <p:nvPr/>
+        </p:nvSpPr>
+        <p:spPr>
+          <a:xfrm>
+            <a:off x="6844249" y="3033895"/>
+            <a:ext cx="582134" cy="169277"/>
+          </a:xfrm>
+          <a:prstGeom prst="rect">
+            <a:avLst/>
+          </a:prstGeom>
+          <a:noFill/>
+        </p:spPr>
+        <p:txBody>
+          <a:bodyPr wrap="square" rtlCol="0">
+            <a:spAutoFit/>
+          </a:bodyPr>
+          <a:lstStyle/>
+          <a:p>
+            <a:r>
+              <a:rPr lang="en-GB" sz="500" dirty="0"/>
+              <a:t>3V3</a:t>
+            </a:r>
+          </a:p>
+        </p:txBody>
+      </p:sp>
+      <p:cxnSp>
+        <p:nvCxnSpPr>
+          <p:cNvPr id="109" name="Straight Arrow Connector 17">
+            <a:extLst>
+              <a:ext uri="{FF2B5EF4-FFF2-40B4-BE49-F238E27FC236}">
+                <a16:creationId xmlns:a16="http://schemas.microsoft.com/office/drawing/2014/main" id="{5F45B185-480E-4E80-84E7-596418DA95C6}"/>
+              </a:ext>
+            </a:extLst>
+          </p:cNvPr>
+          <p:cNvCxnSpPr>
+            <a:cxnSpLocks/>
+          </p:cNvCxnSpPr>
+          <p:nvPr/>
+        </p:nvCxnSpPr>
+        <p:spPr>
+          <a:xfrm flipH="1">
+            <a:off x="9187629" y="2570805"/>
+            <a:ext cx="1605231" cy="0"/>
+          </a:xfrm>
+          <a:prstGeom prst="straightConnector1">
+            <a:avLst/>
+          </a:prstGeom>
+          <a:ln w="19050">
+            <a:solidFill>
+              <a:srgbClr val="00B0F0"/>
+            </a:solidFill>
+            <a:tailEnd type="triangle"/>
+          </a:ln>
+        </p:spPr>
+        <p:style>
+          <a:lnRef idx="1">
+            <a:schemeClr val="accent1"/>
+          </a:lnRef>
+          <a:fillRef idx="0">
+            <a:schemeClr val="accent1"/>
+          </a:fillRef>
+          <a:effectRef idx="0">
+            <a:schemeClr val="accent1"/>
+          </a:effectRef>
+          <a:fontRef idx="minor">
+            <a:schemeClr val="tx1"/>
+          </a:fontRef>
+        </p:style>
+      </p:cxnSp>
+      <p:pic>
+        <p:nvPicPr>
+          <p:cNvPr id="25" name="Picture 24">
+            <a:extLst>
+              <a:ext uri="{FF2B5EF4-FFF2-40B4-BE49-F238E27FC236}">
+                <a16:creationId xmlns:a16="http://schemas.microsoft.com/office/drawing/2014/main" id="{84E33198-EA79-42B6-A3A3-04695900AEC1}"/>
+              </a:ext>
+            </a:extLst>
+          </p:cNvPr>
+          <p:cNvPicPr>
+            <a:picLocks noChangeAspect="1"/>
+          </p:cNvPicPr>
+          <p:nvPr/>
+        </p:nvPicPr>
+        <p:blipFill>
+          <a:blip r:embed="rId3"/>
+          <a:stretch>
+            <a:fillRect/>
+          </a:stretch>
+        </p:blipFill>
+        <p:spPr>
+          <a:xfrm>
+            <a:off x="7285402" y="2495736"/>
+            <a:ext cx="1696865" cy="1881404"/>
+          </a:xfrm>
+          <a:prstGeom prst="rect">
+            <a:avLst/>
+          </a:prstGeom>
+        </p:spPr>
+      </p:pic>
+      <p:sp>
+        <p:nvSpPr>
+          <p:cNvPr id="123" name="Rectangle 122">
+            <a:extLst>
+              <a:ext uri="{FF2B5EF4-FFF2-40B4-BE49-F238E27FC236}">
+                <a16:creationId xmlns:a16="http://schemas.microsoft.com/office/drawing/2014/main" id="{3052A1A5-50D6-44A6-BCED-7FD5940D51D8}"/>
+              </a:ext>
+            </a:extLst>
+          </p:cNvPr>
+          <p:cNvSpPr/>
+          <p:nvPr/>
+        </p:nvSpPr>
+        <p:spPr>
+          <a:xfrm>
+            <a:off x="3564285" y="1633045"/>
+            <a:ext cx="1008343" cy="457869"/>
+          </a:xfrm>
+          <a:prstGeom prst="rect">
+            <a:avLst/>
+          </a:prstGeom>
+          <a:solidFill>
+            <a:srgbClr val="92D050"/>
+          </a:solidFill>
+        </p:spPr>
+        <p:style>
+          <a:lnRef idx="2">
+            <a:schemeClr val="accent1">
+              <a:shade val="50000"/>
+            </a:schemeClr>
+          </a:lnRef>
+          <a:fillRef idx="1">
+            <a:schemeClr val="accent1"/>
+          </a:fillRef>
+          <a:effectRef idx="0">
+            <a:schemeClr val="accent1"/>
+          </a:effectRef>
+          <a:fontRef idx="minor">
+            <a:schemeClr val="lt1"/>
+          </a:fontRef>
+        </p:style>
+        <p:txBody>
+          <a:bodyPr rtlCol="0" anchor="ctr"/>
+          <a:lstStyle/>
+          <a:p>
+            <a:pPr algn="ctr"/>
+            <a:r>
+              <a:rPr lang="en-GB" sz="1100" dirty="0"/>
+              <a:t>HC-SR04 i2c</a:t>
+            </a:r>
+          </a:p>
+        </p:txBody>
+      </p:sp>
+      <p:cxnSp>
+        <p:nvCxnSpPr>
+          <p:cNvPr id="125" name="Straight Arrow Connector 17">
+            <a:extLst>
+              <a:ext uri="{FF2B5EF4-FFF2-40B4-BE49-F238E27FC236}">
+                <a16:creationId xmlns:a16="http://schemas.microsoft.com/office/drawing/2014/main" id="{58B1888C-A803-4D38-9D54-C9ABBD05AED2}"/>
+              </a:ext>
+            </a:extLst>
+          </p:cNvPr>
+          <p:cNvCxnSpPr>
+            <a:cxnSpLocks/>
+          </p:cNvCxnSpPr>
+          <p:nvPr/>
+        </p:nvCxnSpPr>
+        <p:spPr>
+          <a:xfrm flipH="1">
+            <a:off x="4572313" y="2037916"/>
+            <a:ext cx="664981" cy="0"/>
+          </a:xfrm>
+          <a:prstGeom prst="straightConnector1">
+            <a:avLst/>
+          </a:prstGeom>
+          <a:ln w="19050">
+            <a:solidFill>
+              <a:schemeClr val="tx1"/>
+            </a:solidFill>
+            <a:tailEnd type="triangle"/>
+          </a:ln>
+        </p:spPr>
+        <p:style>
+          <a:lnRef idx="1">
+            <a:schemeClr val="accent1"/>
+          </a:lnRef>
+          <a:fillRef idx="0">
+            <a:schemeClr val="accent1"/>
+          </a:fillRef>
+          <a:effectRef idx="0">
+            <a:schemeClr val="accent1"/>
+          </a:effectRef>
+          <a:fontRef idx="minor">
+            <a:schemeClr val="tx1"/>
+          </a:fontRef>
+        </p:style>
+      </p:cxnSp>
+      <p:cxnSp>
+        <p:nvCxnSpPr>
+          <p:cNvPr id="126" name="Straight Arrow Connector 17">
+            <a:extLst>
+              <a:ext uri="{FF2B5EF4-FFF2-40B4-BE49-F238E27FC236}">
+                <a16:creationId xmlns:a16="http://schemas.microsoft.com/office/drawing/2014/main" id="{81976BAC-1C64-47E5-807F-0E30303261AC}"/>
+              </a:ext>
+            </a:extLst>
+          </p:cNvPr>
+          <p:cNvCxnSpPr>
+            <a:cxnSpLocks/>
+          </p:cNvCxnSpPr>
+          <p:nvPr/>
+        </p:nvCxnSpPr>
+        <p:spPr>
+          <a:xfrm flipH="1">
+            <a:off x="4588521" y="1679350"/>
+            <a:ext cx="512077" cy="0"/>
+          </a:xfrm>
+          <a:prstGeom prst="straightConnector1">
+            <a:avLst/>
+          </a:prstGeom>
+          <a:ln w="19050">
+            <a:solidFill>
+              <a:srgbClr val="FF0000"/>
+            </a:solidFill>
+            <a:tailEnd type="triangle"/>
+          </a:ln>
+        </p:spPr>
+        <p:style>
+          <a:lnRef idx="1">
+            <a:schemeClr val="accent1"/>
+          </a:lnRef>
+          <a:fillRef idx="0">
+            <a:schemeClr val="accent1"/>
+          </a:fillRef>
+          <a:effectRef idx="0">
+            <a:schemeClr val="accent1"/>
+          </a:effectRef>
+          <a:fontRef idx="minor">
+            <a:schemeClr val="tx1"/>
+          </a:fontRef>
+        </p:style>
+      </p:cxnSp>
+      <p:sp>
+        <p:nvSpPr>
+          <p:cNvPr id="127" name="TextBox 126">
+            <a:extLst>
+              <a:ext uri="{FF2B5EF4-FFF2-40B4-BE49-F238E27FC236}">
+                <a16:creationId xmlns:a16="http://schemas.microsoft.com/office/drawing/2014/main" id="{1A028287-AC4E-4853-8F78-5C94CB9159C7}"/>
+              </a:ext>
+            </a:extLst>
+          </p:cNvPr>
+          <p:cNvSpPr txBox="1"/>
+          <p:nvPr/>
+        </p:nvSpPr>
+        <p:spPr>
+          <a:xfrm>
+            <a:off x="4588520" y="1548408"/>
+            <a:ext cx="582134" cy="169277"/>
+          </a:xfrm>
+          <a:prstGeom prst="rect">
+            <a:avLst/>
+          </a:prstGeom>
+          <a:noFill/>
+        </p:spPr>
+        <p:txBody>
+          <a:bodyPr wrap="square" rtlCol="0">
+            <a:spAutoFit/>
+          </a:bodyPr>
+          <a:lstStyle/>
+          <a:p>
+            <a:r>
+              <a:rPr lang="en-GB" sz="500" dirty="0"/>
+              <a:t>VCC</a:t>
+            </a:r>
+          </a:p>
+        </p:txBody>
+      </p:sp>
+      <p:sp>
+        <p:nvSpPr>
+          <p:cNvPr id="128" name="TextBox 127">
+            <a:extLst>
+              <a:ext uri="{FF2B5EF4-FFF2-40B4-BE49-F238E27FC236}">
+                <a16:creationId xmlns:a16="http://schemas.microsoft.com/office/drawing/2014/main" id="{A391C625-ECC3-4572-9EE7-7E85A128C2DF}"/>
+              </a:ext>
+            </a:extLst>
+          </p:cNvPr>
+          <p:cNvSpPr txBox="1"/>
+          <p:nvPr/>
+        </p:nvSpPr>
+        <p:spPr>
+          <a:xfrm>
+            <a:off x="4572313" y="1920491"/>
+            <a:ext cx="582134" cy="169277"/>
+          </a:xfrm>
+          <a:prstGeom prst="rect">
+            <a:avLst/>
+          </a:prstGeom>
+          <a:noFill/>
+        </p:spPr>
+        <p:txBody>
+          <a:bodyPr wrap="square" rtlCol="0">
+            <a:spAutoFit/>
+          </a:bodyPr>
+          <a:lstStyle/>
+          <a:p>
+            <a:r>
+              <a:rPr lang="en-GB" sz="500" dirty="0"/>
+              <a:t>GND</a:t>
+            </a:r>
+          </a:p>
+        </p:txBody>
+      </p:sp>
+      <p:cxnSp>
+        <p:nvCxnSpPr>
+          <p:cNvPr id="129" name="Straight Arrow Connector 17">
+            <a:extLst>
+              <a:ext uri="{FF2B5EF4-FFF2-40B4-BE49-F238E27FC236}">
+                <a16:creationId xmlns:a16="http://schemas.microsoft.com/office/drawing/2014/main" id="{2655E567-BF05-49C9-BAE1-08781E844514}"/>
+              </a:ext>
+            </a:extLst>
+          </p:cNvPr>
+          <p:cNvCxnSpPr>
+            <a:cxnSpLocks/>
+          </p:cNvCxnSpPr>
+          <p:nvPr/>
+        </p:nvCxnSpPr>
+        <p:spPr>
+          <a:xfrm flipH="1">
+            <a:off x="4572314" y="1922983"/>
+            <a:ext cx="794984" cy="0"/>
+          </a:xfrm>
+          <a:prstGeom prst="straightConnector1">
+            <a:avLst/>
+          </a:prstGeom>
+          <a:ln w="19050">
+            <a:solidFill>
+              <a:srgbClr val="FFC000"/>
+            </a:solidFill>
+            <a:tailEnd type="triangle"/>
+          </a:ln>
+        </p:spPr>
+        <p:style>
+          <a:lnRef idx="1">
+            <a:schemeClr val="accent1"/>
+          </a:lnRef>
+          <a:fillRef idx="0">
+            <a:schemeClr val="accent1"/>
+          </a:fillRef>
+          <a:effectRef idx="0">
+            <a:schemeClr val="accent1"/>
+          </a:effectRef>
+          <a:fontRef idx="minor">
+            <a:schemeClr val="tx1"/>
+          </a:fontRef>
+        </p:style>
+      </p:cxnSp>
+      <p:cxnSp>
+        <p:nvCxnSpPr>
+          <p:cNvPr id="130" name="Straight Arrow Connector 17">
+            <a:extLst>
+              <a:ext uri="{FF2B5EF4-FFF2-40B4-BE49-F238E27FC236}">
+                <a16:creationId xmlns:a16="http://schemas.microsoft.com/office/drawing/2014/main" id="{757BB509-572D-446B-AF49-D3F92BEFDEA6}"/>
+              </a:ext>
+            </a:extLst>
+          </p:cNvPr>
+          <p:cNvCxnSpPr>
+            <a:cxnSpLocks/>
+          </p:cNvCxnSpPr>
+          <p:nvPr/>
+        </p:nvCxnSpPr>
+        <p:spPr>
+          <a:xfrm flipH="1">
+            <a:off x="4572314" y="1797621"/>
+            <a:ext cx="794984" cy="0"/>
+          </a:xfrm>
+          <a:prstGeom prst="straightConnector1">
+            <a:avLst/>
+          </a:prstGeom>
+          <a:ln w="19050">
+            <a:solidFill>
+              <a:srgbClr val="FFC000"/>
+            </a:solidFill>
+            <a:tailEnd type="triangle"/>
+          </a:ln>
+        </p:spPr>
+        <p:style>
+          <a:lnRef idx="1">
+            <a:schemeClr val="accent1"/>
+          </a:lnRef>
+          <a:fillRef idx="0">
+            <a:schemeClr val="accent1"/>
+          </a:fillRef>
+          <a:effectRef idx="0">
+            <a:schemeClr val="accent1"/>
+          </a:effectRef>
+          <a:fontRef idx="minor">
+            <a:schemeClr val="tx1"/>
+          </a:fontRef>
+        </p:style>
+      </p:cxnSp>
+      <p:sp>
+        <p:nvSpPr>
+          <p:cNvPr id="131" name="TextBox 130">
+            <a:extLst>
+              <a:ext uri="{FF2B5EF4-FFF2-40B4-BE49-F238E27FC236}">
+                <a16:creationId xmlns:a16="http://schemas.microsoft.com/office/drawing/2014/main" id="{6C09373E-7D2B-4FE9-A9D5-B23660573D34}"/>
+              </a:ext>
+            </a:extLst>
+          </p:cNvPr>
+          <p:cNvSpPr txBox="1"/>
+          <p:nvPr/>
+        </p:nvSpPr>
+        <p:spPr>
+          <a:xfrm>
+            <a:off x="4572313" y="1676277"/>
+            <a:ext cx="282838" cy="169277"/>
+          </a:xfrm>
+          <a:prstGeom prst="rect">
+            <a:avLst/>
+          </a:prstGeom>
+          <a:noFill/>
+        </p:spPr>
+        <p:txBody>
+          <a:bodyPr wrap="square" rtlCol="0">
+            <a:spAutoFit/>
+          </a:bodyPr>
+          <a:lstStyle/>
+          <a:p>
+            <a:r>
+              <a:rPr lang="en-GB" sz="500" dirty="0"/>
+              <a:t>SCL</a:t>
+            </a:r>
+          </a:p>
+        </p:txBody>
+      </p:sp>
+      <p:sp>
+        <p:nvSpPr>
+          <p:cNvPr id="132" name="TextBox 131">
+            <a:extLst>
+              <a:ext uri="{FF2B5EF4-FFF2-40B4-BE49-F238E27FC236}">
+                <a16:creationId xmlns:a16="http://schemas.microsoft.com/office/drawing/2014/main" id="{4A0CB221-51B2-42C3-B4B2-6F978D3B85D7}"/>
+              </a:ext>
+            </a:extLst>
+          </p:cNvPr>
+          <p:cNvSpPr txBox="1"/>
+          <p:nvPr/>
+        </p:nvSpPr>
+        <p:spPr>
+          <a:xfrm>
+            <a:off x="4572313" y="1794098"/>
+            <a:ext cx="299609" cy="169277"/>
+          </a:xfrm>
+          <a:prstGeom prst="rect">
+            <a:avLst/>
+          </a:prstGeom>
+          <a:noFill/>
+        </p:spPr>
+        <p:txBody>
+          <a:bodyPr wrap="square" rtlCol="0">
+            <a:spAutoFit/>
+          </a:bodyPr>
+          <a:lstStyle/>
+          <a:p>
+            <a:r>
+              <a:rPr lang="en-GB" sz="500" dirty="0"/>
+              <a:t>SDA</a:t>
+            </a:r>
+          </a:p>
+        </p:txBody>
+      </p:sp>
+      <p:sp>
+        <p:nvSpPr>
+          <p:cNvPr id="134" name="Rectangle 133">
+            <a:extLst>
+              <a:ext uri="{FF2B5EF4-FFF2-40B4-BE49-F238E27FC236}">
+                <a16:creationId xmlns:a16="http://schemas.microsoft.com/office/drawing/2014/main" id="{105FA527-5CE7-463E-B799-2801E3B77E71}"/>
+              </a:ext>
+            </a:extLst>
+          </p:cNvPr>
+          <p:cNvSpPr/>
+          <p:nvPr/>
+        </p:nvSpPr>
+        <p:spPr>
+          <a:xfrm>
+            <a:off x="3556634" y="2149077"/>
+            <a:ext cx="1008343" cy="457869"/>
+          </a:xfrm>
+          <a:prstGeom prst="rect">
+            <a:avLst/>
+          </a:prstGeom>
+          <a:solidFill>
+            <a:srgbClr val="92D050"/>
+          </a:solidFill>
+        </p:spPr>
+        <p:style>
+          <a:lnRef idx="2">
+            <a:schemeClr val="accent1">
+              <a:shade val="50000"/>
+            </a:schemeClr>
+          </a:lnRef>
+          <a:fillRef idx="1">
+            <a:schemeClr val="accent1"/>
+          </a:fillRef>
+          <a:effectRef idx="0">
+            <a:schemeClr val="accent1"/>
+          </a:effectRef>
+          <a:fontRef idx="minor">
+            <a:schemeClr val="lt1"/>
+          </a:fontRef>
+        </p:style>
+        <p:txBody>
+          <a:bodyPr rtlCol="0" anchor="ctr"/>
+          <a:lstStyle/>
+          <a:p>
+            <a:pPr algn="ctr"/>
+            <a:r>
+              <a:rPr lang="en-GB" sz="1100" dirty="0"/>
+              <a:t>HC-SR04 i2c</a:t>
+            </a:r>
+          </a:p>
+        </p:txBody>
+      </p:sp>
+      <p:cxnSp>
+        <p:nvCxnSpPr>
+          <p:cNvPr id="139" name="Straight Arrow Connector 17">
+            <a:extLst>
+              <a:ext uri="{FF2B5EF4-FFF2-40B4-BE49-F238E27FC236}">
+                <a16:creationId xmlns:a16="http://schemas.microsoft.com/office/drawing/2014/main" id="{B5CD606D-AB2F-41E3-955A-F1CEA02893A0}"/>
+              </a:ext>
+            </a:extLst>
+          </p:cNvPr>
+          <p:cNvCxnSpPr>
+            <a:cxnSpLocks/>
+          </p:cNvCxnSpPr>
+          <p:nvPr/>
+        </p:nvCxnSpPr>
+        <p:spPr>
+          <a:xfrm flipH="1">
+            <a:off x="4564662" y="2553948"/>
+            <a:ext cx="664981" cy="0"/>
+          </a:xfrm>
+          <a:prstGeom prst="straightConnector1">
+            <a:avLst/>
+          </a:prstGeom>
+          <a:ln w="19050">
+            <a:solidFill>
+              <a:schemeClr val="tx1"/>
+            </a:solidFill>
+            <a:tailEnd type="triangle"/>
+          </a:ln>
+        </p:spPr>
+        <p:style>
+          <a:lnRef idx="1">
+            <a:schemeClr val="accent1"/>
+          </a:lnRef>
+          <a:fillRef idx="0">
+            <a:schemeClr val="accent1"/>
+          </a:fillRef>
+          <a:effectRef idx="0">
+            <a:schemeClr val="accent1"/>
+          </a:effectRef>
+          <a:fontRef idx="minor">
+            <a:schemeClr val="tx1"/>
+          </a:fontRef>
+        </p:style>
+      </p:cxnSp>
+      <p:cxnSp>
+        <p:nvCxnSpPr>
+          <p:cNvPr id="146" name="Straight Arrow Connector 17">
+            <a:extLst>
+              <a:ext uri="{FF2B5EF4-FFF2-40B4-BE49-F238E27FC236}">
+                <a16:creationId xmlns:a16="http://schemas.microsoft.com/office/drawing/2014/main" id="{6EF3FB3E-07C3-4D26-B455-AD11B1F4EDCB}"/>
+              </a:ext>
+            </a:extLst>
+          </p:cNvPr>
+          <p:cNvCxnSpPr>
+            <a:cxnSpLocks/>
+          </p:cNvCxnSpPr>
+          <p:nvPr/>
+        </p:nvCxnSpPr>
+        <p:spPr>
+          <a:xfrm flipH="1">
+            <a:off x="4580870" y="2195382"/>
+            <a:ext cx="512077" cy="0"/>
+          </a:xfrm>
+          <a:prstGeom prst="straightConnector1">
+            <a:avLst/>
+          </a:prstGeom>
+          <a:ln w="19050">
+            <a:solidFill>
+              <a:srgbClr val="FF0000"/>
+            </a:solidFill>
+            <a:tailEnd type="triangle"/>
+          </a:ln>
+        </p:spPr>
+        <p:style>
+          <a:lnRef idx="1">
+            <a:schemeClr val="accent1"/>
+          </a:lnRef>
+          <a:fillRef idx="0">
+            <a:schemeClr val="accent1"/>
+          </a:fillRef>
+          <a:effectRef idx="0">
+            <a:schemeClr val="accent1"/>
+          </a:effectRef>
+          <a:fontRef idx="minor">
+            <a:schemeClr val="tx1"/>
+          </a:fontRef>
+        </p:style>
+      </p:cxnSp>
+      <p:sp>
+        <p:nvSpPr>
+          <p:cNvPr id="147" name="TextBox 146">
+            <a:extLst>
+              <a:ext uri="{FF2B5EF4-FFF2-40B4-BE49-F238E27FC236}">
+                <a16:creationId xmlns:a16="http://schemas.microsoft.com/office/drawing/2014/main" id="{7FF9E056-CBE0-4B2F-948C-17A837866B89}"/>
+              </a:ext>
+            </a:extLst>
+          </p:cNvPr>
+          <p:cNvSpPr txBox="1"/>
+          <p:nvPr/>
+        </p:nvSpPr>
+        <p:spPr>
+          <a:xfrm>
+            <a:off x="4580869" y="2064440"/>
+            <a:ext cx="582134" cy="169277"/>
+          </a:xfrm>
+          <a:prstGeom prst="rect">
+            <a:avLst/>
+          </a:prstGeom>
+          <a:noFill/>
+        </p:spPr>
+        <p:txBody>
+          <a:bodyPr wrap="square" rtlCol="0">
+            <a:spAutoFit/>
+          </a:bodyPr>
+          <a:lstStyle/>
+          <a:p>
+            <a:r>
+              <a:rPr lang="en-GB" sz="500" dirty="0"/>
+              <a:t>VCC</a:t>
+            </a:r>
+          </a:p>
+        </p:txBody>
+      </p:sp>
+      <p:sp>
+        <p:nvSpPr>
+          <p:cNvPr id="148" name="TextBox 147">
+            <a:extLst>
+              <a:ext uri="{FF2B5EF4-FFF2-40B4-BE49-F238E27FC236}">
+                <a16:creationId xmlns:a16="http://schemas.microsoft.com/office/drawing/2014/main" id="{F35B16B2-EAEB-4364-B1B9-6C70C19BF58C}"/>
+              </a:ext>
+            </a:extLst>
+          </p:cNvPr>
+          <p:cNvSpPr txBox="1"/>
+          <p:nvPr/>
+        </p:nvSpPr>
+        <p:spPr>
+          <a:xfrm>
+            <a:off x="4564662" y="2436523"/>
+            <a:ext cx="582134" cy="169277"/>
+          </a:xfrm>
+          <a:prstGeom prst="rect">
+            <a:avLst/>
+          </a:prstGeom>
+          <a:noFill/>
+        </p:spPr>
+        <p:txBody>
+          <a:bodyPr wrap="square" rtlCol="0">
+            <a:spAutoFit/>
+          </a:bodyPr>
+          <a:lstStyle/>
+          <a:p>
+            <a:r>
+              <a:rPr lang="en-GB" sz="500" dirty="0"/>
+              <a:t>GND</a:t>
+            </a:r>
+          </a:p>
+        </p:txBody>
+      </p:sp>
+      <p:cxnSp>
+        <p:nvCxnSpPr>
+          <p:cNvPr id="149" name="Straight Arrow Connector 17">
+            <a:extLst>
+              <a:ext uri="{FF2B5EF4-FFF2-40B4-BE49-F238E27FC236}">
+                <a16:creationId xmlns:a16="http://schemas.microsoft.com/office/drawing/2014/main" id="{03BECAF9-F2AF-48DD-8A30-4D4FC3A145AE}"/>
+              </a:ext>
+            </a:extLst>
+          </p:cNvPr>
+          <p:cNvCxnSpPr>
+            <a:cxnSpLocks/>
+          </p:cNvCxnSpPr>
+          <p:nvPr/>
+        </p:nvCxnSpPr>
+        <p:spPr>
+          <a:xfrm flipH="1">
+            <a:off x="4564663" y="2439015"/>
+            <a:ext cx="794984" cy="0"/>
+          </a:xfrm>
+          <a:prstGeom prst="straightConnector1">
+            <a:avLst/>
+          </a:prstGeom>
+          <a:ln w="19050">
+            <a:solidFill>
+              <a:srgbClr val="FFC000"/>
+            </a:solidFill>
+            <a:tailEnd type="triangle"/>
+          </a:ln>
+        </p:spPr>
+        <p:style>
+          <a:lnRef idx="1">
+            <a:schemeClr val="accent1"/>
+          </a:lnRef>
+          <a:fillRef idx="0">
+            <a:schemeClr val="accent1"/>
+          </a:fillRef>
+          <a:effectRef idx="0">
+            <a:schemeClr val="accent1"/>
+          </a:effectRef>
+          <a:fontRef idx="minor">
+            <a:schemeClr val="tx1"/>
+          </a:fontRef>
+        </p:style>
+      </p:cxnSp>
+      <p:cxnSp>
+        <p:nvCxnSpPr>
+          <p:cNvPr id="150" name="Straight Arrow Connector 17">
+            <a:extLst>
+              <a:ext uri="{FF2B5EF4-FFF2-40B4-BE49-F238E27FC236}">
+                <a16:creationId xmlns:a16="http://schemas.microsoft.com/office/drawing/2014/main" id="{9728BB34-3583-45C4-9DA0-1F53F007B87D}"/>
+              </a:ext>
+            </a:extLst>
+          </p:cNvPr>
+          <p:cNvCxnSpPr>
+            <a:cxnSpLocks/>
+          </p:cNvCxnSpPr>
+          <p:nvPr/>
+        </p:nvCxnSpPr>
+        <p:spPr>
+          <a:xfrm flipH="1">
+            <a:off x="4564663" y="2313653"/>
+            <a:ext cx="794984" cy="0"/>
+          </a:xfrm>
+          <a:prstGeom prst="straightConnector1">
+            <a:avLst/>
+          </a:prstGeom>
+          <a:ln w="19050">
+            <a:solidFill>
+              <a:srgbClr val="FFC000"/>
+            </a:solidFill>
+            <a:tailEnd type="triangle"/>
+          </a:ln>
+        </p:spPr>
+        <p:style>
+          <a:lnRef idx="1">
+            <a:schemeClr val="accent1"/>
+          </a:lnRef>
+          <a:fillRef idx="0">
+            <a:schemeClr val="accent1"/>
+          </a:fillRef>
+          <a:effectRef idx="0">
+            <a:schemeClr val="accent1"/>
+          </a:effectRef>
+          <a:fontRef idx="minor">
+            <a:schemeClr val="tx1"/>
+          </a:fontRef>
+        </p:style>
+      </p:cxnSp>
+      <p:sp>
+        <p:nvSpPr>
+          <p:cNvPr id="153" name="TextBox 152">
+            <a:extLst>
+              <a:ext uri="{FF2B5EF4-FFF2-40B4-BE49-F238E27FC236}">
+                <a16:creationId xmlns:a16="http://schemas.microsoft.com/office/drawing/2014/main" id="{AF20869B-101C-4DBC-A0A3-BEABDE36FD87}"/>
+              </a:ext>
+            </a:extLst>
+          </p:cNvPr>
+          <p:cNvSpPr txBox="1"/>
+          <p:nvPr/>
+        </p:nvSpPr>
+        <p:spPr>
+          <a:xfrm>
+            <a:off x="4564662" y="2192309"/>
+            <a:ext cx="582134" cy="169277"/>
+          </a:xfrm>
+          <a:prstGeom prst="rect">
+            <a:avLst/>
+          </a:prstGeom>
+          <a:noFill/>
+        </p:spPr>
+        <p:txBody>
+          <a:bodyPr wrap="square" rtlCol="0">
+            <a:spAutoFit/>
+          </a:bodyPr>
+          <a:lstStyle/>
+          <a:p>
+            <a:r>
+              <a:rPr lang="en-GB" sz="500" dirty="0"/>
+              <a:t>SCL</a:t>
+            </a:r>
+          </a:p>
+        </p:txBody>
+      </p:sp>
+      <p:sp>
+        <p:nvSpPr>
+          <p:cNvPr id="155" name="TextBox 154">
+            <a:extLst>
+              <a:ext uri="{FF2B5EF4-FFF2-40B4-BE49-F238E27FC236}">
+                <a16:creationId xmlns:a16="http://schemas.microsoft.com/office/drawing/2014/main" id="{882DA863-F69B-4CCB-BD1F-BC6D92890A2F}"/>
+              </a:ext>
+            </a:extLst>
+          </p:cNvPr>
+          <p:cNvSpPr txBox="1"/>
+          <p:nvPr/>
+        </p:nvSpPr>
+        <p:spPr>
+          <a:xfrm>
+            <a:off x="4564662" y="2310130"/>
+            <a:ext cx="582134" cy="169277"/>
+          </a:xfrm>
+          <a:prstGeom prst="rect">
+            <a:avLst/>
+          </a:prstGeom>
+          <a:noFill/>
+        </p:spPr>
+        <p:txBody>
+          <a:bodyPr wrap="square" rtlCol="0">
+            <a:spAutoFit/>
+          </a:bodyPr>
+          <a:lstStyle/>
+          <a:p>
+            <a:r>
+              <a:rPr lang="en-GB" sz="500" dirty="0"/>
+              <a:t>SDA</a:t>
+            </a:r>
+          </a:p>
+        </p:txBody>
+      </p:sp>
+      <p:sp>
+        <p:nvSpPr>
+          <p:cNvPr id="158" name="Rectangle 157">
+            <a:extLst>
+              <a:ext uri="{FF2B5EF4-FFF2-40B4-BE49-F238E27FC236}">
+                <a16:creationId xmlns:a16="http://schemas.microsoft.com/office/drawing/2014/main" id="{25862995-18AD-4F2F-AF8D-5D8B3BC7B718}"/>
+              </a:ext>
+            </a:extLst>
+          </p:cNvPr>
+          <p:cNvSpPr/>
+          <p:nvPr/>
+        </p:nvSpPr>
+        <p:spPr>
+          <a:xfrm>
+            <a:off x="3554224" y="2661527"/>
+            <a:ext cx="1008343" cy="457869"/>
+          </a:xfrm>
+          <a:prstGeom prst="rect">
+            <a:avLst/>
+          </a:prstGeom>
+          <a:solidFill>
+            <a:srgbClr val="92D050"/>
+          </a:solidFill>
+        </p:spPr>
+        <p:style>
+          <a:lnRef idx="2">
+            <a:schemeClr val="accent1">
+              <a:shade val="50000"/>
+            </a:schemeClr>
+          </a:lnRef>
+          <a:fillRef idx="1">
+            <a:schemeClr val="accent1"/>
+          </a:fillRef>
+          <a:effectRef idx="0">
+            <a:schemeClr val="accent1"/>
+          </a:effectRef>
+          <a:fontRef idx="minor">
+            <a:schemeClr val="lt1"/>
+          </a:fontRef>
+        </p:style>
+        <p:txBody>
+          <a:bodyPr rtlCol="0" anchor="ctr"/>
+          <a:lstStyle/>
+          <a:p>
+            <a:pPr algn="ctr"/>
+            <a:r>
+              <a:rPr lang="en-GB" sz="1100" dirty="0"/>
+              <a:t>HC-SR04 i2c</a:t>
+            </a:r>
+          </a:p>
+        </p:txBody>
+      </p:sp>
+      <p:cxnSp>
+        <p:nvCxnSpPr>
+          <p:cNvPr id="159" name="Straight Arrow Connector 17">
+            <a:extLst>
+              <a:ext uri="{FF2B5EF4-FFF2-40B4-BE49-F238E27FC236}">
+                <a16:creationId xmlns:a16="http://schemas.microsoft.com/office/drawing/2014/main" id="{06539C50-0393-47A7-85C9-70E3E576ACB6}"/>
+              </a:ext>
+            </a:extLst>
+          </p:cNvPr>
+          <p:cNvCxnSpPr>
+            <a:cxnSpLocks/>
+          </p:cNvCxnSpPr>
+          <p:nvPr/>
+        </p:nvCxnSpPr>
+        <p:spPr>
+          <a:xfrm flipH="1">
+            <a:off x="4562252" y="3066398"/>
+            <a:ext cx="664981" cy="0"/>
+          </a:xfrm>
+          <a:prstGeom prst="straightConnector1">
+            <a:avLst/>
+          </a:prstGeom>
+          <a:ln w="19050">
+            <a:solidFill>
+              <a:schemeClr val="tx1"/>
+            </a:solidFill>
+            <a:tailEnd type="triangle"/>
+          </a:ln>
+        </p:spPr>
+        <p:style>
+          <a:lnRef idx="1">
+            <a:schemeClr val="accent1"/>
+          </a:lnRef>
+          <a:fillRef idx="0">
+            <a:schemeClr val="accent1"/>
+          </a:fillRef>
+          <a:effectRef idx="0">
+            <a:schemeClr val="accent1"/>
+          </a:effectRef>
+          <a:fontRef idx="minor">
+            <a:schemeClr val="tx1"/>
+          </a:fontRef>
+        </p:style>
+      </p:cxnSp>
+      <p:cxnSp>
+        <p:nvCxnSpPr>
+          <p:cNvPr id="160" name="Straight Arrow Connector 17">
+            <a:extLst>
+              <a:ext uri="{FF2B5EF4-FFF2-40B4-BE49-F238E27FC236}">
+                <a16:creationId xmlns:a16="http://schemas.microsoft.com/office/drawing/2014/main" id="{A66321AF-E92B-4377-91B7-FF7360C953CC}"/>
+              </a:ext>
+            </a:extLst>
+          </p:cNvPr>
+          <p:cNvCxnSpPr>
+            <a:cxnSpLocks/>
+          </p:cNvCxnSpPr>
+          <p:nvPr/>
+        </p:nvCxnSpPr>
+        <p:spPr>
+          <a:xfrm flipH="1">
+            <a:off x="4578460" y="2707832"/>
+            <a:ext cx="512077" cy="0"/>
+          </a:xfrm>
+          <a:prstGeom prst="straightConnector1">
+            <a:avLst/>
+          </a:prstGeom>
+          <a:ln w="19050">
+            <a:solidFill>
+              <a:srgbClr val="FF0000"/>
+            </a:solidFill>
+            <a:tailEnd type="triangle"/>
+          </a:ln>
+        </p:spPr>
+        <p:style>
+          <a:lnRef idx="1">
+            <a:schemeClr val="accent1"/>
+          </a:lnRef>
+          <a:fillRef idx="0">
+            <a:schemeClr val="accent1"/>
+          </a:fillRef>
+          <a:effectRef idx="0">
+            <a:schemeClr val="accent1"/>
+          </a:effectRef>
+          <a:fontRef idx="minor">
+            <a:schemeClr val="tx1"/>
+          </a:fontRef>
+        </p:style>
+      </p:cxnSp>
+      <p:sp>
+        <p:nvSpPr>
+          <p:cNvPr id="161" name="TextBox 160">
+            <a:extLst>
+              <a:ext uri="{FF2B5EF4-FFF2-40B4-BE49-F238E27FC236}">
+                <a16:creationId xmlns:a16="http://schemas.microsoft.com/office/drawing/2014/main" id="{288A955F-A227-4A6A-8816-63E3035604CC}"/>
+              </a:ext>
+            </a:extLst>
+          </p:cNvPr>
+          <p:cNvSpPr txBox="1"/>
+          <p:nvPr/>
+        </p:nvSpPr>
+        <p:spPr>
+          <a:xfrm>
+            <a:off x="4578459" y="2576890"/>
+            <a:ext cx="582134" cy="169277"/>
+          </a:xfrm>
+          <a:prstGeom prst="rect">
+            <a:avLst/>
+          </a:prstGeom>
+          <a:noFill/>
+        </p:spPr>
+        <p:txBody>
+          <a:bodyPr wrap="square" rtlCol="0">
+            <a:spAutoFit/>
+          </a:bodyPr>
+          <a:lstStyle/>
+          <a:p>
+            <a:r>
+              <a:rPr lang="en-GB" sz="500" dirty="0"/>
+              <a:t>VCC</a:t>
+            </a:r>
+          </a:p>
+        </p:txBody>
+      </p:sp>
+      <p:sp>
+        <p:nvSpPr>
+          <p:cNvPr id="162" name="TextBox 161">
+            <a:extLst>
+              <a:ext uri="{FF2B5EF4-FFF2-40B4-BE49-F238E27FC236}">
+                <a16:creationId xmlns:a16="http://schemas.microsoft.com/office/drawing/2014/main" id="{256FA1FF-83FA-4914-BFB5-A17FC5C4BA02}"/>
+              </a:ext>
+            </a:extLst>
+          </p:cNvPr>
+          <p:cNvSpPr txBox="1"/>
+          <p:nvPr/>
+        </p:nvSpPr>
+        <p:spPr>
+          <a:xfrm>
+            <a:off x="4562252" y="2948973"/>
+            <a:ext cx="582134" cy="169277"/>
+          </a:xfrm>
+          <a:prstGeom prst="rect">
+            <a:avLst/>
+          </a:prstGeom>
+          <a:noFill/>
+        </p:spPr>
+        <p:txBody>
+          <a:bodyPr wrap="square" rtlCol="0">
+            <a:spAutoFit/>
+          </a:bodyPr>
+          <a:lstStyle/>
+          <a:p>
+            <a:r>
+              <a:rPr lang="en-GB" sz="500" dirty="0"/>
+              <a:t>GND</a:t>
+            </a:r>
+          </a:p>
+        </p:txBody>
+      </p:sp>
+      <p:cxnSp>
+        <p:nvCxnSpPr>
+          <p:cNvPr id="176" name="Straight Arrow Connector 17">
+            <a:extLst>
+              <a:ext uri="{FF2B5EF4-FFF2-40B4-BE49-F238E27FC236}">
+                <a16:creationId xmlns:a16="http://schemas.microsoft.com/office/drawing/2014/main" id="{2D99B9DB-77C5-436F-8D80-3A5A89281A0D}"/>
+              </a:ext>
+            </a:extLst>
+          </p:cNvPr>
+          <p:cNvCxnSpPr>
+            <a:cxnSpLocks/>
+          </p:cNvCxnSpPr>
+          <p:nvPr/>
+        </p:nvCxnSpPr>
+        <p:spPr>
+          <a:xfrm flipH="1">
+            <a:off x="4562253" y="2951465"/>
+            <a:ext cx="794984" cy="0"/>
+          </a:xfrm>
+          <a:prstGeom prst="straightConnector1">
+            <a:avLst/>
+          </a:prstGeom>
+          <a:ln w="19050">
+            <a:solidFill>
+              <a:srgbClr val="FFC000"/>
+            </a:solidFill>
+            <a:tailEnd type="triangle"/>
+          </a:ln>
+        </p:spPr>
+        <p:style>
+          <a:lnRef idx="1">
+            <a:schemeClr val="accent1"/>
+          </a:lnRef>
+          <a:fillRef idx="0">
+            <a:schemeClr val="accent1"/>
+          </a:fillRef>
+          <a:effectRef idx="0">
+            <a:schemeClr val="accent1"/>
+          </a:effectRef>
+          <a:fontRef idx="minor">
+            <a:schemeClr val="tx1"/>
+          </a:fontRef>
+        </p:style>
+      </p:cxnSp>
+      <p:cxnSp>
+        <p:nvCxnSpPr>
+          <p:cNvPr id="177" name="Straight Arrow Connector 17">
+            <a:extLst>
+              <a:ext uri="{FF2B5EF4-FFF2-40B4-BE49-F238E27FC236}">
+                <a16:creationId xmlns:a16="http://schemas.microsoft.com/office/drawing/2014/main" id="{0B3A4878-CA82-44E4-A9F6-4D858DC270EB}"/>
+              </a:ext>
+            </a:extLst>
+          </p:cNvPr>
+          <p:cNvCxnSpPr>
+            <a:cxnSpLocks/>
+          </p:cNvCxnSpPr>
+          <p:nvPr/>
+        </p:nvCxnSpPr>
+        <p:spPr>
+          <a:xfrm flipH="1">
+            <a:off x="4562253" y="2826103"/>
+            <a:ext cx="794984" cy="0"/>
+          </a:xfrm>
+          <a:prstGeom prst="straightConnector1">
+            <a:avLst/>
+          </a:prstGeom>
+          <a:ln w="19050">
+            <a:solidFill>
+              <a:srgbClr val="FFC000"/>
+            </a:solidFill>
+            <a:tailEnd type="triangle"/>
+          </a:ln>
+        </p:spPr>
+        <p:style>
+          <a:lnRef idx="1">
+            <a:schemeClr val="accent1"/>
+          </a:lnRef>
+          <a:fillRef idx="0">
+            <a:schemeClr val="accent1"/>
+          </a:fillRef>
+          <a:effectRef idx="0">
+            <a:schemeClr val="accent1"/>
+          </a:effectRef>
+          <a:fontRef idx="minor">
+            <a:schemeClr val="tx1"/>
+          </a:fontRef>
+        </p:style>
+      </p:cxnSp>
+      <p:sp>
+        <p:nvSpPr>
+          <p:cNvPr id="179" name="TextBox 178">
+            <a:extLst>
+              <a:ext uri="{FF2B5EF4-FFF2-40B4-BE49-F238E27FC236}">
+                <a16:creationId xmlns:a16="http://schemas.microsoft.com/office/drawing/2014/main" id="{A2DDBC9E-9C19-43F1-8CDD-F185CE390BD8}"/>
+              </a:ext>
+            </a:extLst>
+          </p:cNvPr>
+          <p:cNvSpPr txBox="1"/>
+          <p:nvPr/>
+        </p:nvSpPr>
+        <p:spPr>
+          <a:xfrm>
+            <a:off x="4562252" y="2704759"/>
+            <a:ext cx="582134" cy="169277"/>
+          </a:xfrm>
+          <a:prstGeom prst="rect">
+            <a:avLst/>
+          </a:prstGeom>
+          <a:noFill/>
+        </p:spPr>
+        <p:txBody>
+          <a:bodyPr wrap="square" rtlCol="0">
+            <a:spAutoFit/>
+          </a:bodyPr>
+          <a:lstStyle/>
+          <a:p>
+            <a:r>
+              <a:rPr lang="en-GB" sz="500" dirty="0"/>
+              <a:t>SCL</a:t>
+            </a:r>
+          </a:p>
+        </p:txBody>
+      </p:sp>
+      <p:sp>
+        <p:nvSpPr>
+          <p:cNvPr id="180" name="TextBox 179">
+            <a:extLst>
+              <a:ext uri="{FF2B5EF4-FFF2-40B4-BE49-F238E27FC236}">
+                <a16:creationId xmlns:a16="http://schemas.microsoft.com/office/drawing/2014/main" id="{8E007358-2B0F-440E-9BCB-F595CEEE50A6}"/>
+              </a:ext>
+            </a:extLst>
+          </p:cNvPr>
+          <p:cNvSpPr txBox="1"/>
+          <p:nvPr/>
+        </p:nvSpPr>
+        <p:spPr>
+          <a:xfrm>
+            <a:off x="4562252" y="2822580"/>
+            <a:ext cx="582134" cy="169277"/>
+          </a:xfrm>
+          <a:prstGeom prst="rect">
+            <a:avLst/>
+          </a:prstGeom>
+          <a:noFill/>
+        </p:spPr>
+        <p:txBody>
+          <a:bodyPr wrap="square" rtlCol="0">
+            <a:spAutoFit/>
+          </a:bodyPr>
+          <a:lstStyle/>
+          <a:p>
+            <a:r>
+              <a:rPr lang="en-GB" sz="500" dirty="0"/>
+              <a:t>SDA</a:t>
+            </a:r>
+          </a:p>
+        </p:txBody>
+      </p:sp>
+      <p:sp>
+        <p:nvSpPr>
+          <p:cNvPr id="181" name="Rectangle 180">
+            <a:extLst>
+              <a:ext uri="{FF2B5EF4-FFF2-40B4-BE49-F238E27FC236}">
+                <a16:creationId xmlns:a16="http://schemas.microsoft.com/office/drawing/2014/main" id="{39FBC792-1E0F-4365-A62F-5135CF124489}"/>
+              </a:ext>
+            </a:extLst>
+          </p:cNvPr>
+          <p:cNvSpPr/>
+          <p:nvPr/>
+        </p:nvSpPr>
+        <p:spPr>
+          <a:xfrm>
+            <a:off x="3553019" y="3165303"/>
+            <a:ext cx="1008343" cy="457869"/>
+          </a:xfrm>
+          <a:prstGeom prst="rect">
+            <a:avLst/>
+          </a:prstGeom>
+          <a:solidFill>
+            <a:srgbClr val="92D050"/>
+          </a:solidFill>
+        </p:spPr>
+        <p:style>
+          <a:lnRef idx="2">
+            <a:schemeClr val="accent1">
+              <a:shade val="50000"/>
+            </a:schemeClr>
+          </a:lnRef>
+          <a:fillRef idx="1">
+            <a:schemeClr val="accent1"/>
+          </a:fillRef>
+          <a:effectRef idx="0">
+            <a:schemeClr val="accent1"/>
+          </a:effectRef>
+          <a:fontRef idx="minor">
+            <a:schemeClr val="lt1"/>
+          </a:fontRef>
+        </p:style>
+        <p:txBody>
+          <a:bodyPr rtlCol="0" anchor="ctr"/>
+          <a:lstStyle/>
+          <a:p>
+            <a:pPr algn="ctr"/>
+            <a:r>
+              <a:rPr lang="en-GB" sz="1100" dirty="0"/>
+              <a:t>HC-SR04 i2c</a:t>
+            </a:r>
+          </a:p>
+        </p:txBody>
+      </p:sp>
+      <p:cxnSp>
+        <p:nvCxnSpPr>
+          <p:cNvPr id="182" name="Straight Arrow Connector 17">
+            <a:extLst>
+              <a:ext uri="{FF2B5EF4-FFF2-40B4-BE49-F238E27FC236}">
+                <a16:creationId xmlns:a16="http://schemas.microsoft.com/office/drawing/2014/main" id="{30B6BD99-48FE-4C21-A668-AC53424E3414}"/>
+              </a:ext>
+            </a:extLst>
+          </p:cNvPr>
+          <p:cNvCxnSpPr>
+            <a:cxnSpLocks/>
+          </p:cNvCxnSpPr>
+          <p:nvPr/>
+        </p:nvCxnSpPr>
+        <p:spPr>
+          <a:xfrm flipH="1">
+            <a:off x="4561047" y="3570174"/>
+            <a:ext cx="664981" cy="0"/>
+          </a:xfrm>
+          <a:prstGeom prst="straightConnector1">
+            <a:avLst/>
+          </a:prstGeom>
+          <a:ln w="19050">
+            <a:solidFill>
+              <a:schemeClr val="tx1"/>
+            </a:solidFill>
+            <a:tailEnd type="triangle"/>
+          </a:ln>
+        </p:spPr>
+        <p:style>
+          <a:lnRef idx="1">
+            <a:schemeClr val="accent1"/>
+          </a:lnRef>
+          <a:fillRef idx="0">
+            <a:schemeClr val="accent1"/>
+          </a:fillRef>
+          <a:effectRef idx="0">
+            <a:schemeClr val="accent1"/>
+          </a:effectRef>
+          <a:fontRef idx="minor">
+            <a:schemeClr val="tx1"/>
+          </a:fontRef>
+        </p:style>
+      </p:cxnSp>
+      <p:cxnSp>
+        <p:nvCxnSpPr>
+          <p:cNvPr id="183" name="Straight Arrow Connector 17">
+            <a:extLst>
+              <a:ext uri="{FF2B5EF4-FFF2-40B4-BE49-F238E27FC236}">
+                <a16:creationId xmlns:a16="http://schemas.microsoft.com/office/drawing/2014/main" id="{B06E58AF-72AD-4D73-AE4B-3997C84688C7}"/>
+              </a:ext>
+            </a:extLst>
+          </p:cNvPr>
+          <p:cNvCxnSpPr>
+            <a:cxnSpLocks/>
+          </p:cNvCxnSpPr>
+          <p:nvPr/>
+        </p:nvCxnSpPr>
+        <p:spPr>
+          <a:xfrm flipH="1">
+            <a:off x="4577255" y="3211608"/>
+            <a:ext cx="512077" cy="0"/>
+          </a:xfrm>
+          <a:prstGeom prst="straightConnector1">
+            <a:avLst/>
+          </a:prstGeom>
+          <a:ln w="19050">
+            <a:solidFill>
+              <a:srgbClr val="FF0000"/>
+            </a:solidFill>
+            <a:tailEnd type="triangle"/>
+          </a:ln>
+        </p:spPr>
+        <p:style>
+          <a:lnRef idx="1">
+            <a:schemeClr val="accent1"/>
+          </a:lnRef>
+          <a:fillRef idx="0">
+            <a:schemeClr val="accent1"/>
+          </a:fillRef>
+          <a:effectRef idx="0">
+            <a:schemeClr val="accent1"/>
+          </a:effectRef>
+          <a:fontRef idx="minor">
+            <a:schemeClr val="tx1"/>
+          </a:fontRef>
+        </p:style>
+      </p:cxnSp>
+      <p:sp>
+        <p:nvSpPr>
+          <p:cNvPr id="184" name="TextBox 183">
+            <a:extLst>
+              <a:ext uri="{FF2B5EF4-FFF2-40B4-BE49-F238E27FC236}">
+                <a16:creationId xmlns:a16="http://schemas.microsoft.com/office/drawing/2014/main" id="{F6824D95-19A6-409C-9779-EE7A3A064A69}"/>
+              </a:ext>
+            </a:extLst>
+          </p:cNvPr>
+          <p:cNvSpPr txBox="1"/>
+          <p:nvPr/>
+        </p:nvSpPr>
+        <p:spPr>
+          <a:xfrm>
+            <a:off x="4577254" y="3080666"/>
+            <a:ext cx="315884" cy="169277"/>
+          </a:xfrm>
+          <a:prstGeom prst="rect">
+            <a:avLst/>
+          </a:prstGeom>
+          <a:noFill/>
+        </p:spPr>
+        <p:txBody>
+          <a:bodyPr wrap="square" rtlCol="0">
+            <a:spAutoFit/>
+          </a:bodyPr>
+          <a:lstStyle/>
+          <a:p>
+            <a:r>
+              <a:rPr lang="en-GB" sz="500" dirty="0"/>
+              <a:t>VCC</a:t>
+            </a:r>
+          </a:p>
+        </p:txBody>
+      </p:sp>
+      <p:sp>
+        <p:nvSpPr>
+          <p:cNvPr id="185" name="TextBox 184">
+            <a:extLst>
+              <a:ext uri="{FF2B5EF4-FFF2-40B4-BE49-F238E27FC236}">
+                <a16:creationId xmlns:a16="http://schemas.microsoft.com/office/drawing/2014/main" id="{ABD4209C-2E7C-4FB2-BF04-949470A62F7F}"/>
+              </a:ext>
+            </a:extLst>
+          </p:cNvPr>
+          <p:cNvSpPr txBox="1"/>
+          <p:nvPr/>
+        </p:nvSpPr>
+        <p:spPr>
+          <a:xfrm>
+            <a:off x="4561047" y="3452749"/>
+            <a:ext cx="582134" cy="169277"/>
+          </a:xfrm>
+          <a:prstGeom prst="rect">
+            <a:avLst/>
+          </a:prstGeom>
+          <a:noFill/>
+        </p:spPr>
+        <p:txBody>
+          <a:bodyPr wrap="square" rtlCol="0">
+            <a:spAutoFit/>
+          </a:bodyPr>
+          <a:lstStyle/>
+          <a:p>
+            <a:r>
+              <a:rPr lang="en-GB" sz="500" dirty="0"/>
+              <a:t>GND</a:t>
+            </a:r>
+          </a:p>
+        </p:txBody>
+      </p:sp>
+      <p:cxnSp>
+        <p:nvCxnSpPr>
+          <p:cNvPr id="186" name="Straight Arrow Connector 17">
+            <a:extLst>
+              <a:ext uri="{FF2B5EF4-FFF2-40B4-BE49-F238E27FC236}">
+                <a16:creationId xmlns:a16="http://schemas.microsoft.com/office/drawing/2014/main" id="{CAE19409-869B-427A-A8F8-353C35F4ED18}"/>
+              </a:ext>
+            </a:extLst>
+          </p:cNvPr>
+          <p:cNvCxnSpPr>
+            <a:cxnSpLocks/>
+          </p:cNvCxnSpPr>
+          <p:nvPr/>
+        </p:nvCxnSpPr>
+        <p:spPr>
+          <a:xfrm flipH="1">
+            <a:off x="4561048" y="3455241"/>
+            <a:ext cx="794984" cy="0"/>
+          </a:xfrm>
+          <a:prstGeom prst="straightConnector1">
+            <a:avLst/>
+          </a:prstGeom>
+          <a:ln w="19050">
+            <a:solidFill>
+              <a:srgbClr val="FFC000"/>
+            </a:solidFill>
+            <a:tailEnd type="triangle"/>
+          </a:ln>
+        </p:spPr>
+        <p:style>
+          <a:lnRef idx="1">
+            <a:schemeClr val="accent1"/>
+          </a:lnRef>
+          <a:fillRef idx="0">
+            <a:schemeClr val="accent1"/>
+          </a:fillRef>
+          <a:effectRef idx="0">
+            <a:schemeClr val="accent1"/>
+          </a:effectRef>
+          <a:fontRef idx="minor">
+            <a:schemeClr val="tx1"/>
+          </a:fontRef>
+        </p:style>
+      </p:cxnSp>
+      <p:cxnSp>
+        <p:nvCxnSpPr>
+          <p:cNvPr id="187" name="Straight Arrow Connector 17">
+            <a:extLst>
+              <a:ext uri="{FF2B5EF4-FFF2-40B4-BE49-F238E27FC236}">
+                <a16:creationId xmlns:a16="http://schemas.microsoft.com/office/drawing/2014/main" id="{49FC004B-9D0D-4E43-B5FD-26BF708ADC74}"/>
+              </a:ext>
+            </a:extLst>
+          </p:cNvPr>
+          <p:cNvCxnSpPr>
+            <a:cxnSpLocks/>
+          </p:cNvCxnSpPr>
+          <p:nvPr/>
+        </p:nvCxnSpPr>
+        <p:spPr>
+          <a:xfrm flipH="1">
+            <a:off x="4561048" y="3329879"/>
+            <a:ext cx="794984" cy="0"/>
+          </a:xfrm>
+          <a:prstGeom prst="straightConnector1">
+            <a:avLst/>
+          </a:prstGeom>
+          <a:ln w="19050">
+            <a:solidFill>
+              <a:srgbClr val="FFC000"/>
+            </a:solidFill>
+            <a:tailEnd type="triangle"/>
+          </a:ln>
+        </p:spPr>
+        <p:style>
+          <a:lnRef idx="1">
+            <a:schemeClr val="accent1"/>
+          </a:lnRef>
+          <a:fillRef idx="0">
+            <a:schemeClr val="accent1"/>
+          </a:fillRef>
+          <a:effectRef idx="0">
+            <a:schemeClr val="accent1"/>
+          </a:effectRef>
+          <a:fontRef idx="minor">
+            <a:schemeClr val="tx1"/>
+          </a:fontRef>
+        </p:style>
+      </p:cxnSp>
+      <p:sp>
+        <p:nvSpPr>
+          <p:cNvPr id="188" name="TextBox 187">
+            <a:extLst>
+              <a:ext uri="{FF2B5EF4-FFF2-40B4-BE49-F238E27FC236}">
+                <a16:creationId xmlns:a16="http://schemas.microsoft.com/office/drawing/2014/main" id="{60C9B868-BC28-4B45-AE2F-C3271DAD1E51}"/>
+              </a:ext>
+            </a:extLst>
+          </p:cNvPr>
+          <p:cNvSpPr txBox="1"/>
+          <p:nvPr/>
+        </p:nvSpPr>
+        <p:spPr>
+          <a:xfrm>
+            <a:off x="4561047" y="3208535"/>
+            <a:ext cx="316267" cy="169277"/>
+          </a:xfrm>
+          <a:prstGeom prst="rect">
+            <a:avLst/>
+          </a:prstGeom>
+          <a:noFill/>
+        </p:spPr>
+        <p:txBody>
+          <a:bodyPr wrap="square" rtlCol="0">
+            <a:spAutoFit/>
+          </a:bodyPr>
+          <a:lstStyle/>
+          <a:p>
+            <a:r>
+              <a:rPr lang="en-GB" sz="500" dirty="0"/>
+              <a:t>SCL</a:t>
+            </a:r>
+          </a:p>
+        </p:txBody>
+      </p:sp>
+      <p:sp>
+        <p:nvSpPr>
+          <p:cNvPr id="189" name="TextBox 188">
+            <a:extLst>
+              <a:ext uri="{FF2B5EF4-FFF2-40B4-BE49-F238E27FC236}">
+                <a16:creationId xmlns:a16="http://schemas.microsoft.com/office/drawing/2014/main" id="{9D639283-4701-4953-9E7A-02D81BCB1C61}"/>
+              </a:ext>
+            </a:extLst>
+          </p:cNvPr>
+          <p:cNvSpPr txBox="1"/>
+          <p:nvPr/>
+        </p:nvSpPr>
+        <p:spPr>
+          <a:xfrm>
+            <a:off x="4561047" y="3326356"/>
+            <a:ext cx="582134" cy="169277"/>
+          </a:xfrm>
+          <a:prstGeom prst="rect">
+            <a:avLst/>
+          </a:prstGeom>
+          <a:noFill/>
+        </p:spPr>
+        <p:txBody>
+          <a:bodyPr wrap="square" rtlCol="0">
+            <a:spAutoFit/>
+          </a:bodyPr>
+          <a:lstStyle/>
+          <a:p>
+            <a:r>
+              <a:rPr lang="en-GB" sz="500" dirty="0"/>
+              <a:t>SDA</a:t>
+            </a:r>
+          </a:p>
+        </p:txBody>
+      </p:sp>
+      <p:cxnSp>
+        <p:nvCxnSpPr>
+          <p:cNvPr id="190" name="Straight Arrow Connector 17">
+            <a:extLst>
+              <a:ext uri="{FF2B5EF4-FFF2-40B4-BE49-F238E27FC236}">
+                <a16:creationId xmlns:a16="http://schemas.microsoft.com/office/drawing/2014/main" id="{17A93B88-C59B-407B-B580-BAE5F2338FE8}"/>
+              </a:ext>
+            </a:extLst>
+          </p:cNvPr>
+          <p:cNvCxnSpPr>
+            <a:cxnSpLocks/>
+          </p:cNvCxnSpPr>
+          <p:nvPr/>
+        </p:nvCxnSpPr>
+        <p:spPr>
+          <a:xfrm>
+            <a:off x="5089331" y="1675131"/>
+            <a:ext cx="0" cy="2190327"/>
+          </a:xfrm>
+          <a:prstGeom prst="straightConnector1">
+            <a:avLst/>
+          </a:prstGeom>
+          <a:ln w="19050">
+            <a:solidFill>
+              <a:srgbClr val="FF0000"/>
+            </a:solidFill>
+            <a:headEnd type="none" w="med" len="med"/>
+            <a:tailEnd type="none" w="med" len="med"/>
+          </a:ln>
+        </p:spPr>
+        <p:style>
+          <a:lnRef idx="1">
+            <a:schemeClr val="accent1"/>
+          </a:lnRef>
+          <a:fillRef idx="0">
+            <a:schemeClr val="accent1"/>
+          </a:fillRef>
+          <a:effectRef idx="0">
+            <a:schemeClr val="accent1"/>
+          </a:effectRef>
+          <a:fontRef idx="minor">
+            <a:schemeClr val="tx1"/>
+          </a:fontRef>
+        </p:style>
+      </p:cxnSp>
+      <p:cxnSp>
+        <p:nvCxnSpPr>
+          <p:cNvPr id="191" name="Straight Arrow Connector 17">
+            <a:extLst>
+              <a:ext uri="{FF2B5EF4-FFF2-40B4-BE49-F238E27FC236}">
+                <a16:creationId xmlns:a16="http://schemas.microsoft.com/office/drawing/2014/main" id="{1C21115A-1085-4DF7-A66B-B79E32517F2F}"/>
+              </a:ext>
+            </a:extLst>
+          </p:cNvPr>
+          <p:cNvCxnSpPr>
+            <a:cxnSpLocks/>
+          </p:cNvCxnSpPr>
+          <p:nvPr/>
+        </p:nvCxnSpPr>
+        <p:spPr>
+          <a:xfrm>
+            <a:off x="5229642" y="2038376"/>
+            <a:ext cx="0" cy="1708124"/>
+          </a:xfrm>
+          <a:prstGeom prst="straightConnector1">
+            <a:avLst/>
+          </a:prstGeom>
+          <a:ln w="19050">
+            <a:solidFill>
+              <a:schemeClr val="tx1"/>
+            </a:solidFill>
+            <a:headEnd type="none" w="med" len="med"/>
+            <a:tailEnd type="none" w="med" len="med"/>
+          </a:ln>
+        </p:spPr>
+        <p:style>
+          <a:lnRef idx="1">
+            <a:schemeClr val="accent1"/>
+          </a:lnRef>
+          <a:fillRef idx="0">
+            <a:schemeClr val="accent1"/>
+          </a:fillRef>
+          <a:effectRef idx="0">
+            <a:schemeClr val="accent1"/>
+          </a:effectRef>
+          <a:fontRef idx="minor">
+            <a:schemeClr val="tx1"/>
+          </a:fontRef>
+        </p:style>
+      </p:cxnSp>
+      <p:cxnSp>
+        <p:nvCxnSpPr>
+          <p:cNvPr id="192" name="Straight Arrow Connector 17">
+            <a:extLst>
+              <a:ext uri="{FF2B5EF4-FFF2-40B4-BE49-F238E27FC236}">
+                <a16:creationId xmlns:a16="http://schemas.microsoft.com/office/drawing/2014/main" id="{D8D0300B-5545-43BA-90BB-DDE4A6E8CD6A}"/>
+              </a:ext>
+            </a:extLst>
+          </p:cNvPr>
+          <p:cNvCxnSpPr>
+            <a:cxnSpLocks/>
+          </p:cNvCxnSpPr>
+          <p:nvPr/>
+        </p:nvCxnSpPr>
+        <p:spPr>
+          <a:xfrm>
+            <a:off x="6667917" y="3293173"/>
+            <a:ext cx="0" cy="453327"/>
+          </a:xfrm>
+          <a:prstGeom prst="straightConnector1">
+            <a:avLst/>
+          </a:prstGeom>
+          <a:ln w="19050">
+            <a:solidFill>
+              <a:schemeClr val="tx1"/>
+            </a:solidFill>
+            <a:headEnd type="none" w="med" len="med"/>
+            <a:tailEnd type="none" w="med" len="med"/>
+          </a:ln>
+        </p:spPr>
+        <p:style>
+          <a:lnRef idx="1">
+            <a:schemeClr val="accent1"/>
+          </a:lnRef>
+          <a:fillRef idx="0">
+            <a:schemeClr val="accent1"/>
+          </a:fillRef>
+          <a:effectRef idx="0">
+            <a:schemeClr val="accent1"/>
+          </a:effectRef>
+          <a:fontRef idx="minor">
+            <a:schemeClr val="tx1"/>
+          </a:fontRef>
+        </p:style>
+      </p:cxnSp>
+      <p:cxnSp>
+        <p:nvCxnSpPr>
+          <p:cNvPr id="193" name="Straight Arrow Connector 17">
+            <a:extLst>
+              <a:ext uri="{FF2B5EF4-FFF2-40B4-BE49-F238E27FC236}">
+                <a16:creationId xmlns:a16="http://schemas.microsoft.com/office/drawing/2014/main" id="{372000F9-8378-4512-AC38-32BE3A3D68AA}"/>
+              </a:ext>
+            </a:extLst>
+          </p:cNvPr>
+          <p:cNvCxnSpPr>
+            <a:cxnSpLocks/>
+          </p:cNvCxnSpPr>
+          <p:nvPr/>
+        </p:nvCxnSpPr>
+        <p:spPr>
+          <a:xfrm flipH="1">
+            <a:off x="5226028" y="3746500"/>
+            <a:ext cx="1441890" cy="0"/>
+          </a:xfrm>
+          <a:prstGeom prst="straightConnector1">
+            <a:avLst/>
+          </a:prstGeom>
+          <a:ln w="19050">
+            <a:solidFill>
+              <a:schemeClr val="tx1"/>
+            </a:solidFill>
+            <a:headEnd type="none" w="med" len="med"/>
+            <a:tailEnd type="none" w="med" len="med"/>
+          </a:ln>
+        </p:spPr>
+        <p:style>
+          <a:lnRef idx="1">
+            <a:schemeClr val="accent1"/>
+          </a:lnRef>
+          <a:fillRef idx="0">
+            <a:schemeClr val="accent1"/>
+          </a:fillRef>
+          <a:effectRef idx="0">
+            <a:schemeClr val="accent1"/>
+          </a:effectRef>
+          <a:fontRef idx="minor">
+            <a:schemeClr val="tx1"/>
+          </a:fontRef>
+        </p:style>
+      </p:cxnSp>
+      <p:cxnSp>
+        <p:nvCxnSpPr>
+          <p:cNvPr id="194" name="Straight Arrow Connector 17">
+            <a:extLst>
+              <a:ext uri="{FF2B5EF4-FFF2-40B4-BE49-F238E27FC236}">
+                <a16:creationId xmlns:a16="http://schemas.microsoft.com/office/drawing/2014/main" id="{D29DAB5C-E2B6-4921-9DF4-86DAC973983E}"/>
+              </a:ext>
+            </a:extLst>
+          </p:cNvPr>
+          <p:cNvCxnSpPr>
+            <a:cxnSpLocks/>
+          </p:cNvCxnSpPr>
+          <p:nvPr/>
+        </p:nvCxnSpPr>
+        <p:spPr>
+          <a:xfrm>
+            <a:off x="6798707" y="3165303"/>
+            <a:ext cx="0" cy="700155"/>
+          </a:xfrm>
+          <a:prstGeom prst="straightConnector1">
+            <a:avLst/>
+          </a:prstGeom>
+          <a:ln w="19050">
+            <a:solidFill>
+              <a:srgbClr val="FF0000"/>
+            </a:solidFill>
+            <a:headEnd type="none" w="med" len="med"/>
+            <a:tailEnd type="none" w="med" len="med"/>
+          </a:ln>
+        </p:spPr>
+        <p:style>
+          <a:lnRef idx="1">
+            <a:schemeClr val="accent1"/>
+          </a:lnRef>
+          <a:fillRef idx="0">
+            <a:schemeClr val="accent1"/>
+          </a:fillRef>
+          <a:effectRef idx="0">
+            <a:schemeClr val="accent1"/>
+          </a:effectRef>
+          <a:fontRef idx="minor">
+            <a:schemeClr val="tx1"/>
+          </a:fontRef>
+        </p:style>
+      </p:cxnSp>
+      <p:cxnSp>
+        <p:nvCxnSpPr>
+          <p:cNvPr id="195" name="Straight Arrow Connector 17">
+            <a:extLst>
+              <a:ext uri="{FF2B5EF4-FFF2-40B4-BE49-F238E27FC236}">
+                <a16:creationId xmlns:a16="http://schemas.microsoft.com/office/drawing/2014/main" id="{9D4301C3-E6A1-4331-A1CF-091A7128FBE3}"/>
+              </a:ext>
+            </a:extLst>
+          </p:cNvPr>
+          <p:cNvCxnSpPr>
+            <a:cxnSpLocks/>
+          </p:cNvCxnSpPr>
+          <p:nvPr/>
+        </p:nvCxnSpPr>
+        <p:spPr>
+          <a:xfrm>
+            <a:off x="5089331" y="3865458"/>
+            <a:ext cx="1709376" cy="0"/>
+          </a:xfrm>
+          <a:prstGeom prst="straightConnector1">
+            <a:avLst/>
+          </a:prstGeom>
+          <a:ln w="19050">
+            <a:solidFill>
+              <a:srgbClr val="FF0000"/>
+            </a:solidFill>
+            <a:headEnd type="none" w="med" len="med"/>
+            <a:tailEnd type="none" w="med" len="med"/>
+          </a:ln>
+        </p:spPr>
+        <p:style>
+          <a:lnRef idx="1">
+            <a:schemeClr val="accent1"/>
+          </a:lnRef>
+          <a:fillRef idx="0">
+            <a:schemeClr val="accent1"/>
+          </a:fillRef>
+          <a:effectRef idx="0">
+            <a:schemeClr val="accent1"/>
+          </a:effectRef>
+          <a:fontRef idx="minor">
+            <a:schemeClr val="tx1"/>
+          </a:fontRef>
+        </p:style>
+      </p:cxnSp>
+      <p:sp>
+        <p:nvSpPr>
+          <p:cNvPr id="196" name="TextBox 195">
+            <a:extLst>
+              <a:ext uri="{FF2B5EF4-FFF2-40B4-BE49-F238E27FC236}">
+                <a16:creationId xmlns:a16="http://schemas.microsoft.com/office/drawing/2014/main" id="{75788F2A-6FF7-42A1-9C10-0AE5894A3F8C}"/>
+              </a:ext>
+            </a:extLst>
+          </p:cNvPr>
+          <p:cNvSpPr txBox="1"/>
+          <p:nvPr/>
+        </p:nvSpPr>
+        <p:spPr>
+          <a:xfrm>
+            <a:off x="5311035" y="1725239"/>
+            <a:ext cx="282838" cy="169277"/>
+          </a:xfrm>
+          <a:prstGeom prst="rect">
+            <a:avLst/>
+          </a:prstGeom>
+          <a:noFill/>
+        </p:spPr>
+        <p:txBody>
+          <a:bodyPr wrap="square" rtlCol="0">
+            <a:spAutoFit/>
+          </a:bodyPr>
+          <a:lstStyle/>
+          <a:p>
+            <a:r>
+              <a:rPr lang="en-GB" sz="500" dirty="0"/>
+              <a:t>SC0</a:t>
+            </a:r>
+          </a:p>
+        </p:txBody>
+      </p:sp>
+      <p:sp>
+        <p:nvSpPr>
+          <p:cNvPr id="197" name="TextBox 196">
+            <a:extLst>
+              <a:ext uri="{FF2B5EF4-FFF2-40B4-BE49-F238E27FC236}">
+                <a16:creationId xmlns:a16="http://schemas.microsoft.com/office/drawing/2014/main" id="{1E0FC1C7-F233-4018-95C4-56E9E63FE87E}"/>
+              </a:ext>
+            </a:extLst>
+          </p:cNvPr>
+          <p:cNvSpPr txBox="1"/>
+          <p:nvPr/>
+        </p:nvSpPr>
+        <p:spPr>
+          <a:xfrm>
+            <a:off x="5311035" y="1843060"/>
+            <a:ext cx="299609" cy="169277"/>
+          </a:xfrm>
+          <a:prstGeom prst="rect">
+            <a:avLst/>
+          </a:prstGeom>
+          <a:noFill/>
+        </p:spPr>
+        <p:txBody>
+          <a:bodyPr wrap="square" rtlCol="0">
+            <a:spAutoFit/>
+          </a:bodyPr>
+          <a:lstStyle/>
+          <a:p>
+            <a:r>
+              <a:rPr lang="en-GB" sz="500" dirty="0"/>
+              <a:t>SD0</a:t>
+            </a:r>
+          </a:p>
+        </p:txBody>
+      </p:sp>
+      <p:sp>
+        <p:nvSpPr>
+          <p:cNvPr id="198" name="TextBox 197">
+            <a:extLst>
+              <a:ext uri="{FF2B5EF4-FFF2-40B4-BE49-F238E27FC236}">
+                <a16:creationId xmlns:a16="http://schemas.microsoft.com/office/drawing/2014/main" id="{679F421A-1AB6-4CE1-844B-8A74DB81CFEB}"/>
+              </a:ext>
+            </a:extLst>
+          </p:cNvPr>
+          <p:cNvSpPr txBox="1"/>
+          <p:nvPr/>
+        </p:nvSpPr>
+        <p:spPr>
+          <a:xfrm>
+            <a:off x="5311035" y="2234063"/>
+            <a:ext cx="282838" cy="169277"/>
+          </a:xfrm>
+          <a:prstGeom prst="rect">
+            <a:avLst/>
+          </a:prstGeom>
+          <a:noFill/>
+        </p:spPr>
+        <p:txBody>
+          <a:bodyPr wrap="square" rtlCol="0">
+            <a:spAutoFit/>
+          </a:bodyPr>
+          <a:lstStyle/>
+          <a:p>
+            <a:r>
+              <a:rPr lang="en-GB" sz="500" dirty="0"/>
+              <a:t>SC1</a:t>
+            </a:r>
+          </a:p>
+        </p:txBody>
+      </p:sp>
+      <p:sp>
+        <p:nvSpPr>
+          <p:cNvPr id="199" name="TextBox 198">
+            <a:extLst>
+              <a:ext uri="{FF2B5EF4-FFF2-40B4-BE49-F238E27FC236}">
+                <a16:creationId xmlns:a16="http://schemas.microsoft.com/office/drawing/2014/main" id="{63FCCF05-FC01-479D-893D-C46E97D79C98}"/>
+              </a:ext>
+            </a:extLst>
+          </p:cNvPr>
+          <p:cNvSpPr txBox="1"/>
+          <p:nvPr/>
+        </p:nvSpPr>
+        <p:spPr>
+          <a:xfrm>
+            <a:off x="5311035" y="2351884"/>
+            <a:ext cx="299609" cy="169277"/>
+          </a:xfrm>
+          <a:prstGeom prst="rect">
+            <a:avLst/>
+          </a:prstGeom>
+          <a:noFill/>
+        </p:spPr>
+        <p:txBody>
+          <a:bodyPr wrap="square" rtlCol="0">
+            <a:spAutoFit/>
+          </a:bodyPr>
+          <a:lstStyle/>
+          <a:p>
+            <a:r>
+              <a:rPr lang="en-GB" sz="500" dirty="0"/>
+              <a:t>SD1</a:t>
+            </a:r>
+          </a:p>
+        </p:txBody>
+      </p:sp>
+      <p:sp>
+        <p:nvSpPr>
+          <p:cNvPr id="200" name="TextBox 199">
+            <a:extLst>
+              <a:ext uri="{FF2B5EF4-FFF2-40B4-BE49-F238E27FC236}">
+                <a16:creationId xmlns:a16="http://schemas.microsoft.com/office/drawing/2014/main" id="{A8CB42E8-CFCE-4626-A101-DC5E6048979A}"/>
+              </a:ext>
+            </a:extLst>
+          </p:cNvPr>
+          <p:cNvSpPr txBox="1"/>
+          <p:nvPr/>
+        </p:nvSpPr>
+        <p:spPr>
+          <a:xfrm>
+            <a:off x="5311000" y="2733673"/>
+            <a:ext cx="282838" cy="169277"/>
+          </a:xfrm>
+          <a:prstGeom prst="rect">
+            <a:avLst/>
+          </a:prstGeom>
+          <a:noFill/>
+        </p:spPr>
+        <p:txBody>
+          <a:bodyPr wrap="square" rtlCol="0">
+            <a:spAutoFit/>
+          </a:bodyPr>
+          <a:lstStyle/>
+          <a:p>
+            <a:r>
+              <a:rPr lang="en-GB" sz="500" dirty="0"/>
+              <a:t>SC2</a:t>
+            </a:r>
+          </a:p>
+        </p:txBody>
+      </p:sp>
+      <p:sp>
+        <p:nvSpPr>
+          <p:cNvPr id="201" name="TextBox 200">
+            <a:extLst>
+              <a:ext uri="{FF2B5EF4-FFF2-40B4-BE49-F238E27FC236}">
+                <a16:creationId xmlns:a16="http://schemas.microsoft.com/office/drawing/2014/main" id="{245BC477-3E12-4B57-B509-014605C803F7}"/>
+              </a:ext>
+            </a:extLst>
+          </p:cNvPr>
+          <p:cNvSpPr txBox="1"/>
+          <p:nvPr/>
+        </p:nvSpPr>
+        <p:spPr>
+          <a:xfrm>
+            <a:off x="5311000" y="2851494"/>
+            <a:ext cx="299609" cy="169277"/>
+          </a:xfrm>
+          <a:prstGeom prst="rect">
+            <a:avLst/>
+          </a:prstGeom>
+          <a:noFill/>
+        </p:spPr>
+        <p:txBody>
+          <a:bodyPr wrap="square" rtlCol="0">
+            <a:spAutoFit/>
+          </a:bodyPr>
+          <a:lstStyle/>
+          <a:p>
+            <a:r>
+              <a:rPr lang="en-GB" sz="500" dirty="0"/>
+              <a:t>SD2</a:t>
+            </a:r>
+          </a:p>
+        </p:txBody>
+      </p:sp>
+      <p:sp>
+        <p:nvSpPr>
+          <p:cNvPr id="202" name="TextBox 201">
+            <a:extLst>
+              <a:ext uri="{FF2B5EF4-FFF2-40B4-BE49-F238E27FC236}">
+                <a16:creationId xmlns:a16="http://schemas.microsoft.com/office/drawing/2014/main" id="{F5FF011B-E487-4E00-B1FC-BD5A05D0F7B2}"/>
+              </a:ext>
+            </a:extLst>
+          </p:cNvPr>
+          <p:cNvSpPr txBox="1"/>
+          <p:nvPr/>
+        </p:nvSpPr>
+        <p:spPr>
+          <a:xfrm>
+            <a:off x="5306741" y="3242419"/>
+            <a:ext cx="282838" cy="169277"/>
+          </a:xfrm>
+          <a:prstGeom prst="rect">
+            <a:avLst/>
+          </a:prstGeom>
+          <a:noFill/>
+        </p:spPr>
+        <p:txBody>
+          <a:bodyPr wrap="square" rtlCol="0">
+            <a:spAutoFit/>
+          </a:bodyPr>
+          <a:lstStyle/>
+          <a:p>
+            <a:r>
+              <a:rPr lang="en-GB" sz="500" dirty="0"/>
+              <a:t>SC3</a:t>
+            </a:r>
+          </a:p>
+        </p:txBody>
+      </p:sp>
+      <p:sp>
+        <p:nvSpPr>
+          <p:cNvPr id="203" name="TextBox 202">
+            <a:extLst>
+              <a:ext uri="{FF2B5EF4-FFF2-40B4-BE49-F238E27FC236}">
+                <a16:creationId xmlns:a16="http://schemas.microsoft.com/office/drawing/2014/main" id="{92928B3E-B371-4DA5-AE94-6294F1D358E5}"/>
+              </a:ext>
+            </a:extLst>
+          </p:cNvPr>
+          <p:cNvSpPr txBox="1"/>
+          <p:nvPr/>
+        </p:nvSpPr>
+        <p:spPr>
+          <a:xfrm>
+            <a:off x="5306741" y="3360240"/>
+            <a:ext cx="299609" cy="169277"/>
+          </a:xfrm>
+          <a:prstGeom prst="rect">
+            <a:avLst/>
+          </a:prstGeom>
+          <a:noFill/>
+        </p:spPr>
+        <p:txBody>
+          <a:bodyPr wrap="square" rtlCol="0">
+            <a:spAutoFit/>
+          </a:bodyPr>
+          <a:lstStyle/>
+          <a:p>
+            <a:r>
+              <a:rPr lang="en-GB" sz="500" dirty="0"/>
+              <a:t>SD3</a:t>
+            </a:r>
+          </a:p>
+        </p:txBody>
+      </p:sp>
+      <p:sp>
+        <p:nvSpPr>
+          <p:cNvPr id="204" name="Rectangle 203">
+            <a:extLst>
+              <a:ext uri="{FF2B5EF4-FFF2-40B4-BE49-F238E27FC236}">
+                <a16:creationId xmlns:a16="http://schemas.microsoft.com/office/drawing/2014/main" id="{A44FB159-7CA3-49C8-8AA7-38D362C2D64E}"/>
+              </a:ext>
+            </a:extLst>
+          </p:cNvPr>
+          <p:cNvSpPr/>
+          <p:nvPr/>
+        </p:nvSpPr>
+        <p:spPr>
+          <a:xfrm>
+            <a:off x="3896484" y="4114092"/>
+            <a:ext cx="840513" cy="357188"/>
+          </a:xfrm>
+          <a:prstGeom prst="rect">
+            <a:avLst/>
+          </a:prstGeom>
+          <a:solidFill>
+            <a:srgbClr val="92D050"/>
+          </a:solidFill>
+        </p:spPr>
+        <p:style>
+          <a:lnRef idx="2">
+            <a:schemeClr val="accent1">
+              <a:shade val="50000"/>
+            </a:schemeClr>
+          </a:lnRef>
+          <a:fillRef idx="1">
+            <a:schemeClr val="accent1"/>
+          </a:fillRef>
+          <a:effectRef idx="0">
+            <a:schemeClr val="accent1"/>
+          </a:effectRef>
+          <a:fontRef idx="minor">
+            <a:schemeClr val="lt1"/>
+          </a:fontRef>
+        </p:style>
+        <p:txBody>
+          <a:bodyPr rtlCol="0" anchor="ctr"/>
+          <a:lstStyle/>
+          <a:p>
+            <a:pPr algn="ctr"/>
+            <a:r>
+              <a:rPr lang="en-GB" sz="1100" dirty="0"/>
+              <a:t>Front </a:t>
+            </a:r>
+            <a:r>
+              <a:rPr lang="en-GB" sz="1100" dirty="0" err="1"/>
+              <a:t>Sw</a:t>
+            </a:r>
+            <a:endParaRPr lang="en-GB" sz="1100" dirty="0"/>
+          </a:p>
+        </p:txBody>
+      </p:sp>
+      <p:sp>
+        <p:nvSpPr>
+          <p:cNvPr id="205" name="Rectangle 204">
+            <a:extLst>
+              <a:ext uri="{FF2B5EF4-FFF2-40B4-BE49-F238E27FC236}">
+                <a16:creationId xmlns:a16="http://schemas.microsoft.com/office/drawing/2014/main" id="{A01E7B0A-AC28-4597-AA0C-6E554B07CCEE}"/>
+              </a:ext>
+            </a:extLst>
+          </p:cNvPr>
+          <p:cNvSpPr/>
+          <p:nvPr/>
+        </p:nvSpPr>
+        <p:spPr>
+          <a:xfrm>
+            <a:off x="3896483" y="4607503"/>
+            <a:ext cx="840513" cy="357188"/>
+          </a:xfrm>
+          <a:prstGeom prst="rect">
+            <a:avLst/>
+          </a:prstGeom>
+          <a:solidFill>
+            <a:srgbClr val="92D050"/>
+          </a:solidFill>
+        </p:spPr>
+        <p:style>
+          <a:lnRef idx="2">
+            <a:schemeClr val="accent1">
+              <a:shade val="50000"/>
+            </a:schemeClr>
+          </a:lnRef>
+          <a:fillRef idx="1">
+            <a:schemeClr val="accent1"/>
+          </a:fillRef>
+          <a:effectRef idx="0">
+            <a:schemeClr val="accent1"/>
+          </a:effectRef>
+          <a:fontRef idx="minor">
+            <a:schemeClr val="lt1"/>
+          </a:fontRef>
+        </p:style>
+        <p:txBody>
+          <a:bodyPr rtlCol="0" anchor="ctr"/>
+          <a:lstStyle/>
+          <a:p>
+            <a:pPr algn="ctr"/>
+            <a:r>
+              <a:rPr lang="en-GB" sz="1100" dirty="0"/>
+              <a:t>Rear </a:t>
+            </a:r>
+            <a:r>
+              <a:rPr lang="en-GB" sz="1100" dirty="0" err="1"/>
+              <a:t>Sw</a:t>
+            </a:r>
+            <a:endParaRPr lang="en-GB" sz="1100" dirty="0"/>
+          </a:p>
+        </p:txBody>
+      </p:sp>
+      <p:cxnSp>
+        <p:nvCxnSpPr>
+          <p:cNvPr id="206" name="Straight Arrow Connector 17">
+            <a:extLst>
+              <a:ext uri="{FF2B5EF4-FFF2-40B4-BE49-F238E27FC236}">
+                <a16:creationId xmlns:a16="http://schemas.microsoft.com/office/drawing/2014/main" id="{5DDA1D40-41DC-4374-843A-E41F3CA8BA3D}"/>
+              </a:ext>
+            </a:extLst>
+          </p:cNvPr>
+          <p:cNvCxnSpPr>
+            <a:cxnSpLocks/>
+          </p:cNvCxnSpPr>
+          <p:nvPr/>
+        </p:nvCxnSpPr>
+        <p:spPr>
+          <a:xfrm>
+            <a:off x="6798707" y="3165303"/>
+            <a:ext cx="0" cy="1535284"/>
+          </a:xfrm>
+          <a:prstGeom prst="straightConnector1">
+            <a:avLst/>
+          </a:prstGeom>
+          <a:ln w="19050">
+            <a:solidFill>
+              <a:srgbClr val="FF0000"/>
+            </a:solidFill>
+            <a:headEnd type="none" w="med" len="med"/>
+            <a:tailEnd type="none" w="med" len="med"/>
+          </a:ln>
+        </p:spPr>
+        <p:style>
+          <a:lnRef idx="1">
+            <a:schemeClr val="accent1"/>
+          </a:lnRef>
+          <a:fillRef idx="0">
+            <a:schemeClr val="accent1"/>
+          </a:fillRef>
+          <a:effectRef idx="0">
+            <a:schemeClr val="accent1"/>
+          </a:effectRef>
+          <a:fontRef idx="minor">
+            <a:schemeClr val="tx1"/>
+          </a:fontRef>
+        </p:style>
+      </p:cxnSp>
+      <p:cxnSp>
+        <p:nvCxnSpPr>
+          <p:cNvPr id="207" name="Straight Arrow Connector 17">
+            <a:extLst>
+              <a:ext uri="{FF2B5EF4-FFF2-40B4-BE49-F238E27FC236}">
+                <a16:creationId xmlns:a16="http://schemas.microsoft.com/office/drawing/2014/main" id="{D8E62ACB-7629-46C3-9661-B52658F49401}"/>
+              </a:ext>
+            </a:extLst>
+          </p:cNvPr>
+          <p:cNvCxnSpPr>
+            <a:cxnSpLocks/>
+          </p:cNvCxnSpPr>
+          <p:nvPr/>
+        </p:nvCxnSpPr>
+        <p:spPr>
+          <a:xfrm>
+            <a:off x="4733040" y="4200525"/>
+            <a:ext cx="2065667" cy="0"/>
+          </a:xfrm>
+          <a:prstGeom prst="straightConnector1">
+            <a:avLst/>
+          </a:prstGeom>
+          <a:ln w="19050">
+            <a:solidFill>
+              <a:srgbClr val="FF0000"/>
+            </a:solidFill>
+            <a:headEnd type="none" w="med" len="med"/>
+            <a:tailEnd type="none" w="med" len="med"/>
+          </a:ln>
+        </p:spPr>
+        <p:style>
+          <a:lnRef idx="1">
+            <a:schemeClr val="accent1"/>
+          </a:lnRef>
+          <a:fillRef idx="0">
+            <a:schemeClr val="accent1"/>
+          </a:fillRef>
+          <a:effectRef idx="0">
+            <a:schemeClr val="accent1"/>
+          </a:effectRef>
+          <a:fontRef idx="minor">
+            <a:schemeClr val="tx1"/>
+          </a:fontRef>
+        </p:style>
+      </p:cxnSp>
+      <p:cxnSp>
+        <p:nvCxnSpPr>
+          <p:cNvPr id="208" name="Straight Arrow Connector 17">
+            <a:extLst>
+              <a:ext uri="{FF2B5EF4-FFF2-40B4-BE49-F238E27FC236}">
+                <a16:creationId xmlns:a16="http://schemas.microsoft.com/office/drawing/2014/main" id="{0F22D4E4-C44E-4C6D-932D-49A68C2FF84B}"/>
+              </a:ext>
+            </a:extLst>
+          </p:cNvPr>
+          <p:cNvCxnSpPr>
+            <a:cxnSpLocks/>
+          </p:cNvCxnSpPr>
+          <p:nvPr/>
+        </p:nvCxnSpPr>
+        <p:spPr>
+          <a:xfrm>
+            <a:off x="4736996" y="4700587"/>
+            <a:ext cx="2054449" cy="0"/>
+          </a:xfrm>
+          <a:prstGeom prst="straightConnector1">
+            <a:avLst/>
+          </a:prstGeom>
+          <a:ln w="19050">
+            <a:solidFill>
+              <a:srgbClr val="FF0000"/>
+            </a:solidFill>
+            <a:headEnd type="none" w="med" len="med"/>
+            <a:tailEnd type="none" w="med" len="med"/>
+          </a:ln>
+        </p:spPr>
+        <p:style>
+          <a:lnRef idx="1">
+            <a:schemeClr val="accent1"/>
+          </a:lnRef>
+          <a:fillRef idx="0">
+            <a:schemeClr val="accent1"/>
+          </a:fillRef>
+          <a:effectRef idx="0">
+            <a:schemeClr val="accent1"/>
+          </a:effectRef>
+          <a:fontRef idx="minor">
+            <a:schemeClr val="tx1"/>
+          </a:fontRef>
+        </p:style>
+      </p:cxnSp>
+      <p:cxnSp>
+        <p:nvCxnSpPr>
+          <p:cNvPr id="210" name="Straight Arrow Connector 17">
+            <a:extLst>
+              <a:ext uri="{FF2B5EF4-FFF2-40B4-BE49-F238E27FC236}">
+                <a16:creationId xmlns:a16="http://schemas.microsoft.com/office/drawing/2014/main" id="{D521979A-5825-4782-B93F-5AB6A993E5EA}"/>
+              </a:ext>
+            </a:extLst>
+          </p:cNvPr>
+          <p:cNvCxnSpPr>
+            <a:cxnSpLocks/>
+          </p:cNvCxnSpPr>
+          <p:nvPr/>
+        </p:nvCxnSpPr>
+        <p:spPr>
+          <a:xfrm>
+            <a:off x="4745181" y="4377140"/>
+            <a:ext cx="2362216" cy="0"/>
+          </a:xfrm>
+          <a:prstGeom prst="straightConnector1">
+            <a:avLst/>
+          </a:prstGeom>
+          <a:ln w="19050">
+            <a:solidFill>
+              <a:srgbClr val="FFC000"/>
+            </a:solidFill>
+            <a:tailEnd type="triangle"/>
+          </a:ln>
+        </p:spPr>
+        <p:style>
+          <a:lnRef idx="1">
+            <a:schemeClr val="accent1"/>
+          </a:lnRef>
+          <a:fillRef idx="0">
+            <a:schemeClr val="accent1"/>
+          </a:fillRef>
+          <a:effectRef idx="0">
+            <a:schemeClr val="accent1"/>
+          </a:effectRef>
+          <a:fontRef idx="minor">
+            <a:schemeClr val="tx1"/>
+          </a:fontRef>
+        </p:style>
+      </p:cxnSp>
+      <p:cxnSp>
+        <p:nvCxnSpPr>
+          <p:cNvPr id="213" name="Straight Arrow Connector 17">
+            <a:extLst>
+              <a:ext uri="{FF2B5EF4-FFF2-40B4-BE49-F238E27FC236}">
+                <a16:creationId xmlns:a16="http://schemas.microsoft.com/office/drawing/2014/main" id="{EF9712B5-8919-49D3-8584-D8413CBBAF32}"/>
+              </a:ext>
+            </a:extLst>
+          </p:cNvPr>
+          <p:cNvCxnSpPr>
+            <a:cxnSpLocks/>
+          </p:cNvCxnSpPr>
+          <p:nvPr/>
+        </p:nvCxnSpPr>
+        <p:spPr>
+          <a:xfrm>
+            <a:off x="4733040" y="4857920"/>
+            <a:ext cx="2693343" cy="0"/>
+          </a:xfrm>
+          <a:prstGeom prst="straightConnector1">
+            <a:avLst/>
+          </a:prstGeom>
+          <a:ln w="19050">
+            <a:solidFill>
+              <a:srgbClr val="FFC000"/>
+            </a:solidFill>
+            <a:tailEnd type="triangle"/>
+          </a:ln>
+        </p:spPr>
+        <p:style>
+          <a:lnRef idx="1">
+            <a:schemeClr val="accent1"/>
+          </a:lnRef>
+          <a:fillRef idx="0">
+            <a:schemeClr val="accent1"/>
+          </a:fillRef>
+          <a:effectRef idx="0">
+            <a:schemeClr val="accent1"/>
+          </a:effectRef>
+          <a:fontRef idx="minor">
+            <a:schemeClr val="tx1"/>
+          </a:fontRef>
+        </p:style>
+      </p:cxnSp>
+      <p:cxnSp>
+        <p:nvCxnSpPr>
+          <p:cNvPr id="214" name="Straight Arrow Connector 17">
+            <a:extLst>
+              <a:ext uri="{FF2B5EF4-FFF2-40B4-BE49-F238E27FC236}">
+                <a16:creationId xmlns:a16="http://schemas.microsoft.com/office/drawing/2014/main" id="{C93EE6D6-19D6-4268-A0D4-70B91F3C8BF4}"/>
+              </a:ext>
+            </a:extLst>
+          </p:cNvPr>
+          <p:cNvCxnSpPr>
+            <a:cxnSpLocks/>
+          </p:cNvCxnSpPr>
+          <p:nvPr/>
+        </p:nvCxnSpPr>
+        <p:spPr>
+          <a:xfrm flipV="1">
+            <a:off x="7424817" y="4471280"/>
+            <a:ext cx="0" cy="386640"/>
+          </a:xfrm>
+          <a:prstGeom prst="straightConnector1">
+            <a:avLst/>
+          </a:prstGeom>
+          <a:ln w="19050">
+            <a:solidFill>
+              <a:srgbClr val="FFC000"/>
+            </a:solidFill>
+            <a:tailEnd type="triangle"/>
+          </a:ln>
+        </p:spPr>
+        <p:style>
+          <a:lnRef idx="1">
+            <a:schemeClr val="accent1"/>
+          </a:lnRef>
+          <a:fillRef idx="0">
+            <a:schemeClr val="accent1"/>
+          </a:fillRef>
+          <a:effectRef idx="0">
+            <a:schemeClr val="accent1"/>
+          </a:effectRef>
+          <a:fontRef idx="minor">
+            <a:schemeClr val="tx1"/>
+          </a:fontRef>
+        </p:style>
+      </p:cxnSp>
+      <p:sp>
+        <p:nvSpPr>
+          <p:cNvPr id="215" name="TextBox 214">
+            <a:extLst>
+              <a:ext uri="{FF2B5EF4-FFF2-40B4-BE49-F238E27FC236}">
+                <a16:creationId xmlns:a16="http://schemas.microsoft.com/office/drawing/2014/main" id="{BFC3B93B-6C1A-4B70-A695-61AD6E9AA14C}"/>
+              </a:ext>
+            </a:extLst>
+          </p:cNvPr>
+          <p:cNvSpPr txBox="1"/>
+          <p:nvPr/>
+        </p:nvSpPr>
+        <p:spPr>
+          <a:xfrm>
+            <a:off x="6784543" y="4372323"/>
+            <a:ext cx="582134" cy="246221"/>
+          </a:xfrm>
+          <a:prstGeom prst="rect">
+            <a:avLst/>
+          </a:prstGeom>
+          <a:noFill/>
+        </p:spPr>
+        <p:txBody>
+          <a:bodyPr wrap="square" rtlCol="0">
+            <a:spAutoFit/>
+          </a:bodyPr>
+          <a:lstStyle/>
+          <a:p>
+            <a:r>
+              <a:rPr lang="en-GB" sz="500" dirty="0"/>
+              <a:t>GPIO12</a:t>
+            </a:r>
+          </a:p>
+          <a:p>
+            <a:r>
+              <a:rPr lang="en-GB" sz="500" dirty="0" err="1"/>
+              <a:t>Pulldn</a:t>
+            </a:r>
+            <a:endParaRPr lang="en-GB" sz="500" dirty="0"/>
+          </a:p>
+        </p:txBody>
+      </p:sp>
+      <p:sp>
+        <p:nvSpPr>
+          <p:cNvPr id="216" name="TextBox 215">
+            <a:extLst>
+              <a:ext uri="{FF2B5EF4-FFF2-40B4-BE49-F238E27FC236}">
+                <a16:creationId xmlns:a16="http://schemas.microsoft.com/office/drawing/2014/main" id="{D5FA7D4E-BA73-4178-AC26-8C1271F7B37E}"/>
+              </a:ext>
+            </a:extLst>
+          </p:cNvPr>
+          <p:cNvSpPr txBox="1"/>
+          <p:nvPr/>
+        </p:nvSpPr>
+        <p:spPr>
+          <a:xfrm>
+            <a:off x="7392072" y="4480781"/>
+            <a:ext cx="582134" cy="246221"/>
+          </a:xfrm>
+          <a:prstGeom prst="rect">
+            <a:avLst/>
+          </a:prstGeom>
+          <a:noFill/>
+        </p:spPr>
+        <p:txBody>
+          <a:bodyPr wrap="square" rtlCol="0">
+            <a:spAutoFit/>
+          </a:bodyPr>
+          <a:lstStyle/>
+          <a:p>
+            <a:r>
+              <a:rPr lang="en-GB" sz="500" dirty="0"/>
+              <a:t>GPIO13</a:t>
+            </a:r>
+          </a:p>
+          <a:p>
+            <a:r>
+              <a:rPr lang="en-GB" sz="500" dirty="0" err="1"/>
+              <a:t>Pulldn</a:t>
+            </a:r>
+            <a:endParaRPr lang="en-GB" sz="500" dirty="0"/>
+          </a:p>
+        </p:txBody>
+      </p:sp>
+      <p:cxnSp>
+        <p:nvCxnSpPr>
+          <p:cNvPr id="217" name="Straight Arrow Connector 17">
+            <a:extLst>
+              <a:ext uri="{FF2B5EF4-FFF2-40B4-BE49-F238E27FC236}">
+                <a16:creationId xmlns:a16="http://schemas.microsoft.com/office/drawing/2014/main" id="{1F321F95-A1A9-43BC-B684-301177EDEBF9}"/>
+              </a:ext>
+            </a:extLst>
+          </p:cNvPr>
+          <p:cNvCxnSpPr>
+            <a:cxnSpLocks/>
+            <a:endCxn id="218" idx="0"/>
+          </p:cNvCxnSpPr>
+          <p:nvPr/>
+        </p:nvCxnSpPr>
+        <p:spPr>
+          <a:xfrm>
+            <a:off x="8103455" y="4468604"/>
+            <a:ext cx="0" cy="108822"/>
+          </a:xfrm>
+          <a:prstGeom prst="straightConnector1">
+            <a:avLst/>
+          </a:prstGeom>
+          <a:ln w="19050">
+            <a:solidFill>
+              <a:srgbClr val="FFC000"/>
+            </a:solidFill>
+            <a:tailEnd type="triangle"/>
+          </a:ln>
+        </p:spPr>
+        <p:style>
+          <a:lnRef idx="1">
+            <a:schemeClr val="accent1"/>
+          </a:lnRef>
+          <a:fillRef idx="0">
+            <a:schemeClr val="accent1"/>
+          </a:fillRef>
+          <a:effectRef idx="0">
+            <a:schemeClr val="accent1"/>
+          </a:effectRef>
+          <a:fontRef idx="minor">
+            <a:schemeClr val="tx1"/>
+          </a:fontRef>
+        </p:style>
+      </p:cxnSp>
+      <p:sp>
+        <p:nvSpPr>
+          <p:cNvPr id="218" name="Rectangle 217">
+            <a:extLst>
+              <a:ext uri="{FF2B5EF4-FFF2-40B4-BE49-F238E27FC236}">
+                <a16:creationId xmlns:a16="http://schemas.microsoft.com/office/drawing/2014/main" id="{08C32BE9-A4AE-46B8-9922-8FBF63B860BF}"/>
+              </a:ext>
+            </a:extLst>
+          </p:cNvPr>
+          <p:cNvSpPr/>
+          <p:nvPr/>
+        </p:nvSpPr>
+        <p:spPr>
+          <a:xfrm>
+            <a:off x="7888418" y="4577426"/>
+            <a:ext cx="430074" cy="320231"/>
+          </a:xfrm>
+          <a:prstGeom prst="rect">
+            <a:avLst/>
+          </a:prstGeom>
+        </p:spPr>
+        <p:style>
+          <a:lnRef idx="2">
+            <a:schemeClr val="accent1">
+              <a:shade val="50000"/>
+            </a:schemeClr>
+          </a:lnRef>
+          <a:fillRef idx="1">
+            <a:schemeClr val="accent1"/>
+          </a:fillRef>
+          <a:effectRef idx="0">
+            <a:schemeClr val="accent1"/>
+          </a:effectRef>
+          <a:fontRef idx="minor">
+            <a:schemeClr val="lt1"/>
+          </a:fontRef>
+        </p:style>
+        <p:txBody>
+          <a:bodyPr rtlCol="0" anchor="ctr"/>
+          <a:lstStyle/>
+          <a:p>
+            <a:pPr algn="ctr"/>
+            <a:r>
+              <a:rPr lang="en-GB" sz="1100" dirty="0"/>
+              <a:t>GPS</a:t>
+            </a:r>
+          </a:p>
+          <a:p>
+            <a:pPr algn="ctr"/>
+            <a:r>
+              <a:rPr lang="en-GB" sz="1100" dirty="0"/>
+              <a:t>ANT</a:t>
+            </a:r>
+          </a:p>
+        </p:txBody>
+      </p:sp>
+      <p:sp>
+        <p:nvSpPr>
+          <p:cNvPr id="219" name="Rectangle 218">
+            <a:extLst>
+              <a:ext uri="{FF2B5EF4-FFF2-40B4-BE49-F238E27FC236}">
+                <a16:creationId xmlns:a16="http://schemas.microsoft.com/office/drawing/2014/main" id="{8A626ED0-C4E8-4975-8774-4430AF464EA2}"/>
+              </a:ext>
+            </a:extLst>
+          </p:cNvPr>
+          <p:cNvSpPr/>
+          <p:nvPr/>
+        </p:nvSpPr>
+        <p:spPr>
+          <a:xfrm>
+            <a:off x="9755174" y="3865458"/>
+            <a:ext cx="199479" cy="468825"/>
+          </a:xfrm>
+          <a:prstGeom prst="rect">
+            <a:avLst/>
+          </a:prstGeom>
+          <a:solidFill>
+            <a:srgbClr val="92D050"/>
+          </a:solidFill>
+        </p:spPr>
+        <p:style>
+          <a:lnRef idx="2">
+            <a:schemeClr val="accent1">
+              <a:shade val="50000"/>
+            </a:schemeClr>
+          </a:lnRef>
+          <a:fillRef idx="1">
+            <a:schemeClr val="accent1"/>
+          </a:fillRef>
+          <a:effectRef idx="0">
+            <a:schemeClr val="accent1"/>
+          </a:effectRef>
+          <a:fontRef idx="minor">
+            <a:schemeClr val="lt1"/>
+          </a:fontRef>
+        </p:style>
+        <p:txBody>
+          <a:bodyPr rtlCol="0" anchor="ctr"/>
+          <a:lstStyle/>
+          <a:p>
+            <a:pPr algn="ctr"/>
+            <a:r>
+              <a:rPr lang="en-GB" sz="1100" dirty="0"/>
+              <a:t>JMP</a:t>
+            </a:r>
+          </a:p>
+        </p:txBody>
+      </p:sp>
+      <p:cxnSp>
+        <p:nvCxnSpPr>
+          <p:cNvPr id="220" name="Straight Arrow Connector 17">
+            <a:extLst>
+              <a:ext uri="{FF2B5EF4-FFF2-40B4-BE49-F238E27FC236}">
+                <a16:creationId xmlns:a16="http://schemas.microsoft.com/office/drawing/2014/main" id="{67910D00-5F70-4048-A509-37642240585C}"/>
+              </a:ext>
+            </a:extLst>
+          </p:cNvPr>
+          <p:cNvCxnSpPr>
+            <a:cxnSpLocks/>
+          </p:cNvCxnSpPr>
+          <p:nvPr/>
+        </p:nvCxnSpPr>
+        <p:spPr>
+          <a:xfrm>
+            <a:off x="9187629" y="4052245"/>
+            <a:ext cx="567545" cy="0"/>
+          </a:xfrm>
+          <a:prstGeom prst="straightConnector1">
+            <a:avLst/>
+          </a:prstGeom>
+          <a:ln w="19050">
+            <a:solidFill>
+              <a:srgbClr val="FFC000"/>
+            </a:solidFill>
+            <a:tailEnd type="triangle"/>
+          </a:ln>
+        </p:spPr>
+        <p:style>
+          <a:lnRef idx="1">
+            <a:schemeClr val="accent1"/>
+          </a:lnRef>
+          <a:fillRef idx="0">
+            <a:schemeClr val="accent1"/>
+          </a:fillRef>
+          <a:effectRef idx="0">
+            <a:schemeClr val="accent1"/>
+          </a:effectRef>
+          <a:fontRef idx="minor">
+            <a:schemeClr val="tx1"/>
+          </a:fontRef>
+        </p:style>
+      </p:cxnSp>
+      <p:cxnSp>
+        <p:nvCxnSpPr>
+          <p:cNvPr id="221" name="Straight Arrow Connector 17">
+            <a:extLst>
+              <a:ext uri="{FF2B5EF4-FFF2-40B4-BE49-F238E27FC236}">
+                <a16:creationId xmlns:a16="http://schemas.microsoft.com/office/drawing/2014/main" id="{329B8AF1-CFA1-4394-8D64-93BD79CDF637}"/>
+              </a:ext>
+            </a:extLst>
+          </p:cNvPr>
+          <p:cNvCxnSpPr>
+            <a:cxnSpLocks/>
+          </p:cNvCxnSpPr>
+          <p:nvPr/>
+        </p:nvCxnSpPr>
+        <p:spPr>
+          <a:xfrm>
+            <a:off x="9187629" y="4137262"/>
+            <a:ext cx="567545" cy="0"/>
+          </a:xfrm>
+          <a:prstGeom prst="straightConnector1">
+            <a:avLst/>
+          </a:prstGeom>
+          <a:ln w="19050">
+            <a:solidFill>
+              <a:srgbClr val="FFC000"/>
+            </a:solidFill>
+            <a:tailEnd type="triangle"/>
+          </a:ln>
+        </p:spPr>
+        <p:style>
+          <a:lnRef idx="1">
+            <a:schemeClr val="accent1"/>
+          </a:lnRef>
+          <a:fillRef idx="0">
+            <a:schemeClr val="accent1"/>
+          </a:fillRef>
+          <a:effectRef idx="0">
+            <a:schemeClr val="accent1"/>
+          </a:effectRef>
+          <a:fontRef idx="minor">
+            <a:schemeClr val="tx1"/>
+          </a:fontRef>
+        </p:style>
+      </p:cxnSp>
+      <p:sp>
+        <p:nvSpPr>
+          <p:cNvPr id="222" name="TextBox 221">
+            <a:extLst>
+              <a:ext uri="{FF2B5EF4-FFF2-40B4-BE49-F238E27FC236}">
+                <a16:creationId xmlns:a16="http://schemas.microsoft.com/office/drawing/2014/main" id="{39490B10-AE9F-4AE4-BB42-9CBAC5921AA4}"/>
+              </a:ext>
+            </a:extLst>
+          </p:cNvPr>
+          <p:cNvSpPr txBox="1"/>
+          <p:nvPr/>
+        </p:nvSpPr>
+        <p:spPr>
+          <a:xfrm>
+            <a:off x="9181488" y="3888338"/>
+            <a:ext cx="582134" cy="169277"/>
+          </a:xfrm>
+          <a:prstGeom prst="rect">
+            <a:avLst/>
+          </a:prstGeom>
+          <a:noFill/>
+        </p:spPr>
+        <p:txBody>
+          <a:bodyPr wrap="square" rtlCol="0">
+            <a:spAutoFit/>
+          </a:bodyPr>
+          <a:lstStyle/>
+          <a:p>
+            <a:r>
+              <a:rPr lang="en-GB" sz="500" dirty="0"/>
+              <a:t>BOOT_SEL</a:t>
+            </a:r>
+          </a:p>
+        </p:txBody>
+      </p:sp>
+      <p:sp>
+        <p:nvSpPr>
+          <p:cNvPr id="223" name="TextBox 222">
+            <a:extLst>
+              <a:ext uri="{FF2B5EF4-FFF2-40B4-BE49-F238E27FC236}">
+                <a16:creationId xmlns:a16="http://schemas.microsoft.com/office/drawing/2014/main" id="{17B27024-769D-4B2C-9508-38D6B6F7A63A}"/>
+              </a:ext>
+            </a:extLst>
+          </p:cNvPr>
+          <p:cNvSpPr txBox="1"/>
+          <p:nvPr/>
+        </p:nvSpPr>
+        <p:spPr>
+          <a:xfrm>
+            <a:off x="9160272" y="4119312"/>
+            <a:ext cx="582134" cy="169277"/>
+          </a:xfrm>
+          <a:prstGeom prst="rect">
+            <a:avLst/>
+          </a:prstGeom>
+          <a:noFill/>
+        </p:spPr>
+        <p:txBody>
+          <a:bodyPr wrap="square" rtlCol="0">
+            <a:spAutoFit/>
+          </a:bodyPr>
+          <a:lstStyle/>
+          <a:p>
+            <a:r>
+              <a:rPr lang="en-GB" sz="500" dirty="0"/>
+              <a:t>RF_GND</a:t>
+            </a:r>
+          </a:p>
+        </p:txBody>
+      </p:sp>
+    </p:spTree>
+    <p:extLst>
+      <p:ext uri="{BB962C8B-B14F-4D97-AF65-F5344CB8AC3E}">
+        <p14:creationId xmlns:p14="http://schemas.microsoft.com/office/powerpoint/2010/main" val="3207122548"/>
       </p:ext>
     </p:extLst>
   </p:cSld>

--- a/docs/Block diagram.pptx
+++ b/docs/Block diagram.pptx
@@ -263,7 +263,7 @@
           <a:p>
             <a:fld id="{72BCE49A-90C4-4870-BF27-6EF0BB66320F}" type="datetimeFigureOut">
               <a:rPr lang="en-GB" smtClean="0"/>
-              <a:t>18/04/2022</a:t>
+              <a:t>29/05/2022</a:t>
             </a:fld>
             <a:endParaRPr lang="en-GB"/>
           </a:p>
@@ -463,7 +463,7 @@
           <a:p>
             <a:fld id="{72BCE49A-90C4-4870-BF27-6EF0BB66320F}" type="datetimeFigureOut">
               <a:rPr lang="en-GB" smtClean="0"/>
-              <a:t>18/04/2022</a:t>
+              <a:t>29/05/2022</a:t>
             </a:fld>
             <a:endParaRPr lang="en-GB"/>
           </a:p>
@@ -673,7 +673,7 @@
           <a:p>
             <a:fld id="{72BCE49A-90C4-4870-BF27-6EF0BB66320F}" type="datetimeFigureOut">
               <a:rPr lang="en-GB" smtClean="0"/>
-              <a:t>18/04/2022</a:t>
+              <a:t>29/05/2022</a:t>
             </a:fld>
             <a:endParaRPr lang="en-GB"/>
           </a:p>
@@ -873,7 +873,7 @@
           <a:p>
             <a:fld id="{72BCE49A-90C4-4870-BF27-6EF0BB66320F}" type="datetimeFigureOut">
               <a:rPr lang="en-GB" smtClean="0"/>
-              <a:t>18/04/2022</a:t>
+              <a:t>29/05/2022</a:t>
             </a:fld>
             <a:endParaRPr lang="en-GB"/>
           </a:p>
@@ -1149,7 +1149,7 @@
           <a:p>
             <a:fld id="{72BCE49A-90C4-4870-BF27-6EF0BB66320F}" type="datetimeFigureOut">
               <a:rPr lang="en-GB" smtClean="0"/>
-              <a:t>18/04/2022</a:t>
+              <a:t>29/05/2022</a:t>
             </a:fld>
             <a:endParaRPr lang="en-GB"/>
           </a:p>
@@ -1417,7 +1417,7 @@
           <a:p>
             <a:fld id="{72BCE49A-90C4-4870-BF27-6EF0BB66320F}" type="datetimeFigureOut">
               <a:rPr lang="en-GB" smtClean="0"/>
-              <a:t>18/04/2022</a:t>
+              <a:t>29/05/2022</a:t>
             </a:fld>
             <a:endParaRPr lang="en-GB"/>
           </a:p>
@@ -1832,7 +1832,7 @@
           <a:p>
             <a:fld id="{72BCE49A-90C4-4870-BF27-6EF0BB66320F}" type="datetimeFigureOut">
               <a:rPr lang="en-GB" smtClean="0"/>
-              <a:t>18/04/2022</a:t>
+              <a:t>29/05/2022</a:t>
             </a:fld>
             <a:endParaRPr lang="en-GB"/>
           </a:p>
@@ -1974,7 +1974,7 @@
           <a:p>
             <a:fld id="{72BCE49A-90C4-4870-BF27-6EF0BB66320F}" type="datetimeFigureOut">
               <a:rPr lang="en-GB" smtClean="0"/>
-              <a:t>18/04/2022</a:t>
+              <a:t>29/05/2022</a:t>
             </a:fld>
             <a:endParaRPr lang="en-GB"/>
           </a:p>
@@ -2087,7 +2087,7 @@
           <a:p>
             <a:fld id="{72BCE49A-90C4-4870-BF27-6EF0BB66320F}" type="datetimeFigureOut">
               <a:rPr lang="en-GB" smtClean="0"/>
-              <a:t>18/04/2022</a:t>
+              <a:t>29/05/2022</a:t>
             </a:fld>
             <a:endParaRPr lang="en-GB"/>
           </a:p>
@@ -2400,7 +2400,7 @@
           <a:p>
             <a:fld id="{72BCE49A-90C4-4870-BF27-6EF0BB66320F}" type="datetimeFigureOut">
               <a:rPr lang="en-GB" smtClean="0"/>
-              <a:t>18/04/2022</a:t>
+              <a:t>29/05/2022</a:t>
             </a:fld>
             <a:endParaRPr lang="en-GB"/>
           </a:p>
@@ -2689,7 +2689,7 @@
           <a:p>
             <a:fld id="{72BCE49A-90C4-4870-BF27-6EF0BB66320F}" type="datetimeFigureOut">
               <a:rPr lang="en-GB" smtClean="0"/>
-              <a:t>18/04/2022</a:t>
+              <a:t>29/05/2022</a:t>
             </a:fld>
             <a:endParaRPr lang="en-GB"/>
           </a:p>
@@ -2932,7 +2932,7 @@
           <a:p>
             <a:fld id="{72BCE49A-90C4-4870-BF27-6EF0BB66320F}" type="datetimeFigureOut">
               <a:rPr lang="en-GB" smtClean="0"/>
-              <a:t>18/04/2022</a:t>
+              <a:t>29/05/2022</a:t>
             </a:fld>
             <a:endParaRPr lang="en-GB"/>
           </a:p>
@@ -3412,7 +3412,7 @@
         </p:nvSpPr>
         <p:spPr>
           <a:xfrm>
-            <a:off x="5589777" y="2115641"/>
+            <a:off x="5589777" y="1806959"/>
             <a:ext cx="710553" cy="646487"/>
           </a:xfrm>
           <a:prstGeom prst="rect">
@@ -3442,34 +3442,329 @@
             <a:pPr algn="ctr"/>
             <a:r>
               <a:rPr lang="en-GB" sz="1100" dirty="0"/>
-              <a:t>5v PSU / Control Battery</a:t>
+              <a:t>5v Power Bank</a:t>
+            </a:r>
+          </a:p>
+        </p:txBody>
+      </p:sp>
+      <p:sp>
+        <p:nvSpPr>
+          <p:cNvPr id="9" name="Rectangle 8">
+            <a:extLst>
+              <a:ext uri="{FF2B5EF4-FFF2-40B4-BE49-F238E27FC236}">
+                <a16:creationId xmlns:a16="http://schemas.microsoft.com/office/drawing/2014/main" id="{5178FA30-796C-4DC6-9AD0-5EECF5D21B69}"/>
+              </a:ext>
+            </a:extLst>
+          </p:cNvPr>
+          <p:cNvSpPr/>
+          <p:nvPr/>
+        </p:nvSpPr>
+        <p:spPr>
+          <a:xfrm>
+            <a:off x="7790229" y="649427"/>
+            <a:ext cx="710553" cy="646487"/>
+          </a:xfrm>
+          <a:prstGeom prst="rect">
+            <a:avLst/>
+          </a:prstGeom>
+        </p:spPr>
+        <p:style>
+          <a:lnRef idx="2">
+            <a:schemeClr val="accent1">
+              <a:shade val="50000"/>
+            </a:schemeClr>
+          </a:lnRef>
+          <a:fillRef idx="1">
+            <a:schemeClr val="accent1"/>
+          </a:fillRef>
+          <a:effectRef idx="0">
+            <a:schemeClr val="accent1"/>
+          </a:effectRef>
+          <a:fontRef idx="minor">
+            <a:schemeClr val="lt1"/>
+          </a:fontRef>
+        </p:style>
+        <p:txBody>
+          <a:bodyPr rtlCol="0" anchor="ctr"/>
+          <a:lstStyle/>
+          <a:p>
+            <a:pPr algn="ctr"/>
+            <a:r>
+              <a:rPr lang="en-GB" sz="1400" dirty="0"/>
+              <a:t>Motor board</a:t>
+            </a:r>
+          </a:p>
+        </p:txBody>
+      </p:sp>
+      <p:sp>
+        <p:nvSpPr>
+          <p:cNvPr id="14" name="Rectangle 13">
+            <a:extLst>
+              <a:ext uri="{FF2B5EF4-FFF2-40B4-BE49-F238E27FC236}">
+                <a16:creationId xmlns:a16="http://schemas.microsoft.com/office/drawing/2014/main" id="{7A43CBD8-F3B3-4686-A68E-7F9A5820921B}"/>
+              </a:ext>
+            </a:extLst>
+          </p:cNvPr>
+          <p:cNvSpPr/>
+          <p:nvPr/>
+        </p:nvSpPr>
+        <p:spPr>
+          <a:xfrm>
+            <a:off x="3448736" y="431275"/>
+            <a:ext cx="710553" cy="646487"/>
+          </a:xfrm>
+          <a:prstGeom prst="rect">
+            <a:avLst/>
+          </a:prstGeom>
+        </p:spPr>
+        <p:style>
+          <a:lnRef idx="2">
+            <a:schemeClr val="accent1">
+              <a:shade val="50000"/>
+            </a:schemeClr>
+          </a:lnRef>
+          <a:fillRef idx="1">
+            <a:schemeClr val="accent1"/>
+          </a:fillRef>
+          <a:effectRef idx="0">
+            <a:schemeClr val="accent1"/>
+          </a:effectRef>
+          <a:fontRef idx="minor">
+            <a:schemeClr val="lt1"/>
+          </a:fontRef>
+        </p:style>
+        <p:txBody>
+          <a:bodyPr rtlCol="0" anchor="ctr"/>
+          <a:lstStyle/>
+          <a:p>
+            <a:pPr algn="ctr"/>
+            <a:r>
+              <a:rPr lang="en-GB" sz="1400" dirty="0"/>
+              <a:t>Motor board</a:t>
+            </a:r>
+          </a:p>
+        </p:txBody>
+      </p:sp>
+      <p:sp>
+        <p:nvSpPr>
+          <p:cNvPr id="22" name="Rectangle 21">
+            <a:extLst>
+              <a:ext uri="{FF2B5EF4-FFF2-40B4-BE49-F238E27FC236}">
+                <a16:creationId xmlns:a16="http://schemas.microsoft.com/office/drawing/2014/main" id="{643DE55B-2530-476D-A3A5-C4063DD3659D}"/>
+              </a:ext>
+            </a:extLst>
+          </p:cNvPr>
+          <p:cNvSpPr/>
+          <p:nvPr/>
+        </p:nvSpPr>
+        <p:spPr>
+          <a:xfrm>
+            <a:off x="9286393" y="844158"/>
+            <a:ext cx="710553" cy="408058"/>
+          </a:xfrm>
+          <a:prstGeom prst="rect">
+            <a:avLst/>
+          </a:prstGeom>
+        </p:spPr>
+        <p:style>
+          <a:lnRef idx="2">
+            <a:schemeClr val="accent1">
+              <a:shade val="50000"/>
+            </a:schemeClr>
+          </a:lnRef>
+          <a:fillRef idx="1">
+            <a:schemeClr val="accent1"/>
+          </a:fillRef>
+          <a:effectRef idx="0">
+            <a:schemeClr val="accent1"/>
+          </a:effectRef>
+          <a:fontRef idx="minor">
+            <a:schemeClr val="lt1"/>
+          </a:fontRef>
+        </p:style>
+        <p:txBody>
+          <a:bodyPr rtlCol="0" anchor="ctr"/>
+          <a:lstStyle/>
+          <a:p>
+            <a:pPr algn="ctr"/>
+            <a:r>
+              <a:rPr lang="en-GB" sz="1400" dirty="0"/>
+              <a:t>Rear Motors</a:t>
+            </a:r>
+          </a:p>
+        </p:txBody>
+      </p:sp>
+      <p:sp>
+        <p:nvSpPr>
+          <p:cNvPr id="23" name="Rectangle 22">
+            <a:extLst>
+              <a:ext uri="{FF2B5EF4-FFF2-40B4-BE49-F238E27FC236}">
+                <a16:creationId xmlns:a16="http://schemas.microsoft.com/office/drawing/2014/main" id="{88A4C1A9-1119-4C26-AC6A-D71A24C5B238}"/>
+              </a:ext>
+            </a:extLst>
+          </p:cNvPr>
+          <p:cNvSpPr/>
+          <p:nvPr/>
+        </p:nvSpPr>
+        <p:spPr>
+          <a:xfrm>
+            <a:off x="9922975" y="2923749"/>
+            <a:ext cx="710553" cy="646487"/>
+          </a:xfrm>
+          <a:prstGeom prst="rect">
+            <a:avLst/>
+          </a:prstGeom>
+        </p:spPr>
+        <p:style>
+          <a:lnRef idx="2">
+            <a:schemeClr val="accent1">
+              <a:shade val="50000"/>
+            </a:schemeClr>
+          </a:lnRef>
+          <a:fillRef idx="1">
+            <a:schemeClr val="accent1"/>
+          </a:fillRef>
+          <a:effectRef idx="0">
+            <a:schemeClr val="accent1"/>
+          </a:effectRef>
+          <a:fontRef idx="minor">
+            <a:schemeClr val="lt1"/>
+          </a:fontRef>
+        </p:style>
+        <p:txBody>
+          <a:bodyPr rtlCol="0" anchor="ctr"/>
+          <a:lstStyle/>
+          <a:p>
+            <a:pPr algn="ctr"/>
+            <a:r>
+              <a:rPr lang="en-GB" sz="1400" dirty="0"/>
+              <a:t>Fuse</a:t>
+            </a:r>
+          </a:p>
+        </p:txBody>
+      </p:sp>
+      <p:sp>
+        <p:nvSpPr>
+          <p:cNvPr id="24" name="Rectangle 23">
+            <a:extLst>
+              <a:ext uri="{FF2B5EF4-FFF2-40B4-BE49-F238E27FC236}">
+                <a16:creationId xmlns:a16="http://schemas.microsoft.com/office/drawing/2014/main" id="{33D317A5-2EA7-4D76-BA90-E30873D71CA2}"/>
+              </a:ext>
+            </a:extLst>
+          </p:cNvPr>
+          <p:cNvSpPr/>
+          <p:nvPr/>
+        </p:nvSpPr>
+        <p:spPr>
+          <a:xfrm>
+            <a:off x="10866498" y="2923749"/>
+            <a:ext cx="710553" cy="646487"/>
+          </a:xfrm>
+          <a:prstGeom prst="rect">
+            <a:avLst/>
+          </a:prstGeom>
+        </p:spPr>
+        <p:style>
+          <a:lnRef idx="2">
+            <a:schemeClr val="accent1">
+              <a:shade val="50000"/>
+            </a:schemeClr>
+          </a:lnRef>
+          <a:fillRef idx="1">
+            <a:schemeClr val="accent1"/>
+          </a:fillRef>
+          <a:effectRef idx="0">
+            <a:schemeClr val="accent1"/>
+          </a:effectRef>
+          <a:fontRef idx="minor">
+            <a:schemeClr val="lt1"/>
+          </a:fontRef>
+        </p:style>
+        <p:txBody>
+          <a:bodyPr rtlCol="0" anchor="ctr"/>
+          <a:lstStyle/>
+          <a:p>
+            <a:pPr algn="ctr"/>
+            <a:r>
+              <a:rPr lang="en-GB" sz="1200" dirty="0"/>
+              <a:t>Battery</a:t>
+            </a:r>
+          </a:p>
+        </p:txBody>
+      </p:sp>
+      <p:sp>
+        <p:nvSpPr>
+          <p:cNvPr id="25" name="Rectangle 24">
+            <a:extLst>
+              <a:ext uri="{FF2B5EF4-FFF2-40B4-BE49-F238E27FC236}">
+                <a16:creationId xmlns:a16="http://schemas.microsoft.com/office/drawing/2014/main" id="{B5707FEE-4000-49F4-AAAC-DD30E497748C}"/>
+              </a:ext>
+            </a:extLst>
+          </p:cNvPr>
+          <p:cNvSpPr/>
+          <p:nvPr/>
+        </p:nvSpPr>
+        <p:spPr>
+          <a:xfrm>
+            <a:off x="10866498" y="2115641"/>
+            <a:ext cx="710553" cy="646487"/>
+          </a:xfrm>
+          <a:prstGeom prst="rect">
+            <a:avLst/>
+          </a:prstGeom>
+        </p:spPr>
+        <p:style>
+          <a:lnRef idx="2">
+            <a:schemeClr val="accent1">
+              <a:shade val="50000"/>
+            </a:schemeClr>
+          </a:lnRef>
+          <a:fillRef idx="1">
+            <a:schemeClr val="accent1"/>
+          </a:fillRef>
+          <a:effectRef idx="0">
+            <a:schemeClr val="accent1"/>
+          </a:effectRef>
+          <a:fontRef idx="minor">
+            <a:schemeClr val="lt1"/>
+          </a:fontRef>
+        </p:style>
+        <p:txBody>
+          <a:bodyPr rtlCol="0" anchor="ctr"/>
+          <a:lstStyle/>
+          <a:p>
+            <a:pPr algn="ctr"/>
+            <a:r>
+              <a:rPr lang="en-GB" sz="1200" dirty="0"/>
+              <a:t>Battery</a:t>
             </a:r>
           </a:p>
         </p:txBody>
       </p:sp>
       <p:cxnSp>
         <p:nvCxnSpPr>
-          <p:cNvPr id="7" name="Straight Connector 6">
-            <a:extLst>
-              <a:ext uri="{FF2B5EF4-FFF2-40B4-BE49-F238E27FC236}">
-                <a16:creationId xmlns:a16="http://schemas.microsoft.com/office/drawing/2014/main" id="{5F3BAF95-6015-4746-B814-EDC71135869D}"/>
+          <p:cNvPr id="30" name="Straight Connector 29">
+            <a:extLst>
+              <a:ext uri="{FF2B5EF4-FFF2-40B4-BE49-F238E27FC236}">
+                <a16:creationId xmlns:a16="http://schemas.microsoft.com/office/drawing/2014/main" id="{9F4451C1-C4B0-4922-92E4-C6D30167F22E}"/>
               </a:ext>
             </a:extLst>
           </p:cNvPr>
           <p:cNvCxnSpPr>
             <a:cxnSpLocks/>
-            <a:stCxn id="14" idx="0"/>
-            <a:endCxn id="134" idx="3"/>
+            <a:endCxn id="22" idx="1"/>
           </p:cNvCxnSpPr>
           <p:nvPr/>
         </p:nvCxnSpPr>
         <p:spPr>
-          <a:xfrm rot="16200000" flipV="1">
-            <a:off x="5896233" y="882946"/>
-            <a:ext cx="399133" cy="1805907"/>
-          </a:xfrm>
-          <a:prstGeom prst="bentConnector2">
-            <a:avLst/>
+          <a:xfrm>
+            <a:off x="8500782" y="773982"/>
+            <a:ext cx="785611" cy="274205"/>
+          </a:xfrm>
+          <a:prstGeom prst="bentConnector3">
+            <a:avLst>
+              <a:gd name="adj1" fmla="val 50000"/>
+            </a:avLst>
           </a:prstGeom>
           <a:ln w="19050" cap="flat" cmpd="sng" algn="ctr">
             <a:solidFill>
@@ -3496,466 +3791,29 @@
           </a:fontRef>
         </p:style>
       </p:cxnSp>
-      <p:sp>
-        <p:nvSpPr>
-          <p:cNvPr id="9" name="Rectangle 8">
-            <a:extLst>
-              <a:ext uri="{FF2B5EF4-FFF2-40B4-BE49-F238E27FC236}">
-                <a16:creationId xmlns:a16="http://schemas.microsoft.com/office/drawing/2014/main" id="{5178FA30-796C-4DC6-9AD0-5EECF5D21B69}"/>
-              </a:ext>
-            </a:extLst>
-          </p:cNvPr>
-          <p:cNvSpPr/>
-          <p:nvPr/>
-        </p:nvSpPr>
-        <p:spPr>
-          <a:xfrm>
-            <a:off x="6643476" y="2923749"/>
-            <a:ext cx="710553" cy="646487"/>
-          </a:xfrm>
-          <a:prstGeom prst="rect">
-            <a:avLst/>
-          </a:prstGeom>
-        </p:spPr>
-        <p:style>
-          <a:lnRef idx="2">
-            <a:schemeClr val="accent1">
-              <a:shade val="50000"/>
-            </a:schemeClr>
-          </a:lnRef>
-          <a:fillRef idx="1">
-            <a:schemeClr val="accent1"/>
-          </a:fillRef>
-          <a:effectRef idx="0">
-            <a:schemeClr val="accent1"/>
-          </a:effectRef>
-          <a:fontRef idx="minor">
-            <a:schemeClr val="lt1"/>
-          </a:fontRef>
-        </p:style>
-        <p:txBody>
-          <a:bodyPr rtlCol="0" anchor="ctr"/>
-          <a:lstStyle/>
-          <a:p>
-            <a:pPr algn="ctr"/>
-            <a:r>
-              <a:rPr lang="en-GB" sz="1400" dirty="0"/>
-              <a:t>Motor board</a:t>
-            </a:r>
-          </a:p>
-        </p:txBody>
-      </p:sp>
       <p:cxnSp>
         <p:nvCxnSpPr>
-          <p:cNvPr id="10" name="Straight Connector 9">
-            <a:extLst>
-              <a:ext uri="{FF2B5EF4-FFF2-40B4-BE49-F238E27FC236}">
-                <a16:creationId xmlns:a16="http://schemas.microsoft.com/office/drawing/2014/main" id="{0FE5B6A3-BE62-47E7-B142-835715D20EED}"/>
+          <p:cNvPr id="36" name="Straight Connector 35">
+            <a:extLst>
+              <a:ext uri="{FF2B5EF4-FFF2-40B4-BE49-F238E27FC236}">
+                <a16:creationId xmlns:a16="http://schemas.microsoft.com/office/drawing/2014/main" id="{273EE669-A64F-491A-A4C3-03C33D68A578}"/>
               </a:ext>
             </a:extLst>
           </p:cNvPr>
           <p:cNvCxnSpPr>
             <a:cxnSpLocks/>
-            <a:stCxn id="9" idx="1"/>
-            <a:endCxn id="4" idx="3"/>
+            <a:endCxn id="14" idx="3"/>
           </p:cNvCxnSpPr>
           <p:nvPr/>
         </p:nvCxnSpPr>
         <p:spPr>
-          <a:xfrm flipH="1">
-            <a:off x="6301789" y="3246993"/>
-            <a:ext cx="341687" cy="0"/>
-          </a:xfrm>
-          <a:prstGeom prst="line">
-            <a:avLst/>
-          </a:prstGeom>
-          <a:ln w="19050" cap="flat" cmpd="sng" algn="ctr">
-            <a:solidFill>
-              <a:srgbClr val="7030A0"/>
-            </a:solidFill>
-            <a:prstDash val="solid"/>
-            <a:round/>
-            <a:headEnd type="triangle" w="med" len="med"/>
-            <a:tailEnd type="triangle" w="med" len="med"/>
-          </a:ln>
-        </p:spPr>
-        <p:style>
-          <a:lnRef idx="0">
-            <a:scrgbClr r="0" g="0" b="0"/>
-          </a:lnRef>
-          <a:fillRef idx="0">
-            <a:scrgbClr r="0" g="0" b="0"/>
-          </a:fillRef>
-          <a:effectRef idx="0">
-            <a:scrgbClr r="0" g="0" b="0"/>
-          </a:effectRef>
-          <a:fontRef idx="minor">
-            <a:schemeClr val="tx1"/>
-          </a:fontRef>
-        </p:style>
-      </p:cxnSp>
-      <p:sp>
-        <p:nvSpPr>
-          <p:cNvPr id="14" name="Rectangle 13">
-            <a:extLst>
-              <a:ext uri="{FF2B5EF4-FFF2-40B4-BE49-F238E27FC236}">
-                <a16:creationId xmlns:a16="http://schemas.microsoft.com/office/drawing/2014/main" id="{7A43CBD8-F3B3-4686-A68E-7F9A5820921B}"/>
-              </a:ext>
-            </a:extLst>
-          </p:cNvPr>
-          <p:cNvSpPr/>
-          <p:nvPr/>
-        </p:nvSpPr>
-        <p:spPr>
-          <a:xfrm>
-            <a:off x="6643475" y="1985466"/>
-            <a:ext cx="710553" cy="646487"/>
-          </a:xfrm>
-          <a:prstGeom prst="rect">
-            <a:avLst/>
-          </a:prstGeom>
-        </p:spPr>
-        <p:style>
-          <a:lnRef idx="2">
-            <a:schemeClr val="accent1">
-              <a:shade val="50000"/>
-            </a:schemeClr>
-          </a:lnRef>
-          <a:fillRef idx="1">
-            <a:schemeClr val="accent1"/>
-          </a:fillRef>
-          <a:effectRef idx="0">
-            <a:schemeClr val="accent1"/>
-          </a:effectRef>
-          <a:fontRef idx="minor">
-            <a:schemeClr val="lt1"/>
-          </a:fontRef>
-        </p:style>
-        <p:txBody>
-          <a:bodyPr rtlCol="0" anchor="ctr"/>
-          <a:lstStyle/>
-          <a:p>
-            <a:pPr algn="ctr"/>
-            <a:r>
-              <a:rPr lang="en-GB" sz="1400" dirty="0"/>
-              <a:t>Motor board</a:t>
-            </a:r>
-          </a:p>
-        </p:txBody>
-      </p:sp>
-      <p:cxnSp>
-        <p:nvCxnSpPr>
-          <p:cNvPr id="18" name="Straight Arrow Connector 17">
-            <a:extLst>
-              <a:ext uri="{FF2B5EF4-FFF2-40B4-BE49-F238E27FC236}">
-                <a16:creationId xmlns:a16="http://schemas.microsoft.com/office/drawing/2014/main" id="{2376E134-E22B-43E9-9260-368E6987BF28}"/>
-              </a:ext>
-            </a:extLst>
-          </p:cNvPr>
-          <p:cNvCxnSpPr>
-            <a:cxnSpLocks/>
-            <a:endCxn id="14" idx="1"/>
-          </p:cNvCxnSpPr>
-          <p:nvPr/>
-        </p:nvCxnSpPr>
-        <p:spPr>
-          <a:xfrm rot="5400000" flipH="1" flipV="1">
-            <a:off x="6069015" y="2672532"/>
-            <a:ext cx="938282" cy="210638"/>
-          </a:xfrm>
-          <a:prstGeom prst="bentConnector2">
-            <a:avLst/>
-          </a:prstGeom>
-          <a:ln w="19050">
-            <a:solidFill>
-              <a:srgbClr val="7030A0"/>
-            </a:solidFill>
-            <a:tailEnd type="triangle"/>
-          </a:ln>
-        </p:spPr>
-        <p:style>
-          <a:lnRef idx="1">
-            <a:schemeClr val="accent1"/>
-          </a:lnRef>
-          <a:fillRef idx="0">
-            <a:schemeClr val="accent1"/>
-          </a:fillRef>
-          <a:effectRef idx="0">
-            <a:schemeClr val="accent1"/>
-          </a:effectRef>
-          <a:fontRef idx="minor">
-            <a:schemeClr val="tx1"/>
-          </a:fontRef>
-        </p:style>
-      </p:cxnSp>
-      <p:sp>
-        <p:nvSpPr>
-          <p:cNvPr id="22" name="Rectangle 21">
-            <a:extLst>
-              <a:ext uri="{FF2B5EF4-FFF2-40B4-BE49-F238E27FC236}">
-                <a16:creationId xmlns:a16="http://schemas.microsoft.com/office/drawing/2014/main" id="{643DE55B-2530-476D-A3A5-C4063DD3659D}"/>
-              </a:ext>
-            </a:extLst>
-          </p:cNvPr>
-          <p:cNvSpPr/>
-          <p:nvPr/>
-        </p:nvSpPr>
-        <p:spPr>
-          <a:xfrm>
-            <a:off x="4482292" y="1832610"/>
-            <a:ext cx="710553" cy="408058"/>
-          </a:xfrm>
-          <a:prstGeom prst="rect">
-            <a:avLst/>
-          </a:prstGeom>
-        </p:spPr>
-        <p:style>
-          <a:lnRef idx="2">
-            <a:schemeClr val="accent1">
-              <a:shade val="50000"/>
-            </a:schemeClr>
-          </a:lnRef>
-          <a:fillRef idx="1">
-            <a:schemeClr val="accent1"/>
-          </a:fillRef>
-          <a:effectRef idx="0">
-            <a:schemeClr val="accent1"/>
-          </a:effectRef>
-          <a:fontRef idx="minor">
-            <a:schemeClr val="lt1"/>
-          </a:fontRef>
-        </p:style>
-        <p:txBody>
-          <a:bodyPr rtlCol="0" anchor="ctr"/>
-          <a:lstStyle/>
-          <a:p>
-            <a:pPr algn="ctr"/>
-            <a:r>
-              <a:rPr lang="en-GB" sz="1400" dirty="0"/>
-              <a:t>Rear Motors</a:t>
-            </a:r>
-          </a:p>
-        </p:txBody>
-      </p:sp>
-      <p:sp>
-        <p:nvSpPr>
-          <p:cNvPr id="23" name="Rectangle 22">
-            <a:extLst>
-              <a:ext uri="{FF2B5EF4-FFF2-40B4-BE49-F238E27FC236}">
-                <a16:creationId xmlns:a16="http://schemas.microsoft.com/office/drawing/2014/main" id="{88A4C1A9-1119-4C26-AC6A-D71A24C5B238}"/>
-              </a:ext>
-            </a:extLst>
-          </p:cNvPr>
-          <p:cNvSpPr/>
-          <p:nvPr/>
-        </p:nvSpPr>
-        <p:spPr>
-          <a:xfrm>
-            <a:off x="8932862" y="2923749"/>
-            <a:ext cx="710553" cy="646487"/>
-          </a:xfrm>
-          <a:prstGeom prst="rect">
-            <a:avLst/>
-          </a:prstGeom>
-        </p:spPr>
-        <p:style>
-          <a:lnRef idx="2">
-            <a:schemeClr val="accent1">
-              <a:shade val="50000"/>
-            </a:schemeClr>
-          </a:lnRef>
-          <a:fillRef idx="1">
-            <a:schemeClr val="accent1"/>
-          </a:fillRef>
-          <a:effectRef idx="0">
-            <a:schemeClr val="accent1"/>
-          </a:effectRef>
-          <a:fontRef idx="minor">
-            <a:schemeClr val="lt1"/>
-          </a:fontRef>
-        </p:style>
-        <p:txBody>
-          <a:bodyPr rtlCol="0" anchor="ctr"/>
-          <a:lstStyle/>
-          <a:p>
-            <a:pPr algn="ctr"/>
-            <a:r>
-              <a:rPr lang="en-GB" sz="1400" dirty="0"/>
-              <a:t>Fuse</a:t>
-            </a:r>
-          </a:p>
-        </p:txBody>
-      </p:sp>
-      <p:sp>
-        <p:nvSpPr>
-          <p:cNvPr id="24" name="Rectangle 23">
-            <a:extLst>
-              <a:ext uri="{FF2B5EF4-FFF2-40B4-BE49-F238E27FC236}">
-                <a16:creationId xmlns:a16="http://schemas.microsoft.com/office/drawing/2014/main" id="{33D317A5-2EA7-4D76-BA90-E30873D71CA2}"/>
-              </a:ext>
-            </a:extLst>
-          </p:cNvPr>
-          <p:cNvSpPr/>
-          <p:nvPr/>
-        </p:nvSpPr>
-        <p:spPr>
-          <a:xfrm>
-            <a:off x="9876385" y="2923749"/>
-            <a:ext cx="710553" cy="646487"/>
-          </a:xfrm>
-          <a:prstGeom prst="rect">
-            <a:avLst/>
-          </a:prstGeom>
-        </p:spPr>
-        <p:style>
-          <a:lnRef idx="2">
-            <a:schemeClr val="accent1">
-              <a:shade val="50000"/>
-            </a:schemeClr>
-          </a:lnRef>
-          <a:fillRef idx="1">
-            <a:schemeClr val="accent1"/>
-          </a:fillRef>
-          <a:effectRef idx="0">
-            <a:schemeClr val="accent1"/>
-          </a:effectRef>
-          <a:fontRef idx="minor">
-            <a:schemeClr val="lt1"/>
-          </a:fontRef>
-        </p:style>
-        <p:txBody>
-          <a:bodyPr rtlCol="0" anchor="ctr"/>
-          <a:lstStyle/>
-          <a:p>
-            <a:pPr algn="ctr"/>
-            <a:r>
-              <a:rPr lang="en-GB" sz="1200" dirty="0"/>
-              <a:t>Battery</a:t>
-            </a:r>
-          </a:p>
-        </p:txBody>
-      </p:sp>
-      <p:sp>
-        <p:nvSpPr>
-          <p:cNvPr id="25" name="Rectangle 24">
-            <a:extLst>
-              <a:ext uri="{FF2B5EF4-FFF2-40B4-BE49-F238E27FC236}">
-                <a16:creationId xmlns:a16="http://schemas.microsoft.com/office/drawing/2014/main" id="{B5707FEE-4000-49F4-AAAC-DD30E497748C}"/>
-              </a:ext>
-            </a:extLst>
-          </p:cNvPr>
-          <p:cNvSpPr/>
-          <p:nvPr/>
-        </p:nvSpPr>
-        <p:spPr>
-          <a:xfrm>
-            <a:off x="9876385" y="2115641"/>
-            <a:ext cx="710553" cy="646487"/>
-          </a:xfrm>
-          <a:prstGeom prst="rect">
-            <a:avLst/>
-          </a:prstGeom>
-        </p:spPr>
-        <p:style>
-          <a:lnRef idx="2">
-            <a:schemeClr val="accent1">
-              <a:shade val="50000"/>
-            </a:schemeClr>
-          </a:lnRef>
-          <a:fillRef idx="1">
-            <a:schemeClr val="accent1"/>
-          </a:fillRef>
-          <a:effectRef idx="0">
-            <a:schemeClr val="accent1"/>
-          </a:effectRef>
-          <a:fontRef idx="minor">
-            <a:schemeClr val="lt1"/>
-          </a:fontRef>
-        </p:style>
-        <p:txBody>
-          <a:bodyPr rtlCol="0" anchor="ctr"/>
-          <a:lstStyle/>
-          <a:p>
-            <a:pPr algn="ctr"/>
-            <a:r>
-              <a:rPr lang="en-GB" sz="1200" dirty="0"/>
-              <a:t>Battery</a:t>
-            </a:r>
-          </a:p>
-        </p:txBody>
-      </p:sp>
-      <p:sp>
-        <p:nvSpPr>
-          <p:cNvPr id="26" name="Rectangle 25">
-            <a:extLst>
-              <a:ext uri="{FF2B5EF4-FFF2-40B4-BE49-F238E27FC236}">
-                <a16:creationId xmlns:a16="http://schemas.microsoft.com/office/drawing/2014/main" id="{41BE4F27-1AB9-42F7-B411-3E55CE175C66}"/>
-              </a:ext>
-            </a:extLst>
-          </p:cNvPr>
-          <p:cNvSpPr/>
-          <p:nvPr/>
-        </p:nvSpPr>
-        <p:spPr>
-          <a:xfrm>
-            <a:off x="7593783" y="2923749"/>
-            <a:ext cx="710553" cy="646487"/>
-          </a:xfrm>
-          <a:prstGeom prst="rect">
-            <a:avLst/>
-          </a:prstGeom>
-        </p:spPr>
-        <p:style>
-          <a:lnRef idx="2">
-            <a:schemeClr val="accent1">
-              <a:shade val="50000"/>
-            </a:schemeClr>
-          </a:lnRef>
-          <a:fillRef idx="1">
-            <a:schemeClr val="accent1"/>
-          </a:fillRef>
-          <a:effectRef idx="0">
-            <a:schemeClr val="accent1"/>
-          </a:effectRef>
-          <a:fontRef idx="minor">
-            <a:schemeClr val="lt1"/>
-          </a:fontRef>
-        </p:style>
-        <p:txBody>
-          <a:bodyPr rtlCol="0" anchor="ctr"/>
-          <a:lstStyle/>
-          <a:p>
-            <a:pPr algn="ctr"/>
-            <a:r>
-              <a:rPr lang="en-GB" sz="1400" dirty="0"/>
-              <a:t>Power Relay</a:t>
-            </a:r>
-          </a:p>
-        </p:txBody>
-      </p:sp>
-      <p:cxnSp>
-        <p:nvCxnSpPr>
-          <p:cNvPr id="30" name="Straight Connector 29">
-            <a:extLst>
-              <a:ext uri="{FF2B5EF4-FFF2-40B4-BE49-F238E27FC236}">
-                <a16:creationId xmlns:a16="http://schemas.microsoft.com/office/drawing/2014/main" id="{9F4451C1-C4B0-4922-92E4-C6D30167F22E}"/>
-              </a:ext>
-            </a:extLst>
-          </p:cNvPr>
-          <p:cNvCxnSpPr>
-            <a:cxnSpLocks/>
-            <a:endCxn id="22" idx="3"/>
-          </p:cNvCxnSpPr>
-          <p:nvPr/>
-        </p:nvCxnSpPr>
-        <p:spPr>
           <a:xfrm rot="10800000">
-            <a:off x="5192845" y="2036640"/>
-            <a:ext cx="1805902" cy="769411"/>
+            <a:off x="4159290" y="754519"/>
+            <a:ext cx="4608151" cy="724530"/>
           </a:xfrm>
           <a:prstGeom prst="bentConnector3">
             <a:avLst>
-              <a:gd name="adj1" fmla="val 27496"/>
+              <a:gd name="adj1" fmla="val 31800"/>
             </a:avLst>
           </a:prstGeom>
           <a:ln w="19050" cap="flat" cmpd="sng" algn="ctr">
@@ -3985,24 +3843,24 @@
       </p:cxnSp>
       <p:cxnSp>
         <p:nvCxnSpPr>
-          <p:cNvPr id="33" name="Straight Connector 32">
-            <a:extLst>
-              <a:ext uri="{FF2B5EF4-FFF2-40B4-BE49-F238E27FC236}">
-                <a16:creationId xmlns:a16="http://schemas.microsoft.com/office/drawing/2014/main" id="{9B5C965A-E7FA-4628-9D0F-CA58DA491D4C}"/>
+          <p:cNvPr id="43" name="Straight Connector 42">
+            <a:extLst>
+              <a:ext uri="{FF2B5EF4-FFF2-40B4-BE49-F238E27FC236}">
+                <a16:creationId xmlns:a16="http://schemas.microsoft.com/office/drawing/2014/main" id="{081199AF-6142-4534-BE1D-79CA51F01C58}"/>
               </a:ext>
             </a:extLst>
           </p:cNvPr>
           <p:cNvCxnSpPr>
             <a:cxnSpLocks/>
-            <a:stCxn id="26" idx="1"/>
-            <a:endCxn id="9" idx="3"/>
+            <a:stCxn id="24" idx="1"/>
+            <a:endCxn id="23" idx="3"/>
           </p:cNvCxnSpPr>
           <p:nvPr/>
         </p:nvCxnSpPr>
         <p:spPr>
           <a:xfrm flipH="1">
-            <a:off x="7354029" y="3246993"/>
-            <a:ext cx="239754" cy="0"/>
+            <a:off x="10633528" y="3246993"/>
+            <a:ext cx="232970" cy="0"/>
           </a:xfrm>
           <a:prstGeom prst="line">
             <a:avLst/>
@@ -4034,25 +3892,73 @@
       </p:cxnSp>
       <p:cxnSp>
         <p:nvCxnSpPr>
-          <p:cNvPr id="36" name="Straight Connector 35">
-            <a:extLst>
-              <a:ext uri="{FF2B5EF4-FFF2-40B4-BE49-F238E27FC236}">
-                <a16:creationId xmlns:a16="http://schemas.microsoft.com/office/drawing/2014/main" id="{273EE669-A64F-491A-A4C3-03C33D68A578}"/>
+          <p:cNvPr id="44" name="Straight Connector 35">
+            <a:extLst>
+              <a:ext uri="{FF2B5EF4-FFF2-40B4-BE49-F238E27FC236}">
+                <a16:creationId xmlns:a16="http://schemas.microsoft.com/office/drawing/2014/main" id="{43251BDA-0AAF-4C2E-8797-544C8AEF4A65}"/>
               </a:ext>
             </a:extLst>
           </p:cNvPr>
           <p:cNvCxnSpPr>
             <a:cxnSpLocks/>
-            <a:endCxn id="14" idx="3"/>
           </p:cNvCxnSpPr>
           <p:nvPr/>
         </p:nvCxnSpPr>
         <p:spPr>
-          <a:xfrm rot="16200000" flipV="1">
-            <a:off x="6956956" y="2705782"/>
-            <a:ext cx="938282" cy="144138"/>
+          <a:xfrm rot="5400000" flipH="1" flipV="1">
+            <a:off x="10405051" y="2791371"/>
+            <a:ext cx="808109" cy="103138"/>
           </a:xfrm>
           <a:prstGeom prst="bentConnector2">
+            <a:avLst/>
+          </a:prstGeom>
+          <a:ln w="19050" cap="flat" cmpd="sng" algn="ctr">
+            <a:solidFill>
+              <a:srgbClr val="FF0000"/>
+            </a:solidFill>
+            <a:prstDash val="solid"/>
+            <a:round/>
+            <a:headEnd type="triangle" w="med" len="med"/>
+            <a:tailEnd type="none" w="med" len="med"/>
+          </a:ln>
+        </p:spPr>
+        <p:style>
+          <a:lnRef idx="0">
+            <a:scrgbClr r="0" g="0" b="0"/>
+          </a:lnRef>
+          <a:fillRef idx="0">
+            <a:scrgbClr r="0" g="0" b="0"/>
+          </a:fillRef>
+          <a:effectRef idx="0">
+            <a:scrgbClr r="0" g="0" b="0"/>
+          </a:effectRef>
+          <a:fontRef idx="minor">
+            <a:schemeClr val="tx1"/>
+          </a:fontRef>
+        </p:style>
+      </p:cxnSp>
+      <p:cxnSp>
+        <p:nvCxnSpPr>
+          <p:cNvPr id="48" name="Straight Connector 47">
+            <a:extLst>
+              <a:ext uri="{FF2B5EF4-FFF2-40B4-BE49-F238E27FC236}">
+                <a16:creationId xmlns:a16="http://schemas.microsoft.com/office/drawing/2014/main" id="{2B07A518-8D84-4000-A4DD-D93EF0290668}"/>
+              </a:ext>
+            </a:extLst>
+          </p:cNvPr>
+          <p:cNvCxnSpPr>
+            <a:cxnSpLocks/>
+            <a:stCxn id="5" idx="2"/>
+            <a:endCxn id="4" idx="0"/>
+          </p:cNvCxnSpPr>
+          <p:nvPr/>
+        </p:nvCxnSpPr>
+        <p:spPr>
+          <a:xfrm>
+            <a:off x="5945054" y="2453446"/>
+            <a:ext cx="1459" cy="470303"/>
+          </a:xfrm>
+          <a:prstGeom prst="line">
             <a:avLst/>
           </a:prstGeom>
           <a:ln w="19050" cap="flat" cmpd="sng" algn="ctr">
@@ -4080,26 +3986,514 @@
           </a:fontRef>
         </p:style>
       </p:cxnSp>
+      <p:sp>
+        <p:nvSpPr>
+          <p:cNvPr id="56" name="Rectangle 55">
+            <a:extLst>
+              <a:ext uri="{FF2B5EF4-FFF2-40B4-BE49-F238E27FC236}">
+                <a16:creationId xmlns:a16="http://schemas.microsoft.com/office/drawing/2014/main" id="{87F83CF0-36B6-40D8-B8BA-17E1BE2C2278}"/>
+              </a:ext>
+            </a:extLst>
+          </p:cNvPr>
+          <p:cNvSpPr/>
+          <p:nvPr/>
+        </p:nvSpPr>
+        <p:spPr>
+          <a:xfrm>
+            <a:off x="9034098" y="2921590"/>
+            <a:ext cx="710553" cy="646487"/>
+          </a:xfrm>
+          <a:prstGeom prst="rect">
+            <a:avLst/>
+          </a:prstGeom>
+        </p:spPr>
+        <p:style>
+          <a:lnRef idx="2">
+            <a:schemeClr val="accent1">
+              <a:shade val="50000"/>
+            </a:schemeClr>
+          </a:lnRef>
+          <a:fillRef idx="1">
+            <a:schemeClr val="accent1"/>
+          </a:fillRef>
+          <a:effectRef idx="0">
+            <a:schemeClr val="accent1"/>
+          </a:effectRef>
+          <a:fontRef idx="minor">
+            <a:schemeClr val="lt1"/>
+          </a:fontRef>
+        </p:style>
+        <p:txBody>
+          <a:bodyPr rtlCol="0" anchor="ctr"/>
+          <a:lstStyle/>
+          <a:p>
+            <a:pPr algn="ctr"/>
+            <a:r>
+              <a:rPr lang="en-GB" sz="1200" dirty="0"/>
+              <a:t>Isolator</a:t>
+            </a:r>
+          </a:p>
+        </p:txBody>
+      </p:sp>
+      <p:sp>
+        <p:nvSpPr>
+          <p:cNvPr id="66" name="Rectangle 65">
+            <a:extLst>
+              <a:ext uri="{FF2B5EF4-FFF2-40B4-BE49-F238E27FC236}">
+                <a16:creationId xmlns:a16="http://schemas.microsoft.com/office/drawing/2014/main" id="{663F4468-7754-4ED4-A291-E48B82CBA673}"/>
+              </a:ext>
+            </a:extLst>
+          </p:cNvPr>
+          <p:cNvSpPr/>
+          <p:nvPr/>
+        </p:nvSpPr>
+        <p:spPr>
+          <a:xfrm>
+            <a:off x="3448736" y="1588233"/>
+            <a:ext cx="710553" cy="282354"/>
+          </a:xfrm>
+          <a:prstGeom prst="rect">
+            <a:avLst/>
+          </a:prstGeom>
+        </p:spPr>
+        <p:style>
+          <a:lnRef idx="2">
+            <a:schemeClr val="accent1">
+              <a:shade val="50000"/>
+            </a:schemeClr>
+          </a:lnRef>
+          <a:fillRef idx="1">
+            <a:schemeClr val="accent1"/>
+          </a:fillRef>
+          <a:effectRef idx="0">
+            <a:schemeClr val="accent1"/>
+          </a:effectRef>
+          <a:fontRef idx="minor">
+            <a:schemeClr val="lt1"/>
+          </a:fontRef>
+        </p:style>
+        <p:txBody>
+          <a:bodyPr rtlCol="0" anchor="ctr"/>
+          <a:lstStyle/>
+          <a:p>
+            <a:pPr algn="ctr"/>
+            <a:r>
+              <a:rPr lang="en-GB" sz="1100" dirty="0"/>
+              <a:t>Pedals</a:t>
+            </a:r>
+          </a:p>
+        </p:txBody>
+      </p:sp>
       <p:cxnSp>
         <p:nvCxnSpPr>
-          <p:cNvPr id="39" name="Straight Connector 38">
-            <a:extLst>
-              <a:ext uri="{FF2B5EF4-FFF2-40B4-BE49-F238E27FC236}">
-                <a16:creationId xmlns:a16="http://schemas.microsoft.com/office/drawing/2014/main" id="{A2C57818-CD9E-4C69-A443-AF9492A80B79}"/>
+          <p:cNvPr id="67" name="Straight Arrow Connector 17">
+            <a:extLst>
+              <a:ext uri="{FF2B5EF4-FFF2-40B4-BE49-F238E27FC236}">
+                <a16:creationId xmlns:a16="http://schemas.microsoft.com/office/drawing/2014/main" id="{9ECCFD0D-BFF8-49A1-8081-6ADD3C82BD4F}"/>
               </a:ext>
             </a:extLst>
           </p:cNvPr>
           <p:cNvCxnSpPr>
             <a:cxnSpLocks/>
-            <a:stCxn id="23" idx="1"/>
-            <a:endCxn id="26" idx="3"/>
+            <a:stCxn id="66" idx="2"/>
+            <a:endCxn id="70" idx="0"/>
           </p:cNvCxnSpPr>
           <p:nvPr/>
         </p:nvCxnSpPr>
         <p:spPr>
+          <a:xfrm>
+            <a:off x="3804013" y="1870587"/>
+            <a:ext cx="0" cy="161622"/>
+          </a:xfrm>
+          <a:prstGeom prst="straightConnector1">
+            <a:avLst/>
+          </a:prstGeom>
+          <a:ln w="19050">
+            <a:solidFill>
+              <a:srgbClr val="7030A0"/>
+            </a:solidFill>
+            <a:tailEnd type="triangle"/>
+          </a:ln>
+        </p:spPr>
+        <p:style>
+          <a:lnRef idx="1">
+            <a:schemeClr val="accent1"/>
+          </a:lnRef>
+          <a:fillRef idx="0">
+            <a:schemeClr val="accent1"/>
+          </a:fillRef>
+          <a:effectRef idx="0">
+            <a:schemeClr val="accent1"/>
+          </a:effectRef>
+          <a:fontRef idx="minor">
+            <a:schemeClr val="tx1"/>
+          </a:fontRef>
+        </p:style>
+      </p:cxnSp>
+      <p:sp>
+        <p:nvSpPr>
+          <p:cNvPr id="70" name="Rectangle 69">
+            <a:extLst>
+              <a:ext uri="{FF2B5EF4-FFF2-40B4-BE49-F238E27FC236}">
+                <a16:creationId xmlns:a16="http://schemas.microsoft.com/office/drawing/2014/main" id="{7A27EA9D-7E1B-49C7-8502-3C8FD88CE170}"/>
+              </a:ext>
+            </a:extLst>
+          </p:cNvPr>
+          <p:cNvSpPr/>
+          <p:nvPr/>
+        </p:nvSpPr>
+        <p:spPr>
+          <a:xfrm>
+            <a:off x="3448736" y="2032209"/>
+            <a:ext cx="710553" cy="646487"/>
+          </a:xfrm>
+          <a:prstGeom prst="rect">
+            <a:avLst/>
+          </a:prstGeom>
+        </p:spPr>
+        <p:style>
+          <a:lnRef idx="2">
+            <a:schemeClr val="accent1">
+              <a:shade val="50000"/>
+            </a:schemeClr>
+          </a:lnRef>
+          <a:fillRef idx="1">
+            <a:schemeClr val="accent1"/>
+          </a:fillRef>
+          <a:effectRef idx="0">
+            <a:schemeClr val="accent1"/>
+          </a:effectRef>
+          <a:fontRef idx="minor">
+            <a:schemeClr val="lt1"/>
+          </a:fontRef>
+        </p:style>
+        <p:txBody>
+          <a:bodyPr rtlCol="0" anchor="ctr"/>
+          <a:lstStyle/>
+          <a:p>
+            <a:pPr algn="ctr"/>
+            <a:r>
+              <a:rPr lang="en-GB" sz="1100" dirty="0"/>
+              <a:t>Steering Control</a:t>
+            </a:r>
+          </a:p>
+          <a:p>
+            <a:pPr algn="ctr"/>
+            <a:r>
+              <a:rPr lang="en-GB" sz="1100" dirty="0"/>
+              <a:t>MCU</a:t>
+            </a:r>
+          </a:p>
+        </p:txBody>
+      </p:sp>
+      <p:cxnSp>
+        <p:nvCxnSpPr>
+          <p:cNvPr id="72" name="Straight Arrow Connector 17">
+            <a:extLst>
+              <a:ext uri="{FF2B5EF4-FFF2-40B4-BE49-F238E27FC236}">
+                <a16:creationId xmlns:a16="http://schemas.microsoft.com/office/drawing/2014/main" id="{2D6F9260-4D85-46CB-891C-31CD335B03A4}"/>
+              </a:ext>
+            </a:extLst>
+          </p:cNvPr>
+          <p:cNvCxnSpPr>
+            <a:cxnSpLocks/>
+            <a:stCxn id="70" idx="3"/>
+          </p:cNvCxnSpPr>
+          <p:nvPr/>
+        </p:nvCxnSpPr>
+        <p:spPr>
+          <a:xfrm>
+            <a:off x="4159289" y="2355453"/>
+            <a:ext cx="1430487" cy="729919"/>
+          </a:xfrm>
+          <a:prstGeom prst="bentConnector3">
+            <a:avLst>
+              <a:gd name="adj1" fmla="val 50000"/>
+            </a:avLst>
+          </a:prstGeom>
+          <a:ln w="19050">
+            <a:solidFill>
+              <a:srgbClr val="7030A0"/>
+            </a:solidFill>
+            <a:headEnd type="triangle" w="med" len="med"/>
+            <a:tailEnd type="triangle" w="med" len="med"/>
+          </a:ln>
+        </p:spPr>
+        <p:style>
+          <a:lnRef idx="1">
+            <a:schemeClr val="accent1"/>
+          </a:lnRef>
+          <a:fillRef idx="0">
+            <a:schemeClr val="accent1"/>
+          </a:fillRef>
+          <a:effectRef idx="0">
+            <a:schemeClr val="accent1"/>
+          </a:effectRef>
+          <a:fontRef idx="minor">
+            <a:schemeClr val="tx1"/>
+          </a:fontRef>
+        </p:style>
+      </p:cxnSp>
+      <p:sp>
+        <p:nvSpPr>
+          <p:cNvPr id="77" name="Rectangle 76">
+            <a:extLst>
+              <a:ext uri="{FF2B5EF4-FFF2-40B4-BE49-F238E27FC236}">
+                <a16:creationId xmlns:a16="http://schemas.microsoft.com/office/drawing/2014/main" id="{1FBB2CCB-A42F-43C8-B4DF-E68589EB8F0A}"/>
+              </a:ext>
+            </a:extLst>
+          </p:cNvPr>
+          <p:cNvSpPr/>
+          <p:nvPr/>
+        </p:nvSpPr>
+        <p:spPr>
+          <a:xfrm>
+            <a:off x="2499037" y="2032208"/>
+            <a:ext cx="710553" cy="646487"/>
+          </a:xfrm>
+          <a:prstGeom prst="rect">
+            <a:avLst/>
+          </a:prstGeom>
+        </p:spPr>
+        <p:style>
+          <a:lnRef idx="2">
+            <a:schemeClr val="accent1">
+              <a:shade val="50000"/>
+            </a:schemeClr>
+          </a:lnRef>
+          <a:fillRef idx="1">
+            <a:schemeClr val="accent1"/>
+          </a:fillRef>
+          <a:effectRef idx="0">
+            <a:schemeClr val="accent1"/>
+          </a:effectRef>
+          <a:fontRef idx="minor">
+            <a:schemeClr val="lt1"/>
+          </a:fontRef>
+        </p:style>
+        <p:txBody>
+          <a:bodyPr rtlCol="0" anchor="ctr"/>
+          <a:lstStyle/>
+          <a:p>
+            <a:pPr algn="ctr"/>
+            <a:r>
+              <a:rPr lang="en-GB" sz="1100" dirty="0"/>
+              <a:t>Steering Driver</a:t>
+            </a:r>
+          </a:p>
+        </p:txBody>
+      </p:sp>
+      <p:sp>
+        <p:nvSpPr>
+          <p:cNvPr id="78" name="Rectangle 77">
+            <a:extLst>
+              <a:ext uri="{FF2B5EF4-FFF2-40B4-BE49-F238E27FC236}">
+                <a16:creationId xmlns:a16="http://schemas.microsoft.com/office/drawing/2014/main" id="{4D4BCFC5-589A-461D-8355-916E55AD9EC4}"/>
+              </a:ext>
+            </a:extLst>
+          </p:cNvPr>
+          <p:cNvSpPr/>
+          <p:nvPr/>
+        </p:nvSpPr>
+        <p:spPr>
+          <a:xfrm>
+            <a:off x="1549337" y="2032207"/>
+            <a:ext cx="710553" cy="323245"/>
+          </a:xfrm>
+          <a:prstGeom prst="rect">
+            <a:avLst/>
+          </a:prstGeom>
+        </p:spPr>
+        <p:style>
+          <a:lnRef idx="2">
+            <a:schemeClr val="accent1">
+              <a:shade val="50000"/>
+            </a:schemeClr>
+          </a:lnRef>
+          <a:fillRef idx="1">
+            <a:schemeClr val="accent1"/>
+          </a:fillRef>
+          <a:effectRef idx="0">
+            <a:schemeClr val="accent1"/>
+          </a:effectRef>
+          <a:fontRef idx="minor">
+            <a:schemeClr val="lt1"/>
+          </a:fontRef>
+        </p:style>
+        <p:txBody>
+          <a:bodyPr rtlCol="0" anchor="ctr"/>
+          <a:lstStyle/>
+          <a:p>
+            <a:pPr algn="ctr"/>
+            <a:r>
+              <a:rPr lang="en-GB" sz="1100" dirty="0"/>
+              <a:t>Steering Motor</a:t>
+            </a:r>
+          </a:p>
+        </p:txBody>
+      </p:sp>
+      <p:cxnSp>
+        <p:nvCxnSpPr>
+          <p:cNvPr id="79" name="Straight Arrow Connector 17">
+            <a:extLst>
+              <a:ext uri="{FF2B5EF4-FFF2-40B4-BE49-F238E27FC236}">
+                <a16:creationId xmlns:a16="http://schemas.microsoft.com/office/drawing/2014/main" id="{8B432926-65F8-4FF3-A27C-FA690609A395}"/>
+              </a:ext>
+            </a:extLst>
+          </p:cNvPr>
+          <p:cNvCxnSpPr>
+            <a:cxnSpLocks/>
+            <a:stCxn id="70" idx="1"/>
+            <a:endCxn id="77" idx="3"/>
+          </p:cNvCxnSpPr>
+          <p:nvPr/>
+        </p:nvCxnSpPr>
+        <p:spPr>
+          <a:xfrm flipH="1" flipV="1">
+            <a:off x="3209590" y="2355452"/>
+            <a:ext cx="239146" cy="1"/>
+          </a:xfrm>
+          <a:prstGeom prst="straightConnector1">
+            <a:avLst/>
+          </a:prstGeom>
+          <a:ln w="19050">
+            <a:solidFill>
+              <a:srgbClr val="7030A0"/>
+            </a:solidFill>
+            <a:tailEnd type="triangle"/>
+          </a:ln>
+        </p:spPr>
+        <p:style>
+          <a:lnRef idx="1">
+            <a:schemeClr val="accent1"/>
+          </a:lnRef>
+          <a:fillRef idx="0">
+            <a:schemeClr val="accent1"/>
+          </a:fillRef>
+          <a:effectRef idx="0">
+            <a:schemeClr val="accent1"/>
+          </a:effectRef>
+          <a:fontRef idx="minor">
+            <a:schemeClr val="tx1"/>
+          </a:fontRef>
+        </p:style>
+      </p:cxnSp>
+      <p:cxnSp>
+        <p:nvCxnSpPr>
+          <p:cNvPr id="82" name="Straight Arrow Connector 17">
+            <a:extLst>
+              <a:ext uri="{FF2B5EF4-FFF2-40B4-BE49-F238E27FC236}">
+                <a16:creationId xmlns:a16="http://schemas.microsoft.com/office/drawing/2014/main" id="{3C9B088B-5343-4813-AA22-CBB335FAB917}"/>
+              </a:ext>
+            </a:extLst>
+          </p:cNvPr>
+          <p:cNvCxnSpPr>
+            <a:cxnSpLocks/>
+            <a:stCxn id="87" idx="2"/>
+            <a:endCxn id="70" idx="2"/>
+          </p:cNvCxnSpPr>
+          <p:nvPr/>
+        </p:nvCxnSpPr>
+        <p:spPr>
+          <a:xfrm rot="16200000" flipH="1">
+            <a:off x="2853160" y="1727843"/>
+            <a:ext cx="2" cy="1901704"/>
+          </a:xfrm>
+          <a:prstGeom prst="bentConnector3">
+            <a:avLst>
+              <a:gd name="adj1" fmla="val 11430100000"/>
+            </a:avLst>
+          </a:prstGeom>
+          <a:ln w="19050">
+            <a:solidFill>
+              <a:srgbClr val="7030A0"/>
+            </a:solidFill>
+            <a:tailEnd type="triangle"/>
+          </a:ln>
+        </p:spPr>
+        <p:style>
+          <a:lnRef idx="1">
+            <a:schemeClr val="accent1"/>
+          </a:lnRef>
+          <a:fillRef idx="0">
+            <a:schemeClr val="accent1"/>
+          </a:fillRef>
+          <a:effectRef idx="0">
+            <a:schemeClr val="accent1"/>
+          </a:effectRef>
+          <a:fontRef idx="minor">
+            <a:schemeClr val="tx1"/>
+          </a:fontRef>
+        </p:style>
+      </p:cxnSp>
+      <p:sp>
+        <p:nvSpPr>
+          <p:cNvPr id="87" name="Rectangle 86">
+            <a:extLst>
+              <a:ext uri="{FF2B5EF4-FFF2-40B4-BE49-F238E27FC236}">
+                <a16:creationId xmlns:a16="http://schemas.microsoft.com/office/drawing/2014/main" id="{6F2ACCC8-60AC-4043-8828-820ED2B99C6E}"/>
+              </a:ext>
+            </a:extLst>
+          </p:cNvPr>
+          <p:cNvSpPr/>
+          <p:nvPr/>
+        </p:nvSpPr>
+        <p:spPr>
+          <a:xfrm>
+            <a:off x="1547032" y="2355449"/>
+            <a:ext cx="710553" cy="323245"/>
+          </a:xfrm>
+          <a:prstGeom prst="rect">
+            <a:avLst/>
+          </a:prstGeom>
+        </p:spPr>
+        <p:style>
+          <a:lnRef idx="2">
+            <a:schemeClr val="accent1">
+              <a:shade val="50000"/>
+            </a:schemeClr>
+          </a:lnRef>
+          <a:fillRef idx="1">
+            <a:schemeClr val="accent1"/>
+          </a:fillRef>
+          <a:effectRef idx="0">
+            <a:schemeClr val="accent1"/>
+          </a:effectRef>
+          <a:fontRef idx="minor">
+            <a:schemeClr val="lt1"/>
+          </a:fontRef>
+        </p:style>
+        <p:txBody>
+          <a:bodyPr rtlCol="0" anchor="ctr"/>
+          <a:lstStyle/>
+          <a:p>
+            <a:pPr algn="ctr"/>
+            <a:r>
+              <a:rPr lang="en-GB" sz="1000" dirty="0"/>
+              <a:t>Steering Feedback</a:t>
+            </a:r>
+          </a:p>
+        </p:txBody>
+      </p:sp>
+      <p:cxnSp>
+        <p:nvCxnSpPr>
+          <p:cNvPr id="89" name="Straight Connector 88">
+            <a:extLst>
+              <a:ext uri="{FF2B5EF4-FFF2-40B4-BE49-F238E27FC236}">
+                <a16:creationId xmlns:a16="http://schemas.microsoft.com/office/drawing/2014/main" id="{4EC5B4F5-5DEC-4A25-BF7A-CE38FC6EB2E5}"/>
+              </a:ext>
+            </a:extLst>
+          </p:cNvPr>
+          <p:cNvCxnSpPr>
+            <a:cxnSpLocks/>
+            <a:endCxn id="78" idx="3"/>
+          </p:cNvCxnSpPr>
+          <p:nvPr/>
+        </p:nvCxnSpPr>
+        <p:spPr>
           <a:xfrm flipH="1">
-            <a:off x="8304336" y="3246993"/>
-            <a:ext cx="628526" cy="0"/>
+            <a:off x="2259890" y="2193829"/>
+            <a:ext cx="247526" cy="1"/>
           </a:xfrm>
           <a:prstGeom prst="line">
             <a:avLst/>
@@ -4129,29 +4523,81 @@
           </a:fontRef>
         </p:style>
       </p:cxnSp>
+      <p:sp>
+        <p:nvSpPr>
+          <p:cNvPr id="94" name="Rectangle 93">
+            <a:extLst>
+              <a:ext uri="{FF2B5EF4-FFF2-40B4-BE49-F238E27FC236}">
+                <a16:creationId xmlns:a16="http://schemas.microsoft.com/office/drawing/2014/main" id="{D278C32A-D74A-4031-8A0F-B999E38D002C}"/>
+              </a:ext>
+            </a:extLst>
+          </p:cNvPr>
+          <p:cNvSpPr/>
+          <p:nvPr/>
+        </p:nvSpPr>
+        <p:spPr>
+          <a:xfrm>
+            <a:off x="2496731" y="899853"/>
+            <a:ext cx="710553" cy="646487"/>
+          </a:xfrm>
+          <a:prstGeom prst="rect">
+            <a:avLst/>
+          </a:prstGeom>
+        </p:spPr>
+        <p:style>
+          <a:lnRef idx="2">
+            <a:schemeClr val="accent1">
+              <a:shade val="50000"/>
+            </a:schemeClr>
+          </a:lnRef>
+          <a:fillRef idx="1">
+            <a:schemeClr val="accent1"/>
+          </a:fillRef>
+          <a:effectRef idx="0">
+            <a:schemeClr val="accent1"/>
+          </a:effectRef>
+          <a:fontRef idx="minor">
+            <a:schemeClr val="lt1"/>
+          </a:fontRef>
+        </p:style>
+        <p:txBody>
+          <a:bodyPr rtlCol="0" anchor="ctr"/>
+          <a:lstStyle/>
+          <a:p>
+            <a:pPr algn="ctr"/>
+            <a:r>
+              <a:rPr lang="en-GB" sz="1050" dirty="0"/>
+              <a:t>12V Regulator</a:t>
+            </a:r>
+          </a:p>
+        </p:txBody>
+      </p:sp>
       <p:cxnSp>
         <p:nvCxnSpPr>
-          <p:cNvPr id="43" name="Straight Connector 42">
-            <a:extLst>
-              <a:ext uri="{FF2B5EF4-FFF2-40B4-BE49-F238E27FC236}">
-                <a16:creationId xmlns:a16="http://schemas.microsoft.com/office/drawing/2014/main" id="{081199AF-6142-4534-BE1D-79CA51F01C58}"/>
+          <p:cNvPr id="100" name="Straight Connector 35">
+            <a:extLst>
+              <a:ext uri="{FF2B5EF4-FFF2-40B4-BE49-F238E27FC236}">
+                <a16:creationId xmlns:a16="http://schemas.microsoft.com/office/drawing/2014/main" id="{0C1193E5-B97A-4F59-9030-D17A95B594DA}"/>
               </a:ext>
             </a:extLst>
           </p:cNvPr>
           <p:cNvCxnSpPr>
             <a:cxnSpLocks/>
-            <a:stCxn id="24" idx="1"/>
-            <a:endCxn id="23" idx="3"/>
+            <a:stCxn id="94" idx="1"/>
+            <a:endCxn id="77" idx="0"/>
           </p:cNvCxnSpPr>
           <p:nvPr/>
         </p:nvCxnSpPr>
         <p:spPr>
-          <a:xfrm flipH="1">
-            <a:off x="9643415" y="3246993"/>
-            <a:ext cx="232970" cy="0"/>
-          </a:xfrm>
-          <a:prstGeom prst="line">
-            <a:avLst/>
+          <a:xfrm rot="10800000" flipH="1" flipV="1">
+            <a:off x="2496730" y="1223096"/>
+            <a:ext cx="357583" cy="809111"/>
+          </a:xfrm>
+          <a:prstGeom prst="bentConnector4">
+            <a:avLst>
+              <a:gd name="adj1" fmla="val -63929"/>
+              <a:gd name="adj2" fmla="val 69975"/>
+            </a:avLst>
           </a:prstGeom>
           <a:ln w="19050" cap="flat" cmpd="sng" algn="ctr">
             <a:solidFill>
@@ -4180,10 +4626,87 @@
       </p:cxnSp>
       <p:cxnSp>
         <p:nvCxnSpPr>
-          <p:cNvPr id="44" name="Straight Connector 35">
-            <a:extLst>
-              <a:ext uri="{FF2B5EF4-FFF2-40B4-BE49-F238E27FC236}">
-                <a16:creationId xmlns:a16="http://schemas.microsoft.com/office/drawing/2014/main" id="{43251BDA-0AAF-4C2E-8797-544C8AEF4A65}"/>
+          <p:cNvPr id="104" name="Straight Connector 103">
+            <a:extLst>
+              <a:ext uri="{FF2B5EF4-FFF2-40B4-BE49-F238E27FC236}">
+                <a16:creationId xmlns:a16="http://schemas.microsoft.com/office/drawing/2014/main" id="{6E5FE219-C8FC-4A3B-BE8F-DCC0F2368C97}"/>
+              </a:ext>
+            </a:extLst>
+          </p:cNvPr>
+          <p:cNvCxnSpPr/>
+          <p:nvPr/>
+        </p:nvCxnSpPr>
+        <p:spPr>
+          <a:xfrm>
+            <a:off x="9019820" y="6108700"/>
+            <a:ext cx="419100" cy="0"/>
+          </a:xfrm>
+          <a:prstGeom prst="line">
+            <a:avLst/>
+          </a:prstGeom>
+          <a:ln w="19050">
+            <a:solidFill>
+              <a:srgbClr val="FF0000"/>
+            </a:solidFill>
+          </a:ln>
+        </p:spPr>
+        <p:style>
+          <a:lnRef idx="1">
+            <a:schemeClr val="accent1"/>
+          </a:lnRef>
+          <a:fillRef idx="0">
+            <a:schemeClr val="accent1"/>
+          </a:fillRef>
+          <a:effectRef idx="0">
+            <a:schemeClr val="accent1"/>
+          </a:effectRef>
+          <a:fontRef idx="minor">
+            <a:schemeClr val="tx1"/>
+          </a:fontRef>
+        </p:style>
+      </p:cxnSp>
+      <p:sp>
+        <p:nvSpPr>
+          <p:cNvPr id="105" name="TextBox 104">
+            <a:extLst>
+              <a:ext uri="{FF2B5EF4-FFF2-40B4-BE49-F238E27FC236}">
+                <a16:creationId xmlns:a16="http://schemas.microsoft.com/office/drawing/2014/main" id="{3C6F9D2E-2294-4799-ACF3-D935AE902DC0}"/>
+              </a:ext>
+            </a:extLst>
+          </p:cNvPr>
+          <p:cNvSpPr txBox="1"/>
+          <p:nvPr/>
+        </p:nvSpPr>
+        <p:spPr>
+          <a:xfrm>
+            <a:off x="8947150" y="6108700"/>
+            <a:ext cx="564440" cy="261610"/>
+          </a:xfrm>
+          <a:prstGeom prst="rect">
+            <a:avLst/>
+          </a:prstGeom>
+          <a:noFill/>
+        </p:spPr>
+        <p:txBody>
+          <a:bodyPr wrap="square" rtlCol="0">
+            <a:spAutoFit/>
+          </a:bodyPr>
+          <a:lstStyle/>
+          <a:p>
+            <a:pPr algn="ctr"/>
+            <a:r>
+              <a:rPr lang="en-GB" sz="1100" dirty="0"/>
+              <a:t>Power</a:t>
+            </a:r>
+          </a:p>
+        </p:txBody>
+      </p:sp>
+      <p:cxnSp>
+        <p:nvCxnSpPr>
+          <p:cNvPr id="106" name="Straight Connector 105">
+            <a:extLst>
+              <a:ext uri="{FF2B5EF4-FFF2-40B4-BE49-F238E27FC236}">
+                <a16:creationId xmlns:a16="http://schemas.microsoft.com/office/drawing/2014/main" id="{831A75E2-95D4-4037-BC54-3BC57B14D8FF}"/>
               </a:ext>
             </a:extLst>
           </p:cNvPr>
@@ -4193,12 +4716,2096 @@
           <p:nvPr/>
         </p:nvCxnSpPr>
         <p:spPr>
+          <a:xfrm>
+            <a:off x="9656930" y="6108700"/>
+            <a:ext cx="419100" cy="0"/>
+          </a:xfrm>
+          <a:prstGeom prst="line">
+            <a:avLst/>
+          </a:prstGeom>
+          <a:ln w="19050">
+            <a:solidFill>
+              <a:srgbClr val="7030A0"/>
+            </a:solidFill>
+          </a:ln>
+        </p:spPr>
+        <p:style>
+          <a:lnRef idx="1">
+            <a:schemeClr val="accent1"/>
+          </a:lnRef>
+          <a:fillRef idx="0">
+            <a:schemeClr val="accent1"/>
+          </a:fillRef>
+          <a:effectRef idx="0">
+            <a:schemeClr val="accent1"/>
+          </a:effectRef>
+          <a:fontRef idx="minor">
+            <a:schemeClr val="tx1"/>
+          </a:fontRef>
+        </p:style>
+      </p:cxnSp>
+      <p:sp>
+        <p:nvSpPr>
+          <p:cNvPr id="107" name="TextBox 106">
+            <a:extLst>
+              <a:ext uri="{FF2B5EF4-FFF2-40B4-BE49-F238E27FC236}">
+                <a16:creationId xmlns:a16="http://schemas.microsoft.com/office/drawing/2014/main" id="{1F08DCA1-B5B1-43E4-8195-4074C613FE5D}"/>
+              </a:ext>
+            </a:extLst>
+          </p:cNvPr>
+          <p:cNvSpPr txBox="1"/>
+          <p:nvPr/>
+        </p:nvSpPr>
+        <p:spPr>
+          <a:xfrm>
+            <a:off x="9584260" y="6108700"/>
+            <a:ext cx="564440" cy="261610"/>
+          </a:xfrm>
+          <a:prstGeom prst="rect">
+            <a:avLst/>
+          </a:prstGeom>
+          <a:noFill/>
+        </p:spPr>
+        <p:txBody>
+          <a:bodyPr wrap="square" rtlCol="0">
+            <a:spAutoFit/>
+          </a:bodyPr>
+          <a:lstStyle/>
+          <a:p>
+            <a:pPr algn="ctr"/>
+            <a:r>
+              <a:rPr lang="en-GB" sz="1100" dirty="0"/>
+              <a:t>Signal</a:t>
+            </a:r>
+          </a:p>
+        </p:txBody>
+      </p:sp>
+      <p:sp>
+        <p:nvSpPr>
+          <p:cNvPr id="108" name="Rectangle 107">
+            <a:extLst>
+              <a:ext uri="{FF2B5EF4-FFF2-40B4-BE49-F238E27FC236}">
+                <a16:creationId xmlns:a16="http://schemas.microsoft.com/office/drawing/2014/main" id="{FC523BCE-A9B6-4BB7-8E94-C805A301A97F}"/>
+              </a:ext>
+            </a:extLst>
+          </p:cNvPr>
+          <p:cNvSpPr/>
+          <p:nvPr/>
+        </p:nvSpPr>
+        <p:spPr>
+          <a:xfrm>
+            <a:off x="9803913" y="1927810"/>
+            <a:ext cx="2012950" cy="2136189"/>
+          </a:xfrm>
+          <a:prstGeom prst="rect">
+            <a:avLst/>
+          </a:prstGeom>
+          <a:noFill/>
+          <a:ln w="28575">
+            <a:solidFill>
+              <a:srgbClr val="FFC000"/>
+            </a:solidFill>
+            <a:prstDash val="dash"/>
+          </a:ln>
+        </p:spPr>
+        <p:style>
+          <a:lnRef idx="2">
+            <a:schemeClr val="accent1">
+              <a:shade val="50000"/>
+            </a:schemeClr>
+          </a:lnRef>
+          <a:fillRef idx="1">
+            <a:schemeClr val="accent1"/>
+          </a:fillRef>
+          <a:effectRef idx="0">
+            <a:schemeClr val="accent1"/>
+          </a:effectRef>
+          <a:fontRef idx="minor">
+            <a:schemeClr val="lt1"/>
+          </a:fontRef>
+        </p:style>
+        <p:txBody>
+          <a:bodyPr rtlCol="0" anchor="ctr"/>
+          <a:lstStyle/>
+          <a:p>
+            <a:pPr algn="ctr"/>
+            <a:endParaRPr lang="en-GB"/>
+          </a:p>
+        </p:txBody>
+      </p:sp>
+      <p:sp>
+        <p:nvSpPr>
+          <p:cNvPr id="109" name="Rectangle 108">
+            <a:extLst>
+              <a:ext uri="{FF2B5EF4-FFF2-40B4-BE49-F238E27FC236}">
+                <a16:creationId xmlns:a16="http://schemas.microsoft.com/office/drawing/2014/main" id="{2199AAD8-E21E-49B9-BBDF-32BA2B27AC9C}"/>
+              </a:ext>
+            </a:extLst>
+          </p:cNvPr>
+          <p:cNvSpPr/>
+          <p:nvPr/>
+        </p:nvSpPr>
+        <p:spPr>
+          <a:xfrm>
+            <a:off x="1281656" y="238793"/>
+            <a:ext cx="3039859" cy="3022560"/>
+          </a:xfrm>
+          <a:prstGeom prst="rect">
+            <a:avLst/>
+          </a:prstGeom>
+          <a:noFill/>
+          <a:ln w="28575">
+            <a:solidFill>
+              <a:srgbClr val="FFC000"/>
+            </a:solidFill>
+            <a:prstDash val="dash"/>
+          </a:ln>
+        </p:spPr>
+        <p:style>
+          <a:lnRef idx="2">
+            <a:schemeClr val="accent1">
+              <a:shade val="50000"/>
+            </a:schemeClr>
+          </a:lnRef>
+          <a:fillRef idx="1">
+            <a:schemeClr val="accent1"/>
+          </a:fillRef>
+          <a:effectRef idx="0">
+            <a:schemeClr val="accent1"/>
+          </a:effectRef>
+          <a:fontRef idx="minor">
+            <a:schemeClr val="lt1"/>
+          </a:fontRef>
+        </p:style>
+        <p:txBody>
+          <a:bodyPr rtlCol="0" anchor="ctr"/>
+          <a:lstStyle/>
+          <a:p>
+            <a:pPr algn="ctr"/>
+            <a:endParaRPr lang="en-GB"/>
+          </a:p>
+        </p:txBody>
+      </p:sp>
+      <p:sp>
+        <p:nvSpPr>
+          <p:cNvPr id="110" name="TextBox 109">
+            <a:extLst>
+              <a:ext uri="{FF2B5EF4-FFF2-40B4-BE49-F238E27FC236}">
+                <a16:creationId xmlns:a16="http://schemas.microsoft.com/office/drawing/2014/main" id="{C2E768A7-A6C5-4626-8EBC-71EB35B2197D}"/>
+              </a:ext>
+            </a:extLst>
+          </p:cNvPr>
+          <p:cNvSpPr txBox="1"/>
+          <p:nvPr/>
+        </p:nvSpPr>
+        <p:spPr>
+          <a:xfrm>
+            <a:off x="9922975" y="3717129"/>
+            <a:ext cx="1785938" cy="261610"/>
+          </a:xfrm>
+          <a:prstGeom prst="rect">
+            <a:avLst/>
+          </a:prstGeom>
+          <a:noFill/>
+        </p:spPr>
+        <p:txBody>
+          <a:bodyPr wrap="square" rtlCol="0">
+            <a:spAutoFit/>
+          </a:bodyPr>
+          <a:lstStyle/>
+          <a:p>
+            <a:pPr algn="ctr"/>
+            <a:r>
+              <a:rPr lang="en-GB" sz="1100" dirty="0"/>
+              <a:t>Battery Box</a:t>
+            </a:r>
+          </a:p>
+        </p:txBody>
+      </p:sp>
+      <p:sp>
+        <p:nvSpPr>
+          <p:cNvPr id="111" name="TextBox 110">
+            <a:extLst>
+              <a:ext uri="{FF2B5EF4-FFF2-40B4-BE49-F238E27FC236}">
+                <a16:creationId xmlns:a16="http://schemas.microsoft.com/office/drawing/2014/main" id="{9E673335-744C-41E7-AA2B-D49F1567E14A}"/>
+              </a:ext>
+            </a:extLst>
+          </p:cNvPr>
+          <p:cNvSpPr txBox="1"/>
+          <p:nvPr/>
+        </p:nvSpPr>
+        <p:spPr>
+          <a:xfrm>
+            <a:off x="1366920" y="2949747"/>
+            <a:ext cx="2862179" cy="261610"/>
+          </a:xfrm>
+          <a:prstGeom prst="rect">
+            <a:avLst/>
+          </a:prstGeom>
+          <a:noFill/>
+        </p:spPr>
+        <p:txBody>
+          <a:bodyPr wrap="square" rtlCol="0">
+            <a:spAutoFit/>
+          </a:bodyPr>
+          <a:lstStyle/>
+          <a:p>
+            <a:pPr algn="ctr"/>
+            <a:r>
+              <a:rPr lang="en-GB" sz="1100" dirty="0"/>
+              <a:t>Steering Subsystem (front)</a:t>
+            </a:r>
+          </a:p>
+        </p:txBody>
+      </p:sp>
+      <p:sp>
+        <p:nvSpPr>
+          <p:cNvPr id="117" name="Rectangle 116">
+            <a:extLst>
+              <a:ext uri="{FF2B5EF4-FFF2-40B4-BE49-F238E27FC236}">
+                <a16:creationId xmlns:a16="http://schemas.microsoft.com/office/drawing/2014/main" id="{6037265E-49C5-4721-B97D-84328F4FD917}"/>
+              </a:ext>
+            </a:extLst>
+          </p:cNvPr>
+          <p:cNvSpPr/>
+          <p:nvPr/>
+        </p:nvSpPr>
+        <p:spPr>
+          <a:xfrm>
+            <a:off x="5402072" y="1636600"/>
+            <a:ext cx="2572682" cy="3583099"/>
+          </a:xfrm>
+          <a:prstGeom prst="rect">
+            <a:avLst/>
+          </a:prstGeom>
+          <a:noFill/>
+          <a:ln w="28575">
+            <a:solidFill>
+              <a:srgbClr val="FFC000"/>
+            </a:solidFill>
+            <a:prstDash val="dash"/>
+          </a:ln>
+        </p:spPr>
+        <p:style>
+          <a:lnRef idx="2">
+            <a:schemeClr val="accent1">
+              <a:shade val="50000"/>
+            </a:schemeClr>
+          </a:lnRef>
+          <a:fillRef idx="1">
+            <a:schemeClr val="accent1"/>
+          </a:fillRef>
+          <a:effectRef idx="0">
+            <a:schemeClr val="accent1"/>
+          </a:effectRef>
+          <a:fontRef idx="minor">
+            <a:schemeClr val="lt1"/>
+          </a:fontRef>
+        </p:style>
+        <p:txBody>
+          <a:bodyPr rtlCol="0" anchor="ctr"/>
+          <a:lstStyle/>
+          <a:p>
+            <a:pPr algn="ctr"/>
+            <a:endParaRPr lang="en-GB"/>
+          </a:p>
+        </p:txBody>
+      </p:sp>
+      <p:sp>
+        <p:nvSpPr>
+          <p:cNvPr id="118" name="TextBox 117">
+            <a:extLst>
+              <a:ext uri="{FF2B5EF4-FFF2-40B4-BE49-F238E27FC236}">
+                <a16:creationId xmlns:a16="http://schemas.microsoft.com/office/drawing/2014/main" id="{2AD7279F-696A-443E-9B96-B4F9197230BB}"/>
+              </a:ext>
+            </a:extLst>
+          </p:cNvPr>
+          <p:cNvSpPr txBox="1"/>
+          <p:nvPr/>
+        </p:nvSpPr>
+        <p:spPr>
+          <a:xfrm>
+            <a:off x="6298868" y="4900088"/>
+            <a:ext cx="1979909" cy="261610"/>
+          </a:xfrm>
+          <a:prstGeom prst="rect">
+            <a:avLst/>
+          </a:prstGeom>
+          <a:noFill/>
+        </p:spPr>
+        <p:txBody>
+          <a:bodyPr wrap="square" rtlCol="0">
+            <a:spAutoFit/>
+          </a:bodyPr>
+          <a:lstStyle/>
+          <a:p>
+            <a:pPr algn="ctr"/>
+            <a:r>
+              <a:rPr lang="en-GB" sz="1100" dirty="0"/>
+              <a:t>Pi/Steering enclosure</a:t>
+            </a:r>
+          </a:p>
+        </p:txBody>
+      </p:sp>
+      <p:sp>
+        <p:nvSpPr>
+          <p:cNvPr id="123" name="Rectangle 122">
+            <a:extLst>
+              <a:ext uri="{FF2B5EF4-FFF2-40B4-BE49-F238E27FC236}">
+                <a16:creationId xmlns:a16="http://schemas.microsoft.com/office/drawing/2014/main" id="{4452412A-C4CB-45ED-9105-E7D588508705}"/>
+              </a:ext>
+            </a:extLst>
+          </p:cNvPr>
+          <p:cNvSpPr/>
+          <p:nvPr/>
+        </p:nvSpPr>
+        <p:spPr>
+          <a:xfrm>
+            <a:off x="5484387" y="3991882"/>
+            <a:ext cx="710553" cy="646487"/>
+          </a:xfrm>
+          <a:prstGeom prst="rect">
+            <a:avLst/>
+          </a:prstGeom>
+        </p:spPr>
+        <p:style>
+          <a:lnRef idx="2">
+            <a:schemeClr val="accent1">
+              <a:shade val="50000"/>
+            </a:schemeClr>
+          </a:lnRef>
+          <a:fillRef idx="1">
+            <a:schemeClr val="accent1"/>
+          </a:fillRef>
+          <a:effectRef idx="0">
+            <a:schemeClr val="accent1"/>
+          </a:effectRef>
+          <a:fontRef idx="minor">
+            <a:schemeClr val="lt1"/>
+          </a:fontRef>
+        </p:style>
+        <p:txBody>
+          <a:bodyPr rtlCol="0" anchor="ctr"/>
+          <a:lstStyle/>
+          <a:p>
+            <a:pPr algn="ctr"/>
+            <a:r>
+              <a:rPr lang="en-GB" sz="1400" dirty="0"/>
+              <a:t>Sonar MCU</a:t>
+            </a:r>
+          </a:p>
+        </p:txBody>
+      </p:sp>
+      <p:sp>
+        <p:nvSpPr>
+          <p:cNvPr id="125" name="Rectangle 124">
+            <a:extLst>
+              <a:ext uri="{FF2B5EF4-FFF2-40B4-BE49-F238E27FC236}">
+                <a16:creationId xmlns:a16="http://schemas.microsoft.com/office/drawing/2014/main" id="{996366C4-D0DD-46A9-9C23-FCF24068CD0B}"/>
+              </a:ext>
+            </a:extLst>
+          </p:cNvPr>
+          <p:cNvSpPr/>
+          <p:nvPr/>
+        </p:nvSpPr>
+        <p:spPr>
+          <a:xfrm>
+            <a:off x="4521364" y="3991882"/>
+            <a:ext cx="710553" cy="646487"/>
+          </a:xfrm>
+          <a:prstGeom prst="rect">
+            <a:avLst/>
+          </a:prstGeom>
+        </p:spPr>
+        <p:style>
+          <a:lnRef idx="2">
+            <a:schemeClr val="accent1">
+              <a:shade val="50000"/>
+            </a:schemeClr>
+          </a:lnRef>
+          <a:fillRef idx="1">
+            <a:schemeClr val="accent1"/>
+          </a:fillRef>
+          <a:effectRef idx="0">
+            <a:schemeClr val="accent1"/>
+          </a:effectRef>
+          <a:fontRef idx="minor">
+            <a:schemeClr val="lt1"/>
+          </a:fontRef>
+        </p:style>
+        <p:txBody>
+          <a:bodyPr rtlCol="0" anchor="ctr"/>
+          <a:lstStyle/>
+          <a:p>
+            <a:pPr algn="ctr"/>
+            <a:r>
+              <a:rPr lang="en-GB" sz="1100" dirty="0"/>
+              <a:t>Sonar Modules</a:t>
+            </a:r>
+          </a:p>
+        </p:txBody>
+      </p:sp>
+      <p:sp>
+        <p:nvSpPr>
+          <p:cNvPr id="134" name="Rectangle 133">
+            <a:extLst>
+              <a:ext uri="{FF2B5EF4-FFF2-40B4-BE49-F238E27FC236}">
+                <a16:creationId xmlns:a16="http://schemas.microsoft.com/office/drawing/2014/main" id="{97EB902A-0CFC-444B-9690-E1727313C1D2}"/>
+              </a:ext>
+            </a:extLst>
+          </p:cNvPr>
+          <p:cNvSpPr/>
+          <p:nvPr/>
+        </p:nvSpPr>
+        <p:spPr>
+          <a:xfrm>
+            <a:off x="295970" y="553276"/>
+            <a:ext cx="710553" cy="408058"/>
+          </a:xfrm>
+          <a:prstGeom prst="rect">
+            <a:avLst/>
+          </a:prstGeom>
+        </p:spPr>
+        <p:style>
+          <a:lnRef idx="2">
+            <a:schemeClr val="accent1">
+              <a:shade val="50000"/>
+            </a:schemeClr>
+          </a:lnRef>
+          <a:fillRef idx="1">
+            <a:schemeClr val="accent1"/>
+          </a:fillRef>
+          <a:effectRef idx="0">
+            <a:schemeClr val="accent1"/>
+          </a:effectRef>
+          <a:fontRef idx="minor">
+            <a:schemeClr val="lt1"/>
+          </a:fontRef>
+        </p:style>
+        <p:txBody>
+          <a:bodyPr rtlCol="0" anchor="ctr"/>
+          <a:lstStyle/>
+          <a:p>
+            <a:pPr algn="ctr"/>
+            <a:r>
+              <a:rPr lang="en-GB" sz="1400" dirty="0"/>
+              <a:t>Front Motors</a:t>
+            </a:r>
+          </a:p>
+        </p:txBody>
+      </p:sp>
+      <p:cxnSp>
+        <p:nvCxnSpPr>
+          <p:cNvPr id="163" name="Straight Arrow Connector 17">
+            <a:extLst>
+              <a:ext uri="{FF2B5EF4-FFF2-40B4-BE49-F238E27FC236}">
+                <a16:creationId xmlns:a16="http://schemas.microsoft.com/office/drawing/2014/main" id="{8048466F-1A93-4991-A2FD-7F92BB370119}"/>
+              </a:ext>
+            </a:extLst>
+          </p:cNvPr>
+          <p:cNvCxnSpPr>
+            <a:cxnSpLocks/>
+            <a:endCxn id="123" idx="0"/>
+          </p:cNvCxnSpPr>
+          <p:nvPr/>
+        </p:nvCxnSpPr>
+        <p:spPr>
+          <a:xfrm rot="16200000" flipH="1">
+            <a:off x="5545744" y="3697961"/>
+            <a:ext cx="415247" cy="172593"/>
+          </a:xfrm>
+          <a:prstGeom prst="bentConnector3">
+            <a:avLst>
+              <a:gd name="adj1" fmla="val 69636"/>
+            </a:avLst>
+          </a:prstGeom>
+          <a:ln w="19050">
+            <a:solidFill>
+              <a:srgbClr val="7030A0"/>
+            </a:solidFill>
+            <a:headEnd type="triangle" w="med" len="med"/>
+            <a:tailEnd type="none" w="med" len="med"/>
+          </a:ln>
+        </p:spPr>
+        <p:style>
+          <a:lnRef idx="1">
+            <a:schemeClr val="accent1"/>
+          </a:lnRef>
+          <a:fillRef idx="0">
+            <a:schemeClr val="accent1"/>
+          </a:fillRef>
+          <a:effectRef idx="0">
+            <a:schemeClr val="accent1"/>
+          </a:effectRef>
+          <a:fontRef idx="minor">
+            <a:schemeClr val="tx1"/>
+          </a:fontRef>
+        </p:style>
+      </p:cxnSp>
+      <p:cxnSp>
+        <p:nvCxnSpPr>
+          <p:cNvPr id="165" name="Straight Arrow Connector 17">
+            <a:extLst>
+              <a:ext uri="{FF2B5EF4-FFF2-40B4-BE49-F238E27FC236}">
+                <a16:creationId xmlns:a16="http://schemas.microsoft.com/office/drawing/2014/main" id="{5484A4D1-24C1-4E91-8851-90D1DEF5D6BD}"/>
+              </a:ext>
+            </a:extLst>
+          </p:cNvPr>
+          <p:cNvCxnSpPr>
+            <a:cxnSpLocks/>
+            <a:stCxn id="125" idx="3"/>
+            <a:endCxn id="123" idx="1"/>
+          </p:cNvCxnSpPr>
+          <p:nvPr/>
+        </p:nvCxnSpPr>
+        <p:spPr>
+          <a:xfrm>
+            <a:off x="5231917" y="4315126"/>
+            <a:ext cx="252470" cy="0"/>
+          </a:xfrm>
+          <a:prstGeom prst="straightConnector1">
+            <a:avLst/>
+          </a:prstGeom>
+          <a:ln w="19050">
+            <a:solidFill>
+              <a:srgbClr val="7030A0"/>
+            </a:solidFill>
+            <a:tailEnd type="triangle"/>
+          </a:ln>
+        </p:spPr>
+        <p:style>
+          <a:lnRef idx="1">
+            <a:schemeClr val="accent1"/>
+          </a:lnRef>
+          <a:fillRef idx="0">
+            <a:schemeClr val="accent1"/>
+          </a:fillRef>
+          <a:effectRef idx="0">
+            <a:schemeClr val="accent1"/>
+          </a:effectRef>
+          <a:fontRef idx="minor">
+            <a:schemeClr val="tx1"/>
+          </a:fontRef>
+        </p:style>
+      </p:cxnSp>
+      <p:sp>
+        <p:nvSpPr>
+          <p:cNvPr id="169" name="Rectangle 168">
+            <a:extLst>
+              <a:ext uri="{FF2B5EF4-FFF2-40B4-BE49-F238E27FC236}">
+                <a16:creationId xmlns:a16="http://schemas.microsoft.com/office/drawing/2014/main" id="{DB442617-2EB1-4C12-AAE6-9F809FFC9C32}"/>
+              </a:ext>
+            </a:extLst>
+          </p:cNvPr>
+          <p:cNvSpPr/>
+          <p:nvPr/>
+        </p:nvSpPr>
+        <p:spPr>
+          <a:xfrm>
+            <a:off x="1293153" y="3529489"/>
+            <a:ext cx="3039859" cy="2463791"/>
+          </a:xfrm>
+          <a:prstGeom prst="rect">
+            <a:avLst/>
+          </a:prstGeom>
+          <a:noFill/>
+          <a:ln w="28575">
+            <a:solidFill>
+              <a:srgbClr val="FFC000"/>
+            </a:solidFill>
+            <a:prstDash val="dash"/>
+          </a:ln>
+        </p:spPr>
+        <p:style>
+          <a:lnRef idx="2">
+            <a:schemeClr val="accent1">
+              <a:shade val="50000"/>
+            </a:schemeClr>
+          </a:lnRef>
+          <a:fillRef idx="1">
+            <a:schemeClr val="accent1"/>
+          </a:fillRef>
+          <a:effectRef idx="0">
+            <a:schemeClr val="accent1"/>
+          </a:effectRef>
+          <a:fontRef idx="minor">
+            <a:schemeClr val="lt1"/>
+          </a:fontRef>
+        </p:style>
+        <p:txBody>
+          <a:bodyPr rtlCol="0" anchor="ctr"/>
+          <a:lstStyle/>
+          <a:p>
+            <a:pPr algn="ctr"/>
+            <a:endParaRPr lang="en-GB"/>
+          </a:p>
+        </p:txBody>
+      </p:sp>
+      <p:sp>
+        <p:nvSpPr>
+          <p:cNvPr id="170" name="TextBox 169">
+            <a:extLst>
+              <a:ext uri="{FF2B5EF4-FFF2-40B4-BE49-F238E27FC236}">
+                <a16:creationId xmlns:a16="http://schemas.microsoft.com/office/drawing/2014/main" id="{C73BBD89-BCA1-4902-AB9D-FF42DE923A64}"/>
+              </a:ext>
+            </a:extLst>
+          </p:cNvPr>
+          <p:cNvSpPr txBox="1"/>
+          <p:nvPr/>
+        </p:nvSpPr>
+        <p:spPr>
+          <a:xfrm>
+            <a:off x="1378417" y="5681675"/>
+            <a:ext cx="2862179" cy="261610"/>
+          </a:xfrm>
+          <a:prstGeom prst="rect">
+            <a:avLst/>
+          </a:prstGeom>
+          <a:noFill/>
+        </p:spPr>
+        <p:txBody>
+          <a:bodyPr wrap="square" rtlCol="0">
+            <a:spAutoFit/>
+          </a:bodyPr>
+          <a:lstStyle/>
+          <a:p>
+            <a:pPr algn="ctr"/>
+            <a:r>
+              <a:rPr lang="en-GB" sz="1100" dirty="0"/>
+              <a:t>Cockpit Controls</a:t>
+            </a:r>
+          </a:p>
+        </p:txBody>
+      </p:sp>
+      <p:sp>
+        <p:nvSpPr>
+          <p:cNvPr id="172" name="Rectangle 171">
+            <a:extLst>
+              <a:ext uri="{FF2B5EF4-FFF2-40B4-BE49-F238E27FC236}">
+                <a16:creationId xmlns:a16="http://schemas.microsoft.com/office/drawing/2014/main" id="{6A0EC18A-1749-473F-8B97-2A67FF6E4C6E}"/>
+              </a:ext>
+            </a:extLst>
+          </p:cNvPr>
+          <p:cNvSpPr/>
+          <p:nvPr/>
+        </p:nvSpPr>
+        <p:spPr>
+          <a:xfrm>
+            <a:off x="7113309" y="4319968"/>
+            <a:ext cx="710553" cy="355874"/>
+          </a:xfrm>
+          <a:prstGeom prst="rect">
+            <a:avLst/>
+          </a:prstGeom>
+        </p:spPr>
+        <p:style>
+          <a:lnRef idx="2">
+            <a:schemeClr val="accent1">
+              <a:shade val="50000"/>
+            </a:schemeClr>
+          </a:lnRef>
+          <a:fillRef idx="1">
+            <a:schemeClr val="accent1"/>
+          </a:fillRef>
+          <a:effectRef idx="0">
+            <a:schemeClr val="accent1"/>
+          </a:effectRef>
+          <a:fontRef idx="minor">
+            <a:schemeClr val="lt1"/>
+          </a:fontRef>
+        </p:style>
+        <p:txBody>
+          <a:bodyPr rtlCol="0" anchor="ctr"/>
+          <a:lstStyle/>
+          <a:p>
+            <a:pPr algn="ctr"/>
+            <a:r>
+              <a:rPr lang="en-GB" sz="1100" dirty="0"/>
+              <a:t>Video Monitor</a:t>
+            </a:r>
+          </a:p>
+        </p:txBody>
+      </p:sp>
+      <p:sp>
+        <p:nvSpPr>
+          <p:cNvPr id="173" name="Rectangle 172">
+            <a:extLst>
+              <a:ext uri="{FF2B5EF4-FFF2-40B4-BE49-F238E27FC236}">
+                <a16:creationId xmlns:a16="http://schemas.microsoft.com/office/drawing/2014/main" id="{7EE13782-8F64-4179-8A4B-3F4DB815B409}"/>
+              </a:ext>
+            </a:extLst>
+          </p:cNvPr>
+          <p:cNvSpPr/>
+          <p:nvPr/>
+        </p:nvSpPr>
+        <p:spPr>
+          <a:xfrm>
+            <a:off x="1616313" y="4657620"/>
+            <a:ext cx="710553" cy="646487"/>
+          </a:xfrm>
+          <a:prstGeom prst="rect">
+            <a:avLst/>
+          </a:prstGeom>
+        </p:spPr>
+        <p:style>
+          <a:lnRef idx="2">
+            <a:schemeClr val="accent1">
+              <a:shade val="50000"/>
+            </a:schemeClr>
+          </a:lnRef>
+          <a:fillRef idx="1">
+            <a:schemeClr val="accent1"/>
+          </a:fillRef>
+          <a:effectRef idx="0">
+            <a:schemeClr val="accent1"/>
+          </a:effectRef>
+          <a:fontRef idx="minor">
+            <a:schemeClr val="lt1"/>
+          </a:fontRef>
+        </p:style>
+        <p:txBody>
+          <a:bodyPr rtlCol="0" anchor="ctr"/>
+          <a:lstStyle/>
+          <a:p>
+            <a:pPr algn="ctr"/>
+            <a:r>
+              <a:rPr lang="en-GB" sz="1100" dirty="0"/>
+              <a:t>Brake Switch</a:t>
+            </a:r>
+          </a:p>
+        </p:txBody>
+      </p:sp>
+      <p:sp>
+        <p:nvSpPr>
+          <p:cNvPr id="175" name="Rectangle 174">
+            <a:extLst>
+              <a:ext uri="{FF2B5EF4-FFF2-40B4-BE49-F238E27FC236}">
+                <a16:creationId xmlns:a16="http://schemas.microsoft.com/office/drawing/2014/main" id="{91987228-86B1-4B87-9244-1ED157F77BC0}"/>
+              </a:ext>
+            </a:extLst>
+          </p:cNvPr>
+          <p:cNvSpPr/>
+          <p:nvPr/>
+        </p:nvSpPr>
+        <p:spPr>
+          <a:xfrm>
+            <a:off x="4531892" y="3160477"/>
+            <a:ext cx="710553" cy="268765"/>
+          </a:xfrm>
+          <a:prstGeom prst="rect">
+            <a:avLst/>
+          </a:prstGeom>
+        </p:spPr>
+        <p:style>
+          <a:lnRef idx="2">
+            <a:schemeClr val="accent1">
+              <a:shade val="50000"/>
+            </a:schemeClr>
+          </a:lnRef>
+          <a:fillRef idx="1">
+            <a:schemeClr val="accent1"/>
+          </a:fillRef>
+          <a:effectRef idx="0">
+            <a:schemeClr val="accent1"/>
+          </a:effectRef>
+          <a:fontRef idx="minor">
+            <a:schemeClr val="lt1"/>
+          </a:fontRef>
+        </p:style>
+        <p:txBody>
+          <a:bodyPr rtlCol="0" anchor="ctr"/>
+          <a:lstStyle/>
+          <a:p>
+            <a:pPr algn="ctr"/>
+            <a:r>
+              <a:rPr lang="en-GB" sz="1100" dirty="0" err="1"/>
+              <a:t>WiFi</a:t>
+            </a:r>
+            <a:endParaRPr lang="en-GB" sz="1100" dirty="0"/>
+          </a:p>
+        </p:txBody>
+      </p:sp>
+      <p:cxnSp>
+        <p:nvCxnSpPr>
+          <p:cNvPr id="176" name="Straight Arrow Connector 17">
+            <a:extLst>
+              <a:ext uri="{FF2B5EF4-FFF2-40B4-BE49-F238E27FC236}">
+                <a16:creationId xmlns:a16="http://schemas.microsoft.com/office/drawing/2014/main" id="{E888D560-0337-455C-930D-279113A0997E}"/>
+              </a:ext>
+            </a:extLst>
+          </p:cNvPr>
+          <p:cNvCxnSpPr>
+            <a:cxnSpLocks/>
+            <a:stCxn id="175" idx="3"/>
+          </p:cNvCxnSpPr>
+          <p:nvPr/>
+        </p:nvCxnSpPr>
+        <p:spPr>
+          <a:xfrm>
+            <a:off x="5242445" y="3294860"/>
+            <a:ext cx="349922" cy="6189"/>
+          </a:xfrm>
+          <a:prstGeom prst="straightConnector1">
+            <a:avLst/>
+          </a:prstGeom>
+          <a:ln w="19050">
+            <a:solidFill>
+              <a:srgbClr val="7030A0"/>
+            </a:solidFill>
+            <a:headEnd type="triangle" w="med" len="med"/>
+            <a:tailEnd type="triangle" w="med" len="med"/>
+          </a:ln>
+        </p:spPr>
+        <p:style>
+          <a:lnRef idx="1">
+            <a:schemeClr val="accent1"/>
+          </a:lnRef>
+          <a:fillRef idx="0">
+            <a:schemeClr val="accent1"/>
+          </a:fillRef>
+          <a:effectRef idx="0">
+            <a:schemeClr val="accent1"/>
+          </a:effectRef>
+          <a:fontRef idx="minor">
+            <a:schemeClr val="tx1"/>
+          </a:fontRef>
+        </p:style>
+      </p:cxnSp>
+      <p:sp>
+        <p:nvSpPr>
+          <p:cNvPr id="179" name="Rectangle 178">
+            <a:extLst>
+              <a:ext uri="{FF2B5EF4-FFF2-40B4-BE49-F238E27FC236}">
+                <a16:creationId xmlns:a16="http://schemas.microsoft.com/office/drawing/2014/main" id="{A304AEF3-223A-4C5A-A2B7-2BD3F37849E6}"/>
+              </a:ext>
+            </a:extLst>
+          </p:cNvPr>
+          <p:cNvSpPr/>
+          <p:nvPr/>
+        </p:nvSpPr>
+        <p:spPr>
+          <a:xfrm>
+            <a:off x="4519255" y="4795920"/>
+            <a:ext cx="710553" cy="646487"/>
+          </a:xfrm>
+          <a:prstGeom prst="rect">
+            <a:avLst/>
+          </a:prstGeom>
+        </p:spPr>
+        <p:style>
+          <a:lnRef idx="2">
+            <a:schemeClr val="accent1">
+              <a:shade val="50000"/>
+            </a:schemeClr>
+          </a:lnRef>
+          <a:fillRef idx="1">
+            <a:schemeClr val="accent1"/>
+          </a:fillRef>
+          <a:effectRef idx="0">
+            <a:schemeClr val="accent1"/>
+          </a:effectRef>
+          <a:fontRef idx="minor">
+            <a:schemeClr val="lt1"/>
+          </a:fontRef>
+        </p:style>
+        <p:txBody>
+          <a:bodyPr rtlCol="0" anchor="ctr"/>
+          <a:lstStyle/>
+          <a:p>
+            <a:pPr algn="ctr"/>
+            <a:r>
+              <a:rPr lang="en-GB" sz="1100" dirty="0"/>
+              <a:t>Bump Switches</a:t>
+            </a:r>
+          </a:p>
+        </p:txBody>
+      </p:sp>
+      <p:cxnSp>
+        <p:nvCxnSpPr>
+          <p:cNvPr id="180" name="Straight Arrow Connector 17">
+            <a:extLst>
+              <a:ext uri="{FF2B5EF4-FFF2-40B4-BE49-F238E27FC236}">
+                <a16:creationId xmlns:a16="http://schemas.microsoft.com/office/drawing/2014/main" id="{A7336367-AA28-437C-9BC0-E1897B4EDC33}"/>
+              </a:ext>
+            </a:extLst>
+          </p:cNvPr>
+          <p:cNvCxnSpPr>
+            <a:cxnSpLocks/>
+            <a:stCxn id="179" idx="3"/>
+            <a:endCxn id="123" idx="2"/>
+          </p:cNvCxnSpPr>
+          <p:nvPr/>
+        </p:nvCxnSpPr>
+        <p:spPr>
+          <a:xfrm flipV="1">
+            <a:off x="5229808" y="4638369"/>
+            <a:ext cx="609856" cy="480795"/>
+          </a:xfrm>
+          <a:prstGeom prst="bentConnector2">
+            <a:avLst/>
+          </a:prstGeom>
+          <a:ln w="19050">
+            <a:solidFill>
+              <a:srgbClr val="7030A0"/>
+            </a:solidFill>
+            <a:tailEnd type="triangle"/>
+          </a:ln>
+        </p:spPr>
+        <p:style>
+          <a:lnRef idx="1">
+            <a:schemeClr val="accent1"/>
+          </a:lnRef>
+          <a:fillRef idx="0">
+            <a:schemeClr val="accent1"/>
+          </a:fillRef>
+          <a:effectRef idx="0">
+            <a:schemeClr val="accent1"/>
+          </a:effectRef>
+          <a:fontRef idx="minor">
+            <a:schemeClr val="tx1"/>
+          </a:fontRef>
+        </p:style>
+      </p:cxnSp>
+      <p:sp>
+        <p:nvSpPr>
+          <p:cNvPr id="185" name="Rectangle 184">
+            <a:extLst>
+              <a:ext uri="{FF2B5EF4-FFF2-40B4-BE49-F238E27FC236}">
+                <a16:creationId xmlns:a16="http://schemas.microsoft.com/office/drawing/2014/main" id="{514BFF31-AAD8-4415-BB98-D304DE089C33}"/>
+              </a:ext>
+            </a:extLst>
+          </p:cNvPr>
+          <p:cNvSpPr/>
+          <p:nvPr/>
+        </p:nvSpPr>
+        <p:spPr>
+          <a:xfrm>
+            <a:off x="4510451" y="3544781"/>
+            <a:ext cx="710553" cy="268765"/>
+          </a:xfrm>
+          <a:prstGeom prst="rect">
+            <a:avLst/>
+          </a:prstGeom>
+        </p:spPr>
+        <p:style>
+          <a:lnRef idx="2">
+            <a:schemeClr val="accent1">
+              <a:shade val="50000"/>
+            </a:schemeClr>
+          </a:lnRef>
+          <a:fillRef idx="1">
+            <a:schemeClr val="accent1"/>
+          </a:fillRef>
+          <a:effectRef idx="0">
+            <a:schemeClr val="accent1"/>
+          </a:effectRef>
+          <a:fontRef idx="minor">
+            <a:schemeClr val="lt1"/>
+          </a:fontRef>
+        </p:style>
+        <p:txBody>
+          <a:bodyPr rtlCol="0" anchor="ctr"/>
+          <a:lstStyle/>
+          <a:p>
+            <a:pPr algn="ctr"/>
+            <a:r>
+              <a:rPr lang="en-GB" sz="1100" dirty="0"/>
+              <a:t>GPS</a:t>
+            </a:r>
+          </a:p>
+        </p:txBody>
+      </p:sp>
+      <p:cxnSp>
+        <p:nvCxnSpPr>
+          <p:cNvPr id="187" name="Straight Arrow Connector 17">
+            <a:extLst>
+              <a:ext uri="{FF2B5EF4-FFF2-40B4-BE49-F238E27FC236}">
+                <a16:creationId xmlns:a16="http://schemas.microsoft.com/office/drawing/2014/main" id="{B0ACAE70-C85B-4FDE-9361-53ACA39D451D}"/>
+              </a:ext>
+            </a:extLst>
+          </p:cNvPr>
+          <p:cNvCxnSpPr>
+            <a:cxnSpLocks/>
+            <a:stCxn id="185" idx="3"/>
+          </p:cNvCxnSpPr>
+          <p:nvPr/>
+        </p:nvCxnSpPr>
+        <p:spPr>
+          <a:xfrm>
+            <a:off x="5221004" y="3679164"/>
+            <a:ext cx="313732" cy="320665"/>
+          </a:xfrm>
+          <a:prstGeom prst="bentConnector2">
+            <a:avLst/>
+          </a:prstGeom>
+          <a:ln w="19050">
+            <a:solidFill>
+              <a:srgbClr val="7030A0"/>
+            </a:solidFill>
+            <a:headEnd type="none" w="med" len="med"/>
+            <a:tailEnd type="triangle" w="med" len="med"/>
+          </a:ln>
+        </p:spPr>
+        <p:style>
+          <a:lnRef idx="1">
+            <a:schemeClr val="accent1"/>
+          </a:lnRef>
+          <a:fillRef idx="0">
+            <a:schemeClr val="accent1"/>
+          </a:fillRef>
+          <a:effectRef idx="0">
+            <a:schemeClr val="accent1"/>
+          </a:effectRef>
+          <a:fontRef idx="minor">
+            <a:schemeClr val="tx1"/>
+          </a:fontRef>
+        </p:style>
+      </p:cxnSp>
+      <p:sp>
+        <p:nvSpPr>
+          <p:cNvPr id="189" name="Rectangle 188">
+            <a:extLst>
+              <a:ext uri="{FF2B5EF4-FFF2-40B4-BE49-F238E27FC236}">
+                <a16:creationId xmlns:a16="http://schemas.microsoft.com/office/drawing/2014/main" id="{D761EC7D-3E13-45A6-AAFD-5153A491463C}"/>
+              </a:ext>
+            </a:extLst>
+          </p:cNvPr>
+          <p:cNvSpPr/>
+          <p:nvPr/>
+        </p:nvSpPr>
+        <p:spPr>
+          <a:xfrm>
+            <a:off x="2475299" y="4659719"/>
+            <a:ext cx="710553" cy="646487"/>
+          </a:xfrm>
+          <a:prstGeom prst="rect">
+            <a:avLst/>
+          </a:prstGeom>
+        </p:spPr>
+        <p:style>
+          <a:lnRef idx="2">
+            <a:schemeClr val="accent1">
+              <a:shade val="50000"/>
+            </a:schemeClr>
+          </a:lnRef>
+          <a:fillRef idx="1">
+            <a:schemeClr val="accent1"/>
+          </a:fillRef>
+          <a:effectRef idx="0">
+            <a:schemeClr val="accent1"/>
+          </a:effectRef>
+          <a:fontRef idx="minor">
+            <a:schemeClr val="lt1"/>
+          </a:fontRef>
+        </p:style>
+        <p:txBody>
+          <a:bodyPr rtlCol="0" anchor="ctr"/>
+          <a:lstStyle/>
+          <a:p>
+            <a:pPr algn="ctr"/>
+            <a:r>
+              <a:rPr lang="en-GB" sz="1100" dirty="0"/>
+              <a:t>Local / Remote Mode</a:t>
+            </a:r>
+          </a:p>
+        </p:txBody>
+      </p:sp>
+      <p:sp>
+        <p:nvSpPr>
+          <p:cNvPr id="190" name="Rectangle 189">
+            <a:extLst>
+              <a:ext uri="{FF2B5EF4-FFF2-40B4-BE49-F238E27FC236}">
+                <a16:creationId xmlns:a16="http://schemas.microsoft.com/office/drawing/2014/main" id="{D22C6DBF-C09C-4456-9A41-A92609016160}"/>
+              </a:ext>
+            </a:extLst>
+          </p:cNvPr>
+          <p:cNvSpPr/>
+          <p:nvPr/>
+        </p:nvSpPr>
+        <p:spPr>
+          <a:xfrm>
+            <a:off x="3319174" y="4659927"/>
+            <a:ext cx="710553" cy="646487"/>
+          </a:xfrm>
+          <a:prstGeom prst="rect">
+            <a:avLst/>
+          </a:prstGeom>
+        </p:spPr>
+        <p:style>
+          <a:lnRef idx="2">
+            <a:schemeClr val="accent1">
+              <a:shade val="50000"/>
+            </a:schemeClr>
+          </a:lnRef>
+          <a:fillRef idx="1">
+            <a:schemeClr val="accent1"/>
+          </a:fillRef>
+          <a:effectRef idx="0">
+            <a:schemeClr val="accent1"/>
+          </a:effectRef>
+          <a:fontRef idx="minor">
+            <a:schemeClr val="lt1"/>
+          </a:fontRef>
+        </p:style>
+        <p:txBody>
+          <a:bodyPr rtlCol="0" anchor="ctr"/>
+          <a:lstStyle/>
+          <a:p>
+            <a:pPr algn="ctr"/>
+            <a:r>
+              <a:rPr lang="en-GB" sz="1100" dirty="0"/>
+              <a:t>D / N / R Switch?</a:t>
+            </a:r>
+          </a:p>
+        </p:txBody>
+      </p:sp>
+      <p:sp>
+        <p:nvSpPr>
+          <p:cNvPr id="192" name="Rectangle 191">
+            <a:extLst>
+              <a:ext uri="{FF2B5EF4-FFF2-40B4-BE49-F238E27FC236}">
+                <a16:creationId xmlns:a16="http://schemas.microsoft.com/office/drawing/2014/main" id="{5F695F32-86F4-48A7-BDD8-770CCCD7C0E1}"/>
+              </a:ext>
+            </a:extLst>
+          </p:cNvPr>
+          <p:cNvSpPr/>
+          <p:nvPr/>
+        </p:nvSpPr>
+        <p:spPr>
+          <a:xfrm>
+            <a:off x="5915443" y="5447847"/>
+            <a:ext cx="710553" cy="646487"/>
+          </a:xfrm>
+          <a:prstGeom prst="rect">
+            <a:avLst/>
+          </a:prstGeom>
+        </p:spPr>
+        <p:style>
+          <a:lnRef idx="2">
+            <a:schemeClr val="accent1">
+              <a:shade val="50000"/>
+            </a:schemeClr>
+          </a:lnRef>
+          <a:fillRef idx="1">
+            <a:schemeClr val="accent1"/>
+          </a:fillRef>
+          <a:effectRef idx="0">
+            <a:schemeClr val="accent1"/>
+          </a:effectRef>
+          <a:fontRef idx="minor">
+            <a:schemeClr val="lt1"/>
+          </a:fontRef>
+        </p:style>
+        <p:txBody>
+          <a:bodyPr rtlCol="0" anchor="ctr"/>
+          <a:lstStyle/>
+          <a:p>
+            <a:pPr algn="ctr"/>
+            <a:r>
+              <a:rPr lang="en-GB" sz="1050" dirty="0"/>
+              <a:t>Lights </a:t>
+            </a:r>
+            <a:r>
+              <a:rPr lang="en-GB" sz="700" dirty="0"/>
+              <a:t>addressable?</a:t>
+            </a:r>
+            <a:endParaRPr lang="en-GB" sz="1050" dirty="0"/>
+          </a:p>
+        </p:txBody>
+      </p:sp>
+      <p:cxnSp>
+        <p:nvCxnSpPr>
+          <p:cNvPr id="83" name="Straight Connector 35">
+            <a:extLst>
+              <a:ext uri="{FF2B5EF4-FFF2-40B4-BE49-F238E27FC236}">
+                <a16:creationId xmlns:a16="http://schemas.microsoft.com/office/drawing/2014/main" id="{A36B8BA8-A7AC-4B3E-A898-D275EFC4C070}"/>
+              </a:ext>
+            </a:extLst>
+          </p:cNvPr>
+          <p:cNvCxnSpPr>
+            <a:cxnSpLocks/>
+            <a:stCxn id="14" idx="1"/>
+            <a:endCxn id="134" idx="3"/>
+          </p:cNvCxnSpPr>
+          <p:nvPr/>
+        </p:nvCxnSpPr>
+        <p:spPr>
+          <a:xfrm rot="10800000" flipV="1">
+            <a:off x="1006524" y="754519"/>
+            <a:ext cx="2442213" cy="2786"/>
+          </a:xfrm>
+          <a:prstGeom prst="bentConnector3">
+            <a:avLst>
+              <a:gd name="adj1" fmla="val 50000"/>
+            </a:avLst>
+          </a:prstGeom>
+          <a:ln w="19050" cap="flat" cmpd="sng" algn="ctr">
+            <a:solidFill>
+              <a:srgbClr val="FF0000"/>
+            </a:solidFill>
+            <a:prstDash val="solid"/>
+            <a:round/>
+            <a:headEnd type="none" w="med" len="med"/>
+            <a:tailEnd type="triangle" w="med" len="med"/>
+          </a:ln>
+        </p:spPr>
+        <p:style>
+          <a:lnRef idx="0">
+            <a:scrgbClr r="0" g="0" b="0"/>
+          </a:lnRef>
+          <a:fillRef idx="0">
+            <a:scrgbClr r="0" g="0" b="0"/>
+          </a:fillRef>
+          <a:effectRef idx="0">
+            <a:scrgbClr r="0" g="0" b="0"/>
+          </a:effectRef>
+          <a:fontRef idx="minor">
+            <a:schemeClr val="tx1"/>
+          </a:fontRef>
+        </p:style>
+      </p:cxnSp>
+      <p:cxnSp>
+        <p:nvCxnSpPr>
+          <p:cNvPr id="86" name="Straight Arrow Connector 17">
+            <a:extLst>
+              <a:ext uri="{FF2B5EF4-FFF2-40B4-BE49-F238E27FC236}">
+                <a16:creationId xmlns:a16="http://schemas.microsoft.com/office/drawing/2014/main" id="{482F5ADD-BB6D-4836-8465-AF675540DD43}"/>
+              </a:ext>
+            </a:extLst>
+          </p:cNvPr>
+          <p:cNvCxnSpPr>
+            <a:cxnSpLocks/>
+            <a:stCxn id="192" idx="0"/>
+          </p:cNvCxnSpPr>
+          <p:nvPr/>
+        </p:nvCxnSpPr>
+        <p:spPr>
+          <a:xfrm rot="16200000" flipV="1">
+            <a:off x="5117381" y="4294508"/>
+            <a:ext cx="1877611" cy="429068"/>
+          </a:xfrm>
+          <a:prstGeom prst="bentConnector3">
+            <a:avLst>
+              <a:gd name="adj1" fmla="val 88464"/>
+            </a:avLst>
+          </a:prstGeom>
+          <a:ln w="19050">
+            <a:solidFill>
+              <a:srgbClr val="7030A0"/>
+            </a:solidFill>
+            <a:headEnd type="triangle" w="med" len="med"/>
+            <a:tailEnd type="none" w="med" len="med"/>
+          </a:ln>
+        </p:spPr>
+        <p:style>
+          <a:lnRef idx="1">
+            <a:schemeClr val="accent1"/>
+          </a:lnRef>
+          <a:fillRef idx="0">
+            <a:schemeClr val="accent1"/>
+          </a:fillRef>
+          <a:effectRef idx="0">
+            <a:schemeClr val="accent1"/>
+          </a:effectRef>
+          <a:fontRef idx="minor">
+            <a:schemeClr val="tx1"/>
+          </a:fontRef>
+        </p:style>
+      </p:cxnSp>
+      <p:cxnSp>
+        <p:nvCxnSpPr>
+          <p:cNvPr id="42" name="Straight Connector 41">
+            <a:extLst>
+              <a:ext uri="{FF2B5EF4-FFF2-40B4-BE49-F238E27FC236}">
+                <a16:creationId xmlns:a16="http://schemas.microsoft.com/office/drawing/2014/main" id="{19336995-FF49-488B-BFE7-DB4C11CA6674}"/>
+              </a:ext>
+            </a:extLst>
+          </p:cNvPr>
+          <p:cNvCxnSpPr>
+            <a:cxnSpLocks/>
+          </p:cNvCxnSpPr>
+          <p:nvPr/>
+        </p:nvCxnSpPr>
+        <p:spPr>
+          <a:xfrm>
+            <a:off x="6300330" y="3034410"/>
+            <a:ext cx="86151" cy="0"/>
+          </a:xfrm>
+          <a:prstGeom prst="line">
+            <a:avLst/>
+          </a:prstGeom>
+          <a:ln w="19050">
+            <a:solidFill>
+              <a:srgbClr val="7030A0"/>
+            </a:solidFill>
+          </a:ln>
+        </p:spPr>
+        <p:style>
+          <a:lnRef idx="1">
+            <a:schemeClr val="accent1"/>
+          </a:lnRef>
+          <a:fillRef idx="0">
+            <a:schemeClr val="accent1"/>
+          </a:fillRef>
+          <a:effectRef idx="0">
+            <a:schemeClr val="accent1"/>
+          </a:effectRef>
+          <a:fontRef idx="minor">
+            <a:schemeClr val="tx1"/>
+          </a:fontRef>
+        </p:style>
+      </p:cxnSp>
+      <p:cxnSp>
+        <p:nvCxnSpPr>
+          <p:cNvPr id="96" name="Straight Connector 95">
+            <a:extLst>
+              <a:ext uri="{FF2B5EF4-FFF2-40B4-BE49-F238E27FC236}">
+                <a16:creationId xmlns:a16="http://schemas.microsoft.com/office/drawing/2014/main" id="{FF12ACA0-6533-4651-93BC-05BCECE0EDD1}"/>
+              </a:ext>
+            </a:extLst>
+          </p:cNvPr>
+          <p:cNvCxnSpPr>
+            <a:cxnSpLocks/>
+          </p:cNvCxnSpPr>
+          <p:nvPr/>
+        </p:nvCxnSpPr>
+        <p:spPr>
+          <a:xfrm>
+            <a:off x="6386481" y="506096"/>
+            <a:ext cx="0" cy="2517814"/>
+          </a:xfrm>
+          <a:prstGeom prst="line">
+            <a:avLst/>
+          </a:prstGeom>
+          <a:ln w="19050">
+            <a:solidFill>
+              <a:srgbClr val="7030A0"/>
+            </a:solidFill>
+          </a:ln>
+        </p:spPr>
+        <p:style>
+          <a:lnRef idx="1">
+            <a:schemeClr val="accent1"/>
+          </a:lnRef>
+          <a:fillRef idx="0">
+            <a:schemeClr val="accent1"/>
+          </a:fillRef>
+          <a:effectRef idx="0">
+            <a:schemeClr val="accent1"/>
+          </a:effectRef>
+          <a:fontRef idx="minor">
+            <a:schemeClr val="tx1"/>
+          </a:fontRef>
+        </p:style>
+      </p:cxnSp>
+      <p:cxnSp>
+        <p:nvCxnSpPr>
+          <p:cNvPr id="101" name="Straight Arrow Connector 17">
+            <a:extLst>
+              <a:ext uri="{FF2B5EF4-FFF2-40B4-BE49-F238E27FC236}">
+                <a16:creationId xmlns:a16="http://schemas.microsoft.com/office/drawing/2014/main" id="{232C5962-6A81-40C5-B53F-AC4510A89AD9}"/>
+              </a:ext>
+            </a:extLst>
+          </p:cNvPr>
+          <p:cNvCxnSpPr>
+            <a:cxnSpLocks/>
+          </p:cNvCxnSpPr>
+          <p:nvPr/>
+        </p:nvCxnSpPr>
+        <p:spPr>
+          <a:xfrm flipH="1">
+            <a:off x="4159290" y="506096"/>
+            <a:ext cx="2227191" cy="0"/>
+          </a:xfrm>
+          <a:prstGeom prst="straightConnector1">
+            <a:avLst/>
+          </a:prstGeom>
+          <a:ln w="19050">
+            <a:solidFill>
+              <a:srgbClr val="7030A0"/>
+            </a:solidFill>
+            <a:tailEnd type="triangle"/>
+          </a:ln>
+        </p:spPr>
+        <p:style>
+          <a:lnRef idx="1">
+            <a:schemeClr val="accent1"/>
+          </a:lnRef>
+          <a:fillRef idx="0">
+            <a:schemeClr val="accent1"/>
+          </a:fillRef>
+          <a:effectRef idx="0">
+            <a:schemeClr val="accent1"/>
+          </a:effectRef>
+          <a:fontRef idx="minor">
+            <a:schemeClr val="tx1"/>
+          </a:fontRef>
+        </p:style>
+      </p:cxnSp>
+      <p:cxnSp>
+        <p:nvCxnSpPr>
+          <p:cNvPr id="112" name="Straight Connector 35">
+            <a:extLst>
+              <a:ext uri="{FF2B5EF4-FFF2-40B4-BE49-F238E27FC236}">
+                <a16:creationId xmlns:a16="http://schemas.microsoft.com/office/drawing/2014/main" id="{0A4BE859-D862-4D11-BFFC-1EF34E764C62}"/>
+              </a:ext>
+            </a:extLst>
+          </p:cNvPr>
+          <p:cNvCxnSpPr>
+            <a:cxnSpLocks/>
+          </p:cNvCxnSpPr>
+          <p:nvPr/>
+        </p:nvCxnSpPr>
+        <p:spPr>
+          <a:xfrm rot="10800000" flipV="1">
+            <a:off x="3209585" y="754517"/>
+            <a:ext cx="1465114" cy="396547"/>
+          </a:xfrm>
+          <a:prstGeom prst="bentConnector3">
+            <a:avLst>
+              <a:gd name="adj1" fmla="val 10247"/>
+            </a:avLst>
+          </a:prstGeom>
+          <a:ln w="19050" cap="flat" cmpd="sng" algn="ctr">
+            <a:solidFill>
+              <a:srgbClr val="FF0000"/>
+            </a:solidFill>
+            <a:prstDash val="solid"/>
+            <a:round/>
+            <a:headEnd type="none" w="med" len="med"/>
+            <a:tailEnd type="triangle" w="med" len="med"/>
+          </a:ln>
+        </p:spPr>
+        <p:style>
+          <a:lnRef idx="0">
+            <a:scrgbClr r="0" g="0" b="0"/>
+          </a:lnRef>
+          <a:fillRef idx="0">
+            <a:scrgbClr r="0" g="0" b="0"/>
+          </a:fillRef>
+          <a:effectRef idx="0">
+            <a:scrgbClr r="0" g="0" b="0"/>
+          </a:effectRef>
+          <a:fontRef idx="minor">
+            <a:schemeClr val="tx1"/>
+          </a:fontRef>
+        </p:style>
+      </p:cxnSp>
+      <p:sp>
+        <p:nvSpPr>
+          <p:cNvPr id="116" name="Rectangle 115">
+            <a:extLst>
+              <a:ext uri="{FF2B5EF4-FFF2-40B4-BE49-F238E27FC236}">
+                <a16:creationId xmlns:a16="http://schemas.microsoft.com/office/drawing/2014/main" id="{6283773E-BD3E-43CC-A684-C868D8691E93}"/>
+              </a:ext>
+            </a:extLst>
+          </p:cNvPr>
+          <p:cNvSpPr/>
+          <p:nvPr/>
+        </p:nvSpPr>
+        <p:spPr>
+          <a:xfrm>
+            <a:off x="7113309" y="3768925"/>
+            <a:ext cx="710553" cy="430326"/>
+          </a:xfrm>
+          <a:prstGeom prst="rect">
+            <a:avLst/>
+          </a:prstGeom>
+        </p:spPr>
+        <p:style>
+          <a:lnRef idx="2">
+            <a:schemeClr val="accent1">
+              <a:shade val="50000"/>
+            </a:schemeClr>
+          </a:lnRef>
+          <a:fillRef idx="1">
+            <a:schemeClr val="accent1"/>
+          </a:fillRef>
+          <a:effectRef idx="0">
+            <a:schemeClr val="accent1"/>
+          </a:effectRef>
+          <a:fontRef idx="minor">
+            <a:schemeClr val="lt1"/>
+          </a:fontRef>
+        </p:style>
+        <p:txBody>
+          <a:bodyPr rtlCol="0" anchor="ctr"/>
+          <a:lstStyle/>
+          <a:p>
+            <a:pPr algn="ctr"/>
+            <a:r>
+              <a:rPr lang="en-GB" sz="1100" dirty="0"/>
+              <a:t>Steering Wheel</a:t>
+            </a:r>
+          </a:p>
+        </p:txBody>
+      </p:sp>
+      <p:cxnSp>
+        <p:nvCxnSpPr>
+          <p:cNvPr id="119" name="Straight Arrow Connector 17">
+            <a:extLst>
+              <a:ext uri="{FF2B5EF4-FFF2-40B4-BE49-F238E27FC236}">
+                <a16:creationId xmlns:a16="http://schemas.microsoft.com/office/drawing/2014/main" id="{E54B9C22-2375-4E20-9811-5D1C66475694}"/>
+              </a:ext>
+            </a:extLst>
+          </p:cNvPr>
+          <p:cNvCxnSpPr>
+            <a:cxnSpLocks/>
+            <a:endCxn id="116" idx="1"/>
+          </p:cNvCxnSpPr>
+          <p:nvPr/>
+        </p:nvCxnSpPr>
+        <p:spPr>
+          <a:xfrm>
+            <a:off x="6310365" y="3445680"/>
+            <a:ext cx="802944" cy="538408"/>
+          </a:xfrm>
+          <a:prstGeom prst="bentConnector3">
+            <a:avLst>
+              <a:gd name="adj1" fmla="val 35493"/>
+            </a:avLst>
+          </a:prstGeom>
+          <a:ln w="19050">
+            <a:solidFill>
+              <a:srgbClr val="7030A0"/>
+            </a:solidFill>
+            <a:headEnd type="triangle" w="med" len="med"/>
+            <a:tailEnd type="none" w="med" len="med"/>
+          </a:ln>
+        </p:spPr>
+        <p:style>
+          <a:lnRef idx="1">
+            <a:schemeClr val="accent1"/>
+          </a:lnRef>
+          <a:fillRef idx="0">
+            <a:schemeClr val="accent1"/>
+          </a:fillRef>
+          <a:effectRef idx="0">
+            <a:schemeClr val="accent1"/>
+          </a:effectRef>
+          <a:fontRef idx="minor">
+            <a:schemeClr val="tx1"/>
+          </a:fontRef>
+        </p:style>
+      </p:cxnSp>
+      <p:cxnSp>
+        <p:nvCxnSpPr>
+          <p:cNvPr id="130" name="Straight Arrow Connector 17">
+            <a:extLst>
+              <a:ext uri="{FF2B5EF4-FFF2-40B4-BE49-F238E27FC236}">
+                <a16:creationId xmlns:a16="http://schemas.microsoft.com/office/drawing/2014/main" id="{A618E7CC-E573-45A2-907D-B7551D840452}"/>
+              </a:ext>
+            </a:extLst>
+          </p:cNvPr>
+          <p:cNvCxnSpPr>
+            <a:cxnSpLocks/>
+            <a:stCxn id="172" idx="1"/>
+          </p:cNvCxnSpPr>
+          <p:nvPr/>
+        </p:nvCxnSpPr>
+        <p:spPr>
+          <a:xfrm rot="10800000">
+            <a:off x="6420851" y="3679163"/>
+            <a:ext cx="692458" cy="818742"/>
+          </a:xfrm>
+          <a:prstGeom prst="bentConnector2">
+            <a:avLst/>
+          </a:prstGeom>
+          <a:ln w="19050">
+            <a:solidFill>
+              <a:srgbClr val="7030A0"/>
+            </a:solidFill>
+            <a:headEnd type="triangle" w="med" len="med"/>
+            <a:tailEnd type="none" w="med" len="med"/>
+          </a:ln>
+        </p:spPr>
+        <p:style>
+          <a:lnRef idx="1">
+            <a:schemeClr val="accent1"/>
+          </a:lnRef>
+          <a:fillRef idx="0">
+            <a:schemeClr val="accent1"/>
+          </a:fillRef>
+          <a:effectRef idx="0">
+            <a:schemeClr val="accent1"/>
+          </a:effectRef>
+          <a:fontRef idx="minor">
+            <a:schemeClr val="tx1"/>
+          </a:fontRef>
+        </p:style>
+      </p:cxnSp>
+      <p:cxnSp>
+        <p:nvCxnSpPr>
+          <p:cNvPr id="136" name="Straight Connector 135">
+            <a:extLst>
+              <a:ext uri="{FF2B5EF4-FFF2-40B4-BE49-F238E27FC236}">
+                <a16:creationId xmlns:a16="http://schemas.microsoft.com/office/drawing/2014/main" id="{4AAD1A0B-CA59-4275-8715-4A22AA696DA6}"/>
+              </a:ext>
+            </a:extLst>
+          </p:cNvPr>
+          <p:cNvCxnSpPr>
+            <a:cxnSpLocks/>
+          </p:cNvCxnSpPr>
+          <p:nvPr/>
+        </p:nvCxnSpPr>
+        <p:spPr>
+          <a:xfrm flipH="1">
+            <a:off x="6096000" y="3684680"/>
+            <a:ext cx="324850" cy="0"/>
+          </a:xfrm>
+          <a:prstGeom prst="line">
+            <a:avLst/>
+          </a:prstGeom>
+          <a:ln w="19050">
+            <a:solidFill>
+              <a:srgbClr val="7030A0"/>
+            </a:solidFill>
+          </a:ln>
+        </p:spPr>
+        <p:style>
+          <a:lnRef idx="1">
+            <a:schemeClr val="accent1"/>
+          </a:lnRef>
+          <a:fillRef idx="0">
+            <a:schemeClr val="accent1"/>
+          </a:fillRef>
+          <a:effectRef idx="0">
+            <a:schemeClr val="accent1"/>
+          </a:effectRef>
+          <a:fontRef idx="minor">
+            <a:schemeClr val="tx1"/>
+          </a:fontRef>
+        </p:style>
+      </p:cxnSp>
+      <p:cxnSp>
+        <p:nvCxnSpPr>
+          <p:cNvPr id="138" name="Straight Connector 137">
+            <a:extLst>
+              <a:ext uri="{FF2B5EF4-FFF2-40B4-BE49-F238E27FC236}">
+                <a16:creationId xmlns:a16="http://schemas.microsoft.com/office/drawing/2014/main" id="{78DBA29F-4F30-4098-B3DB-A48B618C2000}"/>
+              </a:ext>
+            </a:extLst>
+          </p:cNvPr>
+          <p:cNvCxnSpPr>
+            <a:cxnSpLocks/>
+          </p:cNvCxnSpPr>
+          <p:nvPr/>
+        </p:nvCxnSpPr>
+        <p:spPr>
+          <a:xfrm flipV="1">
+            <a:off x="6099876" y="3544781"/>
+            <a:ext cx="0" cy="142197"/>
+          </a:xfrm>
+          <a:prstGeom prst="line">
+            <a:avLst/>
+          </a:prstGeom>
+          <a:ln w="19050">
+            <a:solidFill>
+              <a:srgbClr val="7030A0"/>
+            </a:solidFill>
+          </a:ln>
+        </p:spPr>
+        <p:style>
+          <a:lnRef idx="1">
+            <a:schemeClr val="accent1"/>
+          </a:lnRef>
+          <a:fillRef idx="0">
+            <a:schemeClr val="accent1"/>
+          </a:fillRef>
+          <a:effectRef idx="0">
+            <a:schemeClr val="accent1"/>
+          </a:effectRef>
+          <a:fontRef idx="minor">
+            <a:schemeClr val="tx1"/>
+          </a:fontRef>
+        </p:style>
+      </p:cxnSp>
+      <p:sp>
+        <p:nvSpPr>
+          <p:cNvPr id="141" name="Rectangle 140">
+            <a:extLst>
+              <a:ext uri="{FF2B5EF4-FFF2-40B4-BE49-F238E27FC236}">
+                <a16:creationId xmlns:a16="http://schemas.microsoft.com/office/drawing/2014/main" id="{252E5098-CA58-4B3A-9CEB-014ADC053039}"/>
+              </a:ext>
+            </a:extLst>
+          </p:cNvPr>
+          <p:cNvSpPr/>
+          <p:nvPr/>
+        </p:nvSpPr>
+        <p:spPr>
+          <a:xfrm>
+            <a:off x="4622230" y="1976275"/>
+            <a:ext cx="710553" cy="268765"/>
+          </a:xfrm>
+          <a:prstGeom prst="rect">
+            <a:avLst/>
+          </a:prstGeom>
+        </p:spPr>
+        <p:style>
+          <a:lnRef idx="2">
+            <a:schemeClr val="accent1">
+              <a:shade val="50000"/>
+            </a:schemeClr>
+          </a:lnRef>
+          <a:fillRef idx="1">
+            <a:schemeClr val="accent1"/>
+          </a:fillRef>
+          <a:effectRef idx="0">
+            <a:schemeClr val="accent1"/>
+          </a:effectRef>
+          <a:fontRef idx="minor">
+            <a:schemeClr val="lt1"/>
+          </a:fontRef>
+        </p:style>
+        <p:txBody>
+          <a:bodyPr rtlCol="0" anchor="ctr"/>
+          <a:lstStyle/>
+          <a:p>
+            <a:pPr algn="ctr"/>
+            <a:r>
+              <a:rPr lang="en-GB" sz="1100" dirty="0"/>
+              <a:t>Camera</a:t>
+            </a:r>
+          </a:p>
+        </p:txBody>
+      </p:sp>
+      <p:cxnSp>
+        <p:nvCxnSpPr>
+          <p:cNvPr id="142" name="Straight Arrow Connector 17">
+            <a:extLst>
+              <a:ext uri="{FF2B5EF4-FFF2-40B4-BE49-F238E27FC236}">
+                <a16:creationId xmlns:a16="http://schemas.microsoft.com/office/drawing/2014/main" id="{B8ED5250-A743-4A5A-94E7-869F214D6914}"/>
+              </a:ext>
+            </a:extLst>
+          </p:cNvPr>
+          <p:cNvCxnSpPr>
+            <a:cxnSpLocks/>
+          </p:cNvCxnSpPr>
+          <p:nvPr/>
+        </p:nvCxnSpPr>
+        <p:spPr>
+          <a:xfrm rot="16200000" flipH="1">
+            <a:off x="5100725" y="2326226"/>
+            <a:ext cx="672076" cy="521353"/>
+          </a:xfrm>
+          <a:prstGeom prst="bentConnector3">
+            <a:avLst>
+              <a:gd name="adj1" fmla="val 50000"/>
+            </a:avLst>
+          </a:prstGeom>
+          <a:ln w="19050">
+            <a:solidFill>
+              <a:srgbClr val="7030A0"/>
+            </a:solidFill>
+            <a:headEnd type="none" w="med" len="med"/>
+            <a:tailEnd type="triangle" w="med" len="med"/>
+          </a:ln>
+        </p:spPr>
+        <p:style>
+          <a:lnRef idx="1">
+            <a:schemeClr val="accent1"/>
+          </a:lnRef>
+          <a:fillRef idx="0">
+            <a:schemeClr val="accent1"/>
+          </a:fillRef>
+          <a:effectRef idx="0">
+            <a:schemeClr val="accent1"/>
+          </a:effectRef>
+          <a:fontRef idx="minor">
+            <a:schemeClr val="tx1"/>
+          </a:fontRef>
+        </p:style>
+      </p:cxnSp>
+      <p:cxnSp>
+        <p:nvCxnSpPr>
+          <p:cNvPr id="150" name="Straight Arrow Connector 17">
+            <a:extLst>
+              <a:ext uri="{FF2B5EF4-FFF2-40B4-BE49-F238E27FC236}">
+                <a16:creationId xmlns:a16="http://schemas.microsoft.com/office/drawing/2014/main" id="{5B96D798-2C2C-4EC2-86CF-5AC913176CB5}"/>
+              </a:ext>
+            </a:extLst>
+          </p:cNvPr>
+          <p:cNvCxnSpPr>
+            <a:cxnSpLocks/>
+          </p:cNvCxnSpPr>
+          <p:nvPr/>
+        </p:nvCxnSpPr>
+        <p:spPr>
           <a:xfrm rot="5400000" flipH="1" flipV="1">
-            <a:off x="9414938" y="2791371"/>
-            <a:ext cx="808109" cy="103138"/>
+            <a:off x="2509596" y="2985778"/>
+            <a:ext cx="1847283" cy="1176972"/>
+          </a:xfrm>
+          <a:prstGeom prst="bentConnector3">
+            <a:avLst>
+              <a:gd name="adj1" fmla="val 50000"/>
+            </a:avLst>
+          </a:prstGeom>
+          <a:ln w="19050">
+            <a:solidFill>
+              <a:srgbClr val="7030A0"/>
+            </a:solidFill>
+            <a:tailEnd type="triangle"/>
+          </a:ln>
+        </p:spPr>
+        <p:style>
+          <a:lnRef idx="1">
+            <a:schemeClr val="accent1"/>
+          </a:lnRef>
+          <a:fillRef idx="0">
+            <a:schemeClr val="accent1"/>
+          </a:fillRef>
+          <a:effectRef idx="0">
+            <a:schemeClr val="accent1"/>
+          </a:effectRef>
+          <a:fontRef idx="minor">
+            <a:schemeClr val="tx1"/>
+          </a:fontRef>
+        </p:style>
+      </p:cxnSp>
+      <p:cxnSp>
+        <p:nvCxnSpPr>
+          <p:cNvPr id="153" name="Straight Connector 152">
+            <a:extLst>
+              <a:ext uri="{FF2B5EF4-FFF2-40B4-BE49-F238E27FC236}">
+                <a16:creationId xmlns:a16="http://schemas.microsoft.com/office/drawing/2014/main" id="{E0E0EEA7-F179-48F0-A9B1-AC3F588A377E}"/>
+              </a:ext>
+            </a:extLst>
+          </p:cNvPr>
+          <p:cNvCxnSpPr>
+            <a:cxnSpLocks/>
+          </p:cNvCxnSpPr>
+          <p:nvPr/>
+        </p:nvCxnSpPr>
+        <p:spPr>
+          <a:xfrm flipH="1">
+            <a:off x="1971589" y="4490040"/>
+            <a:ext cx="1639572" cy="0"/>
+          </a:xfrm>
+          <a:prstGeom prst="line">
+            <a:avLst/>
+          </a:prstGeom>
+          <a:ln w="19050">
+            <a:solidFill>
+              <a:srgbClr val="7030A0"/>
+            </a:solidFill>
+          </a:ln>
+        </p:spPr>
+        <p:style>
+          <a:lnRef idx="1">
+            <a:schemeClr val="accent1"/>
+          </a:lnRef>
+          <a:fillRef idx="0">
+            <a:schemeClr val="accent1"/>
+          </a:fillRef>
+          <a:effectRef idx="0">
+            <a:schemeClr val="accent1"/>
+          </a:effectRef>
+          <a:fontRef idx="minor">
+            <a:schemeClr val="tx1"/>
+          </a:fontRef>
+        </p:style>
+      </p:cxnSp>
+      <p:cxnSp>
+        <p:nvCxnSpPr>
+          <p:cNvPr id="156" name="Straight Connector 155">
+            <a:extLst>
+              <a:ext uri="{FF2B5EF4-FFF2-40B4-BE49-F238E27FC236}">
+                <a16:creationId xmlns:a16="http://schemas.microsoft.com/office/drawing/2014/main" id="{8434750C-1F2F-414B-9AAE-88731CE9EEA5}"/>
+              </a:ext>
+            </a:extLst>
+          </p:cNvPr>
+          <p:cNvCxnSpPr>
+            <a:cxnSpLocks/>
+          </p:cNvCxnSpPr>
+          <p:nvPr/>
+        </p:nvCxnSpPr>
+        <p:spPr>
+          <a:xfrm flipV="1">
+            <a:off x="3611161" y="4515423"/>
+            <a:ext cx="0" cy="142197"/>
+          </a:xfrm>
+          <a:prstGeom prst="line">
+            <a:avLst/>
+          </a:prstGeom>
+          <a:ln w="19050">
+            <a:solidFill>
+              <a:srgbClr val="7030A0"/>
+            </a:solidFill>
+          </a:ln>
+        </p:spPr>
+        <p:style>
+          <a:lnRef idx="1">
+            <a:schemeClr val="accent1"/>
+          </a:lnRef>
+          <a:fillRef idx="0">
+            <a:schemeClr val="accent1"/>
+          </a:fillRef>
+          <a:effectRef idx="0">
+            <a:schemeClr val="accent1"/>
+          </a:effectRef>
+          <a:fontRef idx="minor">
+            <a:schemeClr val="tx1"/>
+          </a:fontRef>
+        </p:style>
+      </p:cxnSp>
+      <p:cxnSp>
+        <p:nvCxnSpPr>
+          <p:cNvPr id="157" name="Straight Connector 156">
+            <a:extLst>
+              <a:ext uri="{FF2B5EF4-FFF2-40B4-BE49-F238E27FC236}">
+                <a16:creationId xmlns:a16="http://schemas.microsoft.com/office/drawing/2014/main" id="{D47BF71B-52A0-4478-9955-F0EDA51A94F2}"/>
+              </a:ext>
+            </a:extLst>
+          </p:cNvPr>
+          <p:cNvCxnSpPr>
+            <a:cxnSpLocks/>
+          </p:cNvCxnSpPr>
+          <p:nvPr/>
+        </p:nvCxnSpPr>
+        <p:spPr>
+          <a:xfrm flipV="1">
+            <a:off x="2852007" y="4490040"/>
+            <a:ext cx="0" cy="142197"/>
+          </a:xfrm>
+          <a:prstGeom prst="line">
+            <a:avLst/>
+          </a:prstGeom>
+          <a:ln w="19050">
+            <a:solidFill>
+              <a:srgbClr val="7030A0"/>
+            </a:solidFill>
+          </a:ln>
+        </p:spPr>
+        <p:style>
+          <a:lnRef idx="1">
+            <a:schemeClr val="accent1"/>
+          </a:lnRef>
+          <a:fillRef idx="0">
+            <a:schemeClr val="accent1"/>
+          </a:fillRef>
+          <a:effectRef idx="0">
+            <a:schemeClr val="accent1"/>
+          </a:effectRef>
+          <a:fontRef idx="minor">
+            <a:schemeClr val="tx1"/>
+          </a:fontRef>
+        </p:style>
+      </p:cxnSp>
+      <p:cxnSp>
+        <p:nvCxnSpPr>
+          <p:cNvPr id="158" name="Straight Connector 157">
+            <a:extLst>
+              <a:ext uri="{FF2B5EF4-FFF2-40B4-BE49-F238E27FC236}">
+                <a16:creationId xmlns:a16="http://schemas.microsoft.com/office/drawing/2014/main" id="{F00DBCDB-BC72-45F8-8BD1-2FBACC7F455B}"/>
+              </a:ext>
+            </a:extLst>
+          </p:cNvPr>
+          <p:cNvCxnSpPr>
+            <a:cxnSpLocks/>
+          </p:cNvCxnSpPr>
+          <p:nvPr/>
+        </p:nvCxnSpPr>
+        <p:spPr>
+          <a:xfrm flipV="1">
+            <a:off x="1958088" y="4497905"/>
+            <a:ext cx="0" cy="142197"/>
+          </a:xfrm>
+          <a:prstGeom prst="line">
+            <a:avLst/>
+          </a:prstGeom>
+          <a:ln w="19050">
+            <a:solidFill>
+              <a:srgbClr val="7030A0"/>
+            </a:solidFill>
+          </a:ln>
+        </p:spPr>
+        <p:style>
+          <a:lnRef idx="1">
+            <a:schemeClr val="accent1"/>
+          </a:lnRef>
+          <a:fillRef idx="0">
+            <a:schemeClr val="accent1"/>
+          </a:fillRef>
+          <a:effectRef idx="0">
+            <a:schemeClr val="accent1"/>
+          </a:effectRef>
+          <a:fontRef idx="minor">
+            <a:schemeClr val="tx1"/>
+          </a:fontRef>
+        </p:style>
+      </p:cxnSp>
+      <p:cxnSp>
+        <p:nvCxnSpPr>
+          <p:cNvPr id="164" name="Straight Arrow Connector 17">
+            <a:extLst>
+              <a:ext uri="{FF2B5EF4-FFF2-40B4-BE49-F238E27FC236}">
+                <a16:creationId xmlns:a16="http://schemas.microsoft.com/office/drawing/2014/main" id="{ADC0C44C-E228-4739-803B-5E14D8276BDA}"/>
+              </a:ext>
+            </a:extLst>
+          </p:cNvPr>
+          <p:cNvCxnSpPr>
+            <a:cxnSpLocks/>
+            <a:stCxn id="4" idx="3"/>
+            <a:endCxn id="9" idx="2"/>
+          </p:cNvCxnSpPr>
+          <p:nvPr/>
+        </p:nvCxnSpPr>
+        <p:spPr>
+          <a:xfrm flipV="1">
+            <a:off x="6301789" y="1295914"/>
+            <a:ext cx="1843717" cy="1951079"/>
           </a:xfrm>
           <a:prstGeom prst="bentConnector2">
             <a:avLst/>
+          </a:prstGeom>
+          <a:ln w="19050">
+            <a:solidFill>
+              <a:srgbClr val="7030A0"/>
+            </a:solidFill>
+            <a:headEnd type="none" w="med" len="med"/>
+            <a:tailEnd type="triangle" w="med" len="med"/>
+          </a:ln>
+        </p:spPr>
+        <p:style>
+          <a:lnRef idx="1">
+            <a:schemeClr val="accent1"/>
+          </a:lnRef>
+          <a:fillRef idx="0">
+            <a:schemeClr val="accent1"/>
+          </a:fillRef>
+          <a:effectRef idx="0">
+            <a:schemeClr val="accent1"/>
+          </a:effectRef>
+          <a:fontRef idx="minor">
+            <a:schemeClr val="tx1"/>
+          </a:fontRef>
+        </p:style>
+      </p:cxnSp>
+      <p:cxnSp>
+        <p:nvCxnSpPr>
+          <p:cNvPr id="167" name="Straight Connector 35">
+            <a:extLst>
+              <a:ext uri="{FF2B5EF4-FFF2-40B4-BE49-F238E27FC236}">
+                <a16:creationId xmlns:a16="http://schemas.microsoft.com/office/drawing/2014/main" id="{9F92BA30-59C7-4100-8F6E-8FD5FAE36AB4}"/>
+              </a:ext>
+            </a:extLst>
+          </p:cNvPr>
+          <p:cNvCxnSpPr>
+            <a:cxnSpLocks/>
+            <a:stCxn id="9" idx="3"/>
+            <a:endCxn id="56" idx="1"/>
+          </p:cNvCxnSpPr>
+          <p:nvPr/>
+        </p:nvCxnSpPr>
+        <p:spPr>
+          <a:xfrm>
+            <a:off x="8500782" y="972671"/>
+            <a:ext cx="533316" cy="2272163"/>
+          </a:xfrm>
+          <a:prstGeom prst="bentConnector3">
+            <a:avLst>
+              <a:gd name="adj1" fmla="val 50000"/>
+            </a:avLst>
           </a:prstGeom>
           <a:ln w="19050" cap="flat" cmpd="sng" algn="ctr">
             <a:solidFill>
@@ -4225,61 +6832,12 @@
           </a:fontRef>
         </p:style>
       </p:cxnSp>
-      <p:cxnSp>
-        <p:nvCxnSpPr>
-          <p:cNvPr id="48" name="Straight Connector 47">
-            <a:extLst>
-              <a:ext uri="{FF2B5EF4-FFF2-40B4-BE49-F238E27FC236}">
-                <a16:creationId xmlns:a16="http://schemas.microsoft.com/office/drawing/2014/main" id="{2B07A518-8D84-4000-A4DD-D93EF0290668}"/>
-              </a:ext>
-            </a:extLst>
-          </p:cNvPr>
-          <p:cNvCxnSpPr>
-            <a:cxnSpLocks/>
-            <a:stCxn id="5" idx="2"/>
-            <a:endCxn id="4" idx="0"/>
-          </p:cNvCxnSpPr>
-          <p:nvPr/>
-        </p:nvCxnSpPr>
-        <p:spPr>
-          <a:xfrm>
-            <a:off x="5945054" y="2762128"/>
-            <a:ext cx="1459" cy="161621"/>
-          </a:xfrm>
-          <a:prstGeom prst="line">
-            <a:avLst/>
-          </a:prstGeom>
-          <a:ln w="19050" cap="flat" cmpd="sng" algn="ctr">
-            <a:solidFill>
-              <a:srgbClr val="FF0000"/>
-            </a:solidFill>
-            <a:prstDash val="solid"/>
-            <a:round/>
-            <a:headEnd type="none" w="med" len="med"/>
-            <a:tailEnd type="triangle" w="med" len="med"/>
-          </a:ln>
-        </p:spPr>
-        <p:style>
-          <a:lnRef idx="0">
-            <a:scrgbClr r="0" g="0" b="0"/>
-          </a:lnRef>
-          <a:fillRef idx="0">
-            <a:scrgbClr r="0" g="0" b="0"/>
-          </a:fillRef>
-          <a:effectRef idx="0">
-            <a:scrgbClr r="0" g="0" b="0"/>
-          </a:effectRef>
-          <a:fontRef idx="minor">
-            <a:schemeClr val="tx1"/>
-          </a:fontRef>
-        </p:style>
-      </p:cxnSp>
-      <p:sp>
-        <p:nvSpPr>
-          <p:cNvPr id="56" name="Rectangle 55">
-            <a:extLst>
-              <a:ext uri="{FF2B5EF4-FFF2-40B4-BE49-F238E27FC236}">
-                <a16:creationId xmlns:a16="http://schemas.microsoft.com/office/drawing/2014/main" id="{87F83CF0-36B6-40D8-B8BA-17E1BE2C2278}"/>
+      <p:sp>
+        <p:nvSpPr>
+          <p:cNvPr id="181" name="Rectangle 180">
+            <a:extLst>
+              <a:ext uri="{FF2B5EF4-FFF2-40B4-BE49-F238E27FC236}">
+                <a16:creationId xmlns:a16="http://schemas.microsoft.com/office/drawing/2014/main" id="{3B7A1064-CEE1-4D4D-95EA-4B27DA9B1027}"/>
               </a:ext>
             </a:extLst>
           </p:cNvPr>
@@ -4288,938 +6846,8 @@
         </p:nvSpPr>
         <p:spPr>
           <a:xfrm>
-            <a:off x="6643473" y="5406564"/>
-            <a:ext cx="710553" cy="646487"/>
-          </a:xfrm>
-          <a:prstGeom prst="rect">
-            <a:avLst/>
-          </a:prstGeom>
-        </p:spPr>
-        <p:style>
-          <a:lnRef idx="2">
-            <a:schemeClr val="accent1">
-              <a:shade val="50000"/>
-            </a:schemeClr>
-          </a:lnRef>
-          <a:fillRef idx="1">
-            <a:schemeClr val="accent1"/>
-          </a:fillRef>
-          <a:effectRef idx="0">
-            <a:schemeClr val="accent1"/>
-          </a:effectRef>
-          <a:fontRef idx="minor">
-            <a:schemeClr val="lt1"/>
-          </a:fontRef>
-        </p:style>
-        <p:txBody>
-          <a:bodyPr rtlCol="0" anchor="ctr"/>
-          <a:lstStyle/>
-          <a:p>
-            <a:pPr algn="ctr"/>
-            <a:r>
-              <a:rPr lang="en-GB" dirty="0"/>
-              <a:t>E Stop</a:t>
-            </a:r>
-          </a:p>
-        </p:txBody>
-      </p:sp>
-      <p:cxnSp>
-        <p:nvCxnSpPr>
-          <p:cNvPr id="57" name="Straight Arrow Connector 17">
-            <a:extLst>
-              <a:ext uri="{FF2B5EF4-FFF2-40B4-BE49-F238E27FC236}">
-                <a16:creationId xmlns:a16="http://schemas.microsoft.com/office/drawing/2014/main" id="{D93D65A5-AB33-422B-A6E4-4585AD11BE1B}"/>
-              </a:ext>
-            </a:extLst>
-          </p:cNvPr>
-          <p:cNvCxnSpPr>
-            <a:cxnSpLocks/>
-            <a:endCxn id="56" idx="1"/>
-          </p:cNvCxnSpPr>
-          <p:nvPr/>
-        </p:nvCxnSpPr>
-        <p:spPr>
-          <a:xfrm rot="16200000" flipH="1">
-            <a:off x="5598276" y="4684611"/>
-            <a:ext cx="1867774" cy="222620"/>
-          </a:xfrm>
-          <a:prstGeom prst="bentConnector2">
-            <a:avLst/>
-          </a:prstGeom>
-          <a:ln w="19050">
-            <a:solidFill>
-              <a:srgbClr val="7030A0"/>
-            </a:solidFill>
-            <a:tailEnd type="triangle"/>
-          </a:ln>
-        </p:spPr>
-        <p:style>
-          <a:lnRef idx="1">
-            <a:schemeClr val="accent1"/>
-          </a:lnRef>
-          <a:fillRef idx="0">
-            <a:schemeClr val="accent1"/>
-          </a:fillRef>
-          <a:effectRef idx="0">
-            <a:schemeClr val="accent1"/>
-          </a:effectRef>
-          <a:fontRef idx="minor">
-            <a:schemeClr val="tx1"/>
-          </a:fontRef>
-        </p:style>
-      </p:cxnSp>
-      <p:cxnSp>
-        <p:nvCxnSpPr>
-          <p:cNvPr id="60" name="Straight Arrow Connector 17">
-            <a:extLst>
-              <a:ext uri="{FF2B5EF4-FFF2-40B4-BE49-F238E27FC236}">
-                <a16:creationId xmlns:a16="http://schemas.microsoft.com/office/drawing/2014/main" id="{3676317E-B33A-47D5-B058-18568D928E43}"/>
-              </a:ext>
-            </a:extLst>
-          </p:cNvPr>
-          <p:cNvCxnSpPr>
-            <a:cxnSpLocks/>
-            <a:stCxn id="56" idx="3"/>
-            <a:endCxn id="26" idx="2"/>
-          </p:cNvCxnSpPr>
-          <p:nvPr/>
-        </p:nvCxnSpPr>
-        <p:spPr>
-          <a:xfrm flipV="1">
-            <a:off x="7354026" y="3570236"/>
-            <a:ext cx="595034" cy="2159572"/>
-          </a:xfrm>
-          <a:prstGeom prst="bentConnector2">
-            <a:avLst/>
-          </a:prstGeom>
-          <a:ln w="19050">
-            <a:solidFill>
-              <a:srgbClr val="7030A0"/>
-            </a:solidFill>
-            <a:tailEnd type="triangle"/>
-          </a:ln>
-        </p:spPr>
-        <p:style>
-          <a:lnRef idx="1">
-            <a:schemeClr val="accent1"/>
-          </a:lnRef>
-          <a:fillRef idx="0">
-            <a:schemeClr val="accent1"/>
-          </a:fillRef>
-          <a:effectRef idx="0">
-            <a:schemeClr val="accent1"/>
-          </a:effectRef>
-          <a:fontRef idx="minor">
-            <a:schemeClr val="tx1"/>
-          </a:fontRef>
-        </p:style>
-      </p:cxnSp>
-      <p:sp>
-        <p:nvSpPr>
-          <p:cNvPr id="66" name="Rectangle 65">
-            <a:extLst>
-              <a:ext uri="{FF2B5EF4-FFF2-40B4-BE49-F238E27FC236}">
-                <a16:creationId xmlns:a16="http://schemas.microsoft.com/office/drawing/2014/main" id="{663F4468-7754-4ED4-A291-E48B82CBA673}"/>
-              </a:ext>
-            </a:extLst>
-          </p:cNvPr>
-          <p:cNvSpPr/>
-          <p:nvPr/>
-        </p:nvSpPr>
-        <p:spPr>
-          <a:xfrm>
-            <a:off x="3448736" y="1224100"/>
-            <a:ext cx="710553" cy="646487"/>
-          </a:xfrm>
-          <a:prstGeom prst="rect">
-            <a:avLst/>
-          </a:prstGeom>
-        </p:spPr>
-        <p:style>
-          <a:lnRef idx="2">
-            <a:schemeClr val="accent1">
-              <a:shade val="50000"/>
-            </a:schemeClr>
-          </a:lnRef>
-          <a:fillRef idx="1">
-            <a:schemeClr val="accent1"/>
-          </a:fillRef>
-          <a:effectRef idx="0">
-            <a:schemeClr val="accent1"/>
-          </a:effectRef>
-          <a:fontRef idx="minor">
-            <a:schemeClr val="lt1"/>
-          </a:fontRef>
-        </p:style>
-        <p:txBody>
-          <a:bodyPr rtlCol="0" anchor="ctr"/>
-          <a:lstStyle/>
-          <a:p>
-            <a:pPr algn="ctr"/>
-            <a:r>
-              <a:rPr lang="en-GB" sz="1100" dirty="0"/>
-              <a:t>Steering Wheel / Pedals</a:t>
-            </a:r>
-          </a:p>
-        </p:txBody>
-      </p:sp>
-      <p:cxnSp>
-        <p:nvCxnSpPr>
-          <p:cNvPr id="67" name="Straight Arrow Connector 17">
-            <a:extLst>
-              <a:ext uri="{FF2B5EF4-FFF2-40B4-BE49-F238E27FC236}">
-                <a16:creationId xmlns:a16="http://schemas.microsoft.com/office/drawing/2014/main" id="{9ECCFD0D-BFF8-49A1-8081-6ADD3C82BD4F}"/>
-              </a:ext>
-            </a:extLst>
-          </p:cNvPr>
-          <p:cNvCxnSpPr>
-            <a:cxnSpLocks/>
-            <a:stCxn id="66" idx="2"/>
-            <a:endCxn id="70" idx="0"/>
-          </p:cNvCxnSpPr>
-          <p:nvPr/>
-        </p:nvCxnSpPr>
-        <p:spPr>
-          <a:xfrm>
-            <a:off x="3804013" y="1870587"/>
-            <a:ext cx="0" cy="161622"/>
-          </a:xfrm>
-          <a:prstGeom prst="straightConnector1">
-            <a:avLst/>
-          </a:prstGeom>
-          <a:ln w="19050">
-            <a:solidFill>
-              <a:srgbClr val="7030A0"/>
-            </a:solidFill>
-            <a:tailEnd type="triangle"/>
-          </a:ln>
-        </p:spPr>
-        <p:style>
-          <a:lnRef idx="1">
-            <a:schemeClr val="accent1"/>
-          </a:lnRef>
-          <a:fillRef idx="0">
-            <a:schemeClr val="accent1"/>
-          </a:fillRef>
-          <a:effectRef idx="0">
-            <a:schemeClr val="accent1"/>
-          </a:effectRef>
-          <a:fontRef idx="minor">
-            <a:schemeClr val="tx1"/>
-          </a:fontRef>
-        </p:style>
-      </p:cxnSp>
-      <p:sp>
-        <p:nvSpPr>
-          <p:cNvPr id="70" name="Rectangle 69">
-            <a:extLst>
-              <a:ext uri="{FF2B5EF4-FFF2-40B4-BE49-F238E27FC236}">
-                <a16:creationId xmlns:a16="http://schemas.microsoft.com/office/drawing/2014/main" id="{7A27EA9D-7E1B-49C7-8502-3C8FD88CE170}"/>
-              </a:ext>
-            </a:extLst>
-          </p:cNvPr>
-          <p:cNvSpPr/>
-          <p:nvPr/>
-        </p:nvSpPr>
-        <p:spPr>
-          <a:xfrm>
-            <a:off x="3448736" y="2032209"/>
-            <a:ext cx="710553" cy="646487"/>
-          </a:xfrm>
-          <a:prstGeom prst="rect">
-            <a:avLst/>
-          </a:prstGeom>
-        </p:spPr>
-        <p:style>
-          <a:lnRef idx="2">
-            <a:schemeClr val="accent1">
-              <a:shade val="50000"/>
-            </a:schemeClr>
-          </a:lnRef>
-          <a:fillRef idx="1">
-            <a:schemeClr val="accent1"/>
-          </a:fillRef>
-          <a:effectRef idx="0">
-            <a:schemeClr val="accent1"/>
-          </a:effectRef>
-          <a:fontRef idx="minor">
-            <a:schemeClr val="lt1"/>
-          </a:fontRef>
-        </p:style>
-        <p:txBody>
-          <a:bodyPr rtlCol="0" anchor="ctr"/>
-          <a:lstStyle/>
-          <a:p>
-            <a:pPr algn="ctr"/>
-            <a:r>
-              <a:rPr lang="en-GB" sz="1100" dirty="0"/>
-              <a:t>Steering Control</a:t>
-            </a:r>
-          </a:p>
-          <a:p>
-            <a:pPr algn="ctr"/>
-            <a:r>
-              <a:rPr lang="en-GB" sz="1100" dirty="0"/>
-              <a:t>MCU</a:t>
-            </a:r>
-          </a:p>
-        </p:txBody>
-      </p:sp>
-      <p:cxnSp>
-        <p:nvCxnSpPr>
-          <p:cNvPr id="72" name="Straight Arrow Connector 17">
-            <a:extLst>
-              <a:ext uri="{FF2B5EF4-FFF2-40B4-BE49-F238E27FC236}">
-                <a16:creationId xmlns:a16="http://schemas.microsoft.com/office/drawing/2014/main" id="{2D6F9260-4D85-46CB-891C-31CD335B03A4}"/>
-              </a:ext>
-            </a:extLst>
-          </p:cNvPr>
-          <p:cNvCxnSpPr>
-            <a:cxnSpLocks/>
-            <a:stCxn id="70" idx="3"/>
-          </p:cNvCxnSpPr>
-          <p:nvPr/>
-        </p:nvCxnSpPr>
-        <p:spPr>
-          <a:xfrm>
-            <a:off x="4159289" y="2355453"/>
-            <a:ext cx="1430487" cy="729919"/>
-          </a:xfrm>
-          <a:prstGeom prst="bentConnector3">
-            <a:avLst>
-              <a:gd name="adj1" fmla="val 50000"/>
-            </a:avLst>
-          </a:prstGeom>
-          <a:ln w="19050">
-            <a:solidFill>
-              <a:srgbClr val="7030A0"/>
-            </a:solidFill>
-            <a:headEnd type="triangle" w="med" len="med"/>
-            <a:tailEnd type="triangle" w="med" len="med"/>
-          </a:ln>
-        </p:spPr>
-        <p:style>
-          <a:lnRef idx="1">
-            <a:schemeClr val="accent1"/>
-          </a:lnRef>
-          <a:fillRef idx="0">
-            <a:schemeClr val="accent1"/>
-          </a:fillRef>
-          <a:effectRef idx="0">
-            <a:schemeClr val="accent1"/>
-          </a:effectRef>
-          <a:fontRef idx="minor">
-            <a:schemeClr val="tx1"/>
-          </a:fontRef>
-        </p:style>
-      </p:cxnSp>
-      <p:sp>
-        <p:nvSpPr>
-          <p:cNvPr id="77" name="Rectangle 76">
-            <a:extLst>
-              <a:ext uri="{FF2B5EF4-FFF2-40B4-BE49-F238E27FC236}">
-                <a16:creationId xmlns:a16="http://schemas.microsoft.com/office/drawing/2014/main" id="{1FBB2CCB-A42F-43C8-B4DF-E68589EB8F0A}"/>
-              </a:ext>
-            </a:extLst>
-          </p:cNvPr>
-          <p:cNvSpPr/>
-          <p:nvPr/>
-        </p:nvSpPr>
-        <p:spPr>
-          <a:xfrm>
-            <a:off x="2499037" y="2032208"/>
-            <a:ext cx="710553" cy="646487"/>
-          </a:xfrm>
-          <a:prstGeom prst="rect">
-            <a:avLst/>
-          </a:prstGeom>
-        </p:spPr>
-        <p:style>
-          <a:lnRef idx="2">
-            <a:schemeClr val="accent1">
-              <a:shade val="50000"/>
-            </a:schemeClr>
-          </a:lnRef>
-          <a:fillRef idx="1">
-            <a:schemeClr val="accent1"/>
-          </a:fillRef>
-          <a:effectRef idx="0">
-            <a:schemeClr val="accent1"/>
-          </a:effectRef>
-          <a:fontRef idx="minor">
-            <a:schemeClr val="lt1"/>
-          </a:fontRef>
-        </p:style>
-        <p:txBody>
-          <a:bodyPr rtlCol="0" anchor="ctr"/>
-          <a:lstStyle/>
-          <a:p>
-            <a:pPr algn="ctr"/>
-            <a:r>
-              <a:rPr lang="en-GB" sz="1100" dirty="0"/>
-              <a:t>Steering Driver</a:t>
-            </a:r>
-          </a:p>
-        </p:txBody>
-      </p:sp>
-      <p:sp>
-        <p:nvSpPr>
-          <p:cNvPr id="78" name="Rectangle 77">
-            <a:extLst>
-              <a:ext uri="{FF2B5EF4-FFF2-40B4-BE49-F238E27FC236}">
-                <a16:creationId xmlns:a16="http://schemas.microsoft.com/office/drawing/2014/main" id="{4D4BCFC5-589A-461D-8355-916E55AD9EC4}"/>
-              </a:ext>
-            </a:extLst>
-          </p:cNvPr>
-          <p:cNvSpPr/>
-          <p:nvPr/>
-        </p:nvSpPr>
-        <p:spPr>
-          <a:xfrm>
-            <a:off x="1549337" y="2032207"/>
-            <a:ext cx="710553" cy="323245"/>
-          </a:xfrm>
-          <a:prstGeom prst="rect">
-            <a:avLst/>
-          </a:prstGeom>
-        </p:spPr>
-        <p:style>
-          <a:lnRef idx="2">
-            <a:schemeClr val="accent1">
-              <a:shade val="50000"/>
-            </a:schemeClr>
-          </a:lnRef>
-          <a:fillRef idx="1">
-            <a:schemeClr val="accent1"/>
-          </a:fillRef>
-          <a:effectRef idx="0">
-            <a:schemeClr val="accent1"/>
-          </a:effectRef>
-          <a:fontRef idx="minor">
-            <a:schemeClr val="lt1"/>
-          </a:fontRef>
-        </p:style>
-        <p:txBody>
-          <a:bodyPr rtlCol="0" anchor="ctr"/>
-          <a:lstStyle/>
-          <a:p>
-            <a:pPr algn="ctr"/>
-            <a:r>
-              <a:rPr lang="en-GB" sz="1100" dirty="0"/>
-              <a:t>Steering Motor</a:t>
-            </a:r>
-          </a:p>
-        </p:txBody>
-      </p:sp>
-      <p:cxnSp>
-        <p:nvCxnSpPr>
-          <p:cNvPr id="79" name="Straight Arrow Connector 17">
-            <a:extLst>
-              <a:ext uri="{FF2B5EF4-FFF2-40B4-BE49-F238E27FC236}">
-                <a16:creationId xmlns:a16="http://schemas.microsoft.com/office/drawing/2014/main" id="{8B432926-65F8-4FF3-A27C-FA690609A395}"/>
-              </a:ext>
-            </a:extLst>
-          </p:cNvPr>
-          <p:cNvCxnSpPr>
-            <a:cxnSpLocks/>
-            <a:stCxn id="70" idx="1"/>
-            <a:endCxn id="77" idx="3"/>
-          </p:cNvCxnSpPr>
-          <p:nvPr/>
-        </p:nvCxnSpPr>
-        <p:spPr>
-          <a:xfrm flipH="1" flipV="1">
-            <a:off x="3209590" y="2355452"/>
-            <a:ext cx="239146" cy="1"/>
-          </a:xfrm>
-          <a:prstGeom prst="straightConnector1">
-            <a:avLst/>
-          </a:prstGeom>
-          <a:ln w="19050">
-            <a:solidFill>
-              <a:srgbClr val="7030A0"/>
-            </a:solidFill>
-            <a:tailEnd type="triangle"/>
-          </a:ln>
-        </p:spPr>
-        <p:style>
-          <a:lnRef idx="1">
-            <a:schemeClr val="accent1"/>
-          </a:lnRef>
-          <a:fillRef idx="0">
-            <a:schemeClr val="accent1"/>
-          </a:fillRef>
-          <a:effectRef idx="0">
-            <a:schemeClr val="accent1"/>
-          </a:effectRef>
-          <a:fontRef idx="minor">
-            <a:schemeClr val="tx1"/>
-          </a:fontRef>
-        </p:style>
-      </p:cxnSp>
-      <p:cxnSp>
-        <p:nvCxnSpPr>
-          <p:cNvPr id="82" name="Straight Arrow Connector 17">
-            <a:extLst>
-              <a:ext uri="{FF2B5EF4-FFF2-40B4-BE49-F238E27FC236}">
-                <a16:creationId xmlns:a16="http://schemas.microsoft.com/office/drawing/2014/main" id="{3C9B088B-5343-4813-AA22-CBB335FAB917}"/>
-              </a:ext>
-            </a:extLst>
-          </p:cNvPr>
-          <p:cNvCxnSpPr>
-            <a:cxnSpLocks/>
-            <a:stCxn id="87" idx="2"/>
-            <a:endCxn id="70" idx="2"/>
-          </p:cNvCxnSpPr>
-          <p:nvPr/>
-        </p:nvCxnSpPr>
-        <p:spPr>
-          <a:xfrm rot="16200000" flipH="1">
-            <a:off x="2853160" y="1727843"/>
-            <a:ext cx="2" cy="1901704"/>
-          </a:xfrm>
-          <a:prstGeom prst="bentConnector3">
-            <a:avLst>
-              <a:gd name="adj1" fmla="val 11430100000"/>
-            </a:avLst>
-          </a:prstGeom>
-          <a:ln w="19050">
-            <a:solidFill>
-              <a:srgbClr val="7030A0"/>
-            </a:solidFill>
-            <a:tailEnd type="triangle"/>
-          </a:ln>
-        </p:spPr>
-        <p:style>
-          <a:lnRef idx="1">
-            <a:schemeClr val="accent1"/>
-          </a:lnRef>
-          <a:fillRef idx="0">
-            <a:schemeClr val="accent1"/>
-          </a:fillRef>
-          <a:effectRef idx="0">
-            <a:schemeClr val="accent1"/>
-          </a:effectRef>
-          <a:fontRef idx="minor">
-            <a:schemeClr val="tx1"/>
-          </a:fontRef>
-        </p:style>
-      </p:cxnSp>
-      <p:sp>
-        <p:nvSpPr>
-          <p:cNvPr id="87" name="Rectangle 86">
-            <a:extLst>
-              <a:ext uri="{FF2B5EF4-FFF2-40B4-BE49-F238E27FC236}">
-                <a16:creationId xmlns:a16="http://schemas.microsoft.com/office/drawing/2014/main" id="{6F2ACCC8-60AC-4043-8828-820ED2B99C6E}"/>
-              </a:ext>
-            </a:extLst>
-          </p:cNvPr>
-          <p:cNvSpPr/>
-          <p:nvPr/>
-        </p:nvSpPr>
-        <p:spPr>
-          <a:xfrm>
-            <a:off x="1547032" y="2355449"/>
-            <a:ext cx="710553" cy="323245"/>
-          </a:xfrm>
-          <a:prstGeom prst="rect">
-            <a:avLst/>
-          </a:prstGeom>
-        </p:spPr>
-        <p:style>
-          <a:lnRef idx="2">
-            <a:schemeClr val="accent1">
-              <a:shade val="50000"/>
-            </a:schemeClr>
-          </a:lnRef>
-          <a:fillRef idx="1">
-            <a:schemeClr val="accent1"/>
-          </a:fillRef>
-          <a:effectRef idx="0">
-            <a:schemeClr val="accent1"/>
-          </a:effectRef>
-          <a:fontRef idx="minor">
-            <a:schemeClr val="lt1"/>
-          </a:fontRef>
-        </p:style>
-        <p:txBody>
-          <a:bodyPr rtlCol="0" anchor="ctr"/>
-          <a:lstStyle/>
-          <a:p>
-            <a:pPr algn="ctr"/>
-            <a:r>
-              <a:rPr lang="en-GB" sz="1000" dirty="0"/>
-              <a:t>Steering Feedback</a:t>
-            </a:r>
-          </a:p>
-        </p:txBody>
-      </p:sp>
-      <p:cxnSp>
-        <p:nvCxnSpPr>
-          <p:cNvPr id="89" name="Straight Connector 88">
-            <a:extLst>
-              <a:ext uri="{FF2B5EF4-FFF2-40B4-BE49-F238E27FC236}">
-                <a16:creationId xmlns:a16="http://schemas.microsoft.com/office/drawing/2014/main" id="{4EC5B4F5-5DEC-4A25-BF7A-CE38FC6EB2E5}"/>
-              </a:ext>
-            </a:extLst>
-          </p:cNvPr>
-          <p:cNvCxnSpPr>
-            <a:cxnSpLocks/>
-            <a:endCxn id="78" idx="3"/>
-          </p:cNvCxnSpPr>
-          <p:nvPr/>
-        </p:nvCxnSpPr>
-        <p:spPr>
-          <a:xfrm flipH="1">
-            <a:off x="2259890" y="2193829"/>
-            <a:ext cx="247526" cy="1"/>
-          </a:xfrm>
-          <a:prstGeom prst="line">
-            <a:avLst/>
-          </a:prstGeom>
-          <a:ln w="19050" cap="flat" cmpd="sng" algn="ctr">
-            <a:solidFill>
-              <a:srgbClr val="FF0000"/>
-            </a:solidFill>
-            <a:prstDash val="solid"/>
-            <a:round/>
-            <a:headEnd type="none" w="med" len="med"/>
-            <a:tailEnd type="triangle" w="med" len="med"/>
-          </a:ln>
-        </p:spPr>
-        <p:style>
-          <a:lnRef idx="0">
-            <a:scrgbClr r="0" g="0" b="0"/>
-          </a:lnRef>
-          <a:fillRef idx="0">
-            <a:scrgbClr r="0" g="0" b="0"/>
-          </a:fillRef>
-          <a:effectRef idx="0">
-            <a:scrgbClr r="0" g="0" b="0"/>
-          </a:effectRef>
-          <a:fontRef idx="minor">
-            <a:schemeClr val="tx1"/>
-          </a:fontRef>
-        </p:style>
-      </p:cxnSp>
-      <p:sp>
-        <p:nvSpPr>
-          <p:cNvPr id="94" name="Rectangle 93">
-            <a:extLst>
-              <a:ext uri="{FF2B5EF4-FFF2-40B4-BE49-F238E27FC236}">
-                <a16:creationId xmlns:a16="http://schemas.microsoft.com/office/drawing/2014/main" id="{D278C32A-D74A-4031-8A0F-B999E38D002C}"/>
-              </a:ext>
-            </a:extLst>
-          </p:cNvPr>
-          <p:cNvSpPr/>
-          <p:nvPr/>
-        </p:nvSpPr>
-        <p:spPr>
-          <a:xfrm>
-            <a:off x="6643473" y="806351"/>
-            <a:ext cx="710553" cy="646487"/>
-          </a:xfrm>
-          <a:prstGeom prst="rect">
-            <a:avLst/>
-          </a:prstGeom>
-        </p:spPr>
-        <p:style>
-          <a:lnRef idx="2">
-            <a:schemeClr val="accent1">
-              <a:shade val="50000"/>
-            </a:schemeClr>
-          </a:lnRef>
-          <a:fillRef idx="1">
-            <a:schemeClr val="accent1"/>
-          </a:fillRef>
-          <a:effectRef idx="0">
-            <a:schemeClr val="accent1"/>
-          </a:effectRef>
-          <a:fontRef idx="minor">
-            <a:schemeClr val="lt1"/>
-          </a:fontRef>
-        </p:style>
-        <p:txBody>
-          <a:bodyPr rtlCol="0" anchor="ctr"/>
-          <a:lstStyle/>
-          <a:p>
-            <a:pPr algn="ctr"/>
-            <a:r>
-              <a:rPr lang="en-GB" sz="1050" dirty="0"/>
-              <a:t>12V Regulator</a:t>
-            </a:r>
-          </a:p>
-        </p:txBody>
-      </p:sp>
-      <p:cxnSp>
-        <p:nvCxnSpPr>
-          <p:cNvPr id="95" name="Straight Connector 35">
-            <a:extLst>
-              <a:ext uri="{FF2B5EF4-FFF2-40B4-BE49-F238E27FC236}">
-                <a16:creationId xmlns:a16="http://schemas.microsoft.com/office/drawing/2014/main" id="{24A5F8ED-DD8D-4C5D-AD39-F02DB4BDA40F}"/>
-              </a:ext>
-            </a:extLst>
-          </p:cNvPr>
-          <p:cNvCxnSpPr>
-            <a:cxnSpLocks/>
-            <a:endCxn id="94" idx="3"/>
-          </p:cNvCxnSpPr>
-          <p:nvPr/>
-        </p:nvCxnSpPr>
-        <p:spPr>
-          <a:xfrm rot="16200000" flipV="1">
-            <a:off x="6641277" y="1842344"/>
-            <a:ext cx="1569638" cy="144140"/>
-          </a:xfrm>
-          <a:prstGeom prst="bentConnector2">
-            <a:avLst/>
-          </a:prstGeom>
-          <a:ln w="19050" cap="flat" cmpd="sng" algn="ctr">
-            <a:solidFill>
-              <a:srgbClr val="FF0000"/>
-            </a:solidFill>
-            <a:prstDash val="solid"/>
-            <a:round/>
-            <a:headEnd type="none" w="med" len="med"/>
-            <a:tailEnd type="triangle" w="med" len="med"/>
-          </a:ln>
-        </p:spPr>
-        <p:style>
-          <a:lnRef idx="0">
-            <a:scrgbClr r="0" g="0" b="0"/>
-          </a:lnRef>
-          <a:fillRef idx="0">
-            <a:scrgbClr r="0" g="0" b="0"/>
-          </a:fillRef>
-          <a:effectRef idx="0">
-            <a:scrgbClr r="0" g="0" b="0"/>
-          </a:effectRef>
-          <a:fontRef idx="minor">
-            <a:schemeClr val="tx1"/>
-          </a:fontRef>
-        </p:style>
-      </p:cxnSp>
-      <p:cxnSp>
-        <p:nvCxnSpPr>
-          <p:cNvPr id="100" name="Straight Connector 35">
-            <a:extLst>
-              <a:ext uri="{FF2B5EF4-FFF2-40B4-BE49-F238E27FC236}">
-                <a16:creationId xmlns:a16="http://schemas.microsoft.com/office/drawing/2014/main" id="{0C1193E5-B97A-4F59-9030-D17A95B594DA}"/>
-              </a:ext>
-            </a:extLst>
-          </p:cNvPr>
-          <p:cNvCxnSpPr>
-            <a:cxnSpLocks/>
-            <a:stCxn id="94" idx="1"/>
-            <a:endCxn id="77" idx="0"/>
-          </p:cNvCxnSpPr>
-          <p:nvPr/>
-        </p:nvCxnSpPr>
-        <p:spPr>
-          <a:xfrm rot="10800000" flipV="1">
-            <a:off x="2854315" y="1129594"/>
-            <a:ext cx="3789159" cy="902613"/>
-          </a:xfrm>
-          <a:prstGeom prst="bentConnector2">
-            <a:avLst/>
-          </a:prstGeom>
-          <a:ln w="19050" cap="flat" cmpd="sng" algn="ctr">
-            <a:solidFill>
-              <a:srgbClr val="FF0000"/>
-            </a:solidFill>
-            <a:prstDash val="solid"/>
-            <a:round/>
-            <a:headEnd type="none" w="med" len="med"/>
-            <a:tailEnd type="triangle" w="med" len="med"/>
-          </a:ln>
-        </p:spPr>
-        <p:style>
-          <a:lnRef idx="0">
-            <a:scrgbClr r="0" g="0" b="0"/>
-          </a:lnRef>
-          <a:fillRef idx="0">
-            <a:scrgbClr r="0" g="0" b="0"/>
-          </a:fillRef>
-          <a:effectRef idx="0">
-            <a:scrgbClr r="0" g="0" b="0"/>
-          </a:effectRef>
-          <a:fontRef idx="minor">
-            <a:schemeClr val="tx1"/>
-          </a:fontRef>
-        </p:style>
-      </p:cxnSp>
-      <p:cxnSp>
-        <p:nvCxnSpPr>
-          <p:cNvPr id="104" name="Straight Connector 103">
-            <a:extLst>
-              <a:ext uri="{FF2B5EF4-FFF2-40B4-BE49-F238E27FC236}">
-                <a16:creationId xmlns:a16="http://schemas.microsoft.com/office/drawing/2014/main" id="{6E5FE219-C8FC-4A3B-BE8F-DCC0F2368C97}"/>
-              </a:ext>
-            </a:extLst>
-          </p:cNvPr>
-          <p:cNvCxnSpPr/>
-          <p:nvPr/>
-        </p:nvCxnSpPr>
-        <p:spPr>
-          <a:xfrm>
-            <a:off x="9019820" y="6108700"/>
-            <a:ext cx="419100" cy="0"/>
-          </a:xfrm>
-          <a:prstGeom prst="line">
-            <a:avLst/>
-          </a:prstGeom>
-          <a:ln w="19050">
-            <a:solidFill>
-              <a:srgbClr val="FF0000"/>
-            </a:solidFill>
-          </a:ln>
-        </p:spPr>
-        <p:style>
-          <a:lnRef idx="1">
-            <a:schemeClr val="accent1"/>
-          </a:lnRef>
-          <a:fillRef idx="0">
-            <a:schemeClr val="accent1"/>
-          </a:fillRef>
-          <a:effectRef idx="0">
-            <a:schemeClr val="accent1"/>
-          </a:effectRef>
-          <a:fontRef idx="minor">
-            <a:schemeClr val="tx1"/>
-          </a:fontRef>
-        </p:style>
-      </p:cxnSp>
-      <p:sp>
-        <p:nvSpPr>
-          <p:cNvPr id="105" name="TextBox 104">
-            <a:extLst>
-              <a:ext uri="{FF2B5EF4-FFF2-40B4-BE49-F238E27FC236}">
-                <a16:creationId xmlns:a16="http://schemas.microsoft.com/office/drawing/2014/main" id="{3C6F9D2E-2294-4799-ACF3-D935AE902DC0}"/>
-              </a:ext>
-            </a:extLst>
-          </p:cNvPr>
-          <p:cNvSpPr txBox="1"/>
-          <p:nvPr/>
-        </p:nvSpPr>
-        <p:spPr>
-          <a:xfrm>
-            <a:off x="8947150" y="6108700"/>
-            <a:ext cx="564440" cy="261610"/>
-          </a:xfrm>
-          <a:prstGeom prst="rect">
-            <a:avLst/>
-          </a:prstGeom>
-          <a:noFill/>
-        </p:spPr>
-        <p:txBody>
-          <a:bodyPr wrap="square" rtlCol="0">
-            <a:spAutoFit/>
-          </a:bodyPr>
-          <a:lstStyle/>
-          <a:p>
-            <a:pPr algn="ctr"/>
-            <a:r>
-              <a:rPr lang="en-GB" sz="1100" dirty="0"/>
-              <a:t>Power</a:t>
-            </a:r>
-          </a:p>
-        </p:txBody>
-      </p:sp>
-      <p:cxnSp>
-        <p:nvCxnSpPr>
-          <p:cNvPr id="106" name="Straight Connector 105">
-            <a:extLst>
-              <a:ext uri="{FF2B5EF4-FFF2-40B4-BE49-F238E27FC236}">
-                <a16:creationId xmlns:a16="http://schemas.microsoft.com/office/drawing/2014/main" id="{831A75E2-95D4-4037-BC54-3BC57B14D8FF}"/>
-              </a:ext>
-            </a:extLst>
-          </p:cNvPr>
-          <p:cNvCxnSpPr>
-            <a:cxnSpLocks/>
-          </p:cNvCxnSpPr>
-          <p:nvPr/>
-        </p:nvCxnSpPr>
-        <p:spPr>
-          <a:xfrm>
-            <a:off x="9656930" y="6108700"/>
-            <a:ext cx="419100" cy="0"/>
-          </a:xfrm>
-          <a:prstGeom prst="line">
-            <a:avLst/>
-          </a:prstGeom>
-          <a:ln w="19050">
-            <a:solidFill>
-              <a:srgbClr val="7030A0"/>
-            </a:solidFill>
-          </a:ln>
-        </p:spPr>
-        <p:style>
-          <a:lnRef idx="1">
-            <a:schemeClr val="accent1"/>
-          </a:lnRef>
-          <a:fillRef idx="0">
-            <a:schemeClr val="accent1"/>
-          </a:fillRef>
-          <a:effectRef idx="0">
-            <a:schemeClr val="accent1"/>
-          </a:effectRef>
-          <a:fontRef idx="minor">
-            <a:schemeClr val="tx1"/>
-          </a:fontRef>
-        </p:style>
-      </p:cxnSp>
-      <p:sp>
-        <p:nvSpPr>
-          <p:cNvPr id="107" name="TextBox 106">
-            <a:extLst>
-              <a:ext uri="{FF2B5EF4-FFF2-40B4-BE49-F238E27FC236}">
-                <a16:creationId xmlns:a16="http://schemas.microsoft.com/office/drawing/2014/main" id="{1F08DCA1-B5B1-43E4-8195-4074C613FE5D}"/>
-              </a:ext>
-            </a:extLst>
-          </p:cNvPr>
-          <p:cNvSpPr txBox="1"/>
-          <p:nvPr/>
-        </p:nvSpPr>
-        <p:spPr>
-          <a:xfrm>
-            <a:off x="9584260" y="6108700"/>
-            <a:ext cx="564440" cy="261610"/>
-          </a:xfrm>
-          <a:prstGeom prst="rect">
-            <a:avLst/>
-          </a:prstGeom>
-          <a:noFill/>
-        </p:spPr>
-        <p:txBody>
-          <a:bodyPr wrap="square" rtlCol="0">
-            <a:spAutoFit/>
-          </a:bodyPr>
-          <a:lstStyle/>
-          <a:p>
-            <a:pPr algn="ctr"/>
-            <a:r>
-              <a:rPr lang="en-GB" sz="1100" dirty="0"/>
-              <a:t>Signal</a:t>
-            </a:r>
-          </a:p>
-        </p:txBody>
-      </p:sp>
-      <p:sp>
-        <p:nvSpPr>
-          <p:cNvPr id="108" name="Rectangle 107">
-            <a:extLst>
-              <a:ext uri="{FF2B5EF4-FFF2-40B4-BE49-F238E27FC236}">
-                <a16:creationId xmlns:a16="http://schemas.microsoft.com/office/drawing/2014/main" id="{FC523BCE-A9B6-4BB7-8E94-C805A301A97F}"/>
-              </a:ext>
-            </a:extLst>
-          </p:cNvPr>
-          <p:cNvSpPr/>
-          <p:nvPr/>
-        </p:nvSpPr>
-        <p:spPr>
-          <a:xfrm>
-            <a:off x="8813800" y="1549400"/>
-            <a:ext cx="2012950" cy="2514600"/>
+            <a:off x="7561157" y="469877"/>
+            <a:ext cx="2572682" cy="1083444"/>
           </a:xfrm>
           <a:prstGeom prst="rect">
             <a:avLst/>
@@ -5259,63 +6887,10 @@
       </p:sp>
       <p:sp>
         <p:nvSpPr>
-          <p:cNvPr id="109" name="Rectangle 108">
-            <a:extLst>
-              <a:ext uri="{FF2B5EF4-FFF2-40B4-BE49-F238E27FC236}">
-                <a16:creationId xmlns:a16="http://schemas.microsoft.com/office/drawing/2014/main" id="{2199AAD8-E21E-49B9-BBDF-32BA2B27AC9C}"/>
-              </a:ext>
-            </a:extLst>
-          </p:cNvPr>
-          <p:cNvSpPr/>
-          <p:nvPr/>
-        </p:nvSpPr>
-        <p:spPr>
-          <a:xfrm>
-            <a:off x="1281656" y="797561"/>
-            <a:ext cx="3039859" cy="2463791"/>
-          </a:xfrm>
-          <a:prstGeom prst="rect">
-            <a:avLst/>
-          </a:prstGeom>
-          <a:noFill/>
-          <a:ln w="28575">
-            <a:solidFill>
-              <a:srgbClr val="FFC000"/>
-            </a:solidFill>
-            <a:prstDash val="dash"/>
-          </a:ln>
-        </p:spPr>
-        <p:style>
-          <a:lnRef idx="2">
-            <a:schemeClr val="accent1">
-              <a:shade val="50000"/>
-            </a:schemeClr>
-          </a:lnRef>
-          <a:fillRef idx="1">
-            <a:schemeClr val="accent1"/>
-          </a:fillRef>
-          <a:effectRef idx="0">
-            <a:schemeClr val="accent1"/>
-          </a:effectRef>
-          <a:fontRef idx="minor">
-            <a:schemeClr val="lt1"/>
-          </a:fontRef>
-        </p:style>
-        <p:txBody>
-          <a:bodyPr rtlCol="0" anchor="ctr"/>
-          <a:lstStyle/>
-          <a:p>
-            <a:pPr algn="ctr"/>
-            <a:endParaRPr lang="en-GB"/>
-          </a:p>
-        </p:txBody>
-      </p:sp>
-      <p:sp>
-        <p:nvSpPr>
-          <p:cNvPr id="110" name="TextBox 109">
-            <a:extLst>
-              <a:ext uri="{FF2B5EF4-FFF2-40B4-BE49-F238E27FC236}">
-                <a16:creationId xmlns:a16="http://schemas.microsoft.com/office/drawing/2014/main" id="{C2E768A7-A6C5-4626-8EBC-71EB35B2197D}"/>
+          <p:cNvPr id="182" name="TextBox 181">
+            <a:extLst>
+              <a:ext uri="{FF2B5EF4-FFF2-40B4-BE49-F238E27FC236}">
+                <a16:creationId xmlns:a16="http://schemas.microsoft.com/office/drawing/2014/main" id="{77C79698-9084-4BC1-B4DF-85704B53C5F9}"/>
               </a:ext>
             </a:extLst>
           </p:cNvPr>
@@ -5324,8 +6899,8 @@
         </p:nvSpPr>
         <p:spPr>
           <a:xfrm>
-            <a:off x="8932862" y="3717129"/>
-            <a:ext cx="1785938" cy="261610"/>
+            <a:off x="8874472" y="1271558"/>
+            <a:ext cx="1310446" cy="261610"/>
           </a:xfrm>
           <a:prstGeom prst="rect">
             <a:avLst/>
@@ -5341,1150 +6916,31 @@
             <a:pPr algn="ctr"/>
             <a:r>
               <a:rPr lang="en-GB" sz="1100" dirty="0"/>
-              <a:t>Battery Box</a:t>
-            </a:r>
-          </a:p>
-        </p:txBody>
-      </p:sp>
-      <p:sp>
-        <p:nvSpPr>
-          <p:cNvPr id="111" name="TextBox 110">
-            <a:extLst>
-              <a:ext uri="{FF2B5EF4-FFF2-40B4-BE49-F238E27FC236}">
-                <a16:creationId xmlns:a16="http://schemas.microsoft.com/office/drawing/2014/main" id="{9E673335-744C-41E7-AA2B-D49F1567E14A}"/>
-              </a:ext>
-            </a:extLst>
-          </p:cNvPr>
-          <p:cNvSpPr txBox="1"/>
-          <p:nvPr/>
-        </p:nvSpPr>
-        <p:spPr>
-          <a:xfrm>
-            <a:off x="1366920" y="2949747"/>
-            <a:ext cx="2862179" cy="261610"/>
-          </a:xfrm>
-          <a:prstGeom prst="rect">
-            <a:avLst/>
-          </a:prstGeom>
-          <a:noFill/>
-        </p:spPr>
-        <p:txBody>
-          <a:bodyPr wrap="square" rtlCol="0">
-            <a:spAutoFit/>
-          </a:bodyPr>
-          <a:lstStyle/>
-          <a:p>
-            <a:pPr algn="ctr"/>
-            <a:r>
-              <a:rPr lang="en-GB" sz="1100" dirty="0"/>
-              <a:t>Steering Subsystem (front)</a:t>
-            </a:r>
-          </a:p>
-        </p:txBody>
-      </p:sp>
-      <p:sp>
-        <p:nvSpPr>
-          <p:cNvPr id="117" name="Rectangle 116">
-            <a:extLst>
-              <a:ext uri="{FF2B5EF4-FFF2-40B4-BE49-F238E27FC236}">
-                <a16:creationId xmlns:a16="http://schemas.microsoft.com/office/drawing/2014/main" id="{6037265E-49C5-4721-B97D-84328F4FD917}"/>
-              </a:ext>
-            </a:extLst>
-          </p:cNvPr>
-          <p:cNvSpPr/>
-          <p:nvPr/>
-        </p:nvSpPr>
-        <p:spPr>
-          <a:xfrm>
-            <a:off x="5402072" y="685800"/>
-            <a:ext cx="3048610" cy="4533900"/>
-          </a:xfrm>
-          <a:prstGeom prst="rect">
-            <a:avLst/>
-          </a:prstGeom>
-          <a:noFill/>
-          <a:ln w="28575">
-            <a:solidFill>
-              <a:srgbClr val="FFC000"/>
-            </a:solidFill>
-            <a:prstDash val="dash"/>
-          </a:ln>
-        </p:spPr>
-        <p:style>
-          <a:lnRef idx="2">
-            <a:schemeClr val="accent1">
-              <a:shade val="50000"/>
-            </a:schemeClr>
-          </a:lnRef>
-          <a:fillRef idx="1">
-            <a:schemeClr val="accent1"/>
-          </a:fillRef>
-          <a:effectRef idx="0">
-            <a:schemeClr val="accent1"/>
-          </a:effectRef>
-          <a:fontRef idx="minor">
-            <a:schemeClr val="lt1"/>
-          </a:fontRef>
-        </p:style>
-        <p:txBody>
-          <a:bodyPr rtlCol="0" anchor="ctr"/>
-          <a:lstStyle/>
-          <a:p>
-            <a:pPr algn="ctr"/>
-            <a:endParaRPr lang="en-GB"/>
-          </a:p>
-        </p:txBody>
-      </p:sp>
-      <p:sp>
-        <p:nvSpPr>
-          <p:cNvPr id="118" name="TextBox 117">
-            <a:extLst>
-              <a:ext uri="{FF2B5EF4-FFF2-40B4-BE49-F238E27FC236}">
-                <a16:creationId xmlns:a16="http://schemas.microsoft.com/office/drawing/2014/main" id="{2AD7279F-696A-443E-9B96-B4F9197230BB}"/>
-              </a:ext>
-            </a:extLst>
-          </p:cNvPr>
-          <p:cNvSpPr txBox="1"/>
-          <p:nvPr/>
-        </p:nvSpPr>
-        <p:spPr>
-          <a:xfrm>
-            <a:off x="5573976" y="4900088"/>
-            <a:ext cx="2704801" cy="261610"/>
-          </a:xfrm>
-          <a:prstGeom prst="rect">
-            <a:avLst/>
-          </a:prstGeom>
-          <a:noFill/>
-        </p:spPr>
-        <p:txBody>
-          <a:bodyPr wrap="square" rtlCol="0">
-            <a:spAutoFit/>
-          </a:bodyPr>
-          <a:lstStyle/>
-          <a:p>
-            <a:pPr algn="ctr"/>
-            <a:r>
-              <a:rPr lang="en-GB" sz="1100" dirty="0"/>
-              <a:t>Enclosure behind seat / trunk</a:t>
-            </a:r>
-          </a:p>
-        </p:txBody>
-      </p:sp>
-      <p:sp>
-        <p:nvSpPr>
-          <p:cNvPr id="123" name="Rectangle 122">
-            <a:extLst>
-              <a:ext uri="{FF2B5EF4-FFF2-40B4-BE49-F238E27FC236}">
-                <a16:creationId xmlns:a16="http://schemas.microsoft.com/office/drawing/2014/main" id="{4452412A-C4CB-45ED-9105-E7D588508705}"/>
-              </a:ext>
-            </a:extLst>
-          </p:cNvPr>
-          <p:cNvSpPr/>
-          <p:nvPr/>
-        </p:nvSpPr>
-        <p:spPr>
-          <a:xfrm>
-            <a:off x="5583395" y="3991882"/>
-            <a:ext cx="710553" cy="646487"/>
-          </a:xfrm>
-          <a:prstGeom prst="rect">
-            <a:avLst/>
-          </a:prstGeom>
-        </p:spPr>
-        <p:style>
-          <a:lnRef idx="2">
-            <a:schemeClr val="accent1">
-              <a:shade val="50000"/>
-            </a:schemeClr>
-          </a:lnRef>
-          <a:fillRef idx="1">
-            <a:schemeClr val="accent1"/>
-          </a:fillRef>
-          <a:effectRef idx="0">
-            <a:schemeClr val="accent1"/>
-          </a:effectRef>
-          <a:fontRef idx="minor">
-            <a:schemeClr val="lt1"/>
-          </a:fontRef>
-        </p:style>
-        <p:txBody>
-          <a:bodyPr rtlCol="0" anchor="ctr"/>
-          <a:lstStyle/>
-          <a:p>
-            <a:pPr algn="ctr"/>
-            <a:r>
-              <a:rPr lang="en-GB" sz="1400" dirty="0"/>
-              <a:t>Sonar MCU</a:t>
-            </a:r>
-          </a:p>
-        </p:txBody>
-      </p:sp>
-      <p:sp>
-        <p:nvSpPr>
-          <p:cNvPr id="125" name="Rectangle 124">
-            <a:extLst>
-              <a:ext uri="{FF2B5EF4-FFF2-40B4-BE49-F238E27FC236}">
-                <a16:creationId xmlns:a16="http://schemas.microsoft.com/office/drawing/2014/main" id="{996366C4-D0DD-46A9-9C23-FCF24068CD0B}"/>
-              </a:ext>
-            </a:extLst>
-          </p:cNvPr>
-          <p:cNvSpPr/>
-          <p:nvPr/>
-        </p:nvSpPr>
-        <p:spPr>
-          <a:xfrm>
-            <a:off x="4521364" y="3991882"/>
-            <a:ext cx="710553" cy="646487"/>
-          </a:xfrm>
-          <a:prstGeom prst="rect">
-            <a:avLst/>
-          </a:prstGeom>
-        </p:spPr>
-        <p:style>
-          <a:lnRef idx="2">
-            <a:schemeClr val="accent1">
-              <a:shade val="50000"/>
-            </a:schemeClr>
-          </a:lnRef>
-          <a:fillRef idx="1">
-            <a:schemeClr val="accent1"/>
-          </a:fillRef>
-          <a:effectRef idx="0">
-            <a:schemeClr val="accent1"/>
-          </a:effectRef>
-          <a:fontRef idx="minor">
-            <a:schemeClr val="lt1"/>
-          </a:fontRef>
-        </p:style>
-        <p:txBody>
-          <a:bodyPr rtlCol="0" anchor="ctr"/>
-          <a:lstStyle/>
-          <a:p>
-            <a:pPr algn="ctr"/>
-            <a:r>
-              <a:rPr lang="en-GB" sz="1100" dirty="0"/>
-              <a:t>Sonar Modules</a:t>
-            </a:r>
-          </a:p>
-        </p:txBody>
-      </p:sp>
-      <p:sp>
-        <p:nvSpPr>
-          <p:cNvPr id="134" name="Rectangle 133">
-            <a:extLst>
-              <a:ext uri="{FF2B5EF4-FFF2-40B4-BE49-F238E27FC236}">
-                <a16:creationId xmlns:a16="http://schemas.microsoft.com/office/drawing/2014/main" id="{97EB902A-0CFC-444B-9690-E1727313C1D2}"/>
-              </a:ext>
-            </a:extLst>
-          </p:cNvPr>
-          <p:cNvSpPr/>
-          <p:nvPr/>
-        </p:nvSpPr>
-        <p:spPr>
-          <a:xfrm>
-            <a:off x="4482292" y="1382304"/>
-            <a:ext cx="710553" cy="408058"/>
-          </a:xfrm>
-          <a:prstGeom prst="rect">
-            <a:avLst/>
-          </a:prstGeom>
-        </p:spPr>
-        <p:style>
-          <a:lnRef idx="2">
-            <a:schemeClr val="accent1">
-              <a:shade val="50000"/>
-            </a:schemeClr>
-          </a:lnRef>
-          <a:fillRef idx="1">
-            <a:schemeClr val="accent1"/>
-          </a:fillRef>
-          <a:effectRef idx="0">
-            <a:schemeClr val="accent1"/>
-          </a:effectRef>
-          <a:fontRef idx="minor">
-            <a:schemeClr val="lt1"/>
-          </a:fontRef>
-        </p:style>
-        <p:txBody>
-          <a:bodyPr rtlCol="0" anchor="ctr"/>
-          <a:lstStyle/>
-          <a:p>
-            <a:pPr algn="ctr"/>
-            <a:r>
-              <a:rPr lang="en-GB" sz="1400" dirty="0"/>
-              <a:t>Front Motors</a:t>
+              <a:t>Rear Enclosure</a:t>
             </a:r>
           </a:p>
         </p:txBody>
       </p:sp>
       <p:cxnSp>
         <p:nvCxnSpPr>
-          <p:cNvPr id="147" name="Straight Connector 146">
-            <a:extLst>
-              <a:ext uri="{FF2B5EF4-FFF2-40B4-BE49-F238E27FC236}">
-                <a16:creationId xmlns:a16="http://schemas.microsoft.com/office/drawing/2014/main" id="{BC651210-7248-4B18-8B77-3C1C9ADBA40A}"/>
-              </a:ext>
-            </a:extLst>
-          </p:cNvPr>
-          <p:cNvCxnSpPr>
-            <a:stCxn id="9" idx="0"/>
-          </p:cNvCxnSpPr>
-          <p:nvPr/>
-        </p:nvCxnSpPr>
-        <p:spPr>
-          <a:xfrm flipH="1" flipV="1">
-            <a:off x="6998747" y="2806700"/>
-            <a:ext cx="6" cy="117049"/>
-          </a:xfrm>
-          <a:prstGeom prst="line">
-            <a:avLst/>
-          </a:prstGeom>
-          <a:ln w="19050">
-            <a:solidFill>
-              <a:srgbClr val="FF0000"/>
-            </a:solidFill>
-          </a:ln>
-        </p:spPr>
-        <p:style>
-          <a:lnRef idx="1">
-            <a:schemeClr val="accent1"/>
-          </a:lnRef>
-          <a:fillRef idx="0">
-            <a:schemeClr val="accent1"/>
-          </a:fillRef>
-          <a:effectRef idx="0">
-            <a:schemeClr val="accent1"/>
-          </a:effectRef>
-          <a:fontRef idx="minor">
-            <a:schemeClr val="tx1"/>
-          </a:fontRef>
-        </p:style>
-      </p:cxnSp>
-      <p:cxnSp>
-        <p:nvCxnSpPr>
-          <p:cNvPr id="155" name="Straight Connector 154">
-            <a:extLst>
-              <a:ext uri="{FF2B5EF4-FFF2-40B4-BE49-F238E27FC236}">
-                <a16:creationId xmlns:a16="http://schemas.microsoft.com/office/drawing/2014/main" id="{7A38F0B3-0ABB-4D90-A9D9-1ACD00E7D551}"/>
+          <p:cNvPr id="183" name="Straight Connector 182">
+            <a:extLst>
+              <a:ext uri="{FF2B5EF4-FFF2-40B4-BE49-F238E27FC236}">
+                <a16:creationId xmlns:a16="http://schemas.microsoft.com/office/drawing/2014/main" id="{173B7B19-560C-456D-97FE-5CF0F1B6E448}"/>
               </a:ext>
             </a:extLst>
           </p:cNvPr>
           <p:cNvCxnSpPr>
             <a:cxnSpLocks/>
+            <a:stCxn id="23" idx="1"/>
+            <a:endCxn id="56" idx="3"/>
           </p:cNvCxnSpPr>
           <p:nvPr/>
         </p:nvCxnSpPr>
         <p:spPr>
           <a:xfrm flipH="1" flipV="1">
-            <a:off x="6095796" y="3576635"/>
-            <a:ext cx="6" cy="278643"/>
-          </a:xfrm>
-          <a:prstGeom prst="line">
-            <a:avLst/>
-          </a:prstGeom>
-          <a:ln w="19050">
-            <a:solidFill>
-              <a:srgbClr val="7030A0"/>
-            </a:solidFill>
-          </a:ln>
-        </p:spPr>
-        <p:style>
-          <a:lnRef idx="1">
-            <a:schemeClr val="accent1"/>
-          </a:lnRef>
-          <a:fillRef idx="0">
-            <a:schemeClr val="accent1"/>
-          </a:fillRef>
-          <a:effectRef idx="0">
-            <a:schemeClr val="accent1"/>
-          </a:effectRef>
-          <a:fontRef idx="minor">
-            <a:schemeClr val="tx1"/>
-          </a:fontRef>
-        </p:style>
-      </p:cxnSp>
-      <p:cxnSp>
-        <p:nvCxnSpPr>
-          <p:cNvPr id="161" name="Straight Connector 160">
-            <a:extLst>
-              <a:ext uri="{FF2B5EF4-FFF2-40B4-BE49-F238E27FC236}">
-                <a16:creationId xmlns:a16="http://schemas.microsoft.com/office/drawing/2014/main" id="{98E5AE7B-61B1-4904-B2AF-51D87C3F5933}"/>
-              </a:ext>
-            </a:extLst>
-          </p:cNvPr>
-          <p:cNvCxnSpPr/>
-          <p:nvPr/>
-        </p:nvCxnSpPr>
-        <p:spPr>
-          <a:xfrm flipH="1">
-            <a:off x="6095796" y="3862033"/>
-            <a:ext cx="325057" cy="0"/>
-          </a:xfrm>
-          <a:prstGeom prst="line">
-            <a:avLst/>
-          </a:prstGeom>
-          <a:ln w="19050">
-            <a:solidFill>
-              <a:srgbClr val="7030A0"/>
-            </a:solidFill>
-          </a:ln>
-        </p:spPr>
-        <p:style>
-          <a:lnRef idx="1">
-            <a:schemeClr val="accent1"/>
-          </a:lnRef>
-          <a:fillRef idx="0">
-            <a:schemeClr val="accent1"/>
-          </a:fillRef>
-          <a:effectRef idx="0">
-            <a:schemeClr val="accent1"/>
-          </a:effectRef>
-          <a:fontRef idx="minor">
-            <a:schemeClr val="tx1"/>
-          </a:fontRef>
-        </p:style>
-      </p:cxnSp>
-      <p:cxnSp>
-        <p:nvCxnSpPr>
-          <p:cNvPr id="163" name="Straight Arrow Connector 17">
-            <a:extLst>
-              <a:ext uri="{FF2B5EF4-FFF2-40B4-BE49-F238E27FC236}">
-                <a16:creationId xmlns:a16="http://schemas.microsoft.com/office/drawing/2014/main" id="{8048466F-1A93-4991-A2FD-7F92BB370119}"/>
-              </a:ext>
-            </a:extLst>
-          </p:cNvPr>
-          <p:cNvCxnSpPr>
-            <a:cxnSpLocks/>
-            <a:endCxn id="123" idx="0"/>
-          </p:cNvCxnSpPr>
-          <p:nvPr/>
-        </p:nvCxnSpPr>
-        <p:spPr>
-          <a:xfrm rot="16200000" flipH="1">
-            <a:off x="5644752" y="3697961"/>
-            <a:ext cx="415247" cy="172593"/>
-          </a:xfrm>
-          <a:prstGeom prst="bentConnector3">
-            <a:avLst>
-              <a:gd name="adj1" fmla="val 50000"/>
-            </a:avLst>
-          </a:prstGeom>
-          <a:ln w="19050">
-            <a:solidFill>
-              <a:srgbClr val="7030A0"/>
-            </a:solidFill>
-            <a:headEnd type="triangle" w="med" len="med"/>
-            <a:tailEnd type="none" w="med" len="med"/>
-          </a:ln>
-        </p:spPr>
-        <p:style>
-          <a:lnRef idx="1">
-            <a:schemeClr val="accent1"/>
-          </a:lnRef>
-          <a:fillRef idx="0">
-            <a:schemeClr val="accent1"/>
-          </a:fillRef>
-          <a:effectRef idx="0">
-            <a:schemeClr val="accent1"/>
-          </a:effectRef>
-          <a:fontRef idx="minor">
-            <a:schemeClr val="tx1"/>
-          </a:fontRef>
-        </p:style>
-      </p:cxnSp>
-      <p:cxnSp>
-        <p:nvCxnSpPr>
-          <p:cNvPr id="165" name="Straight Arrow Connector 17">
-            <a:extLst>
-              <a:ext uri="{FF2B5EF4-FFF2-40B4-BE49-F238E27FC236}">
-                <a16:creationId xmlns:a16="http://schemas.microsoft.com/office/drawing/2014/main" id="{5484A4D1-24C1-4E91-8851-90D1DEF5D6BD}"/>
-              </a:ext>
-            </a:extLst>
-          </p:cNvPr>
-          <p:cNvCxnSpPr>
-            <a:cxnSpLocks/>
-            <a:stCxn id="125" idx="3"/>
-            <a:endCxn id="123" idx="1"/>
-          </p:cNvCxnSpPr>
-          <p:nvPr/>
-        </p:nvCxnSpPr>
-        <p:spPr>
-          <a:xfrm>
-            <a:off x="5231917" y="4315126"/>
-            <a:ext cx="351478" cy="0"/>
-          </a:xfrm>
-          <a:prstGeom prst="straightConnector1">
-            <a:avLst/>
-          </a:prstGeom>
-          <a:ln w="19050">
-            <a:solidFill>
-              <a:srgbClr val="7030A0"/>
-            </a:solidFill>
-            <a:tailEnd type="triangle"/>
-          </a:ln>
-        </p:spPr>
-        <p:style>
-          <a:lnRef idx="1">
-            <a:schemeClr val="accent1"/>
-          </a:lnRef>
-          <a:fillRef idx="0">
-            <a:schemeClr val="accent1"/>
-          </a:fillRef>
-          <a:effectRef idx="0">
-            <a:schemeClr val="accent1"/>
-          </a:effectRef>
-          <a:fontRef idx="minor">
-            <a:schemeClr val="tx1"/>
-          </a:fontRef>
-        </p:style>
-      </p:cxnSp>
-      <p:sp>
-        <p:nvSpPr>
-          <p:cNvPr id="169" name="Rectangle 168">
-            <a:extLst>
-              <a:ext uri="{FF2B5EF4-FFF2-40B4-BE49-F238E27FC236}">
-                <a16:creationId xmlns:a16="http://schemas.microsoft.com/office/drawing/2014/main" id="{DB442617-2EB1-4C12-AAE6-9F809FFC9C32}"/>
-              </a:ext>
-            </a:extLst>
-          </p:cNvPr>
-          <p:cNvSpPr/>
-          <p:nvPr/>
-        </p:nvSpPr>
-        <p:spPr>
-          <a:xfrm>
-            <a:off x="1293153" y="3529489"/>
-            <a:ext cx="3039859" cy="2463791"/>
-          </a:xfrm>
-          <a:prstGeom prst="rect">
-            <a:avLst/>
-          </a:prstGeom>
-          <a:noFill/>
-          <a:ln w="28575">
-            <a:solidFill>
-              <a:srgbClr val="FFC000"/>
-            </a:solidFill>
-            <a:prstDash val="dash"/>
-          </a:ln>
-        </p:spPr>
-        <p:style>
-          <a:lnRef idx="2">
-            <a:schemeClr val="accent1">
-              <a:shade val="50000"/>
-            </a:schemeClr>
-          </a:lnRef>
-          <a:fillRef idx="1">
-            <a:schemeClr val="accent1"/>
-          </a:fillRef>
-          <a:effectRef idx="0">
-            <a:schemeClr val="accent1"/>
-          </a:effectRef>
-          <a:fontRef idx="minor">
-            <a:schemeClr val="lt1"/>
-          </a:fontRef>
-        </p:style>
-        <p:txBody>
-          <a:bodyPr rtlCol="0" anchor="ctr"/>
-          <a:lstStyle/>
-          <a:p>
-            <a:pPr algn="ctr"/>
-            <a:endParaRPr lang="en-GB"/>
-          </a:p>
-        </p:txBody>
-      </p:sp>
-      <p:sp>
-        <p:nvSpPr>
-          <p:cNvPr id="170" name="TextBox 169">
-            <a:extLst>
-              <a:ext uri="{FF2B5EF4-FFF2-40B4-BE49-F238E27FC236}">
-                <a16:creationId xmlns:a16="http://schemas.microsoft.com/office/drawing/2014/main" id="{C73BBD89-BCA1-4902-AB9D-FF42DE923A64}"/>
-              </a:ext>
-            </a:extLst>
-          </p:cNvPr>
-          <p:cNvSpPr txBox="1"/>
-          <p:nvPr/>
-        </p:nvSpPr>
-        <p:spPr>
-          <a:xfrm>
-            <a:off x="1378417" y="5681675"/>
-            <a:ext cx="2862179" cy="261610"/>
-          </a:xfrm>
-          <a:prstGeom prst="rect">
-            <a:avLst/>
-          </a:prstGeom>
-          <a:noFill/>
-        </p:spPr>
-        <p:txBody>
-          <a:bodyPr wrap="square" rtlCol="0">
-            <a:spAutoFit/>
-          </a:bodyPr>
-          <a:lstStyle/>
-          <a:p>
-            <a:pPr algn="ctr"/>
-            <a:r>
-              <a:rPr lang="en-GB" sz="1100" dirty="0"/>
-              <a:t>Cockpit Controls</a:t>
-            </a:r>
-          </a:p>
-        </p:txBody>
-      </p:sp>
-      <p:sp>
-        <p:nvSpPr>
-          <p:cNvPr id="172" name="Rectangle 171">
-            <a:extLst>
-              <a:ext uri="{FF2B5EF4-FFF2-40B4-BE49-F238E27FC236}">
-                <a16:creationId xmlns:a16="http://schemas.microsoft.com/office/drawing/2014/main" id="{6A0EC18A-1749-473F-8B97-2A67FF6E4C6E}"/>
-              </a:ext>
-            </a:extLst>
-          </p:cNvPr>
-          <p:cNvSpPr/>
-          <p:nvPr/>
-        </p:nvSpPr>
-        <p:spPr>
-          <a:xfrm>
-            <a:off x="1616313" y="3881018"/>
-            <a:ext cx="710553" cy="646487"/>
-          </a:xfrm>
-          <a:prstGeom prst="rect">
-            <a:avLst/>
-          </a:prstGeom>
-        </p:spPr>
-        <p:style>
-          <a:lnRef idx="2">
-            <a:schemeClr val="accent1">
-              <a:shade val="50000"/>
-            </a:schemeClr>
-          </a:lnRef>
-          <a:fillRef idx="1">
-            <a:schemeClr val="accent1"/>
-          </a:fillRef>
-          <a:effectRef idx="0">
-            <a:schemeClr val="accent1"/>
-          </a:effectRef>
-          <a:fontRef idx="minor">
-            <a:schemeClr val="lt1"/>
-          </a:fontRef>
-        </p:style>
-        <p:txBody>
-          <a:bodyPr rtlCol="0" anchor="ctr"/>
-          <a:lstStyle/>
-          <a:p>
-            <a:pPr algn="ctr"/>
-            <a:r>
-              <a:rPr lang="en-GB" sz="1100" dirty="0"/>
-              <a:t>Status LCD</a:t>
-            </a:r>
-          </a:p>
-        </p:txBody>
-      </p:sp>
-      <p:sp>
-        <p:nvSpPr>
-          <p:cNvPr id="173" name="Rectangle 172">
-            <a:extLst>
-              <a:ext uri="{FF2B5EF4-FFF2-40B4-BE49-F238E27FC236}">
-                <a16:creationId xmlns:a16="http://schemas.microsoft.com/office/drawing/2014/main" id="{7EE13782-8F64-4179-8A4B-3F4DB815B409}"/>
-              </a:ext>
-            </a:extLst>
-          </p:cNvPr>
-          <p:cNvSpPr/>
-          <p:nvPr/>
-        </p:nvSpPr>
-        <p:spPr>
-          <a:xfrm>
-            <a:off x="1616313" y="4657620"/>
-            <a:ext cx="710553" cy="646487"/>
-          </a:xfrm>
-          <a:prstGeom prst="rect">
-            <a:avLst/>
-          </a:prstGeom>
-        </p:spPr>
-        <p:style>
-          <a:lnRef idx="2">
-            <a:schemeClr val="accent1">
-              <a:shade val="50000"/>
-            </a:schemeClr>
-          </a:lnRef>
-          <a:fillRef idx="1">
-            <a:schemeClr val="accent1"/>
-          </a:fillRef>
-          <a:effectRef idx="0">
-            <a:schemeClr val="accent1"/>
-          </a:effectRef>
-          <a:fontRef idx="minor">
-            <a:schemeClr val="lt1"/>
-          </a:fontRef>
-        </p:style>
-        <p:txBody>
-          <a:bodyPr rtlCol="0" anchor="ctr"/>
-          <a:lstStyle/>
-          <a:p>
-            <a:pPr algn="ctr"/>
-            <a:r>
-              <a:rPr lang="en-GB" sz="1100" dirty="0"/>
-              <a:t>Brake Switch</a:t>
-            </a:r>
-          </a:p>
-        </p:txBody>
-      </p:sp>
-      <p:sp>
-        <p:nvSpPr>
-          <p:cNvPr id="175" name="Rectangle 174">
-            <a:extLst>
-              <a:ext uri="{FF2B5EF4-FFF2-40B4-BE49-F238E27FC236}">
-                <a16:creationId xmlns:a16="http://schemas.microsoft.com/office/drawing/2014/main" id="{91987228-86B1-4B87-9244-1ED157F77BC0}"/>
-              </a:ext>
-            </a:extLst>
-          </p:cNvPr>
-          <p:cNvSpPr/>
-          <p:nvPr/>
-        </p:nvSpPr>
-        <p:spPr>
-          <a:xfrm>
-            <a:off x="4531892" y="3160477"/>
-            <a:ext cx="710553" cy="268765"/>
-          </a:xfrm>
-          <a:prstGeom prst="rect">
-            <a:avLst/>
-          </a:prstGeom>
-        </p:spPr>
-        <p:style>
-          <a:lnRef idx="2">
-            <a:schemeClr val="accent1">
-              <a:shade val="50000"/>
-            </a:schemeClr>
-          </a:lnRef>
-          <a:fillRef idx="1">
-            <a:schemeClr val="accent1"/>
-          </a:fillRef>
-          <a:effectRef idx="0">
-            <a:schemeClr val="accent1"/>
-          </a:effectRef>
-          <a:fontRef idx="minor">
-            <a:schemeClr val="lt1"/>
-          </a:fontRef>
-        </p:style>
-        <p:txBody>
-          <a:bodyPr rtlCol="0" anchor="ctr"/>
-          <a:lstStyle/>
-          <a:p>
-            <a:pPr algn="ctr"/>
-            <a:r>
-              <a:rPr lang="en-GB" sz="1100" dirty="0" err="1"/>
-              <a:t>WiFi</a:t>
-            </a:r>
-            <a:endParaRPr lang="en-GB" sz="1100" dirty="0"/>
-          </a:p>
-        </p:txBody>
-      </p:sp>
-      <p:cxnSp>
-        <p:nvCxnSpPr>
-          <p:cNvPr id="176" name="Straight Arrow Connector 17">
-            <a:extLst>
-              <a:ext uri="{FF2B5EF4-FFF2-40B4-BE49-F238E27FC236}">
-                <a16:creationId xmlns:a16="http://schemas.microsoft.com/office/drawing/2014/main" id="{E888D560-0337-455C-930D-279113A0997E}"/>
-              </a:ext>
-            </a:extLst>
-          </p:cNvPr>
-          <p:cNvCxnSpPr>
-            <a:cxnSpLocks/>
-            <a:stCxn id="175" idx="3"/>
-          </p:cNvCxnSpPr>
-          <p:nvPr/>
-        </p:nvCxnSpPr>
-        <p:spPr>
-          <a:xfrm>
-            <a:off x="5242445" y="3294860"/>
-            <a:ext cx="349922" cy="6189"/>
-          </a:xfrm>
-          <a:prstGeom prst="straightConnector1">
-            <a:avLst/>
-          </a:prstGeom>
-          <a:ln w="19050">
-            <a:solidFill>
-              <a:srgbClr val="7030A0"/>
-            </a:solidFill>
-            <a:headEnd type="triangle" w="med" len="med"/>
-            <a:tailEnd type="triangle" w="med" len="med"/>
-          </a:ln>
-        </p:spPr>
-        <p:style>
-          <a:lnRef idx="1">
-            <a:schemeClr val="accent1"/>
-          </a:lnRef>
-          <a:fillRef idx="0">
-            <a:schemeClr val="accent1"/>
-          </a:fillRef>
-          <a:effectRef idx="0">
-            <a:schemeClr val="accent1"/>
-          </a:effectRef>
-          <a:fontRef idx="minor">
-            <a:schemeClr val="tx1"/>
-          </a:fontRef>
-        </p:style>
-      </p:cxnSp>
-      <p:sp>
-        <p:nvSpPr>
-          <p:cNvPr id="179" name="Rectangle 178">
-            <a:extLst>
-              <a:ext uri="{FF2B5EF4-FFF2-40B4-BE49-F238E27FC236}">
-                <a16:creationId xmlns:a16="http://schemas.microsoft.com/office/drawing/2014/main" id="{A304AEF3-223A-4C5A-A2B7-2BD3F37849E6}"/>
-              </a:ext>
-            </a:extLst>
-          </p:cNvPr>
-          <p:cNvSpPr/>
-          <p:nvPr/>
-        </p:nvSpPr>
-        <p:spPr>
-          <a:xfrm>
-            <a:off x="4519255" y="4795920"/>
-            <a:ext cx="710553" cy="646487"/>
-          </a:xfrm>
-          <a:prstGeom prst="rect">
-            <a:avLst/>
-          </a:prstGeom>
-        </p:spPr>
-        <p:style>
-          <a:lnRef idx="2">
-            <a:schemeClr val="accent1">
-              <a:shade val="50000"/>
-            </a:schemeClr>
-          </a:lnRef>
-          <a:fillRef idx="1">
-            <a:schemeClr val="accent1"/>
-          </a:fillRef>
-          <a:effectRef idx="0">
-            <a:schemeClr val="accent1"/>
-          </a:effectRef>
-          <a:fontRef idx="minor">
-            <a:schemeClr val="lt1"/>
-          </a:fontRef>
-        </p:style>
-        <p:txBody>
-          <a:bodyPr rtlCol="0" anchor="ctr"/>
-          <a:lstStyle/>
-          <a:p>
-            <a:pPr algn="ctr"/>
-            <a:r>
-              <a:rPr lang="en-GB" sz="1100" dirty="0"/>
-              <a:t>Bump Switches</a:t>
-            </a:r>
-          </a:p>
-        </p:txBody>
-      </p:sp>
-      <p:cxnSp>
-        <p:nvCxnSpPr>
-          <p:cNvPr id="180" name="Straight Arrow Connector 17">
-            <a:extLst>
-              <a:ext uri="{FF2B5EF4-FFF2-40B4-BE49-F238E27FC236}">
-                <a16:creationId xmlns:a16="http://schemas.microsoft.com/office/drawing/2014/main" id="{A7336367-AA28-437C-9BC0-E1897B4EDC33}"/>
-              </a:ext>
-            </a:extLst>
-          </p:cNvPr>
-          <p:cNvCxnSpPr>
-            <a:cxnSpLocks/>
-            <a:stCxn id="179" idx="3"/>
-            <a:endCxn id="123" idx="2"/>
-          </p:cNvCxnSpPr>
-          <p:nvPr/>
-        </p:nvCxnSpPr>
-        <p:spPr>
-          <a:xfrm flipV="1">
-            <a:off x="5229808" y="4638369"/>
-            <a:ext cx="708864" cy="480795"/>
-          </a:xfrm>
-          <a:prstGeom prst="bentConnector2">
-            <a:avLst/>
-          </a:prstGeom>
-          <a:ln w="19050">
-            <a:solidFill>
-              <a:srgbClr val="7030A0"/>
-            </a:solidFill>
-            <a:tailEnd type="triangle"/>
-          </a:ln>
-        </p:spPr>
-        <p:style>
-          <a:lnRef idx="1">
-            <a:schemeClr val="accent1"/>
-          </a:lnRef>
-          <a:fillRef idx="0">
-            <a:schemeClr val="accent1"/>
-          </a:fillRef>
-          <a:effectRef idx="0">
-            <a:schemeClr val="accent1"/>
-          </a:effectRef>
-          <a:fontRef idx="minor">
-            <a:schemeClr val="tx1"/>
-          </a:fontRef>
-        </p:style>
-      </p:cxnSp>
-      <p:sp>
-        <p:nvSpPr>
-          <p:cNvPr id="185" name="Rectangle 184">
-            <a:extLst>
-              <a:ext uri="{FF2B5EF4-FFF2-40B4-BE49-F238E27FC236}">
-                <a16:creationId xmlns:a16="http://schemas.microsoft.com/office/drawing/2014/main" id="{514BFF31-AAD8-4415-BB98-D304DE089C33}"/>
-              </a:ext>
-            </a:extLst>
-          </p:cNvPr>
-          <p:cNvSpPr/>
-          <p:nvPr/>
-        </p:nvSpPr>
-        <p:spPr>
-          <a:xfrm>
-            <a:off x="4510451" y="3544781"/>
-            <a:ext cx="710553" cy="268765"/>
-          </a:xfrm>
-          <a:prstGeom prst="rect">
-            <a:avLst/>
-          </a:prstGeom>
-        </p:spPr>
-        <p:style>
-          <a:lnRef idx="2">
-            <a:schemeClr val="accent1">
-              <a:shade val="50000"/>
-            </a:schemeClr>
-          </a:lnRef>
-          <a:fillRef idx="1">
-            <a:schemeClr val="accent1"/>
-          </a:fillRef>
-          <a:effectRef idx="0">
-            <a:schemeClr val="accent1"/>
-          </a:effectRef>
-          <a:fontRef idx="minor">
-            <a:schemeClr val="lt1"/>
-          </a:fontRef>
-        </p:style>
-        <p:txBody>
-          <a:bodyPr rtlCol="0" anchor="ctr"/>
-          <a:lstStyle/>
-          <a:p>
-            <a:pPr algn="ctr"/>
-            <a:r>
-              <a:rPr lang="en-GB" sz="1100" dirty="0"/>
-              <a:t>GPS</a:t>
-            </a:r>
-          </a:p>
-        </p:txBody>
-      </p:sp>
-      <p:cxnSp>
-        <p:nvCxnSpPr>
-          <p:cNvPr id="187" name="Straight Arrow Connector 17">
-            <a:extLst>
-              <a:ext uri="{FF2B5EF4-FFF2-40B4-BE49-F238E27FC236}">
-                <a16:creationId xmlns:a16="http://schemas.microsoft.com/office/drawing/2014/main" id="{B0ACAE70-C85B-4FDE-9361-53ACA39D451D}"/>
-              </a:ext>
-            </a:extLst>
-          </p:cNvPr>
-          <p:cNvCxnSpPr>
-            <a:cxnSpLocks/>
-            <a:stCxn id="185" idx="3"/>
-          </p:cNvCxnSpPr>
-          <p:nvPr/>
-        </p:nvCxnSpPr>
-        <p:spPr>
-          <a:xfrm flipV="1">
-            <a:off x="5221004" y="3462670"/>
-            <a:ext cx="364862" cy="216494"/>
-          </a:xfrm>
-          <a:prstGeom prst="bentConnector3">
-            <a:avLst>
-              <a:gd name="adj1" fmla="val 50000"/>
-            </a:avLst>
-          </a:prstGeom>
-          <a:ln w="19050">
-            <a:solidFill>
-              <a:srgbClr val="7030A0"/>
-            </a:solidFill>
-            <a:headEnd type="none" w="med" len="med"/>
-            <a:tailEnd type="triangle" w="med" len="med"/>
-          </a:ln>
-        </p:spPr>
-        <p:style>
-          <a:lnRef idx="1">
-            <a:schemeClr val="accent1"/>
-          </a:lnRef>
-          <a:fillRef idx="0">
-            <a:schemeClr val="accent1"/>
-          </a:fillRef>
-          <a:effectRef idx="0">
-            <a:schemeClr val="accent1"/>
-          </a:effectRef>
-          <a:fontRef idx="minor">
-            <a:schemeClr val="tx1"/>
-          </a:fontRef>
-        </p:style>
-      </p:cxnSp>
-      <p:sp>
-        <p:nvSpPr>
-          <p:cNvPr id="189" name="Rectangle 188">
-            <a:extLst>
-              <a:ext uri="{FF2B5EF4-FFF2-40B4-BE49-F238E27FC236}">
-                <a16:creationId xmlns:a16="http://schemas.microsoft.com/office/drawing/2014/main" id="{D761EC7D-3E13-45A6-AAFD-5153A491463C}"/>
-              </a:ext>
-            </a:extLst>
-          </p:cNvPr>
-          <p:cNvSpPr/>
-          <p:nvPr/>
-        </p:nvSpPr>
-        <p:spPr>
-          <a:xfrm>
-            <a:off x="2475299" y="4659719"/>
-            <a:ext cx="710553" cy="646487"/>
-          </a:xfrm>
-          <a:prstGeom prst="rect">
-            <a:avLst/>
-          </a:prstGeom>
-        </p:spPr>
-        <p:style>
-          <a:lnRef idx="2">
-            <a:schemeClr val="accent1">
-              <a:shade val="50000"/>
-            </a:schemeClr>
-          </a:lnRef>
-          <a:fillRef idx="1">
-            <a:schemeClr val="accent1"/>
-          </a:fillRef>
-          <a:effectRef idx="0">
-            <a:schemeClr val="accent1"/>
-          </a:effectRef>
-          <a:fontRef idx="minor">
-            <a:schemeClr val="lt1"/>
-          </a:fontRef>
-        </p:style>
-        <p:txBody>
-          <a:bodyPr rtlCol="0" anchor="ctr"/>
-          <a:lstStyle/>
-          <a:p>
-            <a:pPr algn="ctr"/>
-            <a:r>
-              <a:rPr lang="en-GB" sz="1100" dirty="0"/>
-              <a:t>Local / Remote Mode</a:t>
-            </a:r>
-          </a:p>
-        </p:txBody>
-      </p:sp>
-      <p:sp>
-        <p:nvSpPr>
-          <p:cNvPr id="190" name="Rectangle 189">
-            <a:extLst>
-              <a:ext uri="{FF2B5EF4-FFF2-40B4-BE49-F238E27FC236}">
-                <a16:creationId xmlns:a16="http://schemas.microsoft.com/office/drawing/2014/main" id="{D22C6DBF-C09C-4456-9A41-A92609016160}"/>
-              </a:ext>
-            </a:extLst>
-          </p:cNvPr>
-          <p:cNvSpPr/>
-          <p:nvPr/>
-        </p:nvSpPr>
-        <p:spPr>
-          <a:xfrm>
-            <a:off x="3319174" y="4659927"/>
-            <a:ext cx="710553" cy="646487"/>
-          </a:xfrm>
-          <a:prstGeom prst="rect">
-            <a:avLst/>
-          </a:prstGeom>
-        </p:spPr>
-        <p:style>
-          <a:lnRef idx="2">
-            <a:schemeClr val="accent1">
-              <a:shade val="50000"/>
-            </a:schemeClr>
-          </a:lnRef>
-          <a:fillRef idx="1">
-            <a:schemeClr val="accent1"/>
-          </a:fillRef>
-          <a:effectRef idx="0">
-            <a:schemeClr val="accent1"/>
-          </a:effectRef>
-          <a:fontRef idx="minor">
-            <a:schemeClr val="lt1"/>
-          </a:fontRef>
-        </p:style>
-        <p:txBody>
-          <a:bodyPr rtlCol="0" anchor="ctr"/>
-          <a:lstStyle/>
-          <a:p>
-            <a:pPr algn="ctr"/>
-            <a:r>
-              <a:rPr lang="en-GB" sz="1100" dirty="0"/>
-              <a:t>D / N / R Switch?</a:t>
-            </a:r>
-          </a:p>
-        </p:txBody>
-      </p:sp>
-      <p:sp>
-        <p:nvSpPr>
-          <p:cNvPr id="192" name="Rectangle 191">
-            <a:extLst>
-              <a:ext uri="{FF2B5EF4-FFF2-40B4-BE49-F238E27FC236}">
-                <a16:creationId xmlns:a16="http://schemas.microsoft.com/office/drawing/2014/main" id="{5F695F32-86F4-48A7-BDD8-770CCCD7C0E1}"/>
-              </a:ext>
-            </a:extLst>
-          </p:cNvPr>
-          <p:cNvSpPr/>
-          <p:nvPr/>
-        </p:nvSpPr>
-        <p:spPr>
-          <a:xfrm>
-            <a:off x="4484310" y="322657"/>
-            <a:ext cx="710553" cy="646487"/>
-          </a:xfrm>
-          <a:prstGeom prst="rect">
-            <a:avLst/>
-          </a:prstGeom>
-        </p:spPr>
-        <p:style>
-          <a:lnRef idx="2">
-            <a:schemeClr val="accent1">
-              <a:shade val="50000"/>
-            </a:schemeClr>
-          </a:lnRef>
-          <a:fillRef idx="1">
-            <a:schemeClr val="accent1"/>
-          </a:fillRef>
-          <a:effectRef idx="0">
-            <a:schemeClr val="accent1"/>
-          </a:effectRef>
-          <a:fontRef idx="minor">
-            <a:schemeClr val="lt1"/>
-          </a:fontRef>
-        </p:style>
-        <p:txBody>
-          <a:bodyPr rtlCol="0" anchor="ctr"/>
-          <a:lstStyle/>
-          <a:p>
-            <a:pPr algn="ctr"/>
-            <a:r>
-              <a:rPr lang="en-GB" sz="1050" dirty="0"/>
-              <a:t>Lights </a:t>
-            </a:r>
-            <a:r>
-              <a:rPr lang="en-GB" sz="700" dirty="0"/>
-              <a:t>addressable?</a:t>
-            </a:r>
-            <a:endParaRPr lang="en-GB" sz="1050" dirty="0"/>
-          </a:p>
-        </p:txBody>
-      </p:sp>
-      <p:cxnSp>
-        <p:nvCxnSpPr>
-          <p:cNvPr id="193" name="Straight Connector 192">
-            <a:extLst>
-              <a:ext uri="{FF2B5EF4-FFF2-40B4-BE49-F238E27FC236}">
-                <a16:creationId xmlns:a16="http://schemas.microsoft.com/office/drawing/2014/main" id="{C124EEDD-B74B-4387-9309-FBAA39A49DB7}"/>
-              </a:ext>
-            </a:extLst>
-          </p:cNvPr>
-          <p:cNvCxnSpPr>
-            <a:cxnSpLocks/>
-            <a:endCxn id="192" idx="2"/>
-          </p:cNvCxnSpPr>
-          <p:nvPr/>
-        </p:nvCxnSpPr>
-        <p:spPr>
-          <a:xfrm flipV="1">
-            <a:off x="4839587" y="969144"/>
-            <a:ext cx="0" cy="165699"/>
+            <a:off x="9744651" y="3244834"/>
+            <a:ext cx="178324" cy="2159"/>
           </a:xfrm>
           <a:prstGeom prst="line">
             <a:avLst/>
